--- a/06_Figures/Figures.pptx
+++ b/06_Figures/Figures.pptx
@@ -8,6 +8,7 @@
     <p:sldId id="256" r:id="rId2"/>
     <p:sldId id="257" r:id="rId3"/>
     <p:sldId id="258" r:id="rId4"/>
+    <p:sldId id="259" r:id="rId5"/>
   </p:sldIdLst>
   <p:sldSz cx="9144000" cy="6858000" type="screen4x3"/>
   <p:notesSz cx="6858000" cy="9144000"/>
@@ -245,7 +246,7 @@
           <a:p>
             <a:fld id="{3FF39126-F987-48DB-9EEF-9CD00B9E823D}" type="datetimeFigureOut">
               <a:rPr lang="fr-FR" smtClean="0"/>
-              <a:t>20/10/2022</a:t>
+              <a:t>21/10/2022</a:t>
             </a:fld>
             <a:endParaRPr lang="fr-FR"/>
           </a:p>
@@ -415,7 +416,7 @@
           <a:p>
             <a:fld id="{3FF39126-F987-48DB-9EEF-9CD00B9E823D}" type="datetimeFigureOut">
               <a:rPr lang="fr-FR" smtClean="0"/>
-              <a:t>20/10/2022</a:t>
+              <a:t>21/10/2022</a:t>
             </a:fld>
             <a:endParaRPr lang="fr-FR"/>
           </a:p>
@@ -595,7 +596,7 @@
           <a:p>
             <a:fld id="{3FF39126-F987-48DB-9EEF-9CD00B9E823D}" type="datetimeFigureOut">
               <a:rPr lang="fr-FR" smtClean="0"/>
-              <a:t>20/10/2022</a:t>
+              <a:t>21/10/2022</a:t>
             </a:fld>
             <a:endParaRPr lang="fr-FR"/>
           </a:p>
@@ -765,7 +766,7 @@
           <a:p>
             <a:fld id="{3FF39126-F987-48DB-9EEF-9CD00B9E823D}" type="datetimeFigureOut">
               <a:rPr lang="fr-FR" smtClean="0"/>
-              <a:t>20/10/2022</a:t>
+              <a:t>21/10/2022</a:t>
             </a:fld>
             <a:endParaRPr lang="fr-FR"/>
           </a:p>
@@ -1009,7 +1010,7 @@
           <a:p>
             <a:fld id="{3FF39126-F987-48DB-9EEF-9CD00B9E823D}" type="datetimeFigureOut">
               <a:rPr lang="fr-FR" smtClean="0"/>
-              <a:t>20/10/2022</a:t>
+              <a:t>21/10/2022</a:t>
             </a:fld>
             <a:endParaRPr lang="fr-FR"/>
           </a:p>
@@ -1241,7 +1242,7 @@
           <a:p>
             <a:fld id="{3FF39126-F987-48DB-9EEF-9CD00B9E823D}" type="datetimeFigureOut">
               <a:rPr lang="fr-FR" smtClean="0"/>
-              <a:t>20/10/2022</a:t>
+              <a:t>21/10/2022</a:t>
             </a:fld>
             <a:endParaRPr lang="fr-FR"/>
           </a:p>
@@ -1608,7 +1609,7 @@
           <a:p>
             <a:fld id="{3FF39126-F987-48DB-9EEF-9CD00B9E823D}" type="datetimeFigureOut">
               <a:rPr lang="fr-FR" smtClean="0"/>
-              <a:t>20/10/2022</a:t>
+              <a:t>21/10/2022</a:t>
             </a:fld>
             <a:endParaRPr lang="fr-FR"/>
           </a:p>
@@ -1726,7 +1727,7 @@
           <a:p>
             <a:fld id="{3FF39126-F987-48DB-9EEF-9CD00B9E823D}" type="datetimeFigureOut">
               <a:rPr lang="fr-FR" smtClean="0"/>
-              <a:t>20/10/2022</a:t>
+              <a:t>21/10/2022</a:t>
             </a:fld>
             <a:endParaRPr lang="fr-FR"/>
           </a:p>
@@ -1821,7 +1822,7 @@
           <a:p>
             <a:fld id="{3FF39126-F987-48DB-9EEF-9CD00B9E823D}" type="datetimeFigureOut">
               <a:rPr lang="fr-FR" smtClean="0"/>
-              <a:t>20/10/2022</a:t>
+              <a:t>21/10/2022</a:t>
             </a:fld>
             <a:endParaRPr lang="fr-FR"/>
           </a:p>
@@ -2098,7 +2099,7 @@
           <a:p>
             <a:fld id="{3FF39126-F987-48DB-9EEF-9CD00B9E823D}" type="datetimeFigureOut">
               <a:rPr lang="fr-FR" smtClean="0"/>
-              <a:t>20/10/2022</a:t>
+              <a:t>21/10/2022</a:t>
             </a:fld>
             <a:endParaRPr lang="fr-FR"/>
           </a:p>
@@ -2355,7 +2356,7 @@
           <a:p>
             <a:fld id="{3FF39126-F987-48DB-9EEF-9CD00B9E823D}" type="datetimeFigureOut">
               <a:rPr lang="fr-FR" smtClean="0"/>
-              <a:t>20/10/2022</a:t>
+              <a:t>21/10/2022</a:t>
             </a:fld>
             <a:endParaRPr lang="fr-FR"/>
           </a:p>
@@ -2568,7 +2569,7 @@
           <a:p>
             <a:fld id="{3FF39126-F987-48DB-9EEF-9CD00B9E823D}" type="datetimeFigureOut">
               <a:rPr lang="fr-FR" smtClean="0"/>
-              <a:t>20/10/2022</a:t>
+              <a:t>21/10/2022</a:t>
             </a:fld>
             <a:endParaRPr lang="fr-FR"/>
           </a:p>
@@ -4406,10 +4407,10 @@
         </p:nvGrpSpPr>
         <p:grpSpPr>
           <a:xfrm>
-            <a:off x="117440" y="-2336454"/>
-            <a:ext cx="8923428" cy="9338147"/>
+            <a:off x="136490" y="-2393604"/>
+            <a:ext cx="8923428" cy="9214380"/>
             <a:chOff x="117440" y="-2336454"/>
-            <a:chExt cx="8923428" cy="9338147"/>
+            <a:chExt cx="8923428" cy="9214380"/>
           </a:xfrm>
         </p:grpSpPr>
         <p:grpSp>
@@ -4421,9 +4422,9 @@
           <p:grpSpPr>
             <a:xfrm>
               <a:off x="117440" y="-2336454"/>
-              <a:ext cx="8923428" cy="9338147"/>
+              <a:ext cx="8923428" cy="9214380"/>
               <a:chOff x="117440" y="-2336454"/>
-              <a:chExt cx="8923428" cy="9338147"/>
+              <a:chExt cx="8923428" cy="9214380"/>
             </a:xfrm>
           </p:grpSpPr>
           <p:pic>
@@ -4570,7 +4571,7 @@
             </p:blipFill>
             <p:spPr>
               <a:xfrm>
-                <a:off x="2530989" y="6531046"/>
+                <a:off x="2530989" y="6407279"/>
                 <a:ext cx="4289612" cy="470647"/>
               </a:xfrm>
               <a:prstGeom prst="rect">
@@ -4724,10 +4725,1941 @@
           </p:txBody>
         </p:sp>
       </p:grpSp>
+      <p:grpSp>
+        <p:nvGrpSpPr>
+          <p:cNvPr id="9" name="Groupe 8"/>
+          <p:cNvGrpSpPr/>
+          <p:nvPr/>
+        </p:nvGrpSpPr>
+        <p:grpSpPr>
+          <a:xfrm>
+            <a:off x="1334981" y="6924675"/>
+            <a:ext cx="7600711" cy="490628"/>
+            <a:chOff x="1181339" y="6824808"/>
+            <a:chExt cx="7600711" cy="490628"/>
+          </a:xfrm>
+        </p:grpSpPr>
+        <p:grpSp>
+          <p:nvGrpSpPr>
+            <p:cNvPr id="6" name="Groupe 5"/>
+            <p:cNvGrpSpPr/>
+            <p:nvPr/>
+          </p:nvGrpSpPr>
+          <p:grpSpPr>
+            <a:xfrm>
+              <a:off x="1181339" y="6824808"/>
+              <a:ext cx="3508187" cy="490628"/>
+              <a:chOff x="1276589" y="6796233"/>
+              <a:chExt cx="3508187" cy="490628"/>
+            </a:xfrm>
+          </p:grpSpPr>
+          <p:sp>
+            <p:nvSpPr>
+              <p:cNvPr id="4" name="Ellipse 3"/>
+              <p:cNvSpPr/>
+              <p:nvPr/>
+            </p:nvSpPr>
+            <p:spPr>
+              <a:xfrm>
+                <a:off x="1276589" y="6877926"/>
+                <a:ext cx="108000" cy="108000"/>
+              </a:xfrm>
+              <a:prstGeom prst="ellipse">
+                <a:avLst/>
+              </a:prstGeom>
+              <a:solidFill>
+                <a:srgbClr val="FDE725"/>
+              </a:solidFill>
+              <a:ln>
+                <a:solidFill>
+                  <a:schemeClr val="tx1"/>
+                </a:solidFill>
+              </a:ln>
+            </p:spPr>
+            <p:style>
+              <a:lnRef idx="2">
+                <a:schemeClr val="accent1">
+                  <a:shade val="50000"/>
+                </a:schemeClr>
+              </a:lnRef>
+              <a:fillRef idx="1">
+                <a:schemeClr val="accent1"/>
+              </a:fillRef>
+              <a:effectRef idx="0">
+                <a:schemeClr val="accent1"/>
+              </a:effectRef>
+              <a:fontRef idx="minor">
+                <a:schemeClr val="lt1"/>
+              </a:fontRef>
+            </p:style>
+            <p:txBody>
+              <a:bodyPr rtlCol="0" anchor="ctr"/>
+              <a:lstStyle/>
+              <a:p>
+                <a:pPr algn="ctr"/>
+                <a:endParaRPr lang="fr-FR"/>
+              </a:p>
+            </p:txBody>
+          </p:sp>
+          <p:sp>
+            <p:nvSpPr>
+              <p:cNvPr id="19" name="Ellipse 18"/>
+              <p:cNvSpPr/>
+              <p:nvPr/>
+            </p:nvSpPr>
+            <p:spPr>
+              <a:xfrm>
+                <a:off x="1276589" y="7100226"/>
+                <a:ext cx="108000" cy="108000"/>
+              </a:xfrm>
+              <a:prstGeom prst="ellipse">
+                <a:avLst/>
+              </a:prstGeom>
+              <a:solidFill>
+                <a:srgbClr val="20A387"/>
+              </a:solidFill>
+              <a:ln>
+                <a:solidFill>
+                  <a:schemeClr val="tx1"/>
+                </a:solidFill>
+              </a:ln>
+            </p:spPr>
+            <p:style>
+              <a:lnRef idx="2">
+                <a:schemeClr val="accent1">
+                  <a:shade val="50000"/>
+                </a:schemeClr>
+              </a:lnRef>
+              <a:fillRef idx="1">
+                <a:schemeClr val="accent1"/>
+              </a:fillRef>
+              <a:effectRef idx="0">
+                <a:schemeClr val="accent1"/>
+              </a:effectRef>
+              <a:fontRef idx="minor">
+                <a:schemeClr val="lt1"/>
+              </a:fontRef>
+            </p:style>
+            <p:txBody>
+              <a:bodyPr rtlCol="0" anchor="ctr"/>
+              <a:lstStyle/>
+              <a:p>
+                <a:pPr algn="ctr"/>
+                <a:endParaRPr lang="fr-FR"/>
+              </a:p>
+            </p:txBody>
+          </p:sp>
+          <p:sp>
+            <p:nvSpPr>
+              <p:cNvPr id="20" name="Ellipse 19"/>
+              <p:cNvSpPr/>
+              <p:nvPr/>
+            </p:nvSpPr>
+            <p:spPr>
+              <a:xfrm>
+                <a:off x="2886074" y="6877926"/>
+                <a:ext cx="108000" cy="108000"/>
+              </a:xfrm>
+              <a:prstGeom prst="ellipse">
+                <a:avLst/>
+              </a:prstGeom>
+              <a:solidFill>
+                <a:srgbClr val="B40F20"/>
+              </a:solidFill>
+              <a:ln>
+                <a:solidFill>
+                  <a:schemeClr val="tx1"/>
+                </a:solidFill>
+              </a:ln>
+            </p:spPr>
+            <p:style>
+              <a:lnRef idx="2">
+                <a:schemeClr val="accent1">
+                  <a:shade val="50000"/>
+                </a:schemeClr>
+              </a:lnRef>
+              <a:fillRef idx="1">
+                <a:schemeClr val="accent1"/>
+              </a:fillRef>
+              <a:effectRef idx="0">
+                <a:schemeClr val="accent1"/>
+              </a:effectRef>
+              <a:fontRef idx="minor">
+                <a:schemeClr val="lt1"/>
+              </a:fontRef>
+            </p:style>
+            <p:txBody>
+              <a:bodyPr rtlCol="0" anchor="ctr"/>
+              <a:lstStyle/>
+              <a:p>
+                <a:pPr algn="ctr"/>
+                <a:endParaRPr lang="fr-FR"/>
+              </a:p>
+            </p:txBody>
+          </p:sp>
+          <p:sp>
+            <p:nvSpPr>
+              <p:cNvPr id="21" name="Ellipse 20"/>
+              <p:cNvSpPr/>
+              <p:nvPr/>
+            </p:nvSpPr>
+            <p:spPr>
+              <a:xfrm>
+                <a:off x="2886074" y="7100226"/>
+                <a:ext cx="108000" cy="108000"/>
+              </a:xfrm>
+              <a:prstGeom prst="ellipse">
+                <a:avLst/>
+              </a:prstGeom>
+              <a:solidFill>
+                <a:srgbClr val="440154"/>
+              </a:solidFill>
+              <a:ln>
+                <a:solidFill>
+                  <a:schemeClr val="tx1"/>
+                </a:solidFill>
+              </a:ln>
+            </p:spPr>
+            <p:style>
+              <a:lnRef idx="2">
+                <a:schemeClr val="accent1">
+                  <a:shade val="50000"/>
+                </a:schemeClr>
+              </a:lnRef>
+              <a:fillRef idx="1">
+                <a:schemeClr val="accent1"/>
+              </a:fillRef>
+              <a:effectRef idx="0">
+                <a:schemeClr val="accent1"/>
+              </a:effectRef>
+              <a:fontRef idx="minor">
+                <a:schemeClr val="lt1"/>
+              </a:fontRef>
+            </p:style>
+            <p:txBody>
+              <a:bodyPr rtlCol="0" anchor="ctr"/>
+              <a:lstStyle/>
+              <a:p>
+                <a:pPr algn="ctr"/>
+                <a:endParaRPr lang="fr-FR"/>
+              </a:p>
+            </p:txBody>
+          </p:sp>
+          <p:sp>
+            <p:nvSpPr>
+              <p:cNvPr id="5" name="ZoneTexte 4"/>
+              <p:cNvSpPr txBox="1"/>
+              <p:nvPr/>
+            </p:nvSpPr>
+            <p:spPr>
+              <a:xfrm>
+                <a:off x="1336964" y="7025251"/>
+                <a:ext cx="1832723" cy="261610"/>
+              </a:xfrm>
+              <a:prstGeom prst="rect">
+                <a:avLst/>
+              </a:prstGeom>
+              <a:noFill/>
+            </p:spPr>
+            <p:txBody>
+              <a:bodyPr wrap="square" rtlCol="0">
+                <a:spAutoFit/>
+              </a:bodyPr>
+              <a:lstStyle/>
+              <a:p>
+                <a:r>
+                  <a:rPr lang="fr-FR" sz="1100" b="1" dirty="0" err="1" smtClean="0">
+                    <a:latin typeface="Arial" panose="020B0604020202020204" pitchFamily="34" charset="0"/>
+                    <a:cs typeface="Arial" panose="020B0604020202020204" pitchFamily="34" charset="0"/>
+                  </a:rPr>
+                  <a:t>Seamount</a:t>
+                </a:r>
+                <a:r>
+                  <a:rPr lang="fr-FR" sz="1100" b="1" dirty="0" smtClean="0">
+                    <a:latin typeface="Arial" panose="020B0604020202020204" pitchFamily="34" charset="0"/>
+                    <a:cs typeface="Arial" panose="020B0604020202020204" pitchFamily="34" charset="0"/>
+                  </a:rPr>
+                  <a:t> ~50m</a:t>
+                </a:r>
+                <a:endParaRPr lang="fr-FR" sz="1100" b="1" dirty="0">
+                  <a:latin typeface="Arial" panose="020B0604020202020204" pitchFamily="34" charset="0"/>
+                  <a:cs typeface="Arial" panose="020B0604020202020204" pitchFamily="34" charset="0"/>
+                </a:endParaRPr>
+              </a:p>
+            </p:txBody>
+          </p:sp>
+          <p:sp>
+            <p:nvSpPr>
+              <p:cNvPr id="22" name="ZoneTexte 21"/>
+              <p:cNvSpPr txBox="1"/>
+              <p:nvPr/>
+            </p:nvSpPr>
+            <p:spPr>
+              <a:xfrm>
+                <a:off x="2952053" y="6801121"/>
+                <a:ext cx="1832723" cy="261610"/>
+              </a:xfrm>
+              <a:prstGeom prst="rect">
+                <a:avLst/>
+              </a:prstGeom>
+              <a:noFill/>
+            </p:spPr>
+            <p:txBody>
+              <a:bodyPr wrap="square" rtlCol="0">
+                <a:spAutoFit/>
+              </a:bodyPr>
+              <a:lstStyle/>
+              <a:p>
+                <a:r>
+                  <a:rPr lang="fr-FR" sz="1100" b="1" dirty="0" err="1" smtClean="0">
+                    <a:latin typeface="Arial" panose="020B0604020202020204" pitchFamily="34" charset="0"/>
+                    <a:cs typeface="Arial" panose="020B0604020202020204" pitchFamily="34" charset="0"/>
+                  </a:rPr>
+                  <a:t>Seamount</a:t>
+                </a:r>
+                <a:r>
+                  <a:rPr lang="fr-FR" sz="1100" b="1" dirty="0" smtClean="0">
+                    <a:latin typeface="Arial" panose="020B0604020202020204" pitchFamily="34" charset="0"/>
+                    <a:cs typeface="Arial" panose="020B0604020202020204" pitchFamily="34" charset="0"/>
+                  </a:rPr>
+                  <a:t> ~250m</a:t>
+                </a:r>
+                <a:endParaRPr lang="fr-FR" sz="1100" b="1" dirty="0">
+                  <a:latin typeface="Arial" panose="020B0604020202020204" pitchFamily="34" charset="0"/>
+                  <a:cs typeface="Arial" panose="020B0604020202020204" pitchFamily="34" charset="0"/>
+                </a:endParaRPr>
+              </a:p>
+            </p:txBody>
+          </p:sp>
+          <p:sp>
+            <p:nvSpPr>
+              <p:cNvPr id="23" name="ZoneTexte 22"/>
+              <p:cNvSpPr txBox="1"/>
+              <p:nvPr/>
+            </p:nvSpPr>
+            <p:spPr>
+              <a:xfrm>
+                <a:off x="2952053" y="7022365"/>
+                <a:ext cx="1832723" cy="261610"/>
+              </a:xfrm>
+              <a:prstGeom prst="rect">
+                <a:avLst/>
+              </a:prstGeom>
+              <a:noFill/>
+            </p:spPr>
+            <p:txBody>
+              <a:bodyPr wrap="square" rtlCol="0">
+                <a:spAutoFit/>
+              </a:bodyPr>
+              <a:lstStyle/>
+              <a:p>
+                <a:r>
+                  <a:rPr lang="fr-FR" sz="1100" b="1" dirty="0" err="1" smtClean="0">
+                    <a:latin typeface="Arial" panose="020B0604020202020204" pitchFamily="34" charset="0"/>
+                    <a:cs typeface="Arial" panose="020B0604020202020204" pitchFamily="34" charset="0"/>
+                  </a:rPr>
+                  <a:t>Seamount</a:t>
+                </a:r>
+                <a:r>
+                  <a:rPr lang="fr-FR" sz="1100" b="1" dirty="0" smtClean="0">
+                    <a:latin typeface="Arial" panose="020B0604020202020204" pitchFamily="34" charset="0"/>
+                    <a:cs typeface="Arial" panose="020B0604020202020204" pitchFamily="34" charset="0"/>
+                  </a:rPr>
+                  <a:t> ~500m</a:t>
+                </a:r>
+                <a:endParaRPr lang="fr-FR" sz="1100" b="1" dirty="0">
+                  <a:latin typeface="Arial" panose="020B0604020202020204" pitchFamily="34" charset="0"/>
+                  <a:cs typeface="Arial" panose="020B0604020202020204" pitchFamily="34" charset="0"/>
+                </a:endParaRPr>
+              </a:p>
+            </p:txBody>
+          </p:sp>
+          <p:sp>
+            <p:nvSpPr>
+              <p:cNvPr id="24" name="ZoneTexte 23"/>
+              <p:cNvSpPr txBox="1"/>
+              <p:nvPr/>
+            </p:nvSpPr>
+            <p:spPr>
+              <a:xfrm>
+                <a:off x="1336964" y="6796233"/>
+                <a:ext cx="1832723" cy="261610"/>
+              </a:xfrm>
+              <a:prstGeom prst="rect">
+                <a:avLst/>
+              </a:prstGeom>
+              <a:noFill/>
+            </p:spPr>
+            <p:txBody>
+              <a:bodyPr wrap="square" rtlCol="0">
+                <a:spAutoFit/>
+              </a:bodyPr>
+              <a:lstStyle/>
+              <a:p>
+                <a:r>
+                  <a:rPr lang="fr-FR" sz="1100" b="1" dirty="0" err="1" smtClean="0">
+                    <a:latin typeface="Arial" panose="020B0604020202020204" pitchFamily="34" charset="0"/>
+                    <a:cs typeface="Arial" panose="020B0604020202020204" pitchFamily="34" charset="0"/>
+                  </a:rPr>
+                  <a:t>Deep</a:t>
+                </a:r>
+                <a:r>
+                  <a:rPr lang="fr-FR" sz="1100" b="1" dirty="0" smtClean="0">
+                    <a:latin typeface="Arial" panose="020B0604020202020204" pitchFamily="34" charset="0"/>
+                    <a:cs typeface="Arial" panose="020B0604020202020204" pitchFamily="34" charset="0"/>
+                  </a:rPr>
+                  <a:t> </a:t>
+                </a:r>
+                <a:r>
+                  <a:rPr lang="fr-FR" sz="1100" b="1" dirty="0" err="1" smtClean="0">
+                    <a:latin typeface="Arial" panose="020B0604020202020204" pitchFamily="34" charset="0"/>
+                    <a:cs typeface="Arial" panose="020B0604020202020204" pitchFamily="34" charset="0"/>
+                  </a:rPr>
+                  <a:t>slope</a:t>
+                </a:r>
+                <a:r>
+                  <a:rPr lang="fr-FR" sz="1100" b="1" dirty="0" smtClean="0">
+                    <a:latin typeface="Arial" panose="020B0604020202020204" pitchFamily="34" charset="0"/>
+                    <a:cs typeface="Arial" panose="020B0604020202020204" pitchFamily="34" charset="0"/>
+                  </a:rPr>
+                  <a:t> </a:t>
+                </a:r>
+                <a:endParaRPr lang="fr-FR" sz="1100" b="1" dirty="0">
+                  <a:latin typeface="Arial" panose="020B0604020202020204" pitchFamily="34" charset="0"/>
+                  <a:cs typeface="Arial" panose="020B0604020202020204" pitchFamily="34" charset="0"/>
+                </a:endParaRPr>
+              </a:p>
+            </p:txBody>
+          </p:sp>
+        </p:grpSp>
+        <p:grpSp>
+          <p:nvGrpSpPr>
+            <p:cNvPr id="8" name="Groupe 7"/>
+            <p:cNvGrpSpPr/>
+            <p:nvPr/>
+          </p:nvGrpSpPr>
+          <p:grpSpPr>
+            <a:xfrm>
+              <a:off x="5200649" y="6833628"/>
+              <a:ext cx="3581401" cy="478922"/>
+              <a:chOff x="5200649" y="6833628"/>
+              <a:chExt cx="3581401" cy="478922"/>
+            </a:xfrm>
+          </p:grpSpPr>
+          <p:sp>
+            <p:nvSpPr>
+              <p:cNvPr id="7" name="Triangle isocèle 6"/>
+              <p:cNvSpPr/>
+              <p:nvPr/>
+            </p:nvSpPr>
+            <p:spPr>
+              <a:xfrm>
+                <a:off x="5200649" y="6906501"/>
+                <a:ext cx="108000" cy="108000"/>
+              </a:xfrm>
+              <a:prstGeom prst="triangle">
+                <a:avLst/>
+              </a:prstGeom>
+              <a:noFill/>
+              <a:ln>
+                <a:solidFill>
+                  <a:schemeClr val="tx1"/>
+                </a:solidFill>
+              </a:ln>
+            </p:spPr>
+            <p:style>
+              <a:lnRef idx="2">
+                <a:schemeClr val="accent1">
+                  <a:shade val="50000"/>
+                </a:schemeClr>
+              </a:lnRef>
+              <a:fillRef idx="1">
+                <a:schemeClr val="accent1"/>
+              </a:fillRef>
+              <a:effectRef idx="0">
+                <a:schemeClr val="accent1"/>
+              </a:effectRef>
+              <a:fontRef idx="minor">
+                <a:schemeClr val="lt1"/>
+              </a:fontRef>
+            </p:style>
+            <p:txBody>
+              <a:bodyPr rtlCol="0" anchor="ctr"/>
+              <a:lstStyle/>
+              <a:p>
+                <a:pPr algn="ctr"/>
+                <a:endParaRPr lang="fr-FR"/>
+              </a:p>
+            </p:txBody>
+          </p:sp>
+          <p:sp>
+            <p:nvSpPr>
+              <p:cNvPr id="25" name="Ellipse 24"/>
+              <p:cNvSpPr/>
+              <p:nvPr/>
+            </p:nvSpPr>
+            <p:spPr>
+              <a:xfrm>
+                <a:off x="5200649" y="7127745"/>
+                <a:ext cx="108000" cy="108000"/>
+              </a:xfrm>
+              <a:prstGeom prst="ellipse">
+                <a:avLst/>
+              </a:prstGeom>
+              <a:noFill/>
+              <a:ln>
+                <a:solidFill>
+                  <a:schemeClr val="tx1"/>
+                </a:solidFill>
+              </a:ln>
+            </p:spPr>
+            <p:style>
+              <a:lnRef idx="2">
+                <a:schemeClr val="accent1">
+                  <a:shade val="50000"/>
+                </a:schemeClr>
+              </a:lnRef>
+              <a:fillRef idx="1">
+                <a:schemeClr val="accent1"/>
+              </a:fillRef>
+              <a:effectRef idx="0">
+                <a:schemeClr val="accent1"/>
+              </a:effectRef>
+              <a:fontRef idx="minor">
+                <a:schemeClr val="lt1"/>
+              </a:fontRef>
+            </p:style>
+            <p:txBody>
+              <a:bodyPr rtlCol="0" anchor="ctr"/>
+              <a:lstStyle/>
+              <a:p>
+                <a:pPr algn="ctr"/>
+                <a:endParaRPr lang="fr-FR"/>
+              </a:p>
+            </p:txBody>
+          </p:sp>
+          <p:sp>
+            <p:nvSpPr>
+              <p:cNvPr id="26" name="ZoneTexte 25"/>
+              <p:cNvSpPr txBox="1"/>
+              <p:nvPr/>
+            </p:nvSpPr>
+            <p:spPr>
+              <a:xfrm>
+                <a:off x="5308649" y="6833628"/>
+                <a:ext cx="1460476" cy="261610"/>
+              </a:xfrm>
+              <a:prstGeom prst="rect">
+                <a:avLst/>
+              </a:prstGeom>
+              <a:noFill/>
+            </p:spPr>
+            <p:txBody>
+              <a:bodyPr wrap="square" rtlCol="0">
+                <a:spAutoFit/>
+              </a:bodyPr>
+              <a:lstStyle/>
+              <a:p>
+                <a:r>
+                  <a:rPr lang="fr-FR" sz="1100" b="1" dirty="0" smtClean="0">
+                    <a:latin typeface="Arial" panose="020B0604020202020204" pitchFamily="34" charset="0"/>
+                    <a:cs typeface="Arial" panose="020B0604020202020204" pitchFamily="34" charset="0"/>
+                  </a:rPr>
+                  <a:t>BRUVS </a:t>
+                </a:r>
+                <a:r>
+                  <a:rPr lang="fr-FR" sz="1100" b="1" dirty="0" err="1" smtClean="0">
+                    <a:latin typeface="Arial" panose="020B0604020202020204" pitchFamily="34" charset="0"/>
+                    <a:cs typeface="Arial" panose="020B0604020202020204" pitchFamily="34" charset="0"/>
+                  </a:rPr>
+                  <a:t>samples</a:t>
+                </a:r>
+                <a:endParaRPr lang="fr-FR" sz="1100" b="1" dirty="0">
+                  <a:latin typeface="Arial" panose="020B0604020202020204" pitchFamily="34" charset="0"/>
+                  <a:cs typeface="Arial" panose="020B0604020202020204" pitchFamily="34" charset="0"/>
+                </a:endParaRPr>
+              </a:p>
+            </p:txBody>
+          </p:sp>
+          <p:sp>
+            <p:nvSpPr>
+              <p:cNvPr id="28" name="ZoneTexte 27"/>
+              <p:cNvSpPr txBox="1"/>
+              <p:nvPr/>
+            </p:nvSpPr>
+            <p:spPr>
+              <a:xfrm>
+                <a:off x="5308649" y="7050940"/>
+                <a:ext cx="1832723" cy="261610"/>
+              </a:xfrm>
+              <a:prstGeom prst="rect">
+                <a:avLst/>
+              </a:prstGeom>
+              <a:noFill/>
+            </p:spPr>
+            <p:txBody>
+              <a:bodyPr wrap="square" rtlCol="0">
+                <a:spAutoFit/>
+              </a:bodyPr>
+              <a:lstStyle/>
+              <a:p>
+                <a:r>
+                  <a:rPr lang="fr-FR" sz="1100" b="1" dirty="0" smtClean="0">
+                    <a:latin typeface="Arial" panose="020B0604020202020204" pitchFamily="34" charset="0"/>
+                    <a:cs typeface="Arial" panose="020B0604020202020204" pitchFamily="34" charset="0"/>
+                  </a:rPr>
+                  <a:t>eDNA </a:t>
+                </a:r>
+                <a:r>
+                  <a:rPr lang="fr-FR" sz="1100" b="1" dirty="0" err="1" smtClean="0">
+                    <a:latin typeface="Arial" panose="020B0604020202020204" pitchFamily="34" charset="0"/>
+                    <a:cs typeface="Arial" panose="020B0604020202020204" pitchFamily="34" charset="0"/>
+                  </a:rPr>
+                  <a:t>samples</a:t>
+                </a:r>
+                <a:endParaRPr lang="fr-FR" sz="1100" b="1" dirty="0">
+                  <a:latin typeface="Arial" panose="020B0604020202020204" pitchFamily="34" charset="0"/>
+                  <a:cs typeface="Arial" panose="020B0604020202020204" pitchFamily="34" charset="0"/>
+                </a:endParaRPr>
+              </a:p>
+            </p:txBody>
+          </p:sp>
+          <p:sp>
+            <p:nvSpPr>
+              <p:cNvPr id="29" name="Ellipse 28"/>
+              <p:cNvSpPr/>
+              <p:nvPr/>
+            </p:nvSpPr>
+            <p:spPr>
+              <a:xfrm>
+                <a:off x="6820601" y="6928433"/>
+                <a:ext cx="72000" cy="72000"/>
+              </a:xfrm>
+              <a:prstGeom prst="ellipse">
+                <a:avLst/>
+              </a:prstGeom>
+              <a:solidFill>
+                <a:schemeClr val="tx1"/>
+              </a:solidFill>
+              <a:ln>
+                <a:solidFill>
+                  <a:schemeClr val="tx1"/>
+                </a:solidFill>
+              </a:ln>
+            </p:spPr>
+            <p:style>
+              <a:lnRef idx="2">
+                <a:schemeClr val="accent1">
+                  <a:shade val="50000"/>
+                </a:schemeClr>
+              </a:lnRef>
+              <a:fillRef idx="1">
+                <a:schemeClr val="accent1"/>
+              </a:fillRef>
+              <a:effectRef idx="0">
+                <a:schemeClr val="accent1"/>
+              </a:effectRef>
+              <a:fontRef idx="minor">
+                <a:schemeClr val="lt1"/>
+              </a:fontRef>
+            </p:style>
+            <p:txBody>
+              <a:bodyPr rtlCol="0" anchor="ctr"/>
+              <a:lstStyle/>
+              <a:p>
+                <a:pPr algn="ctr"/>
+                <a:endParaRPr lang="fr-FR"/>
+              </a:p>
+            </p:txBody>
+          </p:sp>
+          <p:sp>
+            <p:nvSpPr>
+              <p:cNvPr id="30" name="ZoneTexte 29"/>
+              <p:cNvSpPr txBox="1"/>
+              <p:nvPr/>
+            </p:nvSpPr>
+            <p:spPr>
+              <a:xfrm>
+                <a:off x="6886580" y="6833628"/>
+                <a:ext cx="1895470" cy="261610"/>
+              </a:xfrm>
+              <a:prstGeom prst="rect">
+                <a:avLst/>
+              </a:prstGeom>
+              <a:noFill/>
+            </p:spPr>
+            <p:txBody>
+              <a:bodyPr wrap="square" rtlCol="0">
+                <a:spAutoFit/>
+              </a:bodyPr>
+              <a:lstStyle/>
+              <a:p>
+                <a:r>
+                  <a:rPr lang="fr-FR" sz="1100" b="1" dirty="0" err="1" smtClean="0">
+                    <a:latin typeface="Arial" panose="020B0604020202020204" pitchFamily="34" charset="0"/>
+                    <a:cs typeface="Arial" panose="020B0604020202020204" pitchFamily="34" charset="0"/>
+                  </a:rPr>
+                  <a:t>Acoustic</a:t>
+                </a:r>
+                <a:r>
+                  <a:rPr lang="fr-FR" sz="1100" b="1" dirty="0" smtClean="0">
+                    <a:latin typeface="Arial" panose="020B0604020202020204" pitchFamily="34" charset="0"/>
+                    <a:cs typeface="Arial" panose="020B0604020202020204" pitchFamily="34" charset="0"/>
+                  </a:rPr>
+                  <a:t> </a:t>
+                </a:r>
+                <a:r>
+                  <a:rPr lang="fr-FR" sz="1100" b="1" dirty="0" err="1" smtClean="0">
+                    <a:latin typeface="Arial" panose="020B0604020202020204" pitchFamily="34" charset="0"/>
+                    <a:cs typeface="Arial" panose="020B0604020202020204" pitchFamily="34" charset="0"/>
+                  </a:rPr>
+                  <a:t>recordings</a:t>
+                </a:r>
+                <a:endParaRPr lang="fr-FR" sz="1100" b="1" dirty="0">
+                  <a:latin typeface="Arial" panose="020B0604020202020204" pitchFamily="34" charset="0"/>
+                  <a:cs typeface="Arial" panose="020B0604020202020204" pitchFamily="34" charset="0"/>
+                </a:endParaRPr>
+              </a:p>
+            </p:txBody>
+          </p:sp>
+        </p:grpSp>
+      </p:grpSp>
     </p:spTree>
     <p:extLst>
       <p:ext uri="{BB962C8B-B14F-4D97-AF65-F5344CB8AC3E}">
         <p14:creationId xmlns:p14="http://schemas.microsoft.com/office/powerpoint/2010/main" val="3936704441"/>
+      </p:ext>
+    </p:extLst>
+  </p:cSld>
+  <p:clrMapOvr>
+    <a:masterClrMapping/>
+  </p:clrMapOvr>
+</p:sld>
+</file>
+
+<file path=ppt/slides/slide4.xml><?xml version="1.0" encoding="utf-8"?>
+<p:sld xmlns:a="http://schemas.openxmlformats.org/drawingml/2006/main" xmlns:r="http://schemas.openxmlformats.org/officeDocument/2006/relationships" xmlns:p="http://schemas.openxmlformats.org/presentationml/2006/main">
+  <p:cSld>
+    <p:spTree>
+      <p:nvGrpSpPr>
+        <p:cNvPr id="1" name=""/>
+        <p:cNvGrpSpPr/>
+        <p:nvPr/>
+      </p:nvGrpSpPr>
+      <p:grpSpPr>
+        <a:xfrm>
+          <a:off x="0" y="0"/>
+          <a:ext cx="0" cy="0"/>
+          <a:chOff x="0" y="0"/>
+          <a:chExt cx="0" cy="0"/>
+        </a:xfrm>
+      </p:grpSpPr>
+      <p:grpSp>
+        <p:nvGrpSpPr>
+          <p:cNvPr id="41" name="Groupe 40"/>
+          <p:cNvGrpSpPr/>
+          <p:nvPr/>
+        </p:nvGrpSpPr>
+        <p:grpSpPr>
+          <a:xfrm>
+            <a:off x="136490" y="-2393604"/>
+            <a:ext cx="10968959" cy="9214380"/>
+            <a:chOff x="136490" y="-2393604"/>
+            <a:chExt cx="10968959" cy="9214380"/>
+          </a:xfrm>
+        </p:grpSpPr>
+        <p:grpSp>
+          <p:nvGrpSpPr>
+            <p:cNvPr id="18" name="Groupe 17"/>
+            <p:cNvGrpSpPr/>
+            <p:nvPr/>
+          </p:nvGrpSpPr>
+          <p:grpSpPr>
+            <a:xfrm>
+              <a:off x="136490" y="-2393604"/>
+              <a:ext cx="8923428" cy="9214380"/>
+              <a:chOff x="117440" y="-2336454"/>
+              <a:chExt cx="8923428" cy="9214380"/>
+            </a:xfrm>
+          </p:grpSpPr>
+          <p:grpSp>
+            <p:nvGrpSpPr>
+              <p:cNvPr id="13" name="Groupe 12"/>
+              <p:cNvGrpSpPr/>
+              <p:nvPr/>
+            </p:nvGrpSpPr>
+            <p:grpSpPr>
+              <a:xfrm>
+                <a:off x="117440" y="-2336454"/>
+                <a:ext cx="8923428" cy="9214380"/>
+                <a:chOff x="117440" y="-2336454"/>
+                <a:chExt cx="8923428" cy="9214380"/>
+              </a:xfrm>
+            </p:grpSpPr>
+            <p:pic>
+              <p:nvPicPr>
+                <p:cNvPr id="2" name="Image 1"/>
+                <p:cNvPicPr>
+                  <a:picLocks noChangeAspect="1"/>
+                </p:cNvPicPr>
+                <p:nvPr/>
+              </p:nvPicPr>
+              <p:blipFill rotWithShape="1">
+                <a:blip r:embed="rId2" cstate="print">
+                  <a:extLst>
+                    <a:ext uri="{28A0092B-C50C-407E-A947-70E740481C1C}">
+                      <a14:useLocalDpi xmlns:a14="http://schemas.microsoft.com/office/drawing/2010/main" val="0"/>
+                    </a:ext>
+                  </a:extLst>
+                </a:blip>
+                <a:srcRect t="11450" b="23470"/>
+                <a:stretch/>
+              </p:blipFill>
+              <p:spPr>
+                <a:xfrm>
+                  <a:off x="453123" y="-2336454"/>
+                  <a:ext cx="8445345" cy="5496167"/>
+                </a:xfrm>
+                <a:prstGeom prst="rect">
+                  <a:avLst/>
+                </a:prstGeom>
+              </p:spPr>
+            </p:pic>
+            <p:pic>
+              <p:nvPicPr>
+                <p:cNvPr id="3" name="Image 2"/>
+                <p:cNvPicPr>
+                  <a:picLocks noChangeAspect="1"/>
+                </p:cNvPicPr>
+                <p:nvPr/>
+              </p:nvPicPr>
+              <p:blipFill>
+                <a:blip r:embed="rId3" cstate="print">
+                  <a:extLst>
+                    <a:ext uri="{28A0092B-C50C-407E-A947-70E740481C1C}">
+                      <a14:useLocalDpi xmlns:a14="http://schemas.microsoft.com/office/drawing/2010/main" val="0"/>
+                    </a:ext>
+                  </a:extLst>
+                </a:blip>
+                <a:stretch>
+                  <a:fillRect/>
+                </a:stretch>
+              </p:blipFill>
+              <p:spPr>
+                <a:xfrm>
+                  <a:off x="117440" y="3109155"/>
+                  <a:ext cx="4704915" cy="3528687"/>
+                </a:xfrm>
+                <a:prstGeom prst="rect">
+                  <a:avLst/>
+                </a:prstGeom>
+              </p:spPr>
+            </p:pic>
+            <p:pic>
+              <p:nvPicPr>
+                <p:cNvPr id="10" name="Image 9"/>
+                <p:cNvPicPr>
+                  <a:picLocks noChangeAspect="1"/>
+                </p:cNvPicPr>
+                <p:nvPr/>
+              </p:nvPicPr>
+              <p:blipFill>
+                <a:blip r:embed="rId4" cstate="print">
+                  <a:extLst>
+                    <a:ext uri="{28A0092B-C50C-407E-A947-70E740481C1C}">
+                      <a14:useLocalDpi xmlns:a14="http://schemas.microsoft.com/office/drawing/2010/main" val="0"/>
+                    </a:ext>
+                  </a:extLst>
+                </a:blip>
+                <a:stretch>
+                  <a:fillRect/>
+                </a:stretch>
+              </p:blipFill>
+              <p:spPr>
+                <a:xfrm>
+                  <a:off x="4336869" y="3109155"/>
+                  <a:ext cx="4703999" cy="3528000"/>
+                </a:xfrm>
+                <a:prstGeom prst="rect">
+                  <a:avLst/>
+                </a:prstGeom>
+              </p:spPr>
+            </p:pic>
+            <p:pic>
+              <p:nvPicPr>
+                <p:cNvPr id="11" name="Image 10"/>
+                <p:cNvPicPr>
+                  <a:picLocks noChangeAspect="1"/>
+                </p:cNvPicPr>
+                <p:nvPr/>
+              </p:nvPicPr>
+              <p:blipFill rotWithShape="1">
+                <a:blip r:embed="rId5" cstate="print">
+                  <a:extLst>
+                    <a:ext uri="{28A0092B-C50C-407E-A947-70E740481C1C}">
+                      <a14:useLocalDpi xmlns:a14="http://schemas.microsoft.com/office/drawing/2010/main" val="0"/>
+                    </a:ext>
+                  </a:extLst>
+                </a:blip>
+                <a:srcRect l="7292" t="1281" r="7292" b="2245"/>
+                <a:stretch/>
+              </p:blipFill>
+              <p:spPr>
+                <a:xfrm>
+                  <a:off x="6057900" y="-1846765"/>
+                  <a:ext cx="2724150" cy="1501605"/>
+                </a:xfrm>
+                <a:prstGeom prst="rect">
+                  <a:avLst/>
+                </a:prstGeom>
+                <a:ln>
+                  <a:solidFill>
+                    <a:schemeClr val="tx1"/>
+                  </a:solidFill>
+                </a:ln>
+              </p:spPr>
+            </p:pic>
+            <p:pic>
+              <p:nvPicPr>
+                <p:cNvPr id="12" name="Image 11"/>
+                <p:cNvPicPr>
+                  <a:picLocks noChangeAspect="1"/>
+                </p:cNvPicPr>
+                <p:nvPr/>
+              </p:nvPicPr>
+              <p:blipFill rotWithShape="1">
+                <a:blip r:embed="rId2" cstate="print">
+                  <a:extLst>
+                    <a:ext uri="{28A0092B-C50C-407E-A947-70E740481C1C}">
+                      <a14:useLocalDpi xmlns:a14="http://schemas.microsoft.com/office/drawing/2010/main" val="0"/>
+                    </a:ext>
+                  </a:extLst>
+                </a:blip>
+                <a:srcRect l="20571" t="79866" r="12413" b="12781"/>
+                <a:stretch/>
+              </p:blipFill>
+              <p:spPr>
+                <a:xfrm>
+                  <a:off x="2530989" y="6407279"/>
+                  <a:ext cx="4289612" cy="470647"/>
+                </a:xfrm>
+                <a:prstGeom prst="rect">
+                  <a:avLst/>
+                </a:prstGeom>
+              </p:spPr>
+            </p:pic>
+          </p:grpSp>
+          <p:sp>
+            <p:nvSpPr>
+              <p:cNvPr id="14" name="ZoneTexte 13"/>
+              <p:cNvSpPr txBox="1"/>
+              <p:nvPr/>
+            </p:nvSpPr>
+            <p:spPr>
+              <a:xfrm>
+                <a:off x="1250575" y="-941294"/>
+                <a:ext cx="1532965" cy="307777"/>
+              </a:xfrm>
+              <a:prstGeom prst="rect">
+                <a:avLst/>
+              </a:prstGeom>
+              <a:noFill/>
+            </p:spPr>
+            <p:txBody>
+              <a:bodyPr wrap="square" rtlCol="0">
+                <a:spAutoFit/>
+              </a:bodyPr>
+              <a:lstStyle/>
+              <a:p>
+                <a:r>
+                  <a:rPr lang="fr-FR" sz="1400" i="1" dirty="0" smtClean="0">
+                    <a:latin typeface="Arial" panose="020B0604020202020204" pitchFamily="34" charset="0"/>
+                    <a:cs typeface="Arial" panose="020B0604020202020204" pitchFamily="34" charset="0"/>
+                  </a:rPr>
+                  <a:t>Chesterfield</a:t>
+                </a:r>
+                <a:endParaRPr lang="fr-FR" sz="1400" i="1" dirty="0">
+                  <a:latin typeface="Arial" panose="020B0604020202020204" pitchFamily="34" charset="0"/>
+                  <a:cs typeface="Arial" panose="020B0604020202020204" pitchFamily="34" charset="0"/>
+                </a:endParaRPr>
+              </a:p>
+            </p:txBody>
+          </p:sp>
+          <p:sp>
+            <p:nvSpPr>
+              <p:cNvPr id="15" name="ZoneTexte 14"/>
+              <p:cNvSpPr txBox="1"/>
+              <p:nvPr/>
+            </p:nvSpPr>
+            <p:spPr>
+              <a:xfrm>
+                <a:off x="1510552" y="0"/>
+                <a:ext cx="856131" cy="307777"/>
+              </a:xfrm>
+              <a:prstGeom prst="rect">
+                <a:avLst/>
+              </a:prstGeom>
+              <a:noFill/>
+            </p:spPr>
+            <p:txBody>
+              <a:bodyPr wrap="square" rtlCol="0">
+                <a:spAutoFit/>
+              </a:bodyPr>
+              <a:lstStyle/>
+              <a:p>
+                <a:r>
+                  <a:rPr lang="fr-FR" sz="1400" i="1" dirty="0" smtClean="0">
+                    <a:latin typeface="Arial" panose="020B0604020202020204" pitchFamily="34" charset="0"/>
+                    <a:cs typeface="Arial" panose="020B0604020202020204" pitchFamily="34" charset="0"/>
+                  </a:rPr>
+                  <a:t>Bellona</a:t>
+                </a:r>
+                <a:endParaRPr lang="fr-FR" sz="1400" i="1" dirty="0">
+                  <a:latin typeface="Arial" panose="020B0604020202020204" pitchFamily="34" charset="0"/>
+                  <a:cs typeface="Arial" panose="020B0604020202020204" pitchFamily="34" charset="0"/>
+                </a:endParaRPr>
+              </a:p>
+            </p:txBody>
+          </p:sp>
+          <p:sp>
+            <p:nvSpPr>
+              <p:cNvPr id="16" name="ZoneTexte 15"/>
+              <p:cNvSpPr txBox="1"/>
+              <p:nvPr/>
+            </p:nvSpPr>
+            <p:spPr>
+              <a:xfrm>
+                <a:off x="3487269" y="-1595718"/>
+                <a:ext cx="1532965" cy="307777"/>
+              </a:xfrm>
+              <a:prstGeom prst="rect">
+                <a:avLst/>
+              </a:prstGeom>
+              <a:noFill/>
+            </p:spPr>
+            <p:txBody>
+              <a:bodyPr wrap="square" rtlCol="0">
+                <a:spAutoFit/>
+              </a:bodyPr>
+              <a:lstStyle/>
+              <a:p>
+                <a:r>
+                  <a:rPr lang="fr-FR" sz="1400" i="1" dirty="0" smtClean="0">
+                    <a:latin typeface="Arial" panose="020B0604020202020204" pitchFamily="34" charset="0"/>
+                    <a:cs typeface="Arial" panose="020B0604020202020204" pitchFamily="34" charset="0"/>
+                  </a:rPr>
+                  <a:t>D’Entrecasteaux</a:t>
+                </a:r>
+                <a:endParaRPr lang="fr-FR" sz="1400" i="1" dirty="0">
+                  <a:latin typeface="Arial" panose="020B0604020202020204" pitchFamily="34" charset="0"/>
+                  <a:cs typeface="Arial" panose="020B0604020202020204" pitchFamily="34" charset="0"/>
+                </a:endParaRPr>
+              </a:p>
+            </p:txBody>
+          </p:sp>
+          <p:sp>
+            <p:nvSpPr>
+              <p:cNvPr id="17" name="ZoneTexte 16"/>
+              <p:cNvSpPr txBox="1"/>
+              <p:nvPr/>
+            </p:nvSpPr>
+            <p:spPr>
+              <a:xfrm>
+                <a:off x="4678937" y="632013"/>
+                <a:ext cx="874700" cy="317320"/>
+              </a:xfrm>
+              <a:prstGeom prst="rect">
+                <a:avLst/>
+              </a:prstGeom>
+              <a:noFill/>
+            </p:spPr>
+            <p:txBody>
+              <a:bodyPr wrap="square" rtlCol="0">
+                <a:spAutoFit/>
+              </a:bodyPr>
+              <a:lstStyle/>
+              <a:p>
+                <a:r>
+                  <a:rPr lang="fr-FR" sz="1400" i="1" dirty="0" smtClean="0">
+                    <a:latin typeface="Arial" panose="020B0604020202020204" pitchFamily="34" charset="0"/>
+                    <a:cs typeface="Arial" panose="020B0604020202020204" pitchFamily="34" charset="0"/>
+                  </a:rPr>
+                  <a:t>Nouméa</a:t>
+                </a:r>
+                <a:endParaRPr lang="fr-FR" sz="1400" i="1" dirty="0">
+                  <a:latin typeface="Arial" panose="020B0604020202020204" pitchFamily="34" charset="0"/>
+                  <a:cs typeface="Arial" panose="020B0604020202020204" pitchFamily="34" charset="0"/>
+                </a:endParaRPr>
+              </a:p>
+            </p:txBody>
+          </p:sp>
+        </p:grpSp>
+        <p:grpSp>
+          <p:nvGrpSpPr>
+            <p:cNvPr id="40" name="Groupe 39"/>
+            <p:cNvGrpSpPr/>
+            <p:nvPr/>
+          </p:nvGrpSpPr>
+          <p:grpSpPr>
+            <a:xfrm>
+              <a:off x="9059918" y="-711037"/>
+              <a:ext cx="1982784" cy="1596586"/>
+              <a:chOff x="9059918" y="-711037"/>
+              <a:chExt cx="1982784" cy="1596586"/>
+            </a:xfrm>
+          </p:grpSpPr>
+          <p:grpSp>
+            <p:nvGrpSpPr>
+              <p:cNvPr id="34" name="Groupe 33"/>
+              <p:cNvGrpSpPr/>
+              <p:nvPr/>
+            </p:nvGrpSpPr>
+            <p:grpSpPr>
+              <a:xfrm>
+                <a:off x="9144000" y="-59007"/>
+                <a:ext cx="1467610" cy="261610"/>
+                <a:chOff x="1334981" y="7153693"/>
+                <a:chExt cx="1467610" cy="261610"/>
+              </a:xfrm>
+            </p:grpSpPr>
+            <p:sp>
+              <p:nvSpPr>
+                <p:cNvPr id="19" name="Ellipse 18"/>
+                <p:cNvSpPr/>
+                <p:nvPr/>
+              </p:nvSpPr>
+              <p:spPr>
+                <a:xfrm>
+                  <a:off x="1334981" y="7228668"/>
+                  <a:ext cx="108000" cy="108000"/>
+                </a:xfrm>
+                <a:prstGeom prst="ellipse">
+                  <a:avLst/>
+                </a:prstGeom>
+                <a:solidFill>
+                  <a:srgbClr val="20A387"/>
+                </a:solidFill>
+                <a:ln>
+                  <a:solidFill>
+                    <a:schemeClr val="tx1"/>
+                  </a:solidFill>
+                </a:ln>
+              </p:spPr>
+              <p:style>
+                <a:lnRef idx="2">
+                  <a:schemeClr val="accent1">
+                    <a:shade val="50000"/>
+                  </a:schemeClr>
+                </a:lnRef>
+                <a:fillRef idx="1">
+                  <a:schemeClr val="accent1"/>
+                </a:fillRef>
+                <a:effectRef idx="0">
+                  <a:schemeClr val="accent1"/>
+                </a:effectRef>
+                <a:fontRef idx="minor">
+                  <a:schemeClr val="lt1"/>
+                </a:fontRef>
+              </p:style>
+              <p:txBody>
+                <a:bodyPr rtlCol="0" anchor="ctr"/>
+                <a:lstStyle/>
+                <a:p>
+                  <a:pPr algn="ctr"/>
+                  <a:endParaRPr lang="fr-FR"/>
+                </a:p>
+              </p:txBody>
+            </p:sp>
+            <p:sp>
+              <p:nvSpPr>
+                <p:cNvPr id="5" name="ZoneTexte 4"/>
+                <p:cNvSpPr txBox="1"/>
+                <p:nvPr/>
+              </p:nvSpPr>
+              <p:spPr>
+                <a:xfrm>
+                  <a:off x="1395357" y="7153693"/>
+                  <a:ext cx="1407234" cy="261610"/>
+                </a:xfrm>
+                <a:prstGeom prst="rect">
+                  <a:avLst/>
+                </a:prstGeom>
+                <a:noFill/>
+              </p:spPr>
+              <p:txBody>
+                <a:bodyPr wrap="square" rtlCol="0">
+                  <a:spAutoFit/>
+                </a:bodyPr>
+                <a:lstStyle/>
+                <a:p>
+                  <a:r>
+                    <a:rPr lang="fr-FR" sz="1100" b="1" dirty="0" err="1" smtClean="0">
+                      <a:latin typeface="Arial" panose="020B0604020202020204" pitchFamily="34" charset="0"/>
+                      <a:cs typeface="Arial" panose="020B0604020202020204" pitchFamily="34" charset="0"/>
+                    </a:rPr>
+                    <a:t>Seamount</a:t>
+                  </a:r>
+                  <a:r>
+                    <a:rPr lang="fr-FR" sz="1100" b="1" dirty="0" smtClean="0">
+                      <a:latin typeface="Arial" panose="020B0604020202020204" pitchFamily="34" charset="0"/>
+                      <a:cs typeface="Arial" panose="020B0604020202020204" pitchFamily="34" charset="0"/>
+                    </a:rPr>
+                    <a:t> ~50m</a:t>
+                  </a:r>
+                  <a:endParaRPr lang="fr-FR" sz="1100" b="1" dirty="0">
+                    <a:latin typeface="Arial" panose="020B0604020202020204" pitchFamily="34" charset="0"/>
+                    <a:cs typeface="Arial" panose="020B0604020202020204" pitchFamily="34" charset="0"/>
+                  </a:endParaRPr>
+                </a:p>
+              </p:txBody>
+            </p:sp>
+          </p:grpSp>
+          <p:grpSp>
+            <p:nvGrpSpPr>
+              <p:cNvPr id="35" name="Groupe 34"/>
+              <p:cNvGrpSpPr/>
+              <p:nvPr/>
+            </p:nvGrpSpPr>
+            <p:grpSpPr>
+              <a:xfrm>
+                <a:off x="9144000" y="280636"/>
+                <a:ext cx="1898702" cy="261610"/>
+                <a:chOff x="2944466" y="6929563"/>
+                <a:chExt cx="1898702" cy="261610"/>
+              </a:xfrm>
+            </p:grpSpPr>
+            <p:sp>
+              <p:nvSpPr>
+                <p:cNvPr id="20" name="Ellipse 19"/>
+                <p:cNvSpPr/>
+                <p:nvPr/>
+              </p:nvSpPr>
+              <p:spPr>
+                <a:xfrm>
+                  <a:off x="2944466" y="7006368"/>
+                  <a:ext cx="108000" cy="108000"/>
+                </a:xfrm>
+                <a:prstGeom prst="ellipse">
+                  <a:avLst/>
+                </a:prstGeom>
+                <a:solidFill>
+                  <a:srgbClr val="B40F20"/>
+                </a:solidFill>
+                <a:ln>
+                  <a:solidFill>
+                    <a:schemeClr val="tx1"/>
+                  </a:solidFill>
+                </a:ln>
+              </p:spPr>
+              <p:style>
+                <a:lnRef idx="2">
+                  <a:schemeClr val="accent1">
+                    <a:shade val="50000"/>
+                  </a:schemeClr>
+                </a:lnRef>
+                <a:fillRef idx="1">
+                  <a:schemeClr val="accent1"/>
+                </a:fillRef>
+                <a:effectRef idx="0">
+                  <a:schemeClr val="accent1"/>
+                </a:effectRef>
+                <a:fontRef idx="minor">
+                  <a:schemeClr val="lt1"/>
+                </a:fontRef>
+              </p:style>
+              <p:txBody>
+                <a:bodyPr rtlCol="0" anchor="ctr"/>
+                <a:lstStyle/>
+                <a:p>
+                  <a:pPr algn="ctr"/>
+                  <a:endParaRPr lang="fr-FR"/>
+                </a:p>
+              </p:txBody>
+            </p:sp>
+            <p:sp>
+              <p:nvSpPr>
+                <p:cNvPr id="22" name="ZoneTexte 21"/>
+                <p:cNvSpPr txBox="1"/>
+                <p:nvPr/>
+              </p:nvSpPr>
+              <p:spPr>
+                <a:xfrm>
+                  <a:off x="3010445" y="6929563"/>
+                  <a:ext cx="1832723" cy="261610"/>
+                </a:xfrm>
+                <a:prstGeom prst="rect">
+                  <a:avLst/>
+                </a:prstGeom>
+                <a:noFill/>
+              </p:spPr>
+              <p:txBody>
+                <a:bodyPr wrap="square" rtlCol="0">
+                  <a:spAutoFit/>
+                </a:bodyPr>
+                <a:lstStyle/>
+                <a:p>
+                  <a:r>
+                    <a:rPr lang="fr-FR" sz="1100" b="1" dirty="0" err="1" smtClean="0">
+                      <a:latin typeface="Arial" panose="020B0604020202020204" pitchFamily="34" charset="0"/>
+                      <a:cs typeface="Arial" panose="020B0604020202020204" pitchFamily="34" charset="0"/>
+                    </a:rPr>
+                    <a:t>Seamount</a:t>
+                  </a:r>
+                  <a:r>
+                    <a:rPr lang="fr-FR" sz="1100" b="1" dirty="0" smtClean="0">
+                      <a:latin typeface="Arial" panose="020B0604020202020204" pitchFamily="34" charset="0"/>
+                      <a:cs typeface="Arial" panose="020B0604020202020204" pitchFamily="34" charset="0"/>
+                    </a:rPr>
+                    <a:t> ~250m</a:t>
+                  </a:r>
+                  <a:endParaRPr lang="fr-FR" sz="1100" b="1" dirty="0">
+                    <a:latin typeface="Arial" panose="020B0604020202020204" pitchFamily="34" charset="0"/>
+                    <a:cs typeface="Arial" panose="020B0604020202020204" pitchFamily="34" charset="0"/>
+                  </a:endParaRPr>
+                </a:p>
+              </p:txBody>
+            </p:sp>
+          </p:grpSp>
+          <p:grpSp>
+            <p:nvGrpSpPr>
+              <p:cNvPr id="36" name="Groupe 35"/>
+              <p:cNvGrpSpPr/>
+              <p:nvPr/>
+            </p:nvGrpSpPr>
+            <p:grpSpPr>
+              <a:xfrm>
+                <a:off x="9144000" y="623939"/>
+                <a:ext cx="1898702" cy="261610"/>
+                <a:chOff x="2944466" y="7150807"/>
+                <a:chExt cx="1898702" cy="261610"/>
+              </a:xfrm>
+            </p:grpSpPr>
+            <p:sp>
+              <p:nvSpPr>
+                <p:cNvPr id="21" name="Ellipse 20"/>
+                <p:cNvSpPr/>
+                <p:nvPr/>
+              </p:nvSpPr>
+              <p:spPr>
+                <a:xfrm>
+                  <a:off x="2944466" y="7228668"/>
+                  <a:ext cx="108000" cy="108000"/>
+                </a:xfrm>
+                <a:prstGeom prst="ellipse">
+                  <a:avLst/>
+                </a:prstGeom>
+                <a:solidFill>
+                  <a:srgbClr val="440154"/>
+                </a:solidFill>
+                <a:ln>
+                  <a:solidFill>
+                    <a:schemeClr val="tx1"/>
+                  </a:solidFill>
+                </a:ln>
+              </p:spPr>
+              <p:style>
+                <a:lnRef idx="2">
+                  <a:schemeClr val="accent1">
+                    <a:shade val="50000"/>
+                  </a:schemeClr>
+                </a:lnRef>
+                <a:fillRef idx="1">
+                  <a:schemeClr val="accent1"/>
+                </a:fillRef>
+                <a:effectRef idx="0">
+                  <a:schemeClr val="accent1"/>
+                </a:effectRef>
+                <a:fontRef idx="minor">
+                  <a:schemeClr val="lt1"/>
+                </a:fontRef>
+              </p:style>
+              <p:txBody>
+                <a:bodyPr rtlCol="0" anchor="ctr"/>
+                <a:lstStyle/>
+                <a:p>
+                  <a:pPr algn="ctr"/>
+                  <a:endParaRPr lang="fr-FR"/>
+                </a:p>
+              </p:txBody>
+            </p:sp>
+            <p:sp>
+              <p:nvSpPr>
+                <p:cNvPr id="23" name="ZoneTexte 22"/>
+                <p:cNvSpPr txBox="1"/>
+                <p:nvPr/>
+              </p:nvSpPr>
+              <p:spPr>
+                <a:xfrm>
+                  <a:off x="3010445" y="7150807"/>
+                  <a:ext cx="1832723" cy="261610"/>
+                </a:xfrm>
+                <a:prstGeom prst="rect">
+                  <a:avLst/>
+                </a:prstGeom>
+                <a:noFill/>
+              </p:spPr>
+              <p:txBody>
+                <a:bodyPr wrap="square" rtlCol="0">
+                  <a:spAutoFit/>
+                </a:bodyPr>
+                <a:lstStyle/>
+                <a:p>
+                  <a:r>
+                    <a:rPr lang="fr-FR" sz="1100" b="1" dirty="0" err="1" smtClean="0">
+                      <a:latin typeface="Arial" panose="020B0604020202020204" pitchFamily="34" charset="0"/>
+                      <a:cs typeface="Arial" panose="020B0604020202020204" pitchFamily="34" charset="0"/>
+                    </a:rPr>
+                    <a:t>Seamount</a:t>
+                  </a:r>
+                  <a:r>
+                    <a:rPr lang="fr-FR" sz="1100" b="1" dirty="0" smtClean="0">
+                      <a:latin typeface="Arial" panose="020B0604020202020204" pitchFamily="34" charset="0"/>
+                      <a:cs typeface="Arial" panose="020B0604020202020204" pitchFamily="34" charset="0"/>
+                    </a:rPr>
+                    <a:t> ~500m</a:t>
+                  </a:r>
+                  <a:endParaRPr lang="fr-FR" sz="1100" b="1" dirty="0">
+                    <a:latin typeface="Arial" panose="020B0604020202020204" pitchFamily="34" charset="0"/>
+                    <a:cs typeface="Arial" panose="020B0604020202020204" pitchFamily="34" charset="0"/>
+                  </a:endParaRPr>
+                </a:p>
+              </p:txBody>
+            </p:sp>
+          </p:grpSp>
+          <p:grpSp>
+            <p:nvGrpSpPr>
+              <p:cNvPr id="33" name="Groupe 32"/>
+              <p:cNvGrpSpPr/>
+              <p:nvPr/>
+            </p:nvGrpSpPr>
+            <p:grpSpPr>
+              <a:xfrm>
+                <a:off x="9144000" y="-402310"/>
+                <a:ext cx="1467610" cy="261610"/>
+                <a:chOff x="1334981" y="6924675"/>
+                <a:chExt cx="1467610" cy="261610"/>
+              </a:xfrm>
+            </p:grpSpPr>
+            <p:sp>
+              <p:nvSpPr>
+                <p:cNvPr id="4" name="Ellipse 3"/>
+                <p:cNvSpPr/>
+                <p:nvPr/>
+              </p:nvSpPr>
+              <p:spPr>
+                <a:xfrm>
+                  <a:off x="1334981" y="7006368"/>
+                  <a:ext cx="108000" cy="108000"/>
+                </a:xfrm>
+                <a:prstGeom prst="ellipse">
+                  <a:avLst/>
+                </a:prstGeom>
+                <a:solidFill>
+                  <a:srgbClr val="FDE725"/>
+                </a:solidFill>
+                <a:ln>
+                  <a:solidFill>
+                    <a:schemeClr val="tx1"/>
+                  </a:solidFill>
+                </a:ln>
+              </p:spPr>
+              <p:style>
+                <a:lnRef idx="2">
+                  <a:schemeClr val="accent1">
+                    <a:shade val="50000"/>
+                  </a:schemeClr>
+                </a:lnRef>
+                <a:fillRef idx="1">
+                  <a:schemeClr val="accent1"/>
+                </a:fillRef>
+                <a:effectRef idx="0">
+                  <a:schemeClr val="accent1"/>
+                </a:effectRef>
+                <a:fontRef idx="minor">
+                  <a:schemeClr val="lt1"/>
+                </a:fontRef>
+              </p:style>
+              <p:txBody>
+                <a:bodyPr rtlCol="0" anchor="ctr"/>
+                <a:lstStyle/>
+                <a:p>
+                  <a:pPr algn="ctr"/>
+                  <a:endParaRPr lang="fr-FR"/>
+                </a:p>
+              </p:txBody>
+            </p:sp>
+            <p:sp>
+              <p:nvSpPr>
+                <p:cNvPr id="24" name="ZoneTexte 23"/>
+                <p:cNvSpPr txBox="1"/>
+                <p:nvPr/>
+              </p:nvSpPr>
+              <p:spPr>
+                <a:xfrm>
+                  <a:off x="1395357" y="6924675"/>
+                  <a:ext cx="1407234" cy="261610"/>
+                </a:xfrm>
+                <a:prstGeom prst="rect">
+                  <a:avLst/>
+                </a:prstGeom>
+                <a:noFill/>
+              </p:spPr>
+              <p:txBody>
+                <a:bodyPr wrap="square" rtlCol="0">
+                  <a:spAutoFit/>
+                </a:bodyPr>
+                <a:lstStyle/>
+                <a:p>
+                  <a:r>
+                    <a:rPr lang="fr-FR" sz="1100" b="1" dirty="0" err="1" smtClean="0">
+                      <a:latin typeface="Arial" panose="020B0604020202020204" pitchFamily="34" charset="0"/>
+                      <a:cs typeface="Arial" panose="020B0604020202020204" pitchFamily="34" charset="0"/>
+                    </a:rPr>
+                    <a:t>Deep</a:t>
+                  </a:r>
+                  <a:r>
+                    <a:rPr lang="fr-FR" sz="1100" b="1" dirty="0" smtClean="0">
+                      <a:latin typeface="Arial" panose="020B0604020202020204" pitchFamily="34" charset="0"/>
+                      <a:cs typeface="Arial" panose="020B0604020202020204" pitchFamily="34" charset="0"/>
+                    </a:rPr>
+                    <a:t> </a:t>
+                  </a:r>
+                  <a:r>
+                    <a:rPr lang="fr-FR" sz="1100" b="1" dirty="0" err="1" smtClean="0">
+                      <a:latin typeface="Arial" panose="020B0604020202020204" pitchFamily="34" charset="0"/>
+                      <a:cs typeface="Arial" panose="020B0604020202020204" pitchFamily="34" charset="0"/>
+                    </a:rPr>
+                    <a:t>slope</a:t>
+                  </a:r>
+                  <a:r>
+                    <a:rPr lang="fr-FR" sz="1100" b="1" dirty="0" smtClean="0">
+                      <a:latin typeface="Arial" panose="020B0604020202020204" pitchFamily="34" charset="0"/>
+                      <a:cs typeface="Arial" panose="020B0604020202020204" pitchFamily="34" charset="0"/>
+                    </a:rPr>
+                    <a:t> </a:t>
+                  </a:r>
+                  <a:endParaRPr lang="fr-FR" sz="1100" b="1" dirty="0">
+                    <a:latin typeface="Arial" panose="020B0604020202020204" pitchFamily="34" charset="0"/>
+                    <a:cs typeface="Arial" panose="020B0604020202020204" pitchFamily="34" charset="0"/>
+                  </a:endParaRPr>
+                </a:p>
+              </p:txBody>
+            </p:sp>
+          </p:grpSp>
+          <p:sp>
+            <p:nvSpPr>
+              <p:cNvPr id="37" name="ZoneTexte 36"/>
+              <p:cNvSpPr txBox="1"/>
+              <p:nvPr/>
+            </p:nvSpPr>
+            <p:spPr>
+              <a:xfrm>
+                <a:off x="9059918" y="-711037"/>
+                <a:ext cx="834975" cy="307777"/>
+              </a:xfrm>
+              <a:prstGeom prst="rect">
+                <a:avLst/>
+              </a:prstGeom>
+              <a:noFill/>
+            </p:spPr>
+            <p:txBody>
+              <a:bodyPr wrap="square" rtlCol="0">
+                <a:spAutoFit/>
+              </a:bodyPr>
+              <a:lstStyle/>
+              <a:p>
+                <a:r>
+                  <a:rPr lang="fr-FR" sz="1400" b="1" u="sng" dirty="0" smtClean="0">
+                    <a:latin typeface="Arial" panose="020B0604020202020204" pitchFamily="34" charset="0"/>
+                    <a:cs typeface="Arial" panose="020B0604020202020204" pitchFamily="34" charset="0"/>
+                  </a:rPr>
+                  <a:t>Habitat</a:t>
+                </a:r>
+                <a:endParaRPr lang="fr-FR" sz="1400" b="1" u="sng" dirty="0">
+                  <a:latin typeface="Arial" panose="020B0604020202020204" pitchFamily="34" charset="0"/>
+                  <a:cs typeface="Arial" panose="020B0604020202020204" pitchFamily="34" charset="0"/>
+                </a:endParaRPr>
+              </a:p>
+            </p:txBody>
+          </p:sp>
+        </p:grpSp>
+        <p:grpSp>
+          <p:nvGrpSpPr>
+            <p:cNvPr id="39" name="Groupe 38"/>
+            <p:cNvGrpSpPr/>
+            <p:nvPr/>
+          </p:nvGrpSpPr>
+          <p:grpSpPr>
+            <a:xfrm>
+              <a:off x="9059917" y="3614074"/>
+              <a:ext cx="2045532" cy="1288809"/>
+              <a:chOff x="9059917" y="3614074"/>
+              <a:chExt cx="2045532" cy="1288809"/>
+            </a:xfrm>
+          </p:grpSpPr>
+          <p:grpSp>
+            <p:nvGrpSpPr>
+              <p:cNvPr id="27" name="Groupe 26"/>
+              <p:cNvGrpSpPr/>
+              <p:nvPr/>
+            </p:nvGrpSpPr>
+            <p:grpSpPr>
+              <a:xfrm>
+                <a:off x="9144000" y="3972307"/>
+                <a:ext cx="1568476" cy="261610"/>
+                <a:chOff x="5354291" y="6933495"/>
+                <a:chExt cx="1568476" cy="261610"/>
+              </a:xfrm>
+            </p:grpSpPr>
+            <p:sp>
+              <p:nvSpPr>
+                <p:cNvPr id="7" name="Triangle isocèle 6"/>
+                <p:cNvSpPr/>
+                <p:nvPr/>
+              </p:nvSpPr>
+              <p:spPr>
+                <a:xfrm>
+                  <a:off x="5354291" y="7006368"/>
+                  <a:ext cx="108000" cy="108000"/>
+                </a:xfrm>
+                <a:prstGeom prst="triangle">
+                  <a:avLst/>
+                </a:prstGeom>
+                <a:noFill/>
+                <a:ln>
+                  <a:solidFill>
+                    <a:schemeClr val="tx1"/>
+                  </a:solidFill>
+                </a:ln>
+              </p:spPr>
+              <p:style>
+                <a:lnRef idx="2">
+                  <a:schemeClr val="accent1">
+                    <a:shade val="50000"/>
+                  </a:schemeClr>
+                </a:lnRef>
+                <a:fillRef idx="1">
+                  <a:schemeClr val="accent1"/>
+                </a:fillRef>
+                <a:effectRef idx="0">
+                  <a:schemeClr val="accent1"/>
+                </a:effectRef>
+                <a:fontRef idx="minor">
+                  <a:schemeClr val="lt1"/>
+                </a:fontRef>
+              </p:style>
+              <p:txBody>
+                <a:bodyPr rtlCol="0" anchor="ctr"/>
+                <a:lstStyle/>
+                <a:p>
+                  <a:pPr algn="ctr"/>
+                  <a:endParaRPr lang="fr-FR"/>
+                </a:p>
+              </p:txBody>
+            </p:sp>
+            <p:sp>
+              <p:nvSpPr>
+                <p:cNvPr id="26" name="ZoneTexte 25"/>
+                <p:cNvSpPr txBox="1"/>
+                <p:nvPr/>
+              </p:nvSpPr>
+              <p:spPr>
+                <a:xfrm>
+                  <a:off x="5462291" y="6933495"/>
+                  <a:ext cx="1460476" cy="261610"/>
+                </a:xfrm>
+                <a:prstGeom prst="rect">
+                  <a:avLst/>
+                </a:prstGeom>
+                <a:noFill/>
+              </p:spPr>
+              <p:txBody>
+                <a:bodyPr wrap="square" rtlCol="0">
+                  <a:spAutoFit/>
+                </a:bodyPr>
+                <a:lstStyle/>
+                <a:p>
+                  <a:r>
+                    <a:rPr lang="fr-FR" sz="1100" b="1" dirty="0" smtClean="0">
+                      <a:latin typeface="Arial" panose="020B0604020202020204" pitchFamily="34" charset="0"/>
+                      <a:cs typeface="Arial" panose="020B0604020202020204" pitchFamily="34" charset="0"/>
+                    </a:rPr>
+                    <a:t>BRUVS </a:t>
+                  </a:r>
+                  <a:r>
+                    <a:rPr lang="fr-FR" sz="1100" b="1" dirty="0" err="1" smtClean="0">
+                      <a:latin typeface="Arial" panose="020B0604020202020204" pitchFamily="34" charset="0"/>
+                      <a:cs typeface="Arial" panose="020B0604020202020204" pitchFamily="34" charset="0"/>
+                    </a:rPr>
+                    <a:t>samples</a:t>
+                  </a:r>
+                  <a:endParaRPr lang="fr-FR" sz="1100" b="1" dirty="0">
+                    <a:latin typeface="Arial" panose="020B0604020202020204" pitchFamily="34" charset="0"/>
+                    <a:cs typeface="Arial" panose="020B0604020202020204" pitchFamily="34" charset="0"/>
+                  </a:endParaRPr>
+                </a:p>
+              </p:txBody>
+            </p:sp>
+          </p:grpSp>
+          <p:grpSp>
+            <p:nvGrpSpPr>
+              <p:cNvPr id="31" name="Groupe 30"/>
+              <p:cNvGrpSpPr/>
+              <p:nvPr/>
+            </p:nvGrpSpPr>
+            <p:grpSpPr>
+              <a:xfrm>
+                <a:off x="9144000" y="4306790"/>
+                <a:ext cx="1940723" cy="261610"/>
+                <a:chOff x="5354291" y="7150807"/>
+                <a:chExt cx="1940723" cy="261610"/>
+              </a:xfrm>
+            </p:grpSpPr>
+            <p:sp>
+              <p:nvSpPr>
+                <p:cNvPr id="25" name="Ellipse 24"/>
+                <p:cNvSpPr/>
+                <p:nvPr/>
+              </p:nvSpPr>
+              <p:spPr>
+                <a:xfrm>
+                  <a:off x="5354291" y="7227612"/>
+                  <a:ext cx="108000" cy="108000"/>
+                </a:xfrm>
+                <a:prstGeom prst="ellipse">
+                  <a:avLst/>
+                </a:prstGeom>
+                <a:noFill/>
+                <a:ln>
+                  <a:solidFill>
+                    <a:schemeClr val="tx1"/>
+                  </a:solidFill>
+                </a:ln>
+              </p:spPr>
+              <p:style>
+                <a:lnRef idx="2">
+                  <a:schemeClr val="accent1">
+                    <a:shade val="50000"/>
+                  </a:schemeClr>
+                </a:lnRef>
+                <a:fillRef idx="1">
+                  <a:schemeClr val="accent1"/>
+                </a:fillRef>
+                <a:effectRef idx="0">
+                  <a:schemeClr val="accent1"/>
+                </a:effectRef>
+                <a:fontRef idx="minor">
+                  <a:schemeClr val="lt1"/>
+                </a:fontRef>
+              </p:style>
+              <p:txBody>
+                <a:bodyPr rtlCol="0" anchor="ctr"/>
+                <a:lstStyle/>
+                <a:p>
+                  <a:pPr algn="ctr"/>
+                  <a:endParaRPr lang="fr-FR"/>
+                </a:p>
+              </p:txBody>
+            </p:sp>
+            <p:sp>
+              <p:nvSpPr>
+                <p:cNvPr id="28" name="ZoneTexte 27"/>
+                <p:cNvSpPr txBox="1"/>
+                <p:nvPr/>
+              </p:nvSpPr>
+              <p:spPr>
+                <a:xfrm>
+                  <a:off x="5462291" y="7150807"/>
+                  <a:ext cx="1832723" cy="261610"/>
+                </a:xfrm>
+                <a:prstGeom prst="rect">
+                  <a:avLst/>
+                </a:prstGeom>
+                <a:noFill/>
+              </p:spPr>
+              <p:txBody>
+                <a:bodyPr wrap="square" rtlCol="0">
+                  <a:spAutoFit/>
+                </a:bodyPr>
+                <a:lstStyle/>
+                <a:p>
+                  <a:r>
+                    <a:rPr lang="fr-FR" sz="1100" b="1" dirty="0" smtClean="0">
+                      <a:latin typeface="Arial" panose="020B0604020202020204" pitchFamily="34" charset="0"/>
+                      <a:cs typeface="Arial" panose="020B0604020202020204" pitchFamily="34" charset="0"/>
+                    </a:rPr>
+                    <a:t>eDNA </a:t>
+                  </a:r>
+                  <a:r>
+                    <a:rPr lang="fr-FR" sz="1100" b="1" dirty="0" err="1" smtClean="0">
+                      <a:latin typeface="Arial" panose="020B0604020202020204" pitchFamily="34" charset="0"/>
+                      <a:cs typeface="Arial" panose="020B0604020202020204" pitchFamily="34" charset="0"/>
+                    </a:rPr>
+                    <a:t>samples</a:t>
+                  </a:r>
+                  <a:endParaRPr lang="fr-FR" sz="1100" b="1" dirty="0">
+                    <a:latin typeface="Arial" panose="020B0604020202020204" pitchFamily="34" charset="0"/>
+                    <a:cs typeface="Arial" panose="020B0604020202020204" pitchFamily="34" charset="0"/>
+                  </a:endParaRPr>
+                </a:p>
+              </p:txBody>
+            </p:sp>
+          </p:grpSp>
+          <p:grpSp>
+            <p:nvGrpSpPr>
+              <p:cNvPr id="32" name="Groupe 31"/>
+              <p:cNvGrpSpPr/>
+              <p:nvPr/>
+            </p:nvGrpSpPr>
+            <p:grpSpPr>
+              <a:xfrm>
+                <a:off x="9144000" y="4641273"/>
+                <a:ext cx="1961449" cy="261610"/>
+                <a:chOff x="6974243" y="6933495"/>
+                <a:chExt cx="1961449" cy="261610"/>
+              </a:xfrm>
+            </p:grpSpPr>
+            <p:sp>
+              <p:nvSpPr>
+                <p:cNvPr id="29" name="Ellipse 28"/>
+                <p:cNvSpPr/>
+                <p:nvPr/>
+              </p:nvSpPr>
+              <p:spPr>
+                <a:xfrm>
+                  <a:off x="6974243" y="7028300"/>
+                  <a:ext cx="72000" cy="72000"/>
+                </a:xfrm>
+                <a:prstGeom prst="ellipse">
+                  <a:avLst/>
+                </a:prstGeom>
+                <a:solidFill>
+                  <a:schemeClr val="tx1"/>
+                </a:solidFill>
+                <a:ln>
+                  <a:solidFill>
+                    <a:schemeClr val="tx1"/>
+                  </a:solidFill>
+                </a:ln>
+              </p:spPr>
+              <p:style>
+                <a:lnRef idx="2">
+                  <a:schemeClr val="accent1">
+                    <a:shade val="50000"/>
+                  </a:schemeClr>
+                </a:lnRef>
+                <a:fillRef idx="1">
+                  <a:schemeClr val="accent1"/>
+                </a:fillRef>
+                <a:effectRef idx="0">
+                  <a:schemeClr val="accent1"/>
+                </a:effectRef>
+                <a:fontRef idx="minor">
+                  <a:schemeClr val="lt1"/>
+                </a:fontRef>
+              </p:style>
+              <p:txBody>
+                <a:bodyPr rtlCol="0" anchor="ctr"/>
+                <a:lstStyle/>
+                <a:p>
+                  <a:pPr algn="ctr"/>
+                  <a:endParaRPr lang="fr-FR"/>
+                </a:p>
+              </p:txBody>
+            </p:sp>
+            <p:sp>
+              <p:nvSpPr>
+                <p:cNvPr id="30" name="ZoneTexte 29"/>
+                <p:cNvSpPr txBox="1"/>
+                <p:nvPr/>
+              </p:nvSpPr>
+              <p:spPr>
+                <a:xfrm>
+                  <a:off x="7040222" y="6933495"/>
+                  <a:ext cx="1895470" cy="261610"/>
+                </a:xfrm>
+                <a:prstGeom prst="rect">
+                  <a:avLst/>
+                </a:prstGeom>
+                <a:noFill/>
+              </p:spPr>
+              <p:txBody>
+                <a:bodyPr wrap="square" rtlCol="0">
+                  <a:spAutoFit/>
+                </a:bodyPr>
+                <a:lstStyle/>
+                <a:p>
+                  <a:r>
+                    <a:rPr lang="fr-FR" sz="1100" b="1" dirty="0" err="1" smtClean="0">
+                      <a:latin typeface="Arial" panose="020B0604020202020204" pitchFamily="34" charset="0"/>
+                      <a:cs typeface="Arial" panose="020B0604020202020204" pitchFamily="34" charset="0"/>
+                    </a:rPr>
+                    <a:t>Acoustic</a:t>
+                  </a:r>
+                  <a:r>
+                    <a:rPr lang="fr-FR" sz="1100" b="1" dirty="0" smtClean="0">
+                      <a:latin typeface="Arial" panose="020B0604020202020204" pitchFamily="34" charset="0"/>
+                      <a:cs typeface="Arial" panose="020B0604020202020204" pitchFamily="34" charset="0"/>
+                    </a:rPr>
+                    <a:t> </a:t>
+                  </a:r>
+                  <a:r>
+                    <a:rPr lang="fr-FR" sz="1100" b="1" dirty="0" err="1" smtClean="0">
+                      <a:latin typeface="Arial" panose="020B0604020202020204" pitchFamily="34" charset="0"/>
+                      <a:cs typeface="Arial" panose="020B0604020202020204" pitchFamily="34" charset="0"/>
+                    </a:rPr>
+                    <a:t>recordings</a:t>
+                  </a:r>
+                  <a:endParaRPr lang="fr-FR" sz="1100" b="1" dirty="0">
+                    <a:latin typeface="Arial" panose="020B0604020202020204" pitchFamily="34" charset="0"/>
+                    <a:cs typeface="Arial" panose="020B0604020202020204" pitchFamily="34" charset="0"/>
+                  </a:endParaRPr>
+                </a:p>
+              </p:txBody>
+            </p:sp>
+          </p:grpSp>
+          <p:sp>
+            <p:nvSpPr>
+              <p:cNvPr id="38" name="ZoneTexte 37"/>
+              <p:cNvSpPr txBox="1"/>
+              <p:nvPr/>
+            </p:nvSpPr>
+            <p:spPr>
+              <a:xfrm>
+                <a:off x="9059917" y="3614074"/>
+                <a:ext cx="1303283" cy="307777"/>
+              </a:xfrm>
+              <a:prstGeom prst="rect">
+                <a:avLst/>
+              </a:prstGeom>
+              <a:noFill/>
+            </p:spPr>
+            <p:txBody>
+              <a:bodyPr wrap="square" rtlCol="0">
+                <a:spAutoFit/>
+              </a:bodyPr>
+              <a:lstStyle/>
+              <a:p>
+                <a:r>
+                  <a:rPr lang="fr-FR" sz="1400" b="1" u="sng" dirty="0" smtClean="0">
+                    <a:latin typeface="Arial" panose="020B0604020202020204" pitchFamily="34" charset="0"/>
+                    <a:cs typeface="Arial" panose="020B0604020202020204" pitchFamily="34" charset="0"/>
+                  </a:rPr>
+                  <a:t>Sample type</a:t>
+                </a:r>
+                <a:endParaRPr lang="fr-FR" sz="1400" b="1" u="sng" dirty="0">
+                  <a:latin typeface="Arial" panose="020B0604020202020204" pitchFamily="34" charset="0"/>
+                  <a:cs typeface="Arial" panose="020B0604020202020204" pitchFamily="34" charset="0"/>
+                </a:endParaRPr>
+              </a:p>
+            </p:txBody>
+          </p:sp>
+        </p:grpSp>
+      </p:grpSp>
+    </p:spTree>
+    <p:extLst>
+      <p:ext uri="{BB962C8B-B14F-4D97-AF65-F5344CB8AC3E}">
+        <p14:creationId xmlns:p14="http://schemas.microsoft.com/office/powerpoint/2010/main" val="3385519225"/>
       </p:ext>
     </p:extLst>
   </p:cSld>

--- a/06_Figures/Figures.pptx
+++ b/06_Figures/Figures.pptx
@@ -7,8 +7,8 @@
   <p:sldIdLst>
     <p:sldId id="256" r:id="rId2"/>
     <p:sldId id="257" r:id="rId3"/>
-    <p:sldId id="258" r:id="rId4"/>
-    <p:sldId id="259" r:id="rId5"/>
+    <p:sldId id="259" r:id="rId4"/>
+    <p:sldId id="260" r:id="rId5"/>
   </p:sldIdLst>
   <p:sldSz cx="9144000" cy="6858000" type="screen4x3"/>
   <p:notesSz cx="6858000" cy="9144000"/>
@@ -246,7 +246,7 @@
           <a:p>
             <a:fld id="{3FF39126-F987-48DB-9EEF-9CD00B9E823D}" type="datetimeFigureOut">
               <a:rPr lang="fr-FR" smtClean="0"/>
-              <a:t>21/10/2022</a:t>
+              <a:t>08/11/2022</a:t>
             </a:fld>
             <a:endParaRPr lang="fr-FR"/>
           </a:p>
@@ -416,7 +416,7 @@
           <a:p>
             <a:fld id="{3FF39126-F987-48DB-9EEF-9CD00B9E823D}" type="datetimeFigureOut">
               <a:rPr lang="fr-FR" smtClean="0"/>
-              <a:t>21/10/2022</a:t>
+              <a:t>08/11/2022</a:t>
             </a:fld>
             <a:endParaRPr lang="fr-FR"/>
           </a:p>
@@ -596,7 +596,7 @@
           <a:p>
             <a:fld id="{3FF39126-F987-48DB-9EEF-9CD00B9E823D}" type="datetimeFigureOut">
               <a:rPr lang="fr-FR" smtClean="0"/>
-              <a:t>21/10/2022</a:t>
+              <a:t>08/11/2022</a:t>
             </a:fld>
             <a:endParaRPr lang="fr-FR"/>
           </a:p>
@@ -766,7 +766,7 @@
           <a:p>
             <a:fld id="{3FF39126-F987-48DB-9EEF-9CD00B9E823D}" type="datetimeFigureOut">
               <a:rPr lang="fr-FR" smtClean="0"/>
-              <a:t>21/10/2022</a:t>
+              <a:t>08/11/2022</a:t>
             </a:fld>
             <a:endParaRPr lang="fr-FR"/>
           </a:p>
@@ -1010,7 +1010,7 @@
           <a:p>
             <a:fld id="{3FF39126-F987-48DB-9EEF-9CD00B9E823D}" type="datetimeFigureOut">
               <a:rPr lang="fr-FR" smtClean="0"/>
-              <a:t>21/10/2022</a:t>
+              <a:t>08/11/2022</a:t>
             </a:fld>
             <a:endParaRPr lang="fr-FR"/>
           </a:p>
@@ -1242,7 +1242,7 @@
           <a:p>
             <a:fld id="{3FF39126-F987-48DB-9EEF-9CD00B9E823D}" type="datetimeFigureOut">
               <a:rPr lang="fr-FR" smtClean="0"/>
-              <a:t>21/10/2022</a:t>
+              <a:t>08/11/2022</a:t>
             </a:fld>
             <a:endParaRPr lang="fr-FR"/>
           </a:p>
@@ -1609,7 +1609,7 @@
           <a:p>
             <a:fld id="{3FF39126-F987-48DB-9EEF-9CD00B9E823D}" type="datetimeFigureOut">
               <a:rPr lang="fr-FR" smtClean="0"/>
-              <a:t>21/10/2022</a:t>
+              <a:t>08/11/2022</a:t>
             </a:fld>
             <a:endParaRPr lang="fr-FR"/>
           </a:p>
@@ -1727,7 +1727,7 @@
           <a:p>
             <a:fld id="{3FF39126-F987-48DB-9EEF-9CD00B9E823D}" type="datetimeFigureOut">
               <a:rPr lang="fr-FR" smtClean="0"/>
-              <a:t>21/10/2022</a:t>
+              <a:t>08/11/2022</a:t>
             </a:fld>
             <a:endParaRPr lang="fr-FR"/>
           </a:p>
@@ -1822,7 +1822,7 @@
           <a:p>
             <a:fld id="{3FF39126-F987-48DB-9EEF-9CD00B9E823D}" type="datetimeFigureOut">
               <a:rPr lang="fr-FR" smtClean="0"/>
-              <a:t>21/10/2022</a:t>
+              <a:t>08/11/2022</a:t>
             </a:fld>
             <a:endParaRPr lang="fr-FR"/>
           </a:p>
@@ -2099,7 +2099,7 @@
           <a:p>
             <a:fld id="{3FF39126-F987-48DB-9EEF-9CD00B9E823D}" type="datetimeFigureOut">
               <a:rPr lang="fr-FR" smtClean="0"/>
-              <a:t>21/10/2022</a:t>
+              <a:t>08/11/2022</a:t>
             </a:fld>
             <a:endParaRPr lang="fr-FR"/>
           </a:p>
@@ -2356,7 +2356,7 @@
           <a:p>
             <a:fld id="{3FF39126-F987-48DB-9EEF-9CD00B9E823D}" type="datetimeFigureOut">
               <a:rPr lang="fr-FR" smtClean="0"/>
-              <a:t>21/10/2022</a:t>
+              <a:t>08/11/2022</a:t>
             </a:fld>
             <a:endParaRPr lang="fr-FR"/>
           </a:p>
@@ -2569,7 +2569,7 @@
           <a:p>
             <a:fld id="{3FF39126-F987-48DB-9EEF-9CD00B9E823D}" type="datetimeFigureOut">
               <a:rPr lang="fr-FR" smtClean="0"/>
-              <a:t>21/10/2022</a:t>
+              <a:t>08/11/2022</a:t>
             </a:fld>
             <a:endParaRPr lang="fr-FR"/>
           </a:p>
@@ -4296,28 +4296,178 @@
       </p:grpSpPr>
       <p:grpSp>
         <p:nvGrpSpPr>
-          <p:cNvPr id="6" name="Groupe 5"/>
+          <p:cNvPr id="10" name="Groupe 9"/>
           <p:cNvGrpSpPr/>
           <p:nvPr/>
         </p:nvGrpSpPr>
         <p:grpSpPr>
           <a:xfrm>
             <a:off x="329184" y="223114"/>
-            <a:ext cx="5062118" cy="7983841"/>
+            <a:ext cx="7464847" cy="7983841"/>
             <a:chOff x="329184" y="223114"/>
-            <a:chExt cx="5062118" cy="7983841"/>
+            <a:chExt cx="7464847" cy="7983841"/>
           </a:xfrm>
         </p:grpSpPr>
+        <p:grpSp>
+          <p:nvGrpSpPr>
+            <p:cNvPr id="7" name="Groupe 6"/>
+            <p:cNvGrpSpPr/>
+            <p:nvPr/>
+          </p:nvGrpSpPr>
+          <p:grpSpPr>
+            <a:xfrm>
+              <a:off x="329184" y="223114"/>
+              <a:ext cx="7410297" cy="7983841"/>
+              <a:chOff x="329184" y="223114"/>
+              <a:chExt cx="7410297" cy="7983841"/>
+            </a:xfrm>
+          </p:grpSpPr>
+          <p:grpSp>
+            <p:nvGrpSpPr>
+              <p:cNvPr id="6" name="Groupe 5"/>
+              <p:cNvGrpSpPr/>
+              <p:nvPr/>
+            </p:nvGrpSpPr>
+            <p:grpSpPr>
+              <a:xfrm>
+                <a:off x="329184" y="223114"/>
+                <a:ext cx="5062118" cy="7983841"/>
+                <a:chOff x="329184" y="223114"/>
+                <a:chExt cx="5062118" cy="7983841"/>
+              </a:xfrm>
+            </p:grpSpPr>
+            <p:pic>
+              <p:nvPicPr>
+                <p:cNvPr id="4" name="Image 3"/>
+                <p:cNvPicPr>
+                  <a:picLocks noChangeAspect="1"/>
+                </p:cNvPicPr>
+                <p:nvPr/>
+              </p:nvPicPr>
+              <p:blipFill>
+                <a:blip r:embed="rId2" cstate="print">
+                  <a:extLst>
+                    <a:ext uri="{28A0092B-C50C-407E-A947-70E740481C1C}">
+                      <a14:useLocalDpi xmlns:a14="http://schemas.microsoft.com/office/drawing/2010/main" val="0"/>
+                    </a:ext>
+                  </a:extLst>
+                </a:blip>
+                <a:stretch>
+                  <a:fillRect/>
+                </a:stretch>
+              </p:blipFill>
+              <p:spPr>
+                <a:xfrm>
+                  <a:off x="329184" y="223114"/>
+                  <a:ext cx="5062118" cy="6327648"/>
+                </a:xfrm>
+                <a:prstGeom prst="rect">
+                  <a:avLst/>
+                </a:prstGeom>
+              </p:spPr>
+            </p:pic>
+            <p:pic>
+              <p:nvPicPr>
+                <p:cNvPr id="5" name="Image 4"/>
+                <p:cNvPicPr>
+                  <a:picLocks noChangeAspect="1"/>
+                </p:cNvPicPr>
+                <p:nvPr/>
+              </p:nvPicPr>
+              <p:blipFill>
+                <a:blip r:embed="rId3" cstate="print">
+                  <a:extLst>
+                    <a:ext uri="{28A0092B-C50C-407E-A947-70E740481C1C}">
+                      <a14:useLocalDpi xmlns:a14="http://schemas.microsoft.com/office/drawing/2010/main" val="0"/>
+                    </a:ext>
+                  </a:extLst>
+                </a:blip>
+                <a:stretch>
+                  <a:fillRect/>
+                </a:stretch>
+              </p:blipFill>
+              <p:spPr>
+                <a:xfrm>
+                  <a:off x="1750284" y="6634795"/>
+                  <a:ext cx="2219917" cy="1572160"/>
+                </a:xfrm>
+                <a:prstGeom prst="rect">
+                  <a:avLst/>
+                </a:prstGeom>
+              </p:spPr>
+            </p:pic>
+          </p:grpSp>
+          <p:pic>
+            <p:nvPicPr>
+              <p:cNvPr id="2" name="Image 1"/>
+              <p:cNvPicPr>
+                <a:picLocks noChangeAspect="1"/>
+              </p:cNvPicPr>
+              <p:nvPr/>
+            </p:nvPicPr>
+            <p:blipFill>
+              <a:blip r:embed="rId4" cstate="print">
+                <a:extLst>
+                  <a:ext uri="{28A0092B-C50C-407E-A947-70E740481C1C}">
+                    <a14:useLocalDpi xmlns:a14="http://schemas.microsoft.com/office/drawing/2010/main" val="0"/>
+                  </a:ext>
+                </a:extLst>
+              </a:blip>
+              <a:stretch>
+                <a:fillRect/>
+              </a:stretch>
+            </p:blipFill>
+            <p:spPr>
+              <a:xfrm>
+                <a:off x="5268990" y="354972"/>
+                <a:ext cx="2470491" cy="1796721"/>
+              </a:xfrm>
+              <a:prstGeom prst="rect">
+                <a:avLst/>
+              </a:prstGeom>
+            </p:spPr>
+          </p:pic>
+          <p:pic>
+            <p:nvPicPr>
+              <p:cNvPr id="3" name="Image 2"/>
+              <p:cNvPicPr>
+                <a:picLocks noChangeAspect="1"/>
+              </p:cNvPicPr>
+              <p:nvPr/>
+            </p:nvPicPr>
+            <p:blipFill>
+              <a:blip r:embed="rId5" cstate="print">
+                <a:extLst>
+                  <a:ext uri="{28A0092B-C50C-407E-A947-70E740481C1C}">
+                    <a14:useLocalDpi xmlns:a14="http://schemas.microsoft.com/office/drawing/2010/main" val="0"/>
+                  </a:ext>
+                </a:extLst>
+              </a:blip>
+              <a:stretch>
+                <a:fillRect/>
+              </a:stretch>
+            </p:blipFill>
+            <p:spPr>
+              <a:xfrm>
+                <a:off x="5268991" y="3576353"/>
+                <a:ext cx="2469600" cy="1796072"/>
+              </a:xfrm>
+              <a:prstGeom prst="rect">
+                <a:avLst/>
+              </a:prstGeom>
+            </p:spPr>
+          </p:pic>
+        </p:grpSp>
         <p:pic>
           <p:nvPicPr>
-            <p:cNvPr id="4" name="Image 3"/>
+            <p:cNvPr id="8" name="Image 7"/>
             <p:cNvPicPr>
               <a:picLocks noChangeAspect="1"/>
             </p:cNvPicPr>
             <p:nvPr/>
           </p:nvPicPr>
           <p:blipFill>
-            <a:blip r:embed="rId2" cstate="print">
+            <a:blip r:embed="rId6" cstate="print">
               <a:extLst>
                 <a:ext uri="{28A0092B-C50C-407E-A947-70E740481C1C}">
                   <a14:useLocalDpi xmlns:a14="http://schemas.microsoft.com/office/drawing/2010/main" val="0"/>
@@ -4330,8 +4480,8 @@
           </p:blipFill>
           <p:spPr>
             <a:xfrm>
-              <a:off x="329184" y="223114"/>
-              <a:ext cx="5062118" cy="6327648"/>
+              <a:off x="5497479" y="2235726"/>
+              <a:ext cx="2296552" cy="835110"/>
             </a:xfrm>
             <a:prstGeom prst="rect">
               <a:avLst/>
@@ -4340,14 +4490,14 @@
         </p:pic>
         <p:pic>
           <p:nvPicPr>
-            <p:cNvPr id="5" name="Image 4"/>
+            <p:cNvPr id="9" name="Image 8"/>
             <p:cNvPicPr>
               <a:picLocks noChangeAspect="1"/>
             </p:cNvPicPr>
             <p:nvPr/>
           </p:nvPicPr>
           <p:blipFill>
-            <a:blip r:embed="rId3" cstate="print">
+            <a:blip r:embed="rId7" cstate="print">
               <a:extLst>
                 <a:ext uri="{28A0092B-C50C-407E-A947-70E740481C1C}">
                   <a14:useLocalDpi xmlns:a14="http://schemas.microsoft.com/office/drawing/2010/main" val="0"/>
@@ -4360,8 +4510,8 @@
           </p:blipFill>
           <p:spPr>
             <a:xfrm>
-              <a:off x="1750284" y="6634795"/>
-              <a:ext cx="2219917" cy="1572160"/>
+              <a:off x="5499440" y="5402669"/>
+              <a:ext cx="2294591" cy="834397"/>
             </a:xfrm>
             <a:prstGeom prst="rect">
               <a:avLst/>
@@ -4383,1061 +4533,6 @@
 </file>
 
 <file path=ppt/slides/slide3.xml><?xml version="1.0" encoding="utf-8"?>
-<p:sld xmlns:a="http://schemas.openxmlformats.org/drawingml/2006/main" xmlns:r="http://schemas.openxmlformats.org/officeDocument/2006/relationships" xmlns:p="http://schemas.openxmlformats.org/presentationml/2006/main">
-  <p:cSld>
-    <p:spTree>
-      <p:nvGrpSpPr>
-        <p:cNvPr id="1" name=""/>
-        <p:cNvGrpSpPr/>
-        <p:nvPr/>
-      </p:nvGrpSpPr>
-      <p:grpSpPr>
-        <a:xfrm>
-          <a:off x="0" y="0"/>
-          <a:ext cx="0" cy="0"/>
-          <a:chOff x="0" y="0"/>
-          <a:chExt cx="0" cy="0"/>
-        </a:xfrm>
-      </p:grpSpPr>
-      <p:grpSp>
-        <p:nvGrpSpPr>
-          <p:cNvPr id="18" name="Groupe 17"/>
-          <p:cNvGrpSpPr/>
-          <p:nvPr/>
-        </p:nvGrpSpPr>
-        <p:grpSpPr>
-          <a:xfrm>
-            <a:off x="136490" y="-2393604"/>
-            <a:ext cx="8923428" cy="9214380"/>
-            <a:chOff x="117440" y="-2336454"/>
-            <a:chExt cx="8923428" cy="9214380"/>
-          </a:xfrm>
-        </p:grpSpPr>
-        <p:grpSp>
-          <p:nvGrpSpPr>
-            <p:cNvPr id="13" name="Groupe 12"/>
-            <p:cNvGrpSpPr/>
-            <p:nvPr/>
-          </p:nvGrpSpPr>
-          <p:grpSpPr>
-            <a:xfrm>
-              <a:off x="117440" y="-2336454"/>
-              <a:ext cx="8923428" cy="9214380"/>
-              <a:chOff x="117440" y="-2336454"/>
-              <a:chExt cx="8923428" cy="9214380"/>
-            </a:xfrm>
-          </p:grpSpPr>
-          <p:pic>
-            <p:nvPicPr>
-              <p:cNvPr id="2" name="Image 1"/>
-              <p:cNvPicPr>
-                <a:picLocks noChangeAspect="1"/>
-              </p:cNvPicPr>
-              <p:nvPr/>
-            </p:nvPicPr>
-            <p:blipFill rotWithShape="1">
-              <a:blip r:embed="rId2" cstate="print">
-                <a:extLst>
-                  <a:ext uri="{28A0092B-C50C-407E-A947-70E740481C1C}">
-                    <a14:useLocalDpi xmlns:a14="http://schemas.microsoft.com/office/drawing/2010/main" val="0"/>
-                  </a:ext>
-                </a:extLst>
-              </a:blip>
-              <a:srcRect t="11450" b="23470"/>
-              <a:stretch/>
-            </p:blipFill>
-            <p:spPr>
-              <a:xfrm>
-                <a:off x="453123" y="-2336454"/>
-                <a:ext cx="8445345" cy="5496167"/>
-              </a:xfrm>
-              <a:prstGeom prst="rect">
-                <a:avLst/>
-              </a:prstGeom>
-            </p:spPr>
-          </p:pic>
-          <p:pic>
-            <p:nvPicPr>
-              <p:cNvPr id="3" name="Image 2"/>
-              <p:cNvPicPr>
-                <a:picLocks noChangeAspect="1"/>
-              </p:cNvPicPr>
-              <p:nvPr/>
-            </p:nvPicPr>
-            <p:blipFill>
-              <a:blip r:embed="rId3" cstate="print">
-                <a:extLst>
-                  <a:ext uri="{28A0092B-C50C-407E-A947-70E740481C1C}">
-                    <a14:useLocalDpi xmlns:a14="http://schemas.microsoft.com/office/drawing/2010/main" val="0"/>
-                  </a:ext>
-                </a:extLst>
-              </a:blip>
-              <a:stretch>
-                <a:fillRect/>
-              </a:stretch>
-            </p:blipFill>
-            <p:spPr>
-              <a:xfrm>
-                <a:off x="117440" y="3109155"/>
-                <a:ext cx="4704915" cy="3528687"/>
-              </a:xfrm>
-              <a:prstGeom prst="rect">
-                <a:avLst/>
-              </a:prstGeom>
-            </p:spPr>
-          </p:pic>
-          <p:pic>
-            <p:nvPicPr>
-              <p:cNvPr id="10" name="Image 9"/>
-              <p:cNvPicPr>
-                <a:picLocks noChangeAspect="1"/>
-              </p:cNvPicPr>
-              <p:nvPr/>
-            </p:nvPicPr>
-            <p:blipFill>
-              <a:blip r:embed="rId4" cstate="print">
-                <a:extLst>
-                  <a:ext uri="{28A0092B-C50C-407E-A947-70E740481C1C}">
-                    <a14:useLocalDpi xmlns:a14="http://schemas.microsoft.com/office/drawing/2010/main" val="0"/>
-                  </a:ext>
-                </a:extLst>
-              </a:blip>
-              <a:stretch>
-                <a:fillRect/>
-              </a:stretch>
-            </p:blipFill>
-            <p:spPr>
-              <a:xfrm>
-                <a:off x="4336869" y="3109155"/>
-                <a:ext cx="4703999" cy="3528000"/>
-              </a:xfrm>
-              <a:prstGeom prst="rect">
-                <a:avLst/>
-              </a:prstGeom>
-            </p:spPr>
-          </p:pic>
-          <p:pic>
-            <p:nvPicPr>
-              <p:cNvPr id="11" name="Image 10"/>
-              <p:cNvPicPr>
-                <a:picLocks noChangeAspect="1"/>
-              </p:cNvPicPr>
-              <p:nvPr/>
-            </p:nvPicPr>
-            <p:blipFill rotWithShape="1">
-              <a:blip r:embed="rId5" cstate="print">
-                <a:extLst>
-                  <a:ext uri="{28A0092B-C50C-407E-A947-70E740481C1C}">
-                    <a14:useLocalDpi xmlns:a14="http://schemas.microsoft.com/office/drawing/2010/main" val="0"/>
-                  </a:ext>
-                </a:extLst>
-              </a:blip>
-              <a:srcRect l="7292" t="1281" r="7292" b="2245"/>
-              <a:stretch/>
-            </p:blipFill>
-            <p:spPr>
-              <a:xfrm>
-                <a:off x="6057900" y="-1846765"/>
-                <a:ext cx="2724150" cy="1501605"/>
-              </a:xfrm>
-              <a:prstGeom prst="rect">
-                <a:avLst/>
-              </a:prstGeom>
-              <a:ln>
-                <a:solidFill>
-                  <a:schemeClr val="tx1"/>
-                </a:solidFill>
-              </a:ln>
-            </p:spPr>
-          </p:pic>
-          <p:pic>
-            <p:nvPicPr>
-              <p:cNvPr id="12" name="Image 11"/>
-              <p:cNvPicPr>
-                <a:picLocks noChangeAspect="1"/>
-              </p:cNvPicPr>
-              <p:nvPr/>
-            </p:nvPicPr>
-            <p:blipFill rotWithShape="1">
-              <a:blip r:embed="rId2" cstate="print">
-                <a:extLst>
-                  <a:ext uri="{28A0092B-C50C-407E-A947-70E740481C1C}">
-                    <a14:useLocalDpi xmlns:a14="http://schemas.microsoft.com/office/drawing/2010/main" val="0"/>
-                  </a:ext>
-                </a:extLst>
-              </a:blip>
-              <a:srcRect l="20571" t="79866" r="12413" b="12781"/>
-              <a:stretch/>
-            </p:blipFill>
-            <p:spPr>
-              <a:xfrm>
-                <a:off x="2530989" y="6407279"/>
-                <a:ext cx="4289612" cy="470647"/>
-              </a:xfrm>
-              <a:prstGeom prst="rect">
-                <a:avLst/>
-              </a:prstGeom>
-            </p:spPr>
-          </p:pic>
-        </p:grpSp>
-        <p:sp>
-          <p:nvSpPr>
-            <p:cNvPr id="14" name="ZoneTexte 13"/>
-            <p:cNvSpPr txBox="1"/>
-            <p:nvPr/>
-          </p:nvSpPr>
-          <p:spPr>
-            <a:xfrm>
-              <a:off x="1250575" y="-941294"/>
-              <a:ext cx="1532965" cy="307777"/>
-            </a:xfrm>
-            <a:prstGeom prst="rect">
-              <a:avLst/>
-            </a:prstGeom>
-            <a:noFill/>
-          </p:spPr>
-          <p:txBody>
-            <a:bodyPr wrap="square" rtlCol="0">
-              <a:spAutoFit/>
-            </a:bodyPr>
-            <a:lstStyle/>
-            <a:p>
-              <a:r>
-                <a:rPr lang="fr-FR" sz="1400" i="1" dirty="0" smtClean="0">
-                  <a:latin typeface="Arial" panose="020B0604020202020204" pitchFamily="34" charset="0"/>
-                  <a:cs typeface="Arial" panose="020B0604020202020204" pitchFamily="34" charset="0"/>
-                </a:rPr>
-                <a:t>Chesterfield</a:t>
-              </a:r>
-              <a:endParaRPr lang="fr-FR" sz="1400" i="1" dirty="0">
-                <a:latin typeface="Arial" panose="020B0604020202020204" pitchFamily="34" charset="0"/>
-                <a:cs typeface="Arial" panose="020B0604020202020204" pitchFamily="34" charset="0"/>
-              </a:endParaRPr>
-            </a:p>
-          </p:txBody>
-        </p:sp>
-        <p:sp>
-          <p:nvSpPr>
-            <p:cNvPr id="15" name="ZoneTexte 14"/>
-            <p:cNvSpPr txBox="1"/>
-            <p:nvPr/>
-          </p:nvSpPr>
-          <p:spPr>
-            <a:xfrm>
-              <a:off x="1510552" y="0"/>
-              <a:ext cx="856131" cy="307777"/>
-            </a:xfrm>
-            <a:prstGeom prst="rect">
-              <a:avLst/>
-            </a:prstGeom>
-            <a:noFill/>
-          </p:spPr>
-          <p:txBody>
-            <a:bodyPr wrap="square" rtlCol="0">
-              <a:spAutoFit/>
-            </a:bodyPr>
-            <a:lstStyle/>
-            <a:p>
-              <a:r>
-                <a:rPr lang="fr-FR" sz="1400" i="1" dirty="0" smtClean="0">
-                  <a:latin typeface="Arial" panose="020B0604020202020204" pitchFamily="34" charset="0"/>
-                  <a:cs typeface="Arial" panose="020B0604020202020204" pitchFamily="34" charset="0"/>
-                </a:rPr>
-                <a:t>Bellona</a:t>
-              </a:r>
-              <a:endParaRPr lang="fr-FR" sz="1400" i="1" dirty="0">
-                <a:latin typeface="Arial" panose="020B0604020202020204" pitchFamily="34" charset="0"/>
-                <a:cs typeface="Arial" panose="020B0604020202020204" pitchFamily="34" charset="0"/>
-              </a:endParaRPr>
-            </a:p>
-          </p:txBody>
-        </p:sp>
-        <p:sp>
-          <p:nvSpPr>
-            <p:cNvPr id="16" name="ZoneTexte 15"/>
-            <p:cNvSpPr txBox="1"/>
-            <p:nvPr/>
-          </p:nvSpPr>
-          <p:spPr>
-            <a:xfrm>
-              <a:off x="3487269" y="-1595718"/>
-              <a:ext cx="1532965" cy="307777"/>
-            </a:xfrm>
-            <a:prstGeom prst="rect">
-              <a:avLst/>
-            </a:prstGeom>
-            <a:noFill/>
-          </p:spPr>
-          <p:txBody>
-            <a:bodyPr wrap="square" rtlCol="0">
-              <a:spAutoFit/>
-            </a:bodyPr>
-            <a:lstStyle/>
-            <a:p>
-              <a:r>
-                <a:rPr lang="fr-FR" sz="1400" i="1" dirty="0" smtClean="0">
-                  <a:latin typeface="Arial" panose="020B0604020202020204" pitchFamily="34" charset="0"/>
-                  <a:cs typeface="Arial" panose="020B0604020202020204" pitchFamily="34" charset="0"/>
-                </a:rPr>
-                <a:t>D’Entrecasteaux</a:t>
-              </a:r>
-              <a:endParaRPr lang="fr-FR" sz="1400" i="1" dirty="0">
-                <a:latin typeface="Arial" panose="020B0604020202020204" pitchFamily="34" charset="0"/>
-                <a:cs typeface="Arial" panose="020B0604020202020204" pitchFamily="34" charset="0"/>
-              </a:endParaRPr>
-            </a:p>
-          </p:txBody>
-        </p:sp>
-        <p:sp>
-          <p:nvSpPr>
-            <p:cNvPr id="17" name="ZoneTexte 16"/>
-            <p:cNvSpPr txBox="1"/>
-            <p:nvPr/>
-          </p:nvSpPr>
-          <p:spPr>
-            <a:xfrm>
-              <a:off x="4678937" y="632013"/>
-              <a:ext cx="874700" cy="317320"/>
-            </a:xfrm>
-            <a:prstGeom prst="rect">
-              <a:avLst/>
-            </a:prstGeom>
-            <a:noFill/>
-          </p:spPr>
-          <p:txBody>
-            <a:bodyPr wrap="square" rtlCol="0">
-              <a:spAutoFit/>
-            </a:bodyPr>
-            <a:lstStyle/>
-            <a:p>
-              <a:r>
-                <a:rPr lang="fr-FR" sz="1400" i="1" dirty="0" smtClean="0">
-                  <a:latin typeface="Arial" panose="020B0604020202020204" pitchFamily="34" charset="0"/>
-                  <a:cs typeface="Arial" panose="020B0604020202020204" pitchFamily="34" charset="0"/>
-                </a:rPr>
-                <a:t>Nouméa</a:t>
-              </a:r>
-              <a:endParaRPr lang="fr-FR" sz="1400" i="1" dirty="0">
-                <a:latin typeface="Arial" panose="020B0604020202020204" pitchFamily="34" charset="0"/>
-                <a:cs typeface="Arial" panose="020B0604020202020204" pitchFamily="34" charset="0"/>
-              </a:endParaRPr>
-            </a:p>
-          </p:txBody>
-        </p:sp>
-      </p:grpSp>
-      <p:grpSp>
-        <p:nvGrpSpPr>
-          <p:cNvPr id="9" name="Groupe 8"/>
-          <p:cNvGrpSpPr/>
-          <p:nvPr/>
-        </p:nvGrpSpPr>
-        <p:grpSpPr>
-          <a:xfrm>
-            <a:off x="1334981" y="6924675"/>
-            <a:ext cx="7600711" cy="490628"/>
-            <a:chOff x="1181339" y="6824808"/>
-            <a:chExt cx="7600711" cy="490628"/>
-          </a:xfrm>
-        </p:grpSpPr>
-        <p:grpSp>
-          <p:nvGrpSpPr>
-            <p:cNvPr id="6" name="Groupe 5"/>
-            <p:cNvGrpSpPr/>
-            <p:nvPr/>
-          </p:nvGrpSpPr>
-          <p:grpSpPr>
-            <a:xfrm>
-              <a:off x="1181339" y="6824808"/>
-              <a:ext cx="3508187" cy="490628"/>
-              <a:chOff x="1276589" y="6796233"/>
-              <a:chExt cx="3508187" cy="490628"/>
-            </a:xfrm>
-          </p:grpSpPr>
-          <p:sp>
-            <p:nvSpPr>
-              <p:cNvPr id="4" name="Ellipse 3"/>
-              <p:cNvSpPr/>
-              <p:nvPr/>
-            </p:nvSpPr>
-            <p:spPr>
-              <a:xfrm>
-                <a:off x="1276589" y="6877926"/>
-                <a:ext cx="108000" cy="108000"/>
-              </a:xfrm>
-              <a:prstGeom prst="ellipse">
-                <a:avLst/>
-              </a:prstGeom>
-              <a:solidFill>
-                <a:srgbClr val="FDE725"/>
-              </a:solidFill>
-              <a:ln>
-                <a:solidFill>
-                  <a:schemeClr val="tx1"/>
-                </a:solidFill>
-              </a:ln>
-            </p:spPr>
-            <p:style>
-              <a:lnRef idx="2">
-                <a:schemeClr val="accent1">
-                  <a:shade val="50000"/>
-                </a:schemeClr>
-              </a:lnRef>
-              <a:fillRef idx="1">
-                <a:schemeClr val="accent1"/>
-              </a:fillRef>
-              <a:effectRef idx="0">
-                <a:schemeClr val="accent1"/>
-              </a:effectRef>
-              <a:fontRef idx="minor">
-                <a:schemeClr val="lt1"/>
-              </a:fontRef>
-            </p:style>
-            <p:txBody>
-              <a:bodyPr rtlCol="0" anchor="ctr"/>
-              <a:lstStyle/>
-              <a:p>
-                <a:pPr algn="ctr"/>
-                <a:endParaRPr lang="fr-FR"/>
-              </a:p>
-            </p:txBody>
-          </p:sp>
-          <p:sp>
-            <p:nvSpPr>
-              <p:cNvPr id="19" name="Ellipse 18"/>
-              <p:cNvSpPr/>
-              <p:nvPr/>
-            </p:nvSpPr>
-            <p:spPr>
-              <a:xfrm>
-                <a:off x="1276589" y="7100226"/>
-                <a:ext cx="108000" cy="108000"/>
-              </a:xfrm>
-              <a:prstGeom prst="ellipse">
-                <a:avLst/>
-              </a:prstGeom>
-              <a:solidFill>
-                <a:srgbClr val="20A387"/>
-              </a:solidFill>
-              <a:ln>
-                <a:solidFill>
-                  <a:schemeClr val="tx1"/>
-                </a:solidFill>
-              </a:ln>
-            </p:spPr>
-            <p:style>
-              <a:lnRef idx="2">
-                <a:schemeClr val="accent1">
-                  <a:shade val="50000"/>
-                </a:schemeClr>
-              </a:lnRef>
-              <a:fillRef idx="1">
-                <a:schemeClr val="accent1"/>
-              </a:fillRef>
-              <a:effectRef idx="0">
-                <a:schemeClr val="accent1"/>
-              </a:effectRef>
-              <a:fontRef idx="minor">
-                <a:schemeClr val="lt1"/>
-              </a:fontRef>
-            </p:style>
-            <p:txBody>
-              <a:bodyPr rtlCol="0" anchor="ctr"/>
-              <a:lstStyle/>
-              <a:p>
-                <a:pPr algn="ctr"/>
-                <a:endParaRPr lang="fr-FR"/>
-              </a:p>
-            </p:txBody>
-          </p:sp>
-          <p:sp>
-            <p:nvSpPr>
-              <p:cNvPr id="20" name="Ellipse 19"/>
-              <p:cNvSpPr/>
-              <p:nvPr/>
-            </p:nvSpPr>
-            <p:spPr>
-              <a:xfrm>
-                <a:off x="2886074" y="6877926"/>
-                <a:ext cx="108000" cy="108000"/>
-              </a:xfrm>
-              <a:prstGeom prst="ellipse">
-                <a:avLst/>
-              </a:prstGeom>
-              <a:solidFill>
-                <a:srgbClr val="B40F20"/>
-              </a:solidFill>
-              <a:ln>
-                <a:solidFill>
-                  <a:schemeClr val="tx1"/>
-                </a:solidFill>
-              </a:ln>
-            </p:spPr>
-            <p:style>
-              <a:lnRef idx="2">
-                <a:schemeClr val="accent1">
-                  <a:shade val="50000"/>
-                </a:schemeClr>
-              </a:lnRef>
-              <a:fillRef idx="1">
-                <a:schemeClr val="accent1"/>
-              </a:fillRef>
-              <a:effectRef idx="0">
-                <a:schemeClr val="accent1"/>
-              </a:effectRef>
-              <a:fontRef idx="minor">
-                <a:schemeClr val="lt1"/>
-              </a:fontRef>
-            </p:style>
-            <p:txBody>
-              <a:bodyPr rtlCol="0" anchor="ctr"/>
-              <a:lstStyle/>
-              <a:p>
-                <a:pPr algn="ctr"/>
-                <a:endParaRPr lang="fr-FR"/>
-              </a:p>
-            </p:txBody>
-          </p:sp>
-          <p:sp>
-            <p:nvSpPr>
-              <p:cNvPr id="21" name="Ellipse 20"/>
-              <p:cNvSpPr/>
-              <p:nvPr/>
-            </p:nvSpPr>
-            <p:spPr>
-              <a:xfrm>
-                <a:off x="2886074" y="7100226"/>
-                <a:ext cx="108000" cy="108000"/>
-              </a:xfrm>
-              <a:prstGeom prst="ellipse">
-                <a:avLst/>
-              </a:prstGeom>
-              <a:solidFill>
-                <a:srgbClr val="440154"/>
-              </a:solidFill>
-              <a:ln>
-                <a:solidFill>
-                  <a:schemeClr val="tx1"/>
-                </a:solidFill>
-              </a:ln>
-            </p:spPr>
-            <p:style>
-              <a:lnRef idx="2">
-                <a:schemeClr val="accent1">
-                  <a:shade val="50000"/>
-                </a:schemeClr>
-              </a:lnRef>
-              <a:fillRef idx="1">
-                <a:schemeClr val="accent1"/>
-              </a:fillRef>
-              <a:effectRef idx="0">
-                <a:schemeClr val="accent1"/>
-              </a:effectRef>
-              <a:fontRef idx="minor">
-                <a:schemeClr val="lt1"/>
-              </a:fontRef>
-            </p:style>
-            <p:txBody>
-              <a:bodyPr rtlCol="0" anchor="ctr"/>
-              <a:lstStyle/>
-              <a:p>
-                <a:pPr algn="ctr"/>
-                <a:endParaRPr lang="fr-FR"/>
-              </a:p>
-            </p:txBody>
-          </p:sp>
-          <p:sp>
-            <p:nvSpPr>
-              <p:cNvPr id="5" name="ZoneTexte 4"/>
-              <p:cNvSpPr txBox="1"/>
-              <p:nvPr/>
-            </p:nvSpPr>
-            <p:spPr>
-              <a:xfrm>
-                <a:off x="1336964" y="7025251"/>
-                <a:ext cx="1832723" cy="261610"/>
-              </a:xfrm>
-              <a:prstGeom prst="rect">
-                <a:avLst/>
-              </a:prstGeom>
-              <a:noFill/>
-            </p:spPr>
-            <p:txBody>
-              <a:bodyPr wrap="square" rtlCol="0">
-                <a:spAutoFit/>
-              </a:bodyPr>
-              <a:lstStyle/>
-              <a:p>
-                <a:r>
-                  <a:rPr lang="fr-FR" sz="1100" b="1" dirty="0" err="1" smtClean="0">
-                    <a:latin typeface="Arial" panose="020B0604020202020204" pitchFamily="34" charset="0"/>
-                    <a:cs typeface="Arial" panose="020B0604020202020204" pitchFamily="34" charset="0"/>
-                  </a:rPr>
-                  <a:t>Seamount</a:t>
-                </a:r>
-                <a:r>
-                  <a:rPr lang="fr-FR" sz="1100" b="1" dirty="0" smtClean="0">
-                    <a:latin typeface="Arial" panose="020B0604020202020204" pitchFamily="34" charset="0"/>
-                    <a:cs typeface="Arial" panose="020B0604020202020204" pitchFamily="34" charset="0"/>
-                  </a:rPr>
-                  <a:t> ~50m</a:t>
-                </a:r>
-                <a:endParaRPr lang="fr-FR" sz="1100" b="1" dirty="0">
-                  <a:latin typeface="Arial" panose="020B0604020202020204" pitchFamily="34" charset="0"/>
-                  <a:cs typeface="Arial" panose="020B0604020202020204" pitchFamily="34" charset="0"/>
-                </a:endParaRPr>
-              </a:p>
-            </p:txBody>
-          </p:sp>
-          <p:sp>
-            <p:nvSpPr>
-              <p:cNvPr id="22" name="ZoneTexte 21"/>
-              <p:cNvSpPr txBox="1"/>
-              <p:nvPr/>
-            </p:nvSpPr>
-            <p:spPr>
-              <a:xfrm>
-                <a:off x="2952053" y="6801121"/>
-                <a:ext cx="1832723" cy="261610"/>
-              </a:xfrm>
-              <a:prstGeom prst="rect">
-                <a:avLst/>
-              </a:prstGeom>
-              <a:noFill/>
-            </p:spPr>
-            <p:txBody>
-              <a:bodyPr wrap="square" rtlCol="0">
-                <a:spAutoFit/>
-              </a:bodyPr>
-              <a:lstStyle/>
-              <a:p>
-                <a:r>
-                  <a:rPr lang="fr-FR" sz="1100" b="1" dirty="0" err="1" smtClean="0">
-                    <a:latin typeface="Arial" panose="020B0604020202020204" pitchFamily="34" charset="0"/>
-                    <a:cs typeface="Arial" panose="020B0604020202020204" pitchFamily="34" charset="0"/>
-                  </a:rPr>
-                  <a:t>Seamount</a:t>
-                </a:r>
-                <a:r>
-                  <a:rPr lang="fr-FR" sz="1100" b="1" dirty="0" smtClean="0">
-                    <a:latin typeface="Arial" panose="020B0604020202020204" pitchFamily="34" charset="0"/>
-                    <a:cs typeface="Arial" panose="020B0604020202020204" pitchFamily="34" charset="0"/>
-                  </a:rPr>
-                  <a:t> ~250m</a:t>
-                </a:r>
-                <a:endParaRPr lang="fr-FR" sz="1100" b="1" dirty="0">
-                  <a:latin typeface="Arial" panose="020B0604020202020204" pitchFamily="34" charset="0"/>
-                  <a:cs typeface="Arial" panose="020B0604020202020204" pitchFamily="34" charset="0"/>
-                </a:endParaRPr>
-              </a:p>
-            </p:txBody>
-          </p:sp>
-          <p:sp>
-            <p:nvSpPr>
-              <p:cNvPr id="23" name="ZoneTexte 22"/>
-              <p:cNvSpPr txBox="1"/>
-              <p:nvPr/>
-            </p:nvSpPr>
-            <p:spPr>
-              <a:xfrm>
-                <a:off x="2952053" y="7022365"/>
-                <a:ext cx="1832723" cy="261610"/>
-              </a:xfrm>
-              <a:prstGeom prst="rect">
-                <a:avLst/>
-              </a:prstGeom>
-              <a:noFill/>
-            </p:spPr>
-            <p:txBody>
-              <a:bodyPr wrap="square" rtlCol="0">
-                <a:spAutoFit/>
-              </a:bodyPr>
-              <a:lstStyle/>
-              <a:p>
-                <a:r>
-                  <a:rPr lang="fr-FR" sz="1100" b="1" dirty="0" err="1" smtClean="0">
-                    <a:latin typeface="Arial" panose="020B0604020202020204" pitchFamily="34" charset="0"/>
-                    <a:cs typeface="Arial" panose="020B0604020202020204" pitchFamily="34" charset="0"/>
-                  </a:rPr>
-                  <a:t>Seamount</a:t>
-                </a:r>
-                <a:r>
-                  <a:rPr lang="fr-FR" sz="1100" b="1" dirty="0" smtClean="0">
-                    <a:latin typeface="Arial" panose="020B0604020202020204" pitchFamily="34" charset="0"/>
-                    <a:cs typeface="Arial" panose="020B0604020202020204" pitchFamily="34" charset="0"/>
-                  </a:rPr>
-                  <a:t> ~500m</a:t>
-                </a:r>
-                <a:endParaRPr lang="fr-FR" sz="1100" b="1" dirty="0">
-                  <a:latin typeface="Arial" panose="020B0604020202020204" pitchFamily="34" charset="0"/>
-                  <a:cs typeface="Arial" panose="020B0604020202020204" pitchFamily="34" charset="0"/>
-                </a:endParaRPr>
-              </a:p>
-            </p:txBody>
-          </p:sp>
-          <p:sp>
-            <p:nvSpPr>
-              <p:cNvPr id="24" name="ZoneTexte 23"/>
-              <p:cNvSpPr txBox="1"/>
-              <p:nvPr/>
-            </p:nvSpPr>
-            <p:spPr>
-              <a:xfrm>
-                <a:off x="1336964" y="6796233"/>
-                <a:ext cx="1832723" cy="261610"/>
-              </a:xfrm>
-              <a:prstGeom prst="rect">
-                <a:avLst/>
-              </a:prstGeom>
-              <a:noFill/>
-            </p:spPr>
-            <p:txBody>
-              <a:bodyPr wrap="square" rtlCol="0">
-                <a:spAutoFit/>
-              </a:bodyPr>
-              <a:lstStyle/>
-              <a:p>
-                <a:r>
-                  <a:rPr lang="fr-FR" sz="1100" b="1" dirty="0" err="1" smtClean="0">
-                    <a:latin typeface="Arial" panose="020B0604020202020204" pitchFamily="34" charset="0"/>
-                    <a:cs typeface="Arial" panose="020B0604020202020204" pitchFamily="34" charset="0"/>
-                  </a:rPr>
-                  <a:t>Deep</a:t>
-                </a:r>
-                <a:r>
-                  <a:rPr lang="fr-FR" sz="1100" b="1" dirty="0" smtClean="0">
-                    <a:latin typeface="Arial" panose="020B0604020202020204" pitchFamily="34" charset="0"/>
-                    <a:cs typeface="Arial" panose="020B0604020202020204" pitchFamily="34" charset="0"/>
-                  </a:rPr>
-                  <a:t> </a:t>
-                </a:r>
-                <a:r>
-                  <a:rPr lang="fr-FR" sz="1100" b="1" dirty="0" err="1" smtClean="0">
-                    <a:latin typeface="Arial" panose="020B0604020202020204" pitchFamily="34" charset="0"/>
-                    <a:cs typeface="Arial" panose="020B0604020202020204" pitchFamily="34" charset="0"/>
-                  </a:rPr>
-                  <a:t>slope</a:t>
-                </a:r>
-                <a:r>
-                  <a:rPr lang="fr-FR" sz="1100" b="1" dirty="0" smtClean="0">
-                    <a:latin typeface="Arial" panose="020B0604020202020204" pitchFamily="34" charset="0"/>
-                    <a:cs typeface="Arial" panose="020B0604020202020204" pitchFamily="34" charset="0"/>
-                  </a:rPr>
-                  <a:t> </a:t>
-                </a:r>
-                <a:endParaRPr lang="fr-FR" sz="1100" b="1" dirty="0">
-                  <a:latin typeface="Arial" panose="020B0604020202020204" pitchFamily="34" charset="0"/>
-                  <a:cs typeface="Arial" panose="020B0604020202020204" pitchFamily="34" charset="0"/>
-                </a:endParaRPr>
-              </a:p>
-            </p:txBody>
-          </p:sp>
-        </p:grpSp>
-        <p:grpSp>
-          <p:nvGrpSpPr>
-            <p:cNvPr id="8" name="Groupe 7"/>
-            <p:cNvGrpSpPr/>
-            <p:nvPr/>
-          </p:nvGrpSpPr>
-          <p:grpSpPr>
-            <a:xfrm>
-              <a:off x="5200649" y="6833628"/>
-              <a:ext cx="3581401" cy="478922"/>
-              <a:chOff x="5200649" y="6833628"/>
-              <a:chExt cx="3581401" cy="478922"/>
-            </a:xfrm>
-          </p:grpSpPr>
-          <p:sp>
-            <p:nvSpPr>
-              <p:cNvPr id="7" name="Triangle isocèle 6"/>
-              <p:cNvSpPr/>
-              <p:nvPr/>
-            </p:nvSpPr>
-            <p:spPr>
-              <a:xfrm>
-                <a:off x="5200649" y="6906501"/>
-                <a:ext cx="108000" cy="108000"/>
-              </a:xfrm>
-              <a:prstGeom prst="triangle">
-                <a:avLst/>
-              </a:prstGeom>
-              <a:noFill/>
-              <a:ln>
-                <a:solidFill>
-                  <a:schemeClr val="tx1"/>
-                </a:solidFill>
-              </a:ln>
-            </p:spPr>
-            <p:style>
-              <a:lnRef idx="2">
-                <a:schemeClr val="accent1">
-                  <a:shade val="50000"/>
-                </a:schemeClr>
-              </a:lnRef>
-              <a:fillRef idx="1">
-                <a:schemeClr val="accent1"/>
-              </a:fillRef>
-              <a:effectRef idx="0">
-                <a:schemeClr val="accent1"/>
-              </a:effectRef>
-              <a:fontRef idx="minor">
-                <a:schemeClr val="lt1"/>
-              </a:fontRef>
-            </p:style>
-            <p:txBody>
-              <a:bodyPr rtlCol="0" anchor="ctr"/>
-              <a:lstStyle/>
-              <a:p>
-                <a:pPr algn="ctr"/>
-                <a:endParaRPr lang="fr-FR"/>
-              </a:p>
-            </p:txBody>
-          </p:sp>
-          <p:sp>
-            <p:nvSpPr>
-              <p:cNvPr id="25" name="Ellipse 24"/>
-              <p:cNvSpPr/>
-              <p:nvPr/>
-            </p:nvSpPr>
-            <p:spPr>
-              <a:xfrm>
-                <a:off x="5200649" y="7127745"/>
-                <a:ext cx="108000" cy="108000"/>
-              </a:xfrm>
-              <a:prstGeom prst="ellipse">
-                <a:avLst/>
-              </a:prstGeom>
-              <a:noFill/>
-              <a:ln>
-                <a:solidFill>
-                  <a:schemeClr val="tx1"/>
-                </a:solidFill>
-              </a:ln>
-            </p:spPr>
-            <p:style>
-              <a:lnRef idx="2">
-                <a:schemeClr val="accent1">
-                  <a:shade val="50000"/>
-                </a:schemeClr>
-              </a:lnRef>
-              <a:fillRef idx="1">
-                <a:schemeClr val="accent1"/>
-              </a:fillRef>
-              <a:effectRef idx="0">
-                <a:schemeClr val="accent1"/>
-              </a:effectRef>
-              <a:fontRef idx="minor">
-                <a:schemeClr val="lt1"/>
-              </a:fontRef>
-            </p:style>
-            <p:txBody>
-              <a:bodyPr rtlCol="0" anchor="ctr"/>
-              <a:lstStyle/>
-              <a:p>
-                <a:pPr algn="ctr"/>
-                <a:endParaRPr lang="fr-FR"/>
-              </a:p>
-            </p:txBody>
-          </p:sp>
-          <p:sp>
-            <p:nvSpPr>
-              <p:cNvPr id="26" name="ZoneTexte 25"/>
-              <p:cNvSpPr txBox="1"/>
-              <p:nvPr/>
-            </p:nvSpPr>
-            <p:spPr>
-              <a:xfrm>
-                <a:off x="5308649" y="6833628"/>
-                <a:ext cx="1460476" cy="261610"/>
-              </a:xfrm>
-              <a:prstGeom prst="rect">
-                <a:avLst/>
-              </a:prstGeom>
-              <a:noFill/>
-            </p:spPr>
-            <p:txBody>
-              <a:bodyPr wrap="square" rtlCol="0">
-                <a:spAutoFit/>
-              </a:bodyPr>
-              <a:lstStyle/>
-              <a:p>
-                <a:r>
-                  <a:rPr lang="fr-FR" sz="1100" b="1" dirty="0" smtClean="0">
-                    <a:latin typeface="Arial" panose="020B0604020202020204" pitchFamily="34" charset="0"/>
-                    <a:cs typeface="Arial" panose="020B0604020202020204" pitchFamily="34" charset="0"/>
-                  </a:rPr>
-                  <a:t>BRUVS </a:t>
-                </a:r>
-                <a:r>
-                  <a:rPr lang="fr-FR" sz="1100" b="1" dirty="0" err="1" smtClean="0">
-                    <a:latin typeface="Arial" panose="020B0604020202020204" pitchFamily="34" charset="0"/>
-                    <a:cs typeface="Arial" panose="020B0604020202020204" pitchFamily="34" charset="0"/>
-                  </a:rPr>
-                  <a:t>samples</a:t>
-                </a:r>
-                <a:endParaRPr lang="fr-FR" sz="1100" b="1" dirty="0">
-                  <a:latin typeface="Arial" panose="020B0604020202020204" pitchFamily="34" charset="0"/>
-                  <a:cs typeface="Arial" panose="020B0604020202020204" pitchFamily="34" charset="0"/>
-                </a:endParaRPr>
-              </a:p>
-            </p:txBody>
-          </p:sp>
-          <p:sp>
-            <p:nvSpPr>
-              <p:cNvPr id="28" name="ZoneTexte 27"/>
-              <p:cNvSpPr txBox="1"/>
-              <p:nvPr/>
-            </p:nvSpPr>
-            <p:spPr>
-              <a:xfrm>
-                <a:off x="5308649" y="7050940"/>
-                <a:ext cx="1832723" cy="261610"/>
-              </a:xfrm>
-              <a:prstGeom prst="rect">
-                <a:avLst/>
-              </a:prstGeom>
-              <a:noFill/>
-            </p:spPr>
-            <p:txBody>
-              <a:bodyPr wrap="square" rtlCol="0">
-                <a:spAutoFit/>
-              </a:bodyPr>
-              <a:lstStyle/>
-              <a:p>
-                <a:r>
-                  <a:rPr lang="fr-FR" sz="1100" b="1" dirty="0" smtClean="0">
-                    <a:latin typeface="Arial" panose="020B0604020202020204" pitchFamily="34" charset="0"/>
-                    <a:cs typeface="Arial" panose="020B0604020202020204" pitchFamily="34" charset="0"/>
-                  </a:rPr>
-                  <a:t>eDNA </a:t>
-                </a:r>
-                <a:r>
-                  <a:rPr lang="fr-FR" sz="1100" b="1" dirty="0" err="1" smtClean="0">
-                    <a:latin typeface="Arial" panose="020B0604020202020204" pitchFamily="34" charset="0"/>
-                    <a:cs typeface="Arial" panose="020B0604020202020204" pitchFamily="34" charset="0"/>
-                  </a:rPr>
-                  <a:t>samples</a:t>
-                </a:r>
-                <a:endParaRPr lang="fr-FR" sz="1100" b="1" dirty="0">
-                  <a:latin typeface="Arial" panose="020B0604020202020204" pitchFamily="34" charset="0"/>
-                  <a:cs typeface="Arial" panose="020B0604020202020204" pitchFamily="34" charset="0"/>
-                </a:endParaRPr>
-              </a:p>
-            </p:txBody>
-          </p:sp>
-          <p:sp>
-            <p:nvSpPr>
-              <p:cNvPr id="29" name="Ellipse 28"/>
-              <p:cNvSpPr/>
-              <p:nvPr/>
-            </p:nvSpPr>
-            <p:spPr>
-              <a:xfrm>
-                <a:off x="6820601" y="6928433"/>
-                <a:ext cx="72000" cy="72000"/>
-              </a:xfrm>
-              <a:prstGeom prst="ellipse">
-                <a:avLst/>
-              </a:prstGeom>
-              <a:solidFill>
-                <a:schemeClr val="tx1"/>
-              </a:solidFill>
-              <a:ln>
-                <a:solidFill>
-                  <a:schemeClr val="tx1"/>
-                </a:solidFill>
-              </a:ln>
-            </p:spPr>
-            <p:style>
-              <a:lnRef idx="2">
-                <a:schemeClr val="accent1">
-                  <a:shade val="50000"/>
-                </a:schemeClr>
-              </a:lnRef>
-              <a:fillRef idx="1">
-                <a:schemeClr val="accent1"/>
-              </a:fillRef>
-              <a:effectRef idx="0">
-                <a:schemeClr val="accent1"/>
-              </a:effectRef>
-              <a:fontRef idx="minor">
-                <a:schemeClr val="lt1"/>
-              </a:fontRef>
-            </p:style>
-            <p:txBody>
-              <a:bodyPr rtlCol="0" anchor="ctr"/>
-              <a:lstStyle/>
-              <a:p>
-                <a:pPr algn="ctr"/>
-                <a:endParaRPr lang="fr-FR"/>
-              </a:p>
-            </p:txBody>
-          </p:sp>
-          <p:sp>
-            <p:nvSpPr>
-              <p:cNvPr id="30" name="ZoneTexte 29"/>
-              <p:cNvSpPr txBox="1"/>
-              <p:nvPr/>
-            </p:nvSpPr>
-            <p:spPr>
-              <a:xfrm>
-                <a:off x="6886580" y="6833628"/>
-                <a:ext cx="1895470" cy="261610"/>
-              </a:xfrm>
-              <a:prstGeom prst="rect">
-                <a:avLst/>
-              </a:prstGeom>
-              <a:noFill/>
-            </p:spPr>
-            <p:txBody>
-              <a:bodyPr wrap="square" rtlCol="0">
-                <a:spAutoFit/>
-              </a:bodyPr>
-              <a:lstStyle/>
-              <a:p>
-                <a:r>
-                  <a:rPr lang="fr-FR" sz="1100" b="1" dirty="0" err="1" smtClean="0">
-                    <a:latin typeface="Arial" panose="020B0604020202020204" pitchFamily="34" charset="0"/>
-                    <a:cs typeface="Arial" panose="020B0604020202020204" pitchFamily="34" charset="0"/>
-                  </a:rPr>
-                  <a:t>Acoustic</a:t>
-                </a:r>
-                <a:r>
-                  <a:rPr lang="fr-FR" sz="1100" b="1" dirty="0" smtClean="0">
-                    <a:latin typeface="Arial" panose="020B0604020202020204" pitchFamily="34" charset="0"/>
-                    <a:cs typeface="Arial" panose="020B0604020202020204" pitchFamily="34" charset="0"/>
-                  </a:rPr>
-                  <a:t> </a:t>
-                </a:r>
-                <a:r>
-                  <a:rPr lang="fr-FR" sz="1100" b="1" dirty="0" err="1" smtClean="0">
-                    <a:latin typeface="Arial" panose="020B0604020202020204" pitchFamily="34" charset="0"/>
-                    <a:cs typeface="Arial" panose="020B0604020202020204" pitchFamily="34" charset="0"/>
-                  </a:rPr>
-                  <a:t>recordings</a:t>
-                </a:r>
-                <a:endParaRPr lang="fr-FR" sz="1100" b="1" dirty="0">
-                  <a:latin typeface="Arial" panose="020B0604020202020204" pitchFamily="34" charset="0"/>
-                  <a:cs typeface="Arial" panose="020B0604020202020204" pitchFamily="34" charset="0"/>
-                </a:endParaRPr>
-              </a:p>
-            </p:txBody>
-          </p:sp>
-        </p:grpSp>
-      </p:grpSp>
-    </p:spTree>
-    <p:extLst>
-      <p:ext uri="{BB962C8B-B14F-4D97-AF65-F5344CB8AC3E}">
-        <p14:creationId xmlns:p14="http://schemas.microsoft.com/office/powerpoint/2010/main" val="3936704441"/>
-      </p:ext>
-    </p:extLst>
-  </p:cSld>
-  <p:clrMapOvr>
-    <a:masterClrMapping/>
-  </p:clrMapOvr>
-</p:sld>
-</file>
-
-<file path=ppt/slides/slide4.xml><?xml version="1.0" encoding="utf-8"?>
 <p:sld xmlns:a="http://schemas.openxmlformats.org/drawingml/2006/main" xmlns:r="http://schemas.openxmlformats.org/officeDocument/2006/relationships" xmlns:p="http://schemas.openxmlformats.org/presentationml/2006/main">
   <p:cSld>
     <p:spTree>
@@ -6669,6 +5764,2345 @@
 </p:sld>
 </file>
 
+<file path=ppt/slides/slide4.xml><?xml version="1.0" encoding="utf-8"?>
+<p:sld xmlns:a="http://schemas.openxmlformats.org/drawingml/2006/main" xmlns:r="http://schemas.openxmlformats.org/officeDocument/2006/relationships" xmlns:p="http://schemas.openxmlformats.org/presentationml/2006/main">
+  <p:cSld>
+    <p:spTree>
+      <p:nvGrpSpPr>
+        <p:cNvPr id="1" name=""/>
+        <p:cNvGrpSpPr/>
+        <p:nvPr/>
+      </p:nvGrpSpPr>
+      <p:grpSpPr>
+        <a:xfrm>
+          <a:off x="0" y="0"/>
+          <a:ext cx="0" cy="0"/>
+          <a:chOff x="0" y="0"/>
+          <a:chExt cx="0" cy="0"/>
+        </a:xfrm>
+      </p:grpSpPr>
+      <p:grpSp>
+        <p:nvGrpSpPr>
+          <p:cNvPr id="2" name="Groupe 1"/>
+          <p:cNvGrpSpPr/>
+          <p:nvPr/>
+        </p:nvGrpSpPr>
+        <p:grpSpPr>
+          <a:xfrm>
+            <a:off x="116695" y="236723"/>
+            <a:ext cx="8814942" cy="5853374"/>
+            <a:chOff x="116695" y="236723"/>
+            <a:chExt cx="8814942" cy="5853374"/>
+          </a:xfrm>
+        </p:grpSpPr>
+        <p:grpSp>
+          <p:nvGrpSpPr>
+            <p:cNvPr id="4" name="Groupe 3"/>
+            <p:cNvGrpSpPr/>
+            <p:nvPr/>
+          </p:nvGrpSpPr>
+          <p:grpSpPr>
+            <a:xfrm>
+              <a:off x="116695" y="236723"/>
+              <a:ext cx="8814942" cy="5853374"/>
+              <a:chOff x="116695" y="236723"/>
+              <a:chExt cx="8814942" cy="5853374"/>
+            </a:xfrm>
+          </p:grpSpPr>
+          <p:grpSp>
+            <p:nvGrpSpPr>
+              <p:cNvPr id="5" name="Groupe 4"/>
+              <p:cNvGrpSpPr/>
+              <p:nvPr/>
+            </p:nvGrpSpPr>
+            <p:grpSpPr>
+              <a:xfrm>
+                <a:off x="116695" y="236723"/>
+                <a:ext cx="8814942" cy="5853374"/>
+                <a:chOff x="116695" y="236723"/>
+                <a:chExt cx="8814942" cy="5853374"/>
+              </a:xfrm>
+            </p:grpSpPr>
+            <p:pic>
+              <p:nvPicPr>
+                <p:cNvPr id="11" name="Image 10"/>
+                <p:cNvPicPr>
+                  <a:picLocks noChangeAspect="1"/>
+                </p:cNvPicPr>
+                <p:nvPr/>
+              </p:nvPicPr>
+              <p:blipFill rotWithShape="1">
+                <a:blip r:embed="rId2" cstate="print">
+                  <a:extLst>
+                    <a:ext uri="{28A0092B-C50C-407E-A947-70E740481C1C}">
+                      <a14:useLocalDpi xmlns:a14="http://schemas.microsoft.com/office/drawing/2010/main" val="0"/>
+                    </a:ext>
+                  </a:extLst>
+                </a:blip>
+                <a:srcRect t="3989" b="40455"/>
+                <a:stretch/>
+              </p:blipFill>
+              <p:spPr>
+                <a:xfrm>
+                  <a:off x="4289054" y="295009"/>
+                  <a:ext cx="4642583" cy="2663778"/>
+                </a:xfrm>
+                <a:prstGeom prst="rect">
+                  <a:avLst/>
+                </a:prstGeom>
+              </p:spPr>
+            </p:pic>
+            <p:grpSp>
+              <p:nvGrpSpPr>
+                <p:cNvPr id="12" name="Groupe 11"/>
+                <p:cNvGrpSpPr/>
+                <p:nvPr/>
+              </p:nvGrpSpPr>
+              <p:grpSpPr>
+                <a:xfrm>
+                  <a:off x="116695" y="236723"/>
+                  <a:ext cx="4519178" cy="5853374"/>
+                  <a:chOff x="4458236" y="16954"/>
+                  <a:chExt cx="4519178" cy="5853374"/>
+                </a:xfrm>
+              </p:grpSpPr>
+              <p:grpSp>
+                <p:nvGrpSpPr>
+                  <p:cNvPr id="18" name="Groupe 17"/>
+                  <p:cNvGrpSpPr/>
+                  <p:nvPr/>
+                </p:nvGrpSpPr>
+                <p:grpSpPr>
+                  <a:xfrm>
+                    <a:off x="4458236" y="90756"/>
+                    <a:ext cx="252000" cy="369332"/>
+                    <a:chOff x="4471834" y="58162"/>
+                    <a:chExt cx="252000" cy="369332"/>
+                  </a:xfrm>
+                </p:grpSpPr>
+                <p:sp>
+                  <p:nvSpPr>
+                    <p:cNvPr id="59" name="Ellipse 58"/>
+                    <p:cNvSpPr/>
+                    <p:nvPr/>
+                  </p:nvSpPr>
+                  <p:spPr>
+                    <a:xfrm>
+                      <a:off x="4471834" y="116828"/>
+                      <a:ext cx="252000" cy="252000"/>
+                    </a:xfrm>
+                    <a:prstGeom prst="ellipse">
+                      <a:avLst/>
+                    </a:prstGeom>
+                    <a:noFill/>
+                  </p:spPr>
+                  <p:style>
+                    <a:lnRef idx="2">
+                      <a:schemeClr val="accent1">
+                        <a:shade val="50000"/>
+                      </a:schemeClr>
+                    </a:lnRef>
+                    <a:fillRef idx="1">
+                      <a:schemeClr val="accent1"/>
+                    </a:fillRef>
+                    <a:effectRef idx="0">
+                      <a:schemeClr val="accent1"/>
+                    </a:effectRef>
+                    <a:fontRef idx="minor">
+                      <a:schemeClr val="lt1"/>
+                    </a:fontRef>
+                  </p:style>
+                  <p:txBody>
+                    <a:bodyPr rtlCol="0" anchor="ctr"/>
+                    <a:lstStyle/>
+                    <a:p>
+                      <a:pPr algn="ctr"/>
+                      <a:endParaRPr lang="fr-FR"/>
+                    </a:p>
+                  </p:txBody>
+                </p:sp>
+                <p:sp>
+                  <p:nvSpPr>
+                    <p:cNvPr id="60" name="ZoneTexte 59"/>
+                    <p:cNvSpPr txBox="1"/>
+                    <p:nvPr/>
+                  </p:nvSpPr>
+                  <p:spPr>
+                    <a:xfrm>
+                      <a:off x="4481732" y="58162"/>
+                      <a:ext cx="111074" cy="369332"/>
+                    </a:xfrm>
+                    <a:prstGeom prst="rect">
+                      <a:avLst/>
+                    </a:prstGeom>
+                    <a:noFill/>
+                  </p:spPr>
+                  <p:txBody>
+                    <a:bodyPr wrap="square" rtlCol="0">
+                      <a:spAutoFit/>
+                    </a:bodyPr>
+                    <a:lstStyle/>
+                    <a:p>
+                      <a:r>
+                        <a:rPr lang="fr-FR" dirty="0" smtClean="0"/>
+                        <a:t>1</a:t>
+                      </a:r>
+                      <a:endParaRPr lang="fr-FR" dirty="0"/>
+                    </a:p>
+                  </p:txBody>
+                </p:sp>
+              </p:grpSp>
+              <p:grpSp>
+                <p:nvGrpSpPr>
+                  <p:cNvPr id="19" name="Groupe 18"/>
+                  <p:cNvGrpSpPr/>
+                  <p:nvPr/>
+                </p:nvGrpSpPr>
+                <p:grpSpPr>
+                  <a:xfrm>
+                    <a:off x="4458236" y="16954"/>
+                    <a:ext cx="4519178" cy="5853374"/>
+                    <a:chOff x="4458236" y="16954"/>
+                    <a:chExt cx="4519178" cy="5853374"/>
+                  </a:xfrm>
+                </p:grpSpPr>
+                <p:sp>
+                  <p:nvSpPr>
+                    <p:cNvPr id="20" name="ZoneTexte 19"/>
+                    <p:cNvSpPr txBox="1"/>
+                    <p:nvPr/>
+                  </p:nvSpPr>
+                  <p:spPr>
+                    <a:xfrm>
+                      <a:off x="4961052" y="16954"/>
+                      <a:ext cx="3957524" cy="523220"/>
+                    </a:xfrm>
+                    <a:prstGeom prst="rect">
+                      <a:avLst/>
+                    </a:prstGeom>
+                    <a:noFill/>
+                  </p:spPr>
+                  <p:txBody>
+                    <a:bodyPr wrap="square" rtlCol="0">
+                      <a:spAutoFit/>
+                    </a:bodyPr>
+                    <a:lstStyle/>
+                    <a:p>
+                      <a:r>
+                        <a:rPr lang="fr-FR" sz="1400" dirty="0" err="1" smtClean="0"/>
+                        <a:t>Sampling</a:t>
+                      </a:r>
+                      <a:r>
+                        <a:rPr lang="fr-FR" sz="1400" dirty="0" smtClean="0"/>
+                        <a:t> </a:t>
+                      </a:r>
+                      <a:r>
+                        <a:rPr lang="fr-FR" sz="1400" dirty="0" err="1" smtClean="0"/>
+                        <a:t>seamounts</a:t>
+                      </a:r>
+                      <a:r>
+                        <a:rPr lang="fr-FR" sz="1400" dirty="0" smtClean="0"/>
+                        <a:t>, </a:t>
+                      </a:r>
+                      <a:r>
+                        <a:rPr lang="fr-FR" sz="1400" dirty="0" err="1" smtClean="0"/>
+                        <a:t>deep</a:t>
+                      </a:r>
+                      <a:r>
+                        <a:rPr lang="fr-FR" sz="1400" dirty="0" smtClean="0"/>
+                        <a:t> </a:t>
+                      </a:r>
+                      <a:r>
+                        <a:rPr lang="fr-FR" sz="1400" dirty="0" err="1" smtClean="0"/>
+                        <a:t>slopes</a:t>
+                      </a:r>
+                      <a:r>
+                        <a:rPr lang="fr-FR" sz="1400" dirty="0" smtClean="0"/>
+                        <a:t> and </a:t>
+                      </a:r>
+                      <a:r>
+                        <a:rPr lang="fr-FR" sz="1400" dirty="0" err="1" smtClean="0"/>
+                        <a:t>pelagic</a:t>
+                      </a:r>
+                      <a:r>
+                        <a:rPr lang="fr-FR" sz="1400" dirty="0" smtClean="0"/>
+                        <a:t> areas </a:t>
+                      </a:r>
+                      <a:r>
+                        <a:rPr lang="fr-FR" sz="1400" dirty="0" err="1" smtClean="0"/>
+                        <a:t>with</a:t>
+                      </a:r>
+                      <a:r>
+                        <a:rPr lang="fr-FR" sz="1400" dirty="0"/>
+                        <a:t> BRUVS</a:t>
+                      </a:r>
+                      <a:r>
+                        <a:rPr lang="fr-FR" sz="1400" dirty="0" smtClean="0"/>
+                        <a:t>, eDNA </a:t>
+                      </a:r>
+                      <a:r>
+                        <a:rPr lang="fr-FR" sz="1400" dirty="0"/>
+                        <a:t>and echosounder</a:t>
+                      </a:r>
+                    </a:p>
+                  </p:txBody>
+                </p:sp>
+                <p:cxnSp>
+                  <p:nvCxnSpPr>
+                    <p:cNvPr id="21" name="Connecteur droit avec flèche 20"/>
+                    <p:cNvCxnSpPr/>
+                    <p:nvPr/>
+                  </p:nvCxnSpPr>
+                  <p:spPr>
+                    <a:xfrm flipH="1">
+                      <a:off x="6254496" y="903610"/>
+                      <a:ext cx="248717" cy="347289"/>
+                    </a:xfrm>
+                    <a:prstGeom prst="straightConnector1">
+                      <a:avLst/>
+                    </a:prstGeom>
+                    <a:ln>
+                      <a:tailEnd type="triangle"/>
+                    </a:ln>
+                  </p:spPr>
+                  <p:style>
+                    <a:lnRef idx="1">
+                      <a:schemeClr val="dk1"/>
+                    </a:lnRef>
+                    <a:fillRef idx="0">
+                      <a:schemeClr val="dk1"/>
+                    </a:fillRef>
+                    <a:effectRef idx="0">
+                      <a:schemeClr val="dk1"/>
+                    </a:effectRef>
+                    <a:fontRef idx="minor">
+                      <a:schemeClr val="tx1"/>
+                    </a:fontRef>
+                  </p:style>
+                </p:cxnSp>
+                <p:cxnSp>
+                  <p:nvCxnSpPr>
+                    <p:cNvPr id="22" name="Connecteur droit avec flèche 21"/>
+                    <p:cNvCxnSpPr/>
+                    <p:nvPr/>
+                  </p:nvCxnSpPr>
+                  <p:spPr>
+                    <a:xfrm>
+                      <a:off x="7191913" y="903610"/>
+                      <a:ext cx="335049" cy="347289"/>
+                    </a:xfrm>
+                    <a:prstGeom prst="straightConnector1">
+                      <a:avLst/>
+                    </a:prstGeom>
+                    <a:ln>
+                      <a:tailEnd type="triangle"/>
+                    </a:ln>
+                  </p:spPr>
+                  <p:style>
+                    <a:lnRef idx="1">
+                      <a:schemeClr val="dk1"/>
+                    </a:lnRef>
+                    <a:fillRef idx="0">
+                      <a:schemeClr val="dk1"/>
+                    </a:fillRef>
+                    <a:effectRef idx="0">
+                      <a:schemeClr val="dk1"/>
+                    </a:effectRef>
+                    <a:fontRef idx="minor">
+                      <a:schemeClr val="tx1"/>
+                    </a:fontRef>
+                  </p:style>
+                </p:cxnSp>
+                <p:sp>
+                  <p:nvSpPr>
+                    <p:cNvPr id="23" name="ZoneTexte 22"/>
+                    <p:cNvSpPr txBox="1"/>
+                    <p:nvPr/>
+                  </p:nvSpPr>
+                  <p:spPr>
+                    <a:xfrm>
+                      <a:off x="4799669" y="1305359"/>
+                      <a:ext cx="2026310" cy="1107996"/>
+                    </a:xfrm>
+                    <a:prstGeom prst="rect">
+                      <a:avLst/>
+                    </a:prstGeom>
+                    <a:solidFill>
+                      <a:schemeClr val="bg1">
+                        <a:lumMod val="95000"/>
+                      </a:schemeClr>
+                    </a:solidFill>
+                    <a:ln>
+                      <a:solidFill>
+                        <a:schemeClr val="accent2"/>
+                      </a:solidFill>
+                    </a:ln>
+                  </p:spPr>
+                  <p:txBody>
+                    <a:bodyPr wrap="square" rtlCol="0">
+                      <a:spAutoFit/>
+                    </a:bodyPr>
+                    <a:lstStyle/>
+                    <a:p>
+                      <a:pPr marL="171450" indent="-171450">
+                        <a:buFont typeface="Arial" panose="020B0604020202020204" pitchFamily="34" charset="0"/>
+                        <a:buChar char="•"/>
+                      </a:pPr>
+                      <a:r>
+                        <a:rPr lang="fr-FR" sz="1100" dirty="0" err="1" smtClean="0"/>
+                        <a:t>Benthic</a:t>
+                      </a:r>
+                      <a:r>
+                        <a:rPr lang="fr-FR" sz="1100" dirty="0" smtClean="0"/>
+                        <a:t> </a:t>
+                      </a:r>
+                      <a:r>
+                        <a:rPr lang="fr-FR" sz="1100" dirty="0" err="1" smtClean="0"/>
+                        <a:t>species</a:t>
+                      </a:r>
+                      <a:r>
+                        <a:rPr lang="fr-FR" sz="1100" dirty="0" smtClean="0"/>
+                        <a:t> </a:t>
+                      </a:r>
+                      <a:r>
+                        <a:rPr lang="fr-FR" sz="1100" dirty="0" err="1" smtClean="0"/>
+                        <a:t>richness</a:t>
+                      </a:r>
+                      <a:r>
+                        <a:rPr lang="fr-FR" sz="1100" dirty="0" smtClean="0"/>
+                        <a:t>, </a:t>
+                      </a:r>
+                      <a:r>
+                        <a:rPr lang="fr-FR" sz="1100" dirty="0" err="1" smtClean="0"/>
+                        <a:t>abundance</a:t>
+                      </a:r>
+                      <a:r>
+                        <a:rPr lang="fr-FR" sz="1100" dirty="0" smtClean="0"/>
+                        <a:t>, </a:t>
+                      </a:r>
+                      <a:r>
+                        <a:rPr lang="fr-FR" sz="1100" dirty="0" err="1" smtClean="0"/>
+                        <a:t>biomass</a:t>
+                      </a:r>
+                      <a:r>
+                        <a:rPr lang="fr-FR" sz="1100" dirty="0" smtClean="0"/>
+                        <a:t> (BRUVS)</a:t>
+                      </a:r>
+                    </a:p>
+                    <a:p>
+                      <a:pPr marL="171450" indent="-171450">
+                        <a:buFont typeface="Arial" panose="020B0604020202020204" pitchFamily="34" charset="0"/>
+                        <a:buChar char="•"/>
+                      </a:pPr>
+                      <a:r>
+                        <a:rPr lang="fr-FR" sz="1100" dirty="0" smtClean="0"/>
+                        <a:t>eDNA </a:t>
+                      </a:r>
+                      <a:r>
+                        <a:rPr lang="fr-FR" sz="1100" dirty="0" err="1" smtClean="0"/>
+                        <a:t>benthic</a:t>
+                      </a:r>
+                      <a:r>
+                        <a:rPr lang="fr-FR" sz="1100" dirty="0" smtClean="0"/>
+                        <a:t> and </a:t>
+                      </a:r>
+                      <a:r>
+                        <a:rPr lang="fr-FR" sz="1100" dirty="0" err="1" smtClean="0"/>
+                        <a:t>pelagic</a:t>
+                      </a:r>
+                      <a:r>
+                        <a:rPr lang="fr-FR" sz="1100" dirty="0" smtClean="0"/>
+                        <a:t> MOTU </a:t>
+                      </a:r>
+                      <a:r>
+                        <a:rPr lang="fr-FR" sz="1100" dirty="0" err="1" smtClean="0"/>
+                        <a:t>richness</a:t>
+                      </a:r>
+                      <a:endParaRPr lang="fr-FR" sz="1100" dirty="0" smtClean="0"/>
+                    </a:p>
+                    <a:p>
+                      <a:pPr marL="171450" indent="-171450">
+                        <a:buFont typeface="Arial" panose="020B0604020202020204" pitchFamily="34" charset="0"/>
+                        <a:buChar char="•"/>
+                      </a:pPr>
+                      <a:r>
+                        <a:rPr lang="fr-FR" sz="1100" dirty="0" err="1" smtClean="0"/>
+                        <a:t>Benthic</a:t>
+                      </a:r>
+                      <a:r>
+                        <a:rPr lang="fr-FR" sz="1100" dirty="0" smtClean="0"/>
+                        <a:t> and </a:t>
+                      </a:r>
+                      <a:r>
+                        <a:rPr lang="fr-FR" sz="1100" dirty="0" err="1" smtClean="0"/>
+                        <a:t>pelagic</a:t>
+                      </a:r>
+                      <a:r>
+                        <a:rPr lang="fr-FR" sz="1100" dirty="0" smtClean="0"/>
+                        <a:t> </a:t>
+                      </a:r>
+                      <a:r>
+                        <a:rPr lang="fr-FR" sz="1100" dirty="0" err="1" smtClean="0"/>
+                        <a:t>acoustic</a:t>
+                      </a:r>
+                      <a:r>
+                        <a:rPr lang="fr-FR" sz="1100" dirty="0" smtClean="0"/>
+                        <a:t> </a:t>
+                      </a:r>
+                      <a:r>
+                        <a:rPr lang="fr-FR" sz="1100" dirty="0" err="1" smtClean="0"/>
+                        <a:t>biomass</a:t>
+                      </a:r>
+                      <a:endParaRPr lang="fr-FR" sz="1100" dirty="0"/>
+                    </a:p>
+                  </p:txBody>
+                </p:sp>
+                <p:sp>
+                  <p:nvSpPr>
+                    <p:cNvPr id="24" name="ZoneTexte 23"/>
+                    <p:cNvSpPr txBox="1"/>
+                    <p:nvPr/>
+                  </p:nvSpPr>
+                  <p:spPr>
+                    <a:xfrm>
+                      <a:off x="7032806" y="1305359"/>
+                      <a:ext cx="1783459" cy="1107996"/>
+                    </a:xfrm>
+                    <a:prstGeom prst="rect">
+                      <a:avLst/>
+                    </a:prstGeom>
+                    <a:solidFill>
+                      <a:schemeClr val="bg1">
+                        <a:lumMod val="95000"/>
+                      </a:schemeClr>
+                    </a:solidFill>
+                    <a:ln>
+                      <a:solidFill>
+                        <a:schemeClr val="accent6"/>
+                      </a:solidFill>
+                    </a:ln>
+                  </p:spPr>
+                  <p:txBody>
+                    <a:bodyPr wrap="square" rtlCol="0">
+                      <a:spAutoFit/>
+                    </a:bodyPr>
+                    <a:lstStyle/>
+                    <a:p>
+                      <a:pPr marL="171450" indent="-171450">
+                        <a:buFont typeface="Arial" panose="020B0604020202020204" pitchFamily="34" charset="0"/>
+                        <a:buChar char="•"/>
+                      </a:pPr>
+                      <a:r>
+                        <a:rPr lang="fr-FR" sz="1100" dirty="0" err="1" smtClean="0"/>
+                        <a:t>Abundance</a:t>
+                      </a:r>
+                      <a:r>
+                        <a:rPr lang="fr-FR" sz="1100" dirty="0" smtClean="0"/>
+                        <a:t> of </a:t>
+                      </a:r>
+                      <a:r>
+                        <a:rPr lang="fr-FR" sz="1100" dirty="0" err="1" smtClean="0"/>
+                        <a:t>most</a:t>
+                      </a:r>
+                      <a:r>
+                        <a:rPr lang="fr-FR" sz="1100" dirty="0" smtClean="0"/>
+                        <a:t> occurrent </a:t>
+                      </a:r>
+                      <a:r>
+                        <a:rPr lang="fr-FR" sz="1100" dirty="0" err="1" smtClean="0"/>
+                        <a:t>species</a:t>
+                      </a:r>
+                      <a:r>
+                        <a:rPr lang="fr-FR" sz="1100" dirty="0" smtClean="0"/>
+                        <a:t> (BRUVS)</a:t>
+                      </a:r>
+                    </a:p>
+                    <a:p>
+                      <a:pPr marL="171450" indent="-171450">
+                        <a:buFont typeface="Arial" panose="020B0604020202020204" pitchFamily="34" charset="0"/>
+                        <a:buChar char="•"/>
+                      </a:pPr>
+                      <a:r>
+                        <a:rPr lang="fr-FR" sz="1100" dirty="0" smtClean="0"/>
+                        <a:t>eDNA </a:t>
+                      </a:r>
+                      <a:r>
+                        <a:rPr lang="fr-FR" sz="1100" dirty="0" err="1" smtClean="0"/>
+                        <a:t>read</a:t>
+                      </a:r>
+                      <a:r>
+                        <a:rPr lang="fr-FR" sz="1100" dirty="0" smtClean="0"/>
+                        <a:t> </a:t>
+                      </a:r>
+                      <a:r>
+                        <a:rPr lang="fr-FR" sz="1100" dirty="0" err="1" smtClean="0"/>
+                        <a:t>abundance</a:t>
+                      </a:r>
+                      <a:r>
+                        <a:rPr lang="fr-FR" sz="1100" dirty="0" smtClean="0"/>
+                        <a:t> of </a:t>
+                      </a:r>
+                      <a:r>
+                        <a:rPr lang="fr-FR" sz="1100" dirty="0" err="1" smtClean="0"/>
+                        <a:t>most</a:t>
+                      </a:r>
+                      <a:r>
+                        <a:rPr lang="fr-FR" sz="1100" dirty="0" smtClean="0"/>
+                        <a:t> occurrent MOTUs</a:t>
+                      </a:r>
+                    </a:p>
+                    <a:p>
+                      <a:pPr marL="171450" indent="-171450">
+                        <a:buFont typeface="Arial" panose="020B0604020202020204" pitchFamily="34" charset="0"/>
+                        <a:buChar char="•"/>
+                      </a:pPr>
+                      <a:endParaRPr lang="fr-FR" sz="1100" dirty="0"/>
+                    </a:p>
+                  </p:txBody>
+                </p:sp>
+                <p:cxnSp>
+                  <p:nvCxnSpPr>
+                    <p:cNvPr id="25" name="Connecteur droit avec flèche 24"/>
+                    <p:cNvCxnSpPr>
+                      <a:stCxn id="23" idx="2"/>
+                      <a:endCxn id="27" idx="0"/>
+                    </p:cNvCxnSpPr>
+                    <p:nvPr/>
+                  </p:nvCxnSpPr>
+                  <p:spPr>
+                    <a:xfrm>
+                      <a:off x="5812824" y="2413355"/>
+                      <a:ext cx="0" cy="294345"/>
+                    </a:xfrm>
+                    <a:prstGeom prst="straightConnector1">
+                      <a:avLst/>
+                    </a:prstGeom>
+                    <a:ln>
+                      <a:tailEnd type="triangle"/>
+                    </a:ln>
+                  </p:spPr>
+                  <p:style>
+                    <a:lnRef idx="1">
+                      <a:schemeClr val="dk1"/>
+                    </a:lnRef>
+                    <a:fillRef idx="0">
+                      <a:schemeClr val="dk1"/>
+                    </a:fillRef>
+                    <a:effectRef idx="0">
+                      <a:schemeClr val="dk1"/>
+                    </a:effectRef>
+                    <a:fontRef idx="minor">
+                      <a:schemeClr val="tx1"/>
+                    </a:fontRef>
+                  </p:style>
+                </p:cxnSp>
+                <p:cxnSp>
+                  <p:nvCxnSpPr>
+                    <p:cNvPr id="26" name="Connecteur droit avec flèche 25"/>
+                    <p:cNvCxnSpPr>
+                      <a:stCxn id="24" idx="2"/>
+                      <a:endCxn id="28" idx="0"/>
+                    </p:cNvCxnSpPr>
+                    <p:nvPr/>
+                  </p:nvCxnSpPr>
+                  <p:spPr>
+                    <a:xfrm flipH="1">
+                      <a:off x="7924535" y="2413355"/>
+                      <a:ext cx="1" cy="294345"/>
+                    </a:xfrm>
+                    <a:prstGeom prst="straightConnector1">
+                      <a:avLst/>
+                    </a:prstGeom>
+                    <a:ln>
+                      <a:tailEnd type="triangle"/>
+                    </a:ln>
+                  </p:spPr>
+                  <p:style>
+                    <a:lnRef idx="1">
+                      <a:schemeClr val="dk1"/>
+                    </a:lnRef>
+                    <a:fillRef idx="0">
+                      <a:schemeClr val="dk1"/>
+                    </a:fillRef>
+                    <a:effectRef idx="0">
+                      <a:schemeClr val="dk1"/>
+                    </a:effectRef>
+                    <a:fontRef idx="minor">
+                      <a:schemeClr val="tx1"/>
+                    </a:fontRef>
+                  </p:style>
+                </p:cxnSp>
+                <p:sp>
+                  <p:nvSpPr>
+                    <p:cNvPr id="27" name="ZoneTexte 26"/>
+                    <p:cNvSpPr txBox="1"/>
+                    <p:nvPr/>
+                  </p:nvSpPr>
+                  <p:spPr>
+                    <a:xfrm>
+                      <a:off x="4961052" y="2707700"/>
+                      <a:ext cx="1703544" cy="307777"/>
+                    </a:xfrm>
+                    <a:prstGeom prst="rect">
+                      <a:avLst/>
+                    </a:prstGeom>
+                    <a:solidFill>
+                      <a:schemeClr val="accent2">
+                        <a:lumMod val="60000"/>
+                        <a:lumOff val="40000"/>
+                      </a:schemeClr>
+                    </a:solidFill>
+                  </p:spPr>
+                  <p:txBody>
+                    <a:bodyPr wrap="square" rtlCol="0">
+                      <a:spAutoFit/>
+                    </a:bodyPr>
+                    <a:lstStyle/>
+                    <a:p>
+                      <a:r>
+                        <a:rPr lang="fr-FR" sz="1400" dirty="0" err="1" smtClean="0"/>
+                        <a:t>Modelling</a:t>
+                      </a:r>
+                      <a:r>
+                        <a:rPr lang="fr-FR" sz="1400" dirty="0" smtClean="0"/>
+                        <a:t> </a:t>
+                      </a:r>
+                      <a:r>
+                        <a:rPr lang="fr-FR" sz="1400" dirty="0" err="1" smtClean="0"/>
+                        <a:t>with</a:t>
+                      </a:r>
+                      <a:r>
+                        <a:rPr lang="fr-FR" sz="1400" dirty="0" smtClean="0"/>
+                        <a:t> </a:t>
+                      </a:r>
+                      <a:r>
+                        <a:rPr lang="fr-FR" sz="1400" dirty="0" err="1" smtClean="0"/>
+                        <a:t>BRTs</a:t>
+                      </a:r>
+                      <a:r>
+                        <a:rPr lang="fr-FR" sz="1400" dirty="0" smtClean="0"/>
+                        <a:t> </a:t>
+                      </a:r>
+                      <a:endParaRPr lang="fr-FR" sz="1400" dirty="0"/>
+                    </a:p>
+                  </p:txBody>
+                </p:sp>
+                <p:sp>
+                  <p:nvSpPr>
+                    <p:cNvPr id="28" name="ZoneTexte 27"/>
+                    <p:cNvSpPr txBox="1"/>
+                    <p:nvPr/>
+                  </p:nvSpPr>
+                  <p:spPr>
+                    <a:xfrm>
+                      <a:off x="7008893" y="2707700"/>
+                      <a:ext cx="1831284" cy="307777"/>
+                    </a:xfrm>
+                    <a:prstGeom prst="rect">
+                      <a:avLst/>
+                    </a:prstGeom>
+                    <a:solidFill>
+                      <a:schemeClr val="accent6">
+                        <a:lumMod val="60000"/>
+                        <a:lumOff val="40000"/>
+                      </a:schemeClr>
+                    </a:solidFill>
+                  </p:spPr>
+                  <p:txBody>
+                    <a:bodyPr wrap="square" rtlCol="0">
+                      <a:spAutoFit/>
+                    </a:bodyPr>
+                    <a:lstStyle/>
+                    <a:p>
+                      <a:r>
+                        <a:rPr lang="fr-FR" sz="1400" dirty="0" err="1" smtClean="0"/>
+                        <a:t>Modelling</a:t>
+                      </a:r>
+                      <a:r>
+                        <a:rPr lang="fr-FR" sz="1400" dirty="0" smtClean="0"/>
+                        <a:t> </a:t>
+                      </a:r>
+                      <a:r>
+                        <a:rPr lang="fr-FR" sz="1400" dirty="0" err="1" smtClean="0"/>
+                        <a:t>with</a:t>
+                      </a:r>
+                      <a:r>
+                        <a:rPr lang="fr-FR" sz="1400" dirty="0" smtClean="0"/>
+                        <a:t> </a:t>
+                      </a:r>
+                      <a:r>
+                        <a:rPr lang="fr-FR" sz="1400" dirty="0" err="1" smtClean="0"/>
+                        <a:t>GJAMs</a:t>
+                      </a:r>
+                      <a:r>
+                        <a:rPr lang="fr-FR" sz="1400" dirty="0" smtClean="0"/>
+                        <a:t> </a:t>
+                      </a:r>
+                      <a:endParaRPr lang="fr-FR" sz="1400" dirty="0"/>
+                    </a:p>
+                  </p:txBody>
+                </p:sp>
+                <p:cxnSp>
+                  <p:nvCxnSpPr>
+                    <p:cNvPr id="29" name="Connecteur droit avec flèche 28"/>
+                    <p:cNvCxnSpPr>
+                      <a:stCxn id="27" idx="2"/>
+                      <a:endCxn id="30" idx="0"/>
+                    </p:cNvCxnSpPr>
+                    <p:nvPr/>
+                  </p:nvCxnSpPr>
+                  <p:spPr>
+                    <a:xfrm flipH="1">
+                      <a:off x="5812823" y="3015477"/>
+                      <a:ext cx="1" cy="433087"/>
+                    </a:xfrm>
+                    <a:prstGeom prst="straightConnector1">
+                      <a:avLst/>
+                    </a:prstGeom>
+                    <a:ln>
+                      <a:tailEnd type="triangle"/>
+                    </a:ln>
+                  </p:spPr>
+                  <p:style>
+                    <a:lnRef idx="1">
+                      <a:schemeClr val="dk1"/>
+                    </a:lnRef>
+                    <a:fillRef idx="0">
+                      <a:schemeClr val="dk1"/>
+                    </a:fillRef>
+                    <a:effectRef idx="0">
+                      <a:schemeClr val="dk1"/>
+                    </a:effectRef>
+                    <a:fontRef idx="minor">
+                      <a:schemeClr val="tx1"/>
+                    </a:fontRef>
+                  </p:style>
+                </p:cxnSp>
+                <p:sp>
+                  <p:nvSpPr>
+                    <p:cNvPr id="30" name="ZoneTexte 29"/>
+                    <p:cNvSpPr txBox="1"/>
+                    <p:nvPr/>
+                  </p:nvSpPr>
+                  <p:spPr>
+                    <a:xfrm>
+                      <a:off x="4808984" y="3448564"/>
+                      <a:ext cx="2007677" cy="646331"/>
+                    </a:xfrm>
+                    <a:prstGeom prst="rect">
+                      <a:avLst/>
+                    </a:prstGeom>
+                    <a:noFill/>
+                    <a:ln>
+                      <a:solidFill>
+                        <a:schemeClr val="accent2"/>
+                      </a:solidFill>
+                    </a:ln>
+                  </p:spPr>
+                  <p:txBody>
+                    <a:bodyPr wrap="square" rtlCol="0">
+                      <a:spAutoFit/>
+                    </a:bodyPr>
+                    <a:lstStyle/>
+                    <a:p>
+                      <a:pPr algn="ctr"/>
+                      <a:r>
+                        <a:rPr lang="fr-FR" sz="1200" dirty="0" err="1" smtClean="0"/>
+                        <a:t>Prediction</a:t>
+                      </a:r>
+                      <a:r>
+                        <a:rPr lang="fr-FR" sz="1200" dirty="0" smtClean="0"/>
+                        <a:t> of </a:t>
+                      </a:r>
+                      <a:r>
+                        <a:rPr lang="fr-FR" sz="1200" dirty="0" err="1" smtClean="0"/>
+                        <a:t>each</a:t>
+                      </a:r>
+                      <a:r>
+                        <a:rPr lang="fr-FR" sz="1200" dirty="0" smtClean="0"/>
+                        <a:t> </a:t>
+                      </a:r>
+                      <a:r>
+                        <a:rPr lang="fr-FR" sz="1200" dirty="0" err="1" smtClean="0"/>
+                        <a:t>integrated</a:t>
+                      </a:r>
+                      <a:r>
+                        <a:rPr lang="fr-FR" sz="1200" dirty="0" smtClean="0"/>
+                        <a:t> </a:t>
+                      </a:r>
+                      <a:r>
+                        <a:rPr lang="fr-FR" sz="1200" dirty="0" err="1" smtClean="0"/>
+                        <a:t>metric</a:t>
+                      </a:r>
+                      <a:r>
+                        <a:rPr lang="fr-FR" sz="1200" dirty="0" smtClean="0"/>
+                        <a:t> in 3 </a:t>
+                      </a:r>
+                      <a:r>
+                        <a:rPr lang="fr-FR" sz="1200" dirty="0" err="1" smtClean="0"/>
+                        <a:t>depth</a:t>
+                      </a:r>
+                      <a:r>
+                        <a:rPr lang="fr-FR" sz="1200" dirty="0" smtClean="0"/>
+                        <a:t> </a:t>
+                      </a:r>
+                      <a:r>
+                        <a:rPr lang="fr-FR" sz="1200" dirty="0" err="1" smtClean="0"/>
+                        <a:t>layers</a:t>
+                      </a:r>
+                      <a:r>
+                        <a:rPr lang="fr-FR" sz="1200" dirty="0" smtClean="0"/>
+                        <a:t> </a:t>
+                      </a:r>
+                    </a:p>
+                    <a:p>
+                      <a:pPr algn="ctr"/>
+                      <a:r>
+                        <a:rPr lang="fr-FR" sz="1200" dirty="0" smtClean="0"/>
+                        <a:t>(0-200, 200-400, 400-600)</a:t>
+                      </a:r>
+                      <a:endParaRPr lang="fr-FR" sz="1200" dirty="0"/>
+                    </a:p>
+                  </p:txBody>
+                </p:sp>
+                <p:sp>
+                  <p:nvSpPr>
+                    <p:cNvPr id="31" name="ZoneTexte 30"/>
+                    <p:cNvSpPr txBox="1"/>
+                    <p:nvPr/>
+                  </p:nvSpPr>
+                  <p:spPr>
+                    <a:xfrm>
+                      <a:off x="6871655" y="3448563"/>
+                      <a:ext cx="2105759" cy="646331"/>
+                    </a:xfrm>
+                    <a:prstGeom prst="rect">
+                      <a:avLst/>
+                    </a:prstGeom>
+                    <a:noFill/>
+                    <a:ln>
+                      <a:solidFill>
+                        <a:schemeClr val="accent6"/>
+                      </a:solidFill>
+                    </a:ln>
+                  </p:spPr>
+                  <p:txBody>
+                    <a:bodyPr wrap="square" rtlCol="0">
+                      <a:spAutoFit/>
+                    </a:bodyPr>
+                    <a:lstStyle/>
+                    <a:p>
+                      <a:pPr algn="ctr"/>
+                      <a:r>
+                        <a:rPr lang="fr-FR" sz="1200" dirty="0" err="1" smtClean="0"/>
+                        <a:t>Prediction</a:t>
+                      </a:r>
+                      <a:r>
+                        <a:rPr lang="fr-FR" sz="1200" dirty="0" smtClean="0"/>
+                        <a:t> of </a:t>
+                      </a:r>
+                      <a:r>
+                        <a:rPr lang="fr-FR" sz="1200" dirty="0" err="1" smtClean="0"/>
+                        <a:t>individual</a:t>
+                      </a:r>
+                      <a:r>
+                        <a:rPr lang="fr-FR" sz="1200" dirty="0" smtClean="0"/>
+                        <a:t> </a:t>
+                      </a:r>
+                      <a:r>
+                        <a:rPr lang="fr-FR" sz="1200" dirty="0" err="1" smtClean="0"/>
+                        <a:t>species</a:t>
+                      </a:r>
+                      <a:r>
+                        <a:rPr lang="fr-FR" sz="1200" dirty="0" smtClean="0"/>
+                        <a:t> and MOTUs in 3 </a:t>
+                      </a:r>
+                      <a:r>
+                        <a:rPr lang="fr-FR" sz="1200" dirty="0" err="1" smtClean="0"/>
+                        <a:t>depth</a:t>
+                      </a:r>
+                      <a:r>
+                        <a:rPr lang="fr-FR" sz="1200" dirty="0" smtClean="0"/>
+                        <a:t> </a:t>
+                      </a:r>
+                      <a:r>
+                        <a:rPr lang="fr-FR" sz="1200" dirty="0" err="1" smtClean="0"/>
+                        <a:t>layers</a:t>
+                      </a:r>
+                      <a:r>
+                        <a:rPr lang="fr-FR" sz="1200" dirty="0" smtClean="0"/>
+                        <a:t> </a:t>
+                      </a:r>
+                    </a:p>
+                    <a:p>
+                      <a:pPr algn="ctr"/>
+                      <a:r>
+                        <a:rPr lang="fr-FR" sz="1200" dirty="0" smtClean="0"/>
+                        <a:t>(0-200, 200-400, 400-600)</a:t>
+                      </a:r>
+                      <a:endParaRPr lang="fr-FR" sz="1200" dirty="0"/>
+                    </a:p>
+                  </p:txBody>
+                </p:sp>
+                <p:cxnSp>
+                  <p:nvCxnSpPr>
+                    <p:cNvPr id="32" name="Connecteur droit avec flèche 31"/>
+                    <p:cNvCxnSpPr>
+                      <a:stCxn id="28" idx="2"/>
+                      <a:endCxn id="31" idx="0"/>
+                    </p:cNvCxnSpPr>
+                    <p:nvPr/>
+                  </p:nvCxnSpPr>
+                  <p:spPr>
+                    <a:xfrm>
+                      <a:off x="7924535" y="3015477"/>
+                      <a:ext cx="0" cy="433086"/>
+                    </a:xfrm>
+                    <a:prstGeom prst="straightConnector1">
+                      <a:avLst/>
+                    </a:prstGeom>
+                    <a:ln>
+                      <a:tailEnd type="triangle"/>
+                    </a:ln>
+                  </p:spPr>
+                  <p:style>
+                    <a:lnRef idx="1">
+                      <a:schemeClr val="dk1"/>
+                    </a:lnRef>
+                    <a:fillRef idx="0">
+                      <a:schemeClr val="dk1"/>
+                    </a:fillRef>
+                    <a:effectRef idx="0">
+                      <a:schemeClr val="dk1"/>
+                    </a:effectRef>
+                    <a:fontRef idx="minor">
+                      <a:schemeClr val="tx1"/>
+                    </a:fontRef>
+                  </p:style>
+                </p:cxnSp>
+                <p:grpSp>
+                  <p:nvGrpSpPr>
+                    <p:cNvPr id="33" name="Groupe 32"/>
+                    <p:cNvGrpSpPr/>
+                    <p:nvPr/>
+                  </p:nvGrpSpPr>
+                  <p:grpSpPr>
+                    <a:xfrm>
+                      <a:off x="4458236" y="2676922"/>
+                      <a:ext cx="252000" cy="369332"/>
+                      <a:chOff x="4467418" y="40502"/>
+                      <a:chExt cx="252000" cy="369332"/>
+                    </a:xfrm>
+                  </p:grpSpPr>
+                  <p:sp>
+                    <p:nvSpPr>
+                      <p:cNvPr id="57" name="Ellipse 56"/>
+                      <p:cNvSpPr/>
+                      <p:nvPr/>
+                    </p:nvSpPr>
+                    <p:spPr>
+                      <a:xfrm>
+                        <a:off x="4467418" y="103855"/>
+                        <a:ext cx="252000" cy="252000"/>
+                      </a:xfrm>
+                      <a:prstGeom prst="ellipse">
+                        <a:avLst/>
+                      </a:prstGeom>
+                      <a:noFill/>
+                    </p:spPr>
+                    <p:style>
+                      <a:lnRef idx="2">
+                        <a:schemeClr val="accent1">
+                          <a:shade val="50000"/>
+                        </a:schemeClr>
+                      </a:lnRef>
+                      <a:fillRef idx="1">
+                        <a:schemeClr val="accent1"/>
+                      </a:fillRef>
+                      <a:effectRef idx="0">
+                        <a:schemeClr val="accent1"/>
+                      </a:effectRef>
+                      <a:fontRef idx="minor">
+                        <a:schemeClr val="lt1"/>
+                      </a:fontRef>
+                    </p:style>
+                    <p:txBody>
+                      <a:bodyPr rtlCol="0" anchor="ctr"/>
+                      <a:lstStyle/>
+                      <a:p>
+                        <a:pPr algn="ctr"/>
+                        <a:endParaRPr lang="fr-FR"/>
+                      </a:p>
+                    </p:txBody>
+                  </p:sp>
+                  <p:sp>
+                    <p:nvSpPr>
+                      <p:cNvPr id="58" name="ZoneTexte 57"/>
+                      <p:cNvSpPr txBox="1"/>
+                      <p:nvPr/>
+                    </p:nvSpPr>
+                    <p:spPr>
+                      <a:xfrm>
+                        <a:off x="4482344" y="40502"/>
+                        <a:ext cx="111074" cy="369332"/>
+                      </a:xfrm>
+                      <a:prstGeom prst="rect">
+                        <a:avLst/>
+                      </a:prstGeom>
+                      <a:noFill/>
+                    </p:spPr>
+                    <p:txBody>
+                      <a:bodyPr wrap="square" rtlCol="0">
+                        <a:spAutoFit/>
+                      </a:bodyPr>
+                      <a:lstStyle/>
+                      <a:p>
+                        <a:r>
+                          <a:rPr lang="fr-FR" dirty="0" smtClean="0"/>
+                          <a:t>2</a:t>
+                        </a:r>
+                        <a:endParaRPr lang="fr-FR" dirty="0"/>
+                      </a:p>
+                    </p:txBody>
+                  </p:sp>
+                </p:grpSp>
+                <p:grpSp>
+                  <p:nvGrpSpPr>
+                    <p:cNvPr id="34" name="Groupe 33"/>
+                    <p:cNvGrpSpPr/>
+                    <p:nvPr/>
+                  </p:nvGrpSpPr>
+                  <p:grpSpPr>
+                    <a:xfrm>
+                      <a:off x="4769294" y="4390728"/>
+                      <a:ext cx="2047367" cy="1478752"/>
+                      <a:chOff x="4547460" y="4185666"/>
+                      <a:chExt cx="1927082" cy="1391874"/>
+                    </a:xfrm>
+                  </p:grpSpPr>
+                  <p:grpSp>
+                    <p:nvGrpSpPr>
+                      <p:cNvPr id="48" name="Groupe 47"/>
+                      <p:cNvGrpSpPr/>
+                      <p:nvPr/>
+                    </p:nvGrpSpPr>
+                    <p:grpSpPr>
+                      <a:xfrm>
+                        <a:off x="4864927" y="4185666"/>
+                        <a:ext cx="1609615" cy="999070"/>
+                        <a:chOff x="397976" y="3015480"/>
+                        <a:chExt cx="4103463" cy="2546973"/>
+                      </a:xfrm>
+                    </p:grpSpPr>
+                    <p:sp>
+                      <p:nvSpPr>
+                        <p:cNvPr id="55" name="Rectangle 54"/>
+                        <p:cNvSpPr/>
+                        <p:nvPr/>
+                      </p:nvSpPr>
+                      <p:spPr>
+                        <a:xfrm>
+                          <a:off x="431597" y="3108961"/>
+                          <a:ext cx="3986784" cy="2450592"/>
+                        </a:xfrm>
+                        <a:prstGeom prst="rect">
+                          <a:avLst/>
+                        </a:prstGeom>
+                        <a:solidFill>
+                          <a:schemeClr val="bg1"/>
+                        </a:solidFill>
+                        <a:ln>
+                          <a:solidFill>
+                            <a:schemeClr val="bg1"/>
+                          </a:solidFill>
+                        </a:ln>
+                      </p:spPr>
+                      <p:style>
+                        <a:lnRef idx="2">
+                          <a:schemeClr val="accent1">
+                            <a:shade val="50000"/>
+                          </a:schemeClr>
+                        </a:lnRef>
+                        <a:fillRef idx="1">
+                          <a:schemeClr val="accent1"/>
+                        </a:fillRef>
+                        <a:effectRef idx="0">
+                          <a:schemeClr val="accent1"/>
+                        </a:effectRef>
+                        <a:fontRef idx="minor">
+                          <a:schemeClr val="lt1"/>
+                        </a:fontRef>
+                      </p:style>
+                      <p:txBody>
+                        <a:bodyPr rtlCol="0" anchor="ctr"/>
+                        <a:lstStyle/>
+                        <a:p>
+                          <a:pPr algn="ctr"/>
+                          <a:endParaRPr lang="fr-FR"/>
+                        </a:p>
+                      </p:txBody>
+                    </p:sp>
+                    <p:pic>
+                      <p:nvPicPr>
+                        <p:cNvPr id="56" name="Image 55"/>
+                        <p:cNvPicPr>
+                          <a:picLocks noChangeAspect="1"/>
+                        </p:cNvPicPr>
+                        <p:nvPr/>
+                      </p:nvPicPr>
+                      <p:blipFill rotWithShape="1">
+                        <a:blip r:embed="rId3" cstate="print">
+                          <a:extLst>
+                            <a:ext uri="{28A0092B-C50C-407E-A947-70E740481C1C}">
+                              <a14:useLocalDpi xmlns:a14="http://schemas.microsoft.com/office/drawing/2010/main" val="0"/>
+                            </a:ext>
+                          </a:extLst>
+                        </a:blip>
+                        <a:srcRect l="5446" r="49678" b="62862"/>
+                        <a:stretch/>
+                      </p:blipFill>
+                      <p:spPr>
+                        <a:xfrm>
+                          <a:off x="397976" y="3015480"/>
+                          <a:ext cx="4103463" cy="2546973"/>
+                        </a:xfrm>
+                        <a:prstGeom prst="rect">
+                          <a:avLst/>
+                        </a:prstGeom>
+                      </p:spPr>
+                    </p:pic>
+                  </p:grpSp>
+                  <p:grpSp>
+                    <p:nvGrpSpPr>
+                      <p:cNvPr id="49" name="Groupe 48"/>
+                      <p:cNvGrpSpPr/>
+                      <p:nvPr/>
+                    </p:nvGrpSpPr>
+                    <p:grpSpPr>
+                      <a:xfrm>
+                        <a:off x="4769239" y="4329758"/>
+                        <a:ext cx="1609615" cy="999070"/>
+                        <a:chOff x="397976" y="3015480"/>
+                        <a:chExt cx="4103463" cy="2546973"/>
+                      </a:xfrm>
+                    </p:grpSpPr>
+                    <p:sp>
+                      <p:nvSpPr>
+                        <p:cNvPr id="53" name="Rectangle 52"/>
+                        <p:cNvSpPr/>
+                        <p:nvPr/>
+                      </p:nvSpPr>
+                      <p:spPr>
+                        <a:xfrm>
+                          <a:off x="431597" y="3108961"/>
+                          <a:ext cx="3986784" cy="2450592"/>
+                        </a:xfrm>
+                        <a:prstGeom prst="rect">
+                          <a:avLst/>
+                        </a:prstGeom>
+                        <a:solidFill>
+                          <a:schemeClr val="bg1"/>
+                        </a:solidFill>
+                        <a:ln>
+                          <a:solidFill>
+                            <a:schemeClr val="bg1"/>
+                          </a:solidFill>
+                        </a:ln>
+                      </p:spPr>
+                      <p:style>
+                        <a:lnRef idx="2">
+                          <a:schemeClr val="accent1">
+                            <a:shade val="50000"/>
+                          </a:schemeClr>
+                        </a:lnRef>
+                        <a:fillRef idx="1">
+                          <a:schemeClr val="accent1"/>
+                        </a:fillRef>
+                        <a:effectRef idx="0">
+                          <a:schemeClr val="accent1"/>
+                        </a:effectRef>
+                        <a:fontRef idx="minor">
+                          <a:schemeClr val="lt1"/>
+                        </a:fontRef>
+                      </p:style>
+                      <p:txBody>
+                        <a:bodyPr rtlCol="0" anchor="ctr"/>
+                        <a:lstStyle/>
+                        <a:p>
+                          <a:pPr algn="ctr"/>
+                          <a:endParaRPr lang="fr-FR"/>
+                        </a:p>
+                      </p:txBody>
+                    </p:sp>
+                    <p:pic>
+                      <p:nvPicPr>
+                        <p:cNvPr id="54" name="Image 53"/>
+                        <p:cNvPicPr>
+                          <a:picLocks noChangeAspect="1"/>
+                        </p:cNvPicPr>
+                        <p:nvPr/>
+                      </p:nvPicPr>
+                      <p:blipFill rotWithShape="1">
+                        <a:blip r:embed="rId3" cstate="print">
+                          <a:extLst>
+                            <a:ext uri="{28A0092B-C50C-407E-A947-70E740481C1C}">
+                              <a14:useLocalDpi xmlns:a14="http://schemas.microsoft.com/office/drawing/2010/main" val="0"/>
+                            </a:ext>
+                          </a:extLst>
+                        </a:blip>
+                        <a:srcRect l="5446" r="49678" b="62862"/>
+                        <a:stretch/>
+                      </p:blipFill>
+                      <p:spPr>
+                        <a:xfrm>
+                          <a:off x="397976" y="3015480"/>
+                          <a:ext cx="4103463" cy="2546973"/>
+                        </a:xfrm>
+                        <a:prstGeom prst="rect">
+                          <a:avLst/>
+                        </a:prstGeom>
+                      </p:spPr>
+                    </p:pic>
+                  </p:grpSp>
+                  <p:grpSp>
+                    <p:nvGrpSpPr>
+                      <p:cNvPr id="50" name="Groupe 49"/>
+                      <p:cNvGrpSpPr/>
+                      <p:nvPr/>
+                    </p:nvGrpSpPr>
+                    <p:grpSpPr>
+                      <a:xfrm>
+                        <a:off x="4547460" y="4490161"/>
+                        <a:ext cx="1721666" cy="1087379"/>
+                        <a:chOff x="112322" y="3015477"/>
+                        <a:chExt cx="4389120" cy="2772103"/>
+                      </a:xfrm>
+                    </p:grpSpPr>
+                    <p:sp>
+                      <p:nvSpPr>
+                        <p:cNvPr id="51" name="Rectangle 50"/>
+                        <p:cNvSpPr/>
+                        <p:nvPr/>
+                      </p:nvSpPr>
+                      <p:spPr>
+                        <a:xfrm>
+                          <a:off x="431597" y="3108961"/>
+                          <a:ext cx="3986784" cy="2450592"/>
+                        </a:xfrm>
+                        <a:prstGeom prst="rect">
+                          <a:avLst/>
+                        </a:prstGeom>
+                        <a:solidFill>
+                          <a:schemeClr val="bg1"/>
+                        </a:solidFill>
+                        <a:ln>
+                          <a:solidFill>
+                            <a:schemeClr val="bg1"/>
+                          </a:solidFill>
+                        </a:ln>
+                      </p:spPr>
+                      <p:style>
+                        <a:lnRef idx="2">
+                          <a:schemeClr val="accent1">
+                            <a:shade val="50000"/>
+                          </a:schemeClr>
+                        </a:lnRef>
+                        <a:fillRef idx="1">
+                          <a:schemeClr val="accent1"/>
+                        </a:fillRef>
+                        <a:effectRef idx="0">
+                          <a:schemeClr val="accent1"/>
+                        </a:effectRef>
+                        <a:fontRef idx="minor">
+                          <a:schemeClr val="lt1"/>
+                        </a:fontRef>
+                      </p:style>
+                      <p:txBody>
+                        <a:bodyPr rtlCol="0" anchor="ctr"/>
+                        <a:lstStyle/>
+                        <a:p>
+                          <a:pPr algn="ctr"/>
+                          <a:endParaRPr lang="fr-FR"/>
+                        </a:p>
+                      </p:txBody>
+                    </p:sp>
+                    <p:pic>
+                      <p:nvPicPr>
+                        <p:cNvPr id="52" name="Image 51"/>
+                        <p:cNvPicPr>
+                          <a:picLocks noChangeAspect="1"/>
+                        </p:cNvPicPr>
+                        <p:nvPr/>
+                      </p:nvPicPr>
+                      <p:blipFill rotWithShape="1">
+                        <a:blip r:embed="rId3" cstate="print">
+                          <a:extLst>
+                            <a:ext uri="{28A0092B-C50C-407E-A947-70E740481C1C}">
+                              <a14:useLocalDpi xmlns:a14="http://schemas.microsoft.com/office/drawing/2010/main" val="0"/>
+                            </a:ext>
+                          </a:extLst>
+                        </a:blip>
+                        <a:srcRect l="2321" r="49679" b="59579"/>
+                        <a:stretch/>
+                      </p:blipFill>
+                      <p:spPr>
+                        <a:xfrm>
+                          <a:off x="112322" y="3015477"/>
+                          <a:ext cx="4389120" cy="2772103"/>
+                        </a:xfrm>
+                        <a:prstGeom prst="rect">
+                          <a:avLst/>
+                        </a:prstGeom>
+                      </p:spPr>
+                    </p:pic>
+                  </p:grpSp>
+                </p:grpSp>
+                <p:grpSp>
+                  <p:nvGrpSpPr>
+                    <p:cNvPr id="35" name="Groupe 34"/>
+                    <p:cNvGrpSpPr/>
+                    <p:nvPr/>
+                  </p:nvGrpSpPr>
+                  <p:grpSpPr>
+                    <a:xfrm>
+                      <a:off x="6929014" y="4390728"/>
+                      <a:ext cx="2048400" cy="1479600"/>
+                      <a:chOff x="6929014" y="4372110"/>
+                      <a:chExt cx="2048400" cy="1479600"/>
+                    </a:xfrm>
+                  </p:grpSpPr>
+                  <p:grpSp>
+                    <p:nvGrpSpPr>
+                      <p:cNvPr id="39" name="Groupe 38"/>
+                      <p:cNvGrpSpPr/>
+                      <p:nvPr/>
+                    </p:nvGrpSpPr>
+                    <p:grpSpPr>
+                      <a:xfrm>
+                        <a:off x="7242188" y="4372110"/>
+                        <a:ext cx="1735226" cy="1141479"/>
+                        <a:chOff x="202754" y="3567408"/>
+                        <a:chExt cx="2902719" cy="1911677"/>
+                      </a:xfrm>
+                    </p:grpSpPr>
+                    <p:sp>
+                      <p:nvSpPr>
+                        <p:cNvPr id="46" name="Rectangle 45"/>
+                        <p:cNvSpPr/>
+                        <p:nvPr/>
+                      </p:nvSpPr>
+                      <p:spPr>
+                        <a:xfrm>
+                          <a:off x="241402" y="3782836"/>
+                          <a:ext cx="2779776" cy="1696249"/>
+                        </a:xfrm>
+                        <a:prstGeom prst="rect">
+                          <a:avLst/>
+                        </a:prstGeom>
+                        <a:solidFill>
+                          <a:schemeClr val="bg1"/>
+                        </a:solidFill>
+                        <a:ln>
+                          <a:solidFill>
+                            <a:schemeClr val="bg1"/>
+                          </a:solidFill>
+                        </a:ln>
+                      </p:spPr>
+                      <p:style>
+                        <a:lnRef idx="2">
+                          <a:schemeClr val="accent1">
+                            <a:shade val="50000"/>
+                          </a:schemeClr>
+                        </a:lnRef>
+                        <a:fillRef idx="1">
+                          <a:schemeClr val="accent1"/>
+                        </a:fillRef>
+                        <a:effectRef idx="0">
+                          <a:schemeClr val="accent1"/>
+                        </a:effectRef>
+                        <a:fontRef idx="minor">
+                          <a:schemeClr val="lt1"/>
+                        </a:fontRef>
+                      </p:style>
+                      <p:txBody>
+                        <a:bodyPr rtlCol="0" anchor="ctr"/>
+                        <a:lstStyle/>
+                        <a:p>
+                          <a:pPr algn="ctr"/>
+                          <a:endParaRPr lang="fr-FR"/>
+                        </a:p>
+                      </p:txBody>
+                    </p:sp>
+                    <p:pic>
+                      <p:nvPicPr>
+                        <p:cNvPr id="47" name="Image 46"/>
+                        <p:cNvPicPr>
+                          <a:picLocks noChangeAspect="1"/>
+                        </p:cNvPicPr>
+                        <p:nvPr/>
+                      </p:nvPicPr>
+                      <p:blipFill rotWithShape="1">
+                        <a:blip r:embed="rId4" cstate="print">
+                          <a:extLst>
+                            <a:ext uri="{28A0092B-C50C-407E-A947-70E740481C1C}">
+                              <a14:useLocalDpi xmlns:a14="http://schemas.microsoft.com/office/drawing/2010/main" val="0"/>
+                            </a:ext>
+                          </a:extLst>
+                        </a:blip>
+                        <a:srcRect l="5440" t="49438" r="49678" b="12379"/>
+                        <a:stretch/>
+                      </p:blipFill>
+                      <p:spPr>
+                        <a:xfrm>
+                          <a:off x="202754" y="3567408"/>
+                          <a:ext cx="2902719" cy="1852131"/>
+                        </a:xfrm>
+                        <a:prstGeom prst="rect">
+                          <a:avLst/>
+                        </a:prstGeom>
+                      </p:spPr>
+                    </p:pic>
+                  </p:grpSp>
+                  <p:grpSp>
+                    <p:nvGrpSpPr>
+                      <p:cNvPr id="40" name="Groupe 39"/>
+                      <p:cNvGrpSpPr/>
+                      <p:nvPr/>
+                    </p:nvGrpSpPr>
+                    <p:grpSpPr>
+                      <a:xfrm>
+                        <a:off x="7149119" y="4510172"/>
+                        <a:ext cx="1734836" cy="1112438"/>
+                        <a:chOff x="668484" y="4029809"/>
+                        <a:chExt cx="1735226" cy="1105924"/>
+                      </a:xfrm>
+                    </p:grpSpPr>
+                    <p:sp>
+                      <p:nvSpPr>
+                        <p:cNvPr id="44" name="Rectangle 43"/>
+                        <p:cNvSpPr/>
+                        <p:nvPr/>
+                      </p:nvSpPr>
+                      <p:spPr>
+                        <a:xfrm>
+                          <a:off x="688323" y="4080558"/>
+                          <a:ext cx="1661732" cy="1012845"/>
+                        </a:xfrm>
+                        <a:prstGeom prst="rect">
+                          <a:avLst/>
+                        </a:prstGeom>
+                        <a:solidFill>
+                          <a:schemeClr val="bg1"/>
+                        </a:solidFill>
+                        <a:ln>
+                          <a:solidFill>
+                            <a:schemeClr val="bg1"/>
+                          </a:solidFill>
+                        </a:ln>
+                      </p:spPr>
+                      <p:style>
+                        <a:lnRef idx="2">
+                          <a:schemeClr val="accent1">
+                            <a:shade val="50000"/>
+                          </a:schemeClr>
+                        </a:lnRef>
+                        <a:fillRef idx="1">
+                          <a:schemeClr val="accent1"/>
+                        </a:fillRef>
+                        <a:effectRef idx="0">
+                          <a:schemeClr val="accent1"/>
+                        </a:effectRef>
+                        <a:fontRef idx="minor">
+                          <a:schemeClr val="lt1"/>
+                        </a:fontRef>
+                      </p:style>
+                      <p:txBody>
+                        <a:bodyPr rtlCol="0" anchor="ctr"/>
+                        <a:lstStyle/>
+                        <a:p>
+                          <a:pPr algn="ctr"/>
+                          <a:endParaRPr lang="fr-FR"/>
+                        </a:p>
+                      </p:txBody>
+                    </p:sp>
+                    <p:pic>
+                      <p:nvPicPr>
+                        <p:cNvPr id="45" name="Image 44"/>
+                        <p:cNvPicPr>
+                          <a:picLocks noChangeAspect="1"/>
+                        </p:cNvPicPr>
+                        <p:nvPr/>
+                      </p:nvPicPr>
+                      <p:blipFill rotWithShape="1">
+                        <a:blip r:embed="rId5" cstate="print">
+                          <a:extLst>
+                            <a:ext uri="{28A0092B-C50C-407E-A947-70E740481C1C}">
+                              <a14:useLocalDpi xmlns:a14="http://schemas.microsoft.com/office/drawing/2010/main" val="0"/>
+                            </a:ext>
+                          </a:extLst>
+                        </a:blip>
+                        <a:srcRect l="5440" t="49438" r="49678" b="12379"/>
+                        <a:stretch/>
+                      </p:blipFill>
+                      <p:spPr>
+                        <a:xfrm>
+                          <a:off x="668484" y="4029809"/>
+                          <a:ext cx="1735226" cy="1105924"/>
+                        </a:xfrm>
+                        <a:prstGeom prst="rect">
+                          <a:avLst/>
+                        </a:prstGeom>
+                      </p:spPr>
+                    </p:pic>
+                  </p:grpSp>
+                  <p:grpSp>
+                    <p:nvGrpSpPr>
+                      <p:cNvPr id="41" name="Groupe 40"/>
+                      <p:cNvGrpSpPr/>
+                      <p:nvPr/>
+                    </p:nvGrpSpPr>
+                    <p:grpSpPr>
+                      <a:xfrm>
+                        <a:off x="6929014" y="4649233"/>
+                        <a:ext cx="1861481" cy="1202477"/>
+                        <a:chOff x="-3841" y="3662763"/>
+                        <a:chExt cx="3113921" cy="2013832"/>
+                      </a:xfrm>
+                    </p:grpSpPr>
+                    <p:sp>
+                      <p:nvSpPr>
+                        <p:cNvPr id="42" name="Rectangle 41"/>
+                        <p:cNvSpPr/>
+                        <p:nvPr/>
+                      </p:nvSpPr>
+                      <p:spPr>
+                        <a:xfrm>
+                          <a:off x="241402" y="3782836"/>
+                          <a:ext cx="2779776" cy="1696249"/>
+                        </a:xfrm>
+                        <a:prstGeom prst="rect">
+                          <a:avLst/>
+                        </a:prstGeom>
+                        <a:solidFill>
+                          <a:schemeClr val="bg1"/>
+                        </a:solidFill>
+                        <a:ln>
+                          <a:solidFill>
+                            <a:schemeClr val="bg1"/>
+                          </a:solidFill>
+                        </a:ln>
+                      </p:spPr>
+                      <p:style>
+                        <a:lnRef idx="2">
+                          <a:schemeClr val="accent1">
+                            <a:shade val="50000"/>
+                          </a:schemeClr>
+                        </a:lnRef>
+                        <a:fillRef idx="1">
+                          <a:schemeClr val="accent1"/>
+                        </a:fillRef>
+                        <a:effectRef idx="0">
+                          <a:schemeClr val="accent1"/>
+                        </a:effectRef>
+                        <a:fontRef idx="minor">
+                          <a:schemeClr val="lt1"/>
+                        </a:fontRef>
+                      </p:style>
+                      <p:txBody>
+                        <a:bodyPr rtlCol="0" anchor="ctr"/>
+                        <a:lstStyle/>
+                        <a:p>
+                          <a:pPr algn="ctr"/>
+                          <a:endParaRPr lang="fr-FR"/>
+                        </a:p>
+                      </p:txBody>
+                    </p:sp>
+                    <p:pic>
+                      <p:nvPicPr>
+                        <p:cNvPr id="43" name="Image 42"/>
+                        <p:cNvPicPr>
+                          <a:picLocks noChangeAspect="1"/>
+                        </p:cNvPicPr>
+                        <p:nvPr/>
+                      </p:nvPicPr>
+                      <p:blipFill rotWithShape="1">
+                        <a:blip r:embed="rId4" cstate="print">
+                          <a:extLst>
+                            <a:ext uri="{28A0092B-C50C-407E-A947-70E740481C1C}">
+                              <a14:useLocalDpi xmlns:a14="http://schemas.microsoft.com/office/drawing/2010/main" val="0"/>
+                            </a:ext>
+                          </a:extLst>
+                        </a:blip>
+                        <a:srcRect l="2173" t="49438" r="49679" b="9045"/>
+                        <a:stretch/>
+                      </p:blipFill>
+                      <p:spPr>
+                        <a:xfrm>
+                          <a:off x="-3841" y="3662763"/>
+                          <a:ext cx="3113921" cy="2013832"/>
+                        </a:xfrm>
+                        <a:prstGeom prst="rect">
+                          <a:avLst/>
+                        </a:prstGeom>
+                      </p:spPr>
+                    </p:pic>
+                  </p:grpSp>
+                </p:grpSp>
+                <p:grpSp>
+                  <p:nvGrpSpPr>
+                    <p:cNvPr id="36" name="Groupe 35"/>
+                    <p:cNvGrpSpPr/>
+                    <p:nvPr/>
+                  </p:nvGrpSpPr>
+                  <p:grpSpPr>
+                    <a:xfrm>
+                      <a:off x="4458236" y="3571235"/>
+                      <a:ext cx="252000" cy="369332"/>
+                      <a:chOff x="6721663" y="9725"/>
+                      <a:chExt cx="252000" cy="369332"/>
+                    </a:xfrm>
+                  </p:grpSpPr>
+                  <p:sp>
+                    <p:nvSpPr>
+                      <p:cNvPr id="37" name="Ellipse 36"/>
+                      <p:cNvSpPr/>
+                      <p:nvPr/>
+                    </p:nvSpPr>
+                    <p:spPr>
+                      <a:xfrm>
+                        <a:off x="6721663" y="74209"/>
+                        <a:ext cx="252000" cy="252000"/>
+                      </a:xfrm>
+                      <a:prstGeom prst="ellipse">
+                        <a:avLst/>
+                      </a:prstGeom>
+                      <a:noFill/>
+                    </p:spPr>
+                    <p:style>
+                      <a:lnRef idx="2">
+                        <a:schemeClr val="accent1">
+                          <a:shade val="50000"/>
+                        </a:schemeClr>
+                      </a:lnRef>
+                      <a:fillRef idx="1">
+                        <a:schemeClr val="accent1"/>
+                      </a:fillRef>
+                      <a:effectRef idx="0">
+                        <a:schemeClr val="accent1"/>
+                      </a:effectRef>
+                      <a:fontRef idx="minor">
+                        <a:schemeClr val="lt1"/>
+                      </a:fontRef>
+                    </p:style>
+                    <p:txBody>
+                      <a:bodyPr rtlCol="0" anchor="ctr"/>
+                      <a:lstStyle/>
+                      <a:p>
+                        <a:pPr algn="ctr"/>
+                        <a:endParaRPr lang="fr-FR"/>
+                      </a:p>
+                    </p:txBody>
+                  </p:sp>
+                  <p:sp>
+                    <p:nvSpPr>
+                      <p:cNvPr id="38" name="ZoneTexte 37"/>
+                      <p:cNvSpPr txBox="1"/>
+                      <p:nvPr/>
+                    </p:nvSpPr>
+                    <p:spPr>
+                      <a:xfrm>
+                        <a:off x="6736589" y="9725"/>
+                        <a:ext cx="111074" cy="369332"/>
+                      </a:xfrm>
+                      <a:prstGeom prst="rect">
+                        <a:avLst/>
+                      </a:prstGeom>
+                      <a:noFill/>
+                    </p:spPr>
+                    <p:txBody>
+                      <a:bodyPr wrap="square" rtlCol="0">
+                        <a:spAutoFit/>
+                      </a:bodyPr>
+                      <a:lstStyle/>
+                      <a:p>
+                        <a:r>
+                          <a:rPr lang="fr-FR" dirty="0" smtClean="0"/>
+                          <a:t>3</a:t>
+                        </a:r>
+                        <a:endParaRPr lang="fr-FR" dirty="0"/>
+                      </a:p>
+                    </p:txBody>
+                  </p:sp>
+                </p:grpSp>
+              </p:grpSp>
+            </p:grpSp>
+            <p:cxnSp>
+              <p:nvCxnSpPr>
+                <p:cNvPr id="13" name="Connecteur droit avec flèche 12"/>
+                <p:cNvCxnSpPr/>
+                <p:nvPr/>
+              </p:nvCxnSpPr>
+              <p:spPr>
+                <a:xfrm>
+                  <a:off x="4824761" y="3991497"/>
+                  <a:ext cx="535406" cy="0"/>
+                </a:xfrm>
+                <a:prstGeom prst="straightConnector1">
+                  <a:avLst/>
+                </a:prstGeom>
+                <a:ln>
+                  <a:tailEnd type="triangle"/>
+                </a:ln>
+              </p:spPr>
+              <p:style>
+                <a:lnRef idx="1">
+                  <a:schemeClr val="dk1"/>
+                </a:lnRef>
+                <a:fillRef idx="0">
+                  <a:schemeClr val="dk1"/>
+                </a:fillRef>
+                <a:effectRef idx="0">
+                  <a:schemeClr val="dk1"/>
+                </a:effectRef>
+                <a:fontRef idx="minor">
+                  <a:schemeClr val="tx1"/>
+                </a:fontRef>
+              </p:style>
+            </p:cxnSp>
+            <p:sp>
+              <p:nvSpPr>
+                <p:cNvPr id="14" name="Ellipse 13"/>
+                <p:cNvSpPr/>
+                <p:nvPr/>
+              </p:nvSpPr>
+              <p:spPr>
+                <a:xfrm>
+                  <a:off x="5433798" y="3482983"/>
+                  <a:ext cx="252000" cy="252000"/>
+                </a:xfrm>
+                <a:prstGeom prst="ellipse">
+                  <a:avLst/>
+                </a:prstGeom>
+                <a:noFill/>
+              </p:spPr>
+              <p:style>
+                <a:lnRef idx="2">
+                  <a:schemeClr val="accent1">
+                    <a:shade val="50000"/>
+                  </a:schemeClr>
+                </a:lnRef>
+                <a:fillRef idx="1">
+                  <a:schemeClr val="accent1"/>
+                </a:fillRef>
+                <a:effectRef idx="0">
+                  <a:schemeClr val="accent1"/>
+                </a:effectRef>
+                <a:fontRef idx="minor">
+                  <a:schemeClr val="lt1"/>
+                </a:fontRef>
+              </p:style>
+              <p:txBody>
+                <a:bodyPr rtlCol="0" anchor="ctr"/>
+                <a:lstStyle/>
+                <a:p>
+                  <a:pPr algn="ctr"/>
+                  <a:endParaRPr lang="fr-FR"/>
+                </a:p>
+              </p:txBody>
+            </p:sp>
+            <p:sp>
+              <p:nvSpPr>
+                <p:cNvPr id="15" name="ZoneTexte 14"/>
+                <p:cNvSpPr txBox="1"/>
+                <p:nvPr/>
+              </p:nvSpPr>
+              <p:spPr>
+                <a:xfrm>
+                  <a:off x="5448724" y="3418499"/>
+                  <a:ext cx="111074" cy="369332"/>
+                </a:xfrm>
+                <a:prstGeom prst="rect">
+                  <a:avLst/>
+                </a:prstGeom>
+                <a:noFill/>
+              </p:spPr>
+              <p:txBody>
+                <a:bodyPr wrap="square" rtlCol="0">
+                  <a:spAutoFit/>
+                </a:bodyPr>
+                <a:lstStyle/>
+                <a:p>
+                  <a:r>
+                    <a:rPr lang="fr-FR" dirty="0"/>
+                    <a:t>4</a:t>
+                  </a:r>
+                </a:p>
+              </p:txBody>
+            </p:sp>
+            <p:sp>
+              <p:nvSpPr>
+                <p:cNvPr id="16" name="ZoneTexte 15"/>
+                <p:cNvSpPr txBox="1"/>
+                <p:nvPr/>
+              </p:nvSpPr>
+              <p:spPr>
+                <a:xfrm>
+                  <a:off x="5859846" y="3668332"/>
+                  <a:ext cx="2818865" cy="523220"/>
+                </a:xfrm>
+                <a:prstGeom prst="rect">
+                  <a:avLst/>
+                </a:prstGeom>
+                <a:noFill/>
+                <a:ln>
+                  <a:solidFill>
+                    <a:schemeClr val="tx1"/>
+                  </a:solidFill>
+                </a:ln>
+              </p:spPr>
+              <p:txBody>
+                <a:bodyPr wrap="square" rtlCol="0">
+                  <a:spAutoFit/>
+                </a:bodyPr>
+                <a:lstStyle/>
+                <a:p>
+                  <a:pPr algn="ctr"/>
+                  <a:r>
+                    <a:rPr lang="fr-FR" sz="1400" dirty="0" smtClean="0"/>
+                    <a:t>3D conservation planning to </a:t>
+                  </a:r>
+                  <a:r>
+                    <a:rPr lang="fr-FR" sz="1400" dirty="0" err="1" smtClean="0"/>
+                    <a:t>protect</a:t>
+                  </a:r>
+                  <a:r>
+                    <a:rPr lang="fr-FR" sz="1400" dirty="0" smtClean="0"/>
+                    <a:t> 30% of </a:t>
+                  </a:r>
+                  <a:r>
+                    <a:rPr lang="fr-FR" sz="1400" dirty="0" err="1" smtClean="0"/>
+                    <a:t>each</a:t>
+                  </a:r>
+                  <a:r>
+                    <a:rPr lang="fr-FR" sz="1400" dirty="0" smtClean="0"/>
+                    <a:t> </a:t>
+                  </a:r>
+                  <a:r>
+                    <a:rPr lang="fr-FR" sz="1400" dirty="0" err="1" smtClean="0"/>
+                    <a:t>metric</a:t>
+                  </a:r>
+                  <a:endParaRPr lang="fr-FR" sz="1400" dirty="0"/>
+                </a:p>
+              </p:txBody>
+            </p:sp>
+            <p:pic>
+              <p:nvPicPr>
+                <p:cNvPr id="17" name="Image 16"/>
+                <p:cNvPicPr>
+                  <a:picLocks noChangeAspect="1"/>
+                </p:cNvPicPr>
+                <p:nvPr/>
+              </p:nvPicPr>
+              <p:blipFill rotWithShape="1">
+                <a:blip r:embed="rId6" cstate="print">
+                  <a:extLst>
+                    <a:ext uri="{28A0092B-C50C-407E-A947-70E740481C1C}">
+                      <a14:useLocalDpi xmlns:a14="http://schemas.microsoft.com/office/drawing/2010/main" val="0"/>
+                    </a:ext>
+                  </a:extLst>
+                </a:blip>
+                <a:srcRect l="2509" t="41255" r="2437" b="20805"/>
+                <a:stretch/>
+              </p:blipFill>
+              <p:spPr>
+                <a:xfrm>
+                  <a:off x="5928880" y="4360206"/>
+                  <a:ext cx="2680796" cy="1687551"/>
+                </a:xfrm>
+                <a:prstGeom prst="rect">
+                  <a:avLst/>
+                </a:prstGeom>
+              </p:spPr>
+            </p:pic>
+          </p:grpSp>
+          <p:pic>
+            <p:nvPicPr>
+              <p:cNvPr id="6" name="Image 5"/>
+              <p:cNvPicPr>
+                <a:picLocks noChangeAspect="1"/>
+              </p:cNvPicPr>
+              <p:nvPr/>
+            </p:nvPicPr>
+            <p:blipFill>
+              <a:blip r:embed="rId7" cstate="print">
+                <a:extLst>
+                  <a:ext uri="{BEBA8EAE-BF5A-486C-A8C5-ECC9F3942E4B}">
+                    <a14:imgProps xmlns:a14="http://schemas.microsoft.com/office/drawing/2010/main">
+                      <a14:imgLayer r:embed="rId8">
+                        <a14:imgEffect>
+                          <a14:backgroundRemoval t="0" b="100000" l="763" r="100000"/>
+                        </a14:imgEffect>
+                      </a14:imgLayer>
+                    </a14:imgProps>
+                  </a:ext>
+                  <a:ext uri="{28A0092B-C50C-407E-A947-70E740481C1C}">
+                    <a14:useLocalDpi xmlns:a14="http://schemas.microsoft.com/office/drawing/2010/main" val="0"/>
+                  </a:ext>
+                </a:extLst>
+              </a:blip>
+              <a:stretch>
+                <a:fillRect/>
+              </a:stretch>
+            </p:blipFill>
+            <p:spPr>
+              <a:xfrm rot="19665724">
+                <a:off x="2314325" y="767352"/>
+                <a:ext cx="430379" cy="315392"/>
+              </a:xfrm>
+              <a:prstGeom prst="rect">
+                <a:avLst/>
+              </a:prstGeom>
+            </p:spPr>
+          </p:pic>
+          <p:grpSp>
+            <p:nvGrpSpPr>
+              <p:cNvPr id="7" name="Groupe 6"/>
+              <p:cNvGrpSpPr/>
+              <p:nvPr/>
+            </p:nvGrpSpPr>
+            <p:grpSpPr>
+              <a:xfrm>
+                <a:off x="3060545" y="540783"/>
+                <a:ext cx="614346" cy="614346"/>
+                <a:chOff x="3154649" y="606659"/>
+                <a:chExt cx="614346" cy="614346"/>
+              </a:xfrm>
+            </p:grpSpPr>
+            <p:pic>
+              <p:nvPicPr>
+                <p:cNvPr id="9" name="Image 8"/>
+                <p:cNvPicPr>
+                  <a:picLocks noChangeAspect="1"/>
+                </p:cNvPicPr>
+                <p:nvPr/>
+              </p:nvPicPr>
+              <p:blipFill>
+                <a:blip r:embed="rId9" cstate="print">
+                  <a:extLst>
+                    <a:ext uri="{28A0092B-C50C-407E-A947-70E740481C1C}">
+                      <a14:useLocalDpi xmlns:a14="http://schemas.microsoft.com/office/drawing/2010/main" val="0"/>
+                    </a:ext>
+                  </a:extLst>
+                </a:blip>
+                <a:stretch>
+                  <a:fillRect/>
+                </a:stretch>
+              </p:blipFill>
+              <p:spPr>
+                <a:xfrm>
+                  <a:off x="3154649" y="606659"/>
+                  <a:ext cx="614346" cy="614346"/>
+                </a:xfrm>
+                <a:prstGeom prst="rect">
+                  <a:avLst/>
+                </a:prstGeom>
+              </p:spPr>
+            </p:pic>
+            <p:pic>
+              <p:nvPicPr>
+                <p:cNvPr id="10" name="Image 9"/>
+                <p:cNvPicPr>
+                  <a:picLocks noChangeAspect="1"/>
+                </p:cNvPicPr>
+                <p:nvPr/>
+              </p:nvPicPr>
+              <p:blipFill>
+                <a:blip r:embed="rId10" cstate="print">
+                  <a:biLevel thresh="50000"/>
+                  <a:extLst>
+                    <a:ext uri="{28A0092B-C50C-407E-A947-70E740481C1C}">
+                      <a14:useLocalDpi xmlns:a14="http://schemas.microsoft.com/office/drawing/2010/main" val="0"/>
+                    </a:ext>
+                  </a:extLst>
+                </a:blip>
+                <a:stretch>
+                  <a:fillRect/>
+                </a:stretch>
+              </p:blipFill>
+              <p:spPr>
+                <a:xfrm rot="10800000">
+                  <a:off x="3302801" y="937657"/>
+                  <a:ext cx="309397" cy="281242"/>
+                </a:xfrm>
+                <a:prstGeom prst="rect">
+                  <a:avLst/>
+                </a:prstGeom>
+              </p:spPr>
+            </p:pic>
+          </p:grpSp>
+          <p:pic>
+            <p:nvPicPr>
+              <p:cNvPr id="8" name="Image 7"/>
+              <p:cNvPicPr>
+                <a:picLocks noChangeAspect="1"/>
+              </p:cNvPicPr>
+              <p:nvPr/>
+            </p:nvPicPr>
+            <p:blipFill rotWithShape="1">
+              <a:blip r:embed="rId11" cstate="print">
+                <a:extLst>
+                  <a:ext uri="{BEBA8EAE-BF5A-486C-A8C5-ECC9F3942E4B}">
+                    <a14:imgProps xmlns:a14="http://schemas.microsoft.com/office/drawing/2010/main">
+                      <a14:imgLayer r:embed="rId12">
+                        <a14:imgEffect>
+                          <a14:backgroundRemoval t="8121" b="90000" l="10000" r="90000">
+                            <a14:foregroundMark x1="36121" y1="24000" x2="36121" y2="24000"/>
+                            <a14:foregroundMark x1="54667" y1="21091" x2="54667" y2="21091"/>
+                          </a14:backgroundRemoval>
+                        </a14:imgEffect>
+                      </a14:imgLayer>
+                    </a14:imgProps>
+                  </a:ext>
+                  <a:ext uri="{28A0092B-C50C-407E-A947-70E740481C1C}">
+                    <a14:useLocalDpi xmlns:a14="http://schemas.microsoft.com/office/drawing/2010/main" val="0"/>
+                  </a:ext>
+                </a:extLst>
+              </a:blip>
+              <a:srcRect b="48094"/>
+              <a:stretch/>
+            </p:blipFill>
+            <p:spPr>
+              <a:xfrm>
+                <a:off x="1310203" y="640227"/>
+                <a:ext cx="804193" cy="417423"/>
+              </a:xfrm>
+              <a:prstGeom prst="rect">
+                <a:avLst/>
+              </a:prstGeom>
+            </p:spPr>
+          </p:pic>
+        </p:grpSp>
+        <p:sp>
+          <p:nvSpPr>
+            <p:cNvPr id="61" name="ZoneTexte 60"/>
+            <p:cNvSpPr txBox="1"/>
+            <p:nvPr/>
+          </p:nvSpPr>
+          <p:spPr>
+            <a:xfrm rot="3029229">
+              <a:off x="7457157" y="1863778"/>
+              <a:ext cx="1211355" cy="215444"/>
+            </a:xfrm>
+            <a:prstGeom prst="rect">
+              <a:avLst/>
+            </a:prstGeom>
+            <a:noFill/>
+          </p:spPr>
+          <p:txBody>
+            <a:bodyPr wrap="square" rtlCol="0">
+              <a:spAutoFit/>
+            </a:bodyPr>
+            <a:lstStyle/>
+            <a:p>
+              <a:r>
+                <a:rPr lang="fr-FR" sz="800" i="1" dirty="0" err="1" smtClean="0">
+                  <a:latin typeface="Arial" panose="020B0604020202020204" pitchFamily="34" charset="0"/>
+                  <a:cs typeface="Arial" panose="020B0604020202020204" pitchFamily="34" charset="0"/>
+                </a:rPr>
+                <a:t>Loyaulty</a:t>
+              </a:r>
+              <a:r>
+                <a:rPr lang="fr-FR" sz="800" i="1" dirty="0" smtClean="0">
+                  <a:latin typeface="Arial" panose="020B0604020202020204" pitchFamily="34" charset="0"/>
+                  <a:cs typeface="Arial" panose="020B0604020202020204" pitchFamily="34" charset="0"/>
+                </a:rPr>
+                <a:t> </a:t>
+              </a:r>
+              <a:r>
+                <a:rPr lang="fr-FR" sz="800" i="1" dirty="0" err="1" smtClean="0">
+                  <a:latin typeface="Arial" panose="020B0604020202020204" pitchFamily="34" charset="0"/>
+                  <a:cs typeface="Arial" panose="020B0604020202020204" pitchFamily="34" charset="0"/>
+                </a:rPr>
+                <a:t>island</a:t>
+              </a:r>
+              <a:r>
+                <a:rPr lang="fr-FR" sz="800" i="1" dirty="0" smtClean="0">
+                  <a:latin typeface="Arial" panose="020B0604020202020204" pitchFamily="34" charset="0"/>
+                  <a:cs typeface="Arial" panose="020B0604020202020204" pitchFamily="34" charset="0"/>
+                </a:rPr>
+                <a:t> </a:t>
+              </a:r>
+              <a:r>
+                <a:rPr lang="fr-FR" sz="800" i="1" dirty="0" err="1" smtClean="0">
+                  <a:latin typeface="Arial" panose="020B0604020202020204" pitchFamily="34" charset="0"/>
+                  <a:cs typeface="Arial" panose="020B0604020202020204" pitchFamily="34" charset="0"/>
+                </a:rPr>
+                <a:t>ridge</a:t>
+              </a:r>
+              <a:endParaRPr lang="fr-FR" sz="800" i="1" dirty="0">
+                <a:latin typeface="Arial" panose="020B0604020202020204" pitchFamily="34" charset="0"/>
+                <a:cs typeface="Arial" panose="020B0604020202020204" pitchFamily="34" charset="0"/>
+              </a:endParaRPr>
+            </a:p>
+          </p:txBody>
+        </p:sp>
+        <p:sp>
+          <p:nvSpPr>
+            <p:cNvPr id="62" name="ZoneTexte 61"/>
+            <p:cNvSpPr txBox="1"/>
+            <p:nvPr/>
+          </p:nvSpPr>
+          <p:spPr>
+            <a:xfrm rot="1938884">
+              <a:off x="5831096" y="1493941"/>
+              <a:ext cx="799154" cy="215444"/>
+            </a:xfrm>
+            <a:prstGeom prst="rect">
+              <a:avLst/>
+            </a:prstGeom>
+            <a:noFill/>
+          </p:spPr>
+          <p:txBody>
+            <a:bodyPr wrap="square" rtlCol="0">
+              <a:spAutoFit/>
+            </a:bodyPr>
+            <a:lstStyle/>
+            <a:p>
+              <a:r>
+                <a:rPr lang="fr-FR" sz="800" i="1" dirty="0" smtClean="0">
+                  <a:latin typeface="Arial" panose="020B0604020202020204" pitchFamily="34" charset="0"/>
+                  <a:cs typeface="Arial" panose="020B0604020202020204" pitchFamily="34" charset="0"/>
+                </a:rPr>
+                <a:t>Fairway </a:t>
+              </a:r>
+              <a:r>
+                <a:rPr lang="fr-FR" sz="800" i="1" dirty="0" err="1" smtClean="0">
+                  <a:latin typeface="Arial" panose="020B0604020202020204" pitchFamily="34" charset="0"/>
+                  <a:cs typeface="Arial" panose="020B0604020202020204" pitchFamily="34" charset="0"/>
+                </a:rPr>
+                <a:t>ridge</a:t>
+              </a:r>
+              <a:endParaRPr lang="fr-FR" sz="800" i="1" dirty="0">
+                <a:latin typeface="Arial" panose="020B0604020202020204" pitchFamily="34" charset="0"/>
+                <a:cs typeface="Arial" panose="020B0604020202020204" pitchFamily="34" charset="0"/>
+              </a:endParaRPr>
+            </a:p>
+          </p:txBody>
+        </p:sp>
+        <p:sp>
+          <p:nvSpPr>
+            <p:cNvPr id="63" name="ZoneTexte 62"/>
+            <p:cNvSpPr txBox="1"/>
+            <p:nvPr/>
+          </p:nvSpPr>
+          <p:spPr>
+            <a:xfrm rot="4077008">
+              <a:off x="7044304" y="2343567"/>
+              <a:ext cx="799154" cy="215444"/>
+            </a:xfrm>
+            <a:prstGeom prst="rect">
+              <a:avLst/>
+            </a:prstGeom>
+            <a:noFill/>
+          </p:spPr>
+          <p:txBody>
+            <a:bodyPr wrap="square" rtlCol="0">
+              <a:spAutoFit/>
+            </a:bodyPr>
+            <a:lstStyle/>
+            <a:p>
+              <a:r>
+                <a:rPr lang="fr-FR" sz="800" i="1" dirty="0" smtClean="0">
+                  <a:latin typeface="Arial" panose="020B0604020202020204" pitchFamily="34" charset="0"/>
+                  <a:cs typeface="Arial" panose="020B0604020202020204" pitchFamily="34" charset="0"/>
+                </a:rPr>
+                <a:t>Norfolk</a:t>
+              </a:r>
+              <a:r>
+                <a:rPr lang="fr-FR" sz="800" i="1" dirty="0" smtClean="0">
+                  <a:latin typeface="Arial" panose="020B0604020202020204" pitchFamily="34" charset="0"/>
+                  <a:cs typeface="Arial" panose="020B0604020202020204" pitchFamily="34" charset="0"/>
+                </a:rPr>
+                <a:t> </a:t>
+              </a:r>
+              <a:r>
+                <a:rPr lang="fr-FR" sz="800" i="1" dirty="0" err="1" smtClean="0">
+                  <a:latin typeface="Arial" panose="020B0604020202020204" pitchFamily="34" charset="0"/>
+                  <a:cs typeface="Arial" panose="020B0604020202020204" pitchFamily="34" charset="0"/>
+                </a:rPr>
+                <a:t>ridge</a:t>
+              </a:r>
+              <a:endParaRPr lang="fr-FR" sz="800" i="1" dirty="0">
+                <a:latin typeface="Arial" panose="020B0604020202020204" pitchFamily="34" charset="0"/>
+                <a:cs typeface="Arial" panose="020B0604020202020204" pitchFamily="34" charset="0"/>
+              </a:endParaRPr>
+            </a:p>
+          </p:txBody>
+        </p:sp>
+        <p:sp>
+          <p:nvSpPr>
+            <p:cNvPr id="64" name="ZoneTexte 63"/>
+            <p:cNvSpPr txBox="1"/>
+            <p:nvPr/>
+          </p:nvSpPr>
+          <p:spPr>
+            <a:xfrm rot="4077008">
+              <a:off x="4797657" y="1971404"/>
+              <a:ext cx="990040" cy="215444"/>
+            </a:xfrm>
+            <a:prstGeom prst="rect">
+              <a:avLst/>
+            </a:prstGeom>
+            <a:noFill/>
+          </p:spPr>
+          <p:txBody>
+            <a:bodyPr wrap="square" rtlCol="0">
+              <a:spAutoFit/>
+            </a:bodyPr>
+            <a:lstStyle/>
+            <a:p>
+              <a:r>
+                <a:rPr lang="fr-FR" sz="800" i="1" dirty="0" smtClean="0">
+                  <a:latin typeface="Arial" panose="020B0604020202020204" pitchFamily="34" charset="0"/>
+                  <a:cs typeface="Arial" panose="020B0604020202020204" pitchFamily="34" charset="0"/>
+                </a:rPr>
+                <a:t>Lord Howe</a:t>
+              </a:r>
+              <a:r>
+                <a:rPr lang="fr-FR" sz="800" i="1" dirty="0" smtClean="0">
+                  <a:latin typeface="Arial" panose="020B0604020202020204" pitchFamily="34" charset="0"/>
+                  <a:cs typeface="Arial" panose="020B0604020202020204" pitchFamily="34" charset="0"/>
+                </a:rPr>
+                <a:t> </a:t>
+              </a:r>
+              <a:r>
+                <a:rPr lang="fr-FR" sz="800" i="1" dirty="0" err="1" smtClean="0">
+                  <a:latin typeface="Arial" panose="020B0604020202020204" pitchFamily="34" charset="0"/>
+                  <a:cs typeface="Arial" panose="020B0604020202020204" pitchFamily="34" charset="0"/>
+                </a:rPr>
+                <a:t>ridge</a:t>
+              </a:r>
+              <a:endParaRPr lang="fr-FR" sz="800" i="1" dirty="0">
+                <a:latin typeface="Arial" panose="020B0604020202020204" pitchFamily="34" charset="0"/>
+                <a:cs typeface="Arial" panose="020B0604020202020204" pitchFamily="34" charset="0"/>
+              </a:endParaRPr>
+            </a:p>
+          </p:txBody>
+        </p:sp>
+      </p:grpSp>
+    </p:spTree>
+    <p:extLst>
+      <p:ext uri="{BB962C8B-B14F-4D97-AF65-F5344CB8AC3E}">
+        <p14:creationId xmlns:p14="http://schemas.microsoft.com/office/powerpoint/2010/main" val="319988118"/>
+      </p:ext>
+    </p:extLst>
+  </p:cSld>
+  <p:clrMapOvr>
+    <a:masterClrMapping/>
+  </p:clrMapOvr>
+</p:sld>
+</file>
+
 <file path=ppt/theme/theme1.xml><?xml version="1.0" encoding="utf-8"?>
 <a:theme xmlns:a="http://schemas.openxmlformats.org/drawingml/2006/main" name="Thème Office">
   <a:themeElements>

--- a/06_Figures/Figures.pptx
+++ b/06_Figures/Figures.pptx
@@ -9,6 +9,7 @@
     <p:sldId id="257" r:id="rId3"/>
     <p:sldId id="259" r:id="rId4"/>
     <p:sldId id="260" r:id="rId5"/>
+    <p:sldId id="261" r:id="rId6"/>
   </p:sldIdLst>
   <p:sldSz cx="9144000" cy="6858000" type="screen4x3"/>
   <p:notesSz cx="6858000" cy="9144000"/>
@@ -8016,14 +8017,7 @@
                   <a:latin typeface="Arial" panose="020B0604020202020204" pitchFamily="34" charset="0"/>
                   <a:cs typeface="Arial" panose="020B0604020202020204" pitchFamily="34" charset="0"/>
                 </a:rPr>
-                <a:t>Norfolk</a:t>
-              </a:r>
-              <a:r>
-                <a:rPr lang="fr-FR" sz="800" i="1" dirty="0" smtClean="0">
-                  <a:latin typeface="Arial" panose="020B0604020202020204" pitchFamily="34" charset="0"/>
-                  <a:cs typeface="Arial" panose="020B0604020202020204" pitchFamily="34" charset="0"/>
-                </a:rPr>
-                <a:t> </a:t>
+                <a:t>Norfolk </a:t>
               </a:r>
               <a:r>
                 <a:rPr lang="fr-FR" sz="800" i="1" dirty="0" err="1" smtClean="0">
@@ -8066,14 +8060,7 @@
                   <a:latin typeface="Arial" panose="020B0604020202020204" pitchFamily="34" charset="0"/>
                   <a:cs typeface="Arial" panose="020B0604020202020204" pitchFamily="34" charset="0"/>
                 </a:rPr>
-                <a:t>Lord Howe</a:t>
-              </a:r>
-              <a:r>
-                <a:rPr lang="fr-FR" sz="800" i="1" dirty="0" smtClean="0">
-                  <a:latin typeface="Arial" panose="020B0604020202020204" pitchFamily="34" charset="0"/>
-                  <a:cs typeface="Arial" panose="020B0604020202020204" pitchFamily="34" charset="0"/>
-                </a:rPr>
-                <a:t> </a:t>
+                <a:t>Lord Howe </a:t>
               </a:r>
               <a:r>
                 <a:rPr lang="fr-FR" sz="800" i="1" dirty="0" err="1" smtClean="0">
@@ -8094,6 +8081,1712 @@
     <p:extLst>
       <p:ext uri="{BB962C8B-B14F-4D97-AF65-F5344CB8AC3E}">
         <p14:creationId xmlns:p14="http://schemas.microsoft.com/office/powerpoint/2010/main" val="319988118"/>
+      </p:ext>
+    </p:extLst>
+  </p:cSld>
+  <p:clrMapOvr>
+    <a:masterClrMapping/>
+  </p:clrMapOvr>
+</p:sld>
+</file>
+
+<file path=ppt/slides/slide5.xml><?xml version="1.0" encoding="utf-8"?>
+<p:sld xmlns:a="http://schemas.openxmlformats.org/drawingml/2006/main" xmlns:r="http://schemas.openxmlformats.org/officeDocument/2006/relationships" xmlns:p="http://schemas.openxmlformats.org/presentationml/2006/main">
+  <p:cSld>
+    <p:spTree>
+      <p:nvGrpSpPr>
+        <p:cNvPr id="1" name=""/>
+        <p:cNvGrpSpPr/>
+        <p:nvPr/>
+      </p:nvGrpSpPr>
+      <p:grpSpPr>
+        <a:xfrm>
+          <a:off x="0" y="0"/>
+          <a:ext cx="0" cy="0"/>
+          <a:chOff x="0" y="0"/>
+          <a:chExt cx="0" cy="0"/>
+        </a:xfrm>
+      </p:grpSpPr>
+      <p:grpSp>
+        <p:nvGrpSpPr>
+          <p:cNvPr id="8" name="Groupe 7"/>
+          <p:cNvGrpSpPr/>
+          <p:nvPr/>
+        </p:nvGrpSpPr>
+        <p:grpSpPr>
+          <a:xfrm>
+            <a:off x="0" y="343814"/>
+            <a:ext cx="6203288" cy="6166547"/>
+            <a:chOff x="0" y="343814"/>
+            <a:chExt cx="6203288" cy="6166547"/>
+          </a:xfrm>
+        </p:grpSpPr>
+        <p:pic>
+          <p:nvPicPr>
+            <p:cNvPr id="4" name="Image 3"/>
+            <p:cNvPicPr>
+              <a:picLocks noChangeAspect="1"/>
+            </p:cNvPicPr>
+            <p:nvPr/>
+          </p:nvPicPr>
+          <p:blipFill rotWithShape="1">
+            <a:blip r:embed="rId2">
+              <a:extLst>
+                <a:ext uri="{28A0092B-C50C-407E-A947-70E740481C1C}">
+                  <a14:useLocalDpi xmlns:a14="http://schemas.microsoft.com/office/drawing/2010/main" val="0"/>
+                </a:ext>
+              </a:extLst>
+            </a:blip>
+            <a:srcRect l="23252" t="23484"/>
+            <a:stretch/>
+          </p:blipFill>
+          <p:spPr>
+            <a:xfrm>
+              <a:off x="1631289" y="1784908"/>
+              <a:ext cx="4571999" cy="4725453"/>
+            </a:xfrm>
+            <a:prstGeom prst="rect">
+              <a:avLst/>
+            </a:prstGeom>
+          </p:spPr>
+        </p:pic>
+        <p:sp>
+          <p:nvSpPr>
+            <p:cNvPr id="5" name="ZoneTexte 4"/>
+            <p:cNvSpPr txBox="1"/>
+            <p:nvPr/>
+          </p:nvSpPr>
+          <p:spPr>
+            <a:xfrm>
+              <a:off x="0" y="2574951"/>
+              <a:ext cx="1762963" cy="3559949"/>
+            </a:xfrm>
+            <a:prstGeom prst="rect">
+              <a:avLst/>
+            </a:prstGeom>
+            <a:noFill/>
+          </p:spPr>
+          <p:txBody>
+            <a:bodyPr wrap="square" rtlCol="0">
+              <a:spAutoFit/>
+            </a:bodyPr>
+            <a:lstStyle/>
+            <a:p>
+              <a:pPr algn="r">
+                <a:spcBef>
+                  <a:spcPts val="100"/>
+                </a:spcBef>
+              </a:pPr>
+              <a:r>
+                <a:rPr lang="fr-FR" sz="900" b="1" i="1" dirty="0" err="1" smtClean="0">
+                  <a:solidFill>
+                    <a:schemeClr val="accent6">
+                      <a:lumMod val="75000"/>
+                    </a:schemeClr>
+                  </a:solidFill>
+                </a:rPr>
+                <a:t>Bodianus</a:t>
+              </a:r>
+              <a:r>
+                <a:rPr lang="fr-FR" sz="900" b="1" i="1" dirty="0" smtClean="0">
+                  <a:solidFill>
+                    <a:schemeClr val="accent6">
+                      <a:lumMod val="75000"/>
+                    </a:schemeClr>
+                  </a:solidFill>
+                </a:rPr>
+                <a:t> </a:t>
+              </a:r>
+              <a:r>
+                <a:rPr lang="fr-FR" sz="900" b="1" i="1" dirty="0" err="1" smtClean="0">
+                  <a:solidFill>
+                    <a:schemeClr val="accent6">
+                      <a:lumMod val="75000"/>
+                    </a:schemeClr>
+                  </a:solidFill>
+                </a:rPr>
+                <a:t>bimaculatus</a:t>
+              </a:r>
+              <a:endParaRPr lang="fr-FR" sz="900" b="1" i="1" dirty="0" smtClean="0">
+                <a:solidFill>
+                  <a:schemeClr val="accent6">
+                    <a:lumMod val="75000"/>
+                  </a:schemeClr>
+                </a:solidFill>
+              </a:endParaRPr>
+            </a:p>
+            <a:p>
+              <a:pPr algn="r">
+                <a:spcBef>
+                  <a:spcPts val="100"/>
+                </a:spcBef>
+              </a:pPr>
+              <a:r>
+                <a:rPr lang="fr-FR" sz="900" b="1" i="1" dirty="0" err="1" smtClean="0">
+                  <a:solidFill>
+                    <a:schemeClr val="accent6">
+                      <a:lumMod val="75000"/>
+                    </a:schemeClr>
+                  </a:solidFill>
+                </a:rPr>
+                <a:t>Gymnosarda</a:t>
+              </a:r>
+              <a:r>
+                <a:rPr lang="fr-FR" sz="900" b="1" i="1" dirty="0" smtClean="0">
+                  <a:solidFill>
+                    <a:schemeClr val="accent6">
+                      <a:lumMod val="75000"/>
+                    </a:schemeClr>
+                  </a:solidFill>
+                </a:rPr>
+                <a:t> </a:t>
+              </a:r>
+              <a:r>
+                <a:rPr lang="fr-FR" sz="900" b="1" i="1" dirty="0" err="1" smtClean="0">
+                  <a:solidFill>
+                    <a:schemeClr val="accent6">
+                      <a:lumMod val="75000"/>
+                    </a:schemeClr>
+                  </a:solidFill>
+                </a:rPr>
+                <a:t>unicolor</a:t>
+              </a:r>
+              <a:endParaRPr lang="fr-FR" sz="900" b="1" i="1" dirty="0" smtClean="0">
+                <a:solidFill>
+                  <a:schemeClr val="accent6">
+                    <a:lumMod val="75000"/>
+                  </a:schemeClr>
+                </a:solidFill>
+              </a:endParaRPr>
+            </a:p>
+            <a:p>
+              <a:pPr algn="r">
+                <a:spcBef>
+                  <a:spcPts val="100"/>
+                </a:spcBef>
+              </a:pPr>
+              <a:r>
+                <a:rPr lang="fr-FR" sz="900" b="1" i="1" dirty="0" smtClean="0">
+                  <a:solidFill>
+                    <a:schemeClr val="accent6">
+                      <a:lumMod val="75000"/>
+                    </a:schemeClr>
+                  </a:solidFill>
+                </a:rPr>
+                <a:t>Carcharhinus albimarginatus</a:t>
+              </a:r>
+            </a:p>
+            <a:p>
+              <a:pPr algn="r">
+                <a:spcBef>
+                  <a:spcPts val="100"/>
+                </a:spcBef>
+              </a:pPr>
+              <a:r>
+                <a:rPr lang="fr-FR" sz="900" b="1" i="1" dirty="0" err="1" smtClean="0">
+                  <a:solidFill>
+                    <a:schemeClr val="accent6">
+                      <a:lumMod val="75000"/>
+                    </a:schemeClr>
+                  </a:solidFill>
+                </a:rPr>
+                <a:t>Epinephelus</a:t>
+              </a:r>
+              <a:r>
+                <a:rPr lang="fr-FR" sz="900" b="1" i="1" dirty="0" smtClean="0">
+                  <a:solidFill>
+                    <a:schemeClr val="accent6">
+                      <a:lumMod val="75000"/>
+                    </a:schemeClr>
+                  </a:solidFill>
+                </a:rPr>
+                <a:t> </a:t>
+              </a:r>
+              <a:r>
+                <a:rPr lang="fr-FR" sz="900" b="1" i="1" dirty="0" err="1" smtClean="0">
+                  <a:solidFill>
+                    <a:schemeClr val="accent6">
+                      <a:lumMod val="75000"/>
+                    </a:schemeClr>
+                  </a:solidFill>
+                </a:rPr>
+                <a:t>morrhua</a:t>
+              </a:r>
+              <a:endParaRPr lang="fr-FR" sz="900" b="1" i="1" dirty="0" smtClean="0">
+                <a:solidFill>
+                  <a:schemeClr val="accent6">
+                    <a:lumMod val="75000"/>
+                  </a:schemeClr>
+                </a:solidFill>
+              </a:endParaRPr>
+            </a:p>
+            <a:p>
+              <a:pPr algn="r">
+                <a:spcBef>
+                  <a:spcPts val="100"/>
+                </a:spcBef>
+              </a:pPr>
+              <a:r>
+                <a:rPr lang="fr-FR" sz="900" b="1" i="1" dirty="0" err="1" smtClean="0">
+                  <a:solidFill>
+                    <a:schemeClr val="accent6">
+                      <a:lumMod val="75000"/>
+                    </a:schemeClr>
+                  </a:solidFill>
+                </a:rPr>
+                <a:t>Epinephelus</a:t>
+              </a:r>
+              <a:r>
+                <a:rPr lang="fr-FR" sz="900" b="1" i="1" dirty="0" smtClean="0">
+                  <a:solidFill>
+                    <a:schemeClr val="accent6">
+                      <a:lumMod val="75000"/>
+                    </a:schemeClr>
+                  </a:solidFill>
+                </a:rPr>
+                <a:t> </a:t>
+              </a:r>
+              <a:r>
+                <a:rPr lang="fr-FR" sz="900" b="1" i="1" dirty="0" err="1" smtClean="0">
+                  <a:solidFill>
+                    <a:schemeClr val="accent6">
+                      <a:lumMod val="75000"/>
+                    </a:schemeClr>
+                  </a:solidFill>
+                </a:rPr>
+                <a:t>chlorostigma</a:t>
+              </a:r>
+              <a:endParaRPr lang="fr-FR" sz="900" b="1" i="1" dirty="0" smtClean="0">
+                <a:solidFill>
+                  <a:schemeClr val="accent6">
+                    <a:lumMod val="75000"/>
+                  </a:schemeClr>
+                </a:solidFill>
+              </a:endParaRPr>
+            </a:p>
+            <a:p>
+              <a:pPr algn="r">
+                <a:spcBef>
+                  <a:spcPts val="100"/>
+                </a:spcBef>
+              </a:pPr>
+              <a:r>
+                <a:rPr lang="fr-FR" sz="900" b="1" i="1" dirty="0" smtClean="0">
+                  <a:solidFill>
+                    <a:schemeClr val="accent6">
+                      <a:lumMod val="75000"/>
+                    </a:schemeClr>
+                  </a:solidFill>
+                </a:rPr>
+                <a:t>Pristipomoides </a:t>
+              </a:r>
+              <a:r>
+                <a:rPr lang="fr-FR" sz="900" b="1" i="1" dirty="0" err="1" smtClean="0">
+                  <a:solidFill>
+                    <a:schemeClr val="accent6">
+                      <a:lumMod val="75000"/>
+                    </a:schemeClr>
+                  </a:solidFill>
+                </a:rPr>
+                <a:t>flavipinnis</a:t>
+              </a:r>
+              <a:endParaRPr lang="fr-FR" sz="900" b="1" i="1" dirty="0" smtClean="0">
+                <a:solidFill>
+                  <a:schemeClr val="accent6">
+                    <a:lumMod val="75000"/>
+                  </a:schemeClr>
+                </a:solidFill>
+              </a:endParaRPr>
+            </a:p>
+            <a:p>
+              <a:pPr algn="r">
+                <a:spcBef>
+                  <a:spcPts val="100"/>
+                </a:spcBef>
+              </a:pPr>
+              <a:r>
+                <a:rPr lang="fr-FR" sz="900" b="1" i="1" dirty="0" err="1" smtClean="0">
+                  <a:solidFill>
+                    <a:schemeClr val="accent6">
+                      <a:lumMod val="75000"/>
+                    </a:schemeClr>
+                  </a:solidFill>
+                </a:rPr>
+                <a:t>Aphareus</a:t>
+              </a:r>
+              <a:r>
+                <a:rPr lang="fr-FR" sz="900" b="1" i="1" dirty="0" smtClean="0">
+                  <a:solidFill>
+                    <a:schemeClr val="accent6">
+                      <a:lumMod val="75000"/>
+                    </a:schemeClr>
+                  </a:solidFill>
+                </a:rPr>
+                <a:t> </a:t>
+              </a:r>
+              <a:r>
+                <a:rPr lang="fr-FR" sz="900" b="1" i="1" dirty="0" err="1" smtClean="0">
+                  <a:solidFill>
+                    <a:schemeClr val="accent6">
+                      <a:lumMod val="75000"/>
+                    </a:schemeClr>
+                  </a:solidFill>
+                </a:rPr>
+                <a:t>rutilans</a:t>
+              </a:r>
+              <a:endParaRPr lang="fr-FR" sz="900" b="1" i="1" dirty="0" smtClean="0">
+                <a:solidFill>
+                  <a:schemeClr val="accent6">
+                    <a:lumMod val="75000"/>
+                  </a:schemeClr>
+                </a:solidFill>
+              </a:endParaRPr>
+            </a:p>
+            <a:p>
+              <a:pPr algn="r">
+                <a:spcBef>
+                  <a:spcPts val="100"/>
+                </a:spcBef>
+              </a:pPr>
+              <a:r>
+                <a:rPr lang="fr-FR" sz="900" b="1" i="1" dirty="0" err="1" smtClean="0">
+                  <a:solidFill>
+                    <a:schemeClr val="accent6">
+                      <a:lumMod val="75000"/>
+                    </a:schemeClr>
+                  </a:solidFill>
+                </a:rPr>
+                <a:t>Wattsia</a:t>
+              </a:r>
+              <a:r>
+                <a:rPr lang="fr-FR" sz="900" b="1" i="1" dirty="0" smtClean="0">
+                  <a:solidFill>
+                    <a:schemeClr val="accent6">
+                      <a:lumMod val="75000"/>
+                    </a:schemeClr>
+                  </a:solidFill>
+                </a:rPr>
+                <a:t> </a:t>
+              </a:r>
+              <a:r>
+                <a:rPr lang="fr-FR" sz="900" b="1" i="1" dirty="0" err="1" smtClean="0">
+                  <a:solidFill>
+                    <a:schemeClr val="accent6">
+                      <a:lumMod val="75000"/>
+                    </a:schemeClr>
+                  </a:solidFill>
+                </a:rPr>
+                <a:t>mossambica</a:t>
+              </a:r>
+              <a:endParaRPr lang="fr-FR" sz="900" b="1" i="1" dirty="0" smtClean="0">
+                <a:solidFill>
+                  <a:schemeClr val="accent6">
+                    <a:lumMod val="75000"/>
+                  </a:schemeClr>
+                </a:solidFill>
+              </a:endParaRPr>
+            </a:p>
+            <a:p>
+              <a:pPr algn="r">
+                <a:spcBef>
+                  <a:spcPts val="100"/>
+                </a:spcBef>
+              </a:pPr>
+              <a:r>
+                <a:rPr lang="fr-FR" sz="900" b="1" i="1" dirty="0" smtClean="0">
+                  <a:solidFill>
+                    <a:schemeClr val="accent6">
+                      <a:lumMod val="75000"/>
+                    </a:schemeClr>
+                  </a:solidFill>
+                </a:rPr>
+                <a:t>Seriola rivoliana</a:t>
+              </a:r>
+            </a:p>
+            <a:p>
+              <a:pPr algn="r">
+                <a:spcBef>
+                  <a:spcPts val="100"/>
+                </a:spcBef>
+              </a:pPr>
+              <a:r>
+                <a:rPr lang="fr-FR" sz="900" b="1" i="1" dirty="0" smtClean="0">
+                  <a:solidFill>
+                    <a:schemeClr val="accent6">
+                      <a:lumMod val="75000"/>
+                    </a:schemeClr>
+                  </a:solidFill>
+                </a:rPr>
+                <a:t>Pristipomoides filamentosus</a:t>
+              </a:r>
+            </a:p>
+            <a:p>
+              <a:pPr algn="r">
+                <a:spcBef>
+                  <a:spcPts val="100"/>
+                </a:spcBef>
+              </a:pPr>
+              <a:r>
+                <a:rPr lang="fr-FR" sz="900" b="1" i="1" dirty="0" smtClean="0">
+                  <a:solidFill>
+                    <a:schemeClr val="accent5"/>
+                  </a:solidFill>
+                </a:rPr>
+                <a:t>Gymnocranius euanus</a:t>
+              </a:r>
+            </a:p>
+            <a:p>
+              <a:pPr algn="r">
+                <a:spcBef>
+                  <a:spcPts val="100"/>
+                </a:spcBef>
+              </a:pPr>
+              <a:r>
+                <a:rPr lang="fr-FR" sz="900" b="1" i="1" dirty="0" err="1" smtClean="0">
+                  <a:solidFill>
+                    <a:schemeClr val="accent5"/>
+                  </a:solidFill>
+                </a:rPr>
+                <a:t>Lethrinus</a:t>
+              </a:r>
+              <a:r>
+                <a:rPr lang="fr-FR" sz="900" b="1" i="1" dirty="0" smtClean="0">
+                  <a:solidFill>
+                    <a:schemeClr val="accent5"/>
+                  </a:solidFill>
+                </a:rPr>
+                <a:t> </a:t>
+              </a:r>
+              <a:r>
+                <a:rPr lang="fr-FR" sz="900" b="1" i="1" dirty="0" err="1" smtClean="0">
+                  <a:solidFill>
+                    <a:schemeClr val="accent5"/>
+                  </a:solidFill>
+                </a:rPr>
+                <a:t>miniatus</a:t>
+              </a:r>
+              <a:endParaRPr lang="fr-FR" sz="900" b="1" i="1" dirty="0" smtClean="0">
+                <a:solidFill>
+                  <a:schemeClr val="accent5"/>
+                </a:solidFill>
+              </a:endParaRPr>
+            </a:p>
+            <a:p>
+              <a:pPr algn="r">
+                <a:spcBef>
+                  <a:spcPts val="100"/>
+                </a:spcBef>
+              </a:pPr>
+              <a:r>
+                <a:rPr lang="fr-FR" sz="900" b="1" i="1" dirty="0" err="1" smtClean="0">
+                  <a:solidFill>
+                    <a:schemeClr val="accent5"/>
+                  </a:solidFill>
+                </a:rPr>
+                <a:t>Aprion</a:t>
+              </a:r>
+              <a:r>
+                <a:rPr lang="fr-FR" sz="900" b="1" i="1" dirty="0" smtClean="0">
+                  <a:solidFill>
+                    <a:schemeClr val="accent5"/>
+                  </a:solidFill>
+                </a:rPr>
+                <a:t> </a:t>
+              </a:r>
+              <a:r>
+                <a:rPr lang="fr-FR" sz="900" b="1" i="1" dirty="0" err="1" smtClean="0">
+                  <a:solidFill>
+                    <a:schemeClr val="accent5"/>
+                  </a:solidFill>
+                </a:rPr>
+                <a:t>virescens</a:t>
+              </a:r>
+              <a:endParaRPr lang="fr-FR" sz="900" b="1" i="1" dirty="0" smtClean="0">
+                <a:solidFill>
+                  <a:schemeClr val="accent5"/>
+                </a:solidFill>
+              </a:endParaRPr>
+            </a:p>
+            <a:p>
+              <a:pPr algn="r">
+                <a:spcBef>
+                  <a:spcPts val="100"/>
+                </a:spcBef>
+              </a:pPr>
+              <a:r>
+                <a:rPr lang="fr-FR" sz="900" b="1" i="1" dirty="0" err="1" smtClean="0">
+                  <a:solidFill>
+                    <a:schemeClr val="accent5"/>
+                  </a:solidFill>
+                </a:rPr>
+                <a:t>Carangoides</a:t>
+              </a:r>
+              <a:r>
+                <a:rPr lang="fr-FR" sz="900" b="1" i="1" dirty="0" smtClean="0">
+                  <a:solidFill>
+                    <a:schemeClr val="accent5"/>
+                  </a:solidFill>
+                </a:rPr>
+                <a:t> </a:t>
+              </a:r>
+              <a:r>
+                <a:rPr lang="fr-FR" sz="900" b="1" i="1" dirty="0" err="1" smtClean="0">
+                  <a:solidFill>
+                    <a:schemeClr val="accent5"/>
+                  </a:solidFill>
+                </a:rPr>
+                <a:t>orthogrammus</a:t>
+              </a:r>
+              <a:endParaRPr lang="fr-FR" sz="900" b="1" i="1" dirty="0" smtClean="0">
+                <a:solidFill>
+                  <a:schemeClr val="accent5"/>
+                </a:solidFill>
+              </a:endParaRPr>
+            </a:p>
+            <a:p>
+              <a:pPr algn="r">
+                <a:spcBef>
+                  <a:spcPts val="100"/>
+                </a:spcBef>
+              </a:pPr>
+              <a:r>
+                <a:rPr lang="fr-FR" sz="900" b="1" i="1" dirty="0" err="1" smtClean="0">
+                  <a:solidFill>
+                    <a:schemeClr val="accent5"/>
+                  </a:solidFill>
+                </a:rPr>
+                <a:t>Pseudocaranx</a:t>
+              </a:r>
+              <a:r>
+                <a:rPr lang="fr-FR" sz="900" b="1" i="1" dirty="0" smtClean="0">
+                  <a:solidFill>
+                    <a:schemeClr val="accent5"/>
+                  </a:solidFill>
+                </a:rPr>
+                <a:t> </a:t>
+              </a:r>
+              <a:r>
+                <a:rPr lang="fr-FR" sz="900" b="1" i="1" dirty="0" err="1" smtClean="0">
+                  <a:solidFill>
+                    <a:schemeClr val="accent5"/>
+                  </a:solidFill>
+                </a:rPr>
+                <a:t>dentex</a:t>
+              </a:r>
+              <a:endParaRPr lang="fr-FR" sz="900" b="1" i="1" dirty="0" smtClean="0">
+                <a:solidFill>
+                  <a:schemeClr val="accent5"/>
+                </a:solidFill>
+              </a:endParaRPr>
+            </a:p>
+            <a:p>
+              <a:pPr algn="r">
+                <a:spcBef>
+                  <a:spcPts val="100"/>
+                </a:spcBef>
+              </a:pPr>
+              <a:r>
+                <a:rPr lang="fr-FR" sz="900" b="1" i="1" dirty="0" smtClean="0">
+                  <a:solidFill>
+                    <a:schemeClr val="accent5"/>
+                  </a:solidFill>
+                </a:rPr>
+                <a:t>Carcharhinus </a:t>
+              </a:r>
+              <a:r>
+                <a:rPr lang="fr-FR" sz="900" b="1" i="1" dirty="0" err="1" smtClean="0">
+                  <a:solidFill>
+                    <a:schemeClr val="accent5"/>
+                  </a:solidFill>
+                </a:rPr>
+                <a:t>plumbeus</a:t>
+              </a:r>
+              <a:endParaRPr lang="fr-FR" sz="900" b="1" i="1" dirty="0" smtClean="0">
+                <a:solidFill>
+                  <a:schemeClr val="accent5"/>
+                </a:solidFill>
+              </a:endParaRPr>
+            </a:p>
+            <a:p>
+              <a:pPr algn="r">
+                <a:spcBef>
+                  <a:spcPts val="100"/>
+                </a:spcBef>
+              </a:pPr>
+              <a:r>
+                <a:rPr lang="fr-FR" sz="900" b="1" i="1" dirty="0" err="1" smtClean="0">
+                  <a:solidFill>
+                    <a:schemeClr val="accent5"/>
+                  </a:solidFill>
+                </a:rPr>
+                <a:t>Lethrinus</a:t>
+              </a:r>
+              <a:r>
+                <a:rPr lang="fr-FR" sz="900" b="1" i="1" dirty="0" smtClean="0">
+                  <a:solidFill>
+                    <a:schemeClr val="accent5"/>
+                  </a:solidFill>
+                </a:rPr>
+                <a:t> </a:t>
+              </a:r>
+              <a:r>
+                <a:rPr lang="fr-FR" sz="900" b="1" i="1" dirty="0" err="1" smtClean="0">
+                  <a:solidFill>
+                    <a:schemeClr val="accent5"/>
+                  </a:solidFill>
+                </a:rPr>
+                <a:t>rubrioperculatus</a:t>
+              </a:r>
+              <a:endParaRPr lang="fr-FR" sz="900" b="1" i="1" dirty="0" smtClean="0">
+                <a:solidFill>
+                  <a:schemeClr val="accent5"/>
+                </a:solidFill>
+              </a:endParaRPr>
+            </a:p>
+            <a:p>
+              <a:pPr algn="r">
+                <a:spcBef>
+                  <a:spcPts val="100"/>
+                </a:spcBef>
+              </a:pPr>
+              <a:r>
+                <a:rPr lang="fr-FR" sz="900" b="1" i="1" dirty="0" err="1" smtClean="0">
+                  <a:solidFill>
+                    <a:srgbClr val="C00000"/>
+                  </a:solidFill>
+                </a:rPr>
+                <a:t>Polymixia</a:t>
+              </a:r>
+              <a:r>
+                <a:rPr lang="fr-FR" sz="900" b="1" i="1" dirty="0" smtClean="0">
+                  <a:solidFill>
+                    <a:srgbClr val="C00000"/>
+                  </a:solidFill>
+                </a:rPr>
+                <a:t> </a:t>
+              </a:r>
+              <a:r>
+                <a:rPr lang="fr-FR" sz="900" b="1" i="1" dirty="0" err="1" smtClean="0">
+                  <a:solidFill>
+                    <a:srgbClr val="C00000"/>
+                  </a:solidFill>
+                </a:rPr>
+                <a:t>japonica</a:t>
+              </a:r>
+              <a:endParaRPr lang="fr-FR" sz="900" b="1" i="1" dirty="0" smtClean="0">
+                <a:solidFill>
+                  <a:srgbClr val="C00000"/>
+                </a:solidFill>
+              </a:endParaRPr>
+            </a:p>
+            <a:p>
+              <a:pPr algn="r">
+                <a:spcBef>
+                  <a:spcPts val="100"/>
+                </a:spcBef>
+              </a:pPr>
+              <a:r>
+                <a:rPr lang="fr-FR" sz="900" b="1" i="1" dirty="0" err="1" smtClean="0">
+                  <a:solidFill>
+                    <a:srgbClr val="C00000"/>
+                  </a:solidFill>
+                </a:rPr>
+                <a:t>Squalus</a:t>
+              </a:r>
+              <a:r>
+                <a:rPr lang="fr-FR" sz="900" b="1" i="1" dirty="0" smtClean="0">
+                  <a:solidFill>
+                    <a:srgbClr val="C00000"/>
+                  </a:solidFill>
+                </a:rPr>
+                <a:t> </a:t>
+              </a:r>
+              <a:r>
+                <a:rPr lang="fr-FR" sz="900" b="1" i="1" dirty="0" err="1" smtClean="0">
+                  <a:solidFill>
+                    <a:srgbClr val="C00000"/>
+                  </a:solidFill>
+                </a:rPr>
+                <a:t>megalops</a:t>
+              </a:r>
+              <a:endParaRPr lang="fr-FR" sz="900" b="1" i="1" dirty="0" smtClean="0">
+                <a:solidFill>
+                  <a:srgbClr val="C00000"/>
+                </a:solidFill>
+              </a:endParaRPr>
+            </a:p>
+            <a:p>
+              <a:pPr algn="r">
+                <a:spcBef>
+                  <a:spcPts val="100"/>
+                </a:spcBef>
+              </a:pPr>
+              <a:r>
+                <a:rPr lang="fr-FR" sz="900" b="1" i="1" dirty="0" smtClean="0">
+                  <a:solidFill>
+                    <a:srgbClr val="C00000"/>
+                  </a:solidFill>
+                </a:rPr>
+                <a:t>Pristipomoides </a:t>
+              </a:r>
+              <a:r>
+                <a:rPr lang="fr-FR" sz="900" b="1" i="1" dirty="0" err="1" smtClean="0">
+                  <a:solidFill>
+                    <a:srgbClr val="C00000"/>
+                  </a:solidFill>
+                </a:rPr>
+                <a:t>argyrogrammicus</a:t>
+              </a:r>
+              <a:endParaRPr lang="fr-FR" sz="900" b="1" i="1" dirty="0" smtClean="0">
+                <a:solidFill>
+                  <a:srgbClr val="C00000"/>
+                </a:solidFill>
+              </a:endParaRPr>
+            </a:p>
+            <a:p>
+              <a:pPr algn="r">
+                <a:spcBef>
+                  <a:spcPts val="100"/>
+                </a:spcBef>
+              </a:pPr>
+              <a:r>
+                <a:rPr lang="fr-FR" sz="900" b="1" i="1" dirty="0" err="1" smtClean="0">
+                  <a:solidFill>
+                    <a:srgbClr val="C00000"/>
+                  </a:solidFill>
+                </a:rPr>
+                <a:t>Pentaceros</a:t>
+              </a:r>
+              <a:r>
+                <a:rPr lang="fr-FR" sz="900" b="1" i="1" dirty="0" smtClean="0">
+                  <a:solidFill>
+                    <a:srgbClr val="C00000"/>
+                  </a:solidFill>
+                </a:rPr>
+                <a:t> </a:t>
+              </a:r>
+              <a:r>
+                <a:rPr lang="fr-FR" sz="900" b="1" i="1" dirty="0" err="1" smtClean="0">
+                  <a:solidFill>
+                    <a:srgbClr val="C00000"/>
+                  </a:solidFill>
+                </a:rPr>
+                <a:t>richardsoni</a:t>
+              </a:r>
+              <a:endParaRPr lang="fr-FR" sz="900" b="1" i="1" dirty="0" smtClean="0">
+                <a:solidFill>
+                  <a:srgbClr val="C00000"/>
+                </a:solidFill>
+              </a:endParaRPr>
+            </a:p>
+            <a:p>
+              <a:pPr algn="r">
+                <a:spcBef>
+                  <a:spcPts val="100"/>
+                </a:spcBef>
+              </a:pPr>
+              <a:r>
+                <a:rPr lang="fr-FR" sz="900" b="1" i="1" dirty="0" smtClean="0">
+                  <a:solidFill>
+                    <a:srgbClr val="C00000"/>
+                  </a:solidFill>
+                </a:rPr>
+                <a:t>Etelis </a:t>
+              </a:r>
+              <a:r>
+                <a:rPr lang="fr-FR" sz="900" b="1" i="1" dirty="0" err="1" smtClean="0">
+                  <a:solidFill>
+                    <a:srgbClr val="C00000"/>
+                  </a:solidFill>
+                </a:rPr>
+                <a:t>coruscans</a:t>
+              </a:r>
+              <a:endParaRPr lang="fr-FR" sz="900" b="1" i="1" dirty="0" smtClean="0">
+                <a:solidFill>
+                  <a:srgbClr val="C00000"/>
+                </a:solidFill>
+              </a:endParaRPr>
+            </a:p>
+            <a:p>
+              <a:pPr algn="r">
+                <a:spcBef>
+                  <a:spcPts val="100"/>
+                </a:spcBef>
+              </a:pPr>
+              <a:r>
+                <a:rPr lang="fr-FR" sz="900" b="1" i="1" dirty="0" smtClean="0">
+                  <a:solidFill>
+                    <a:srgbClr val="C00000"/>
+                  </a:solidFill>
+                </a:rPr>
+                <a:t>Seriola </a:t>
+              </a:r>
+              <a:r>
+                <a:rPr lang="fr-FR" sz="900" b="1" i="1" dirty="0" err="1" smtClean="0">
+                  <a:solidFill>
+                    <a:srgbClr val="C00000"/>
+                  </a:solidFill>
+                </a:rPr>
+                <a:t>lalandi</a:t>
+              </a:r>
+              <a:endParaRPr lang="fr-FR" sz="900" b="1" i="1" dirty="0">
+                <a:solidFill>
+                  <a:srgbClr val="C00000"/>
+                </a:solidFill>
+              </a:endParaRPr>
+            </a:p>
+          </p:txBody>
+        </p:sp>
+        <p:sp>
+          <p:nvSpPr>
+            <p:cNvPr id="6" name="ZoneTexte 5"/>
+            <p:cNvSpPr txBox="1"/>
+            <p:nvPr/>
+          </p:nvSpPr>
+          <p:spPr>
+            <a:xfrm rot="16200000">
+              <a:off x="2170106" y="-195002"/>
+              <a:ext cx="1492301" cy="2569934"/>
+            </a:xfrm>
+            <a:prstGeom prst="rect">
+              <a:avLst/>
+            </a:prstGeom>
+            <a:noFill/>
+          </p:spPr>
+          <p:txBody>
+            <a:bodyPr wrap="square" rtlCol="0">
+              <a:spAutoFit/>
+            </a:bodyPr>
+            <a:lstStyle/>
+            <a:p>
+              <a:r>
+                <a:rPr lang="fr-FR" sz="700" b="1" i="1" dirty="0">
+                  <a:solidFill>
+                    <a:srgbClr val="C00000"/>
+                  </a:solidFill>
+                </a:rPr>
+                <a:t>Seriola </a:t>
+              </a:r>
+              <a:r>
+                <a:rPr lang="fr-FR" sz="700" b="1" i="1" dirty="0" err="1">
+                  <a:solidFill>
+                    <a:srgbClr val="C00000"/>
+                  </a:solidFill>
+                </a:rPr>
+                <a:t>lalandi</a:t>
+              </a:r>
+              <a:endParaRPr lang="fr-FR" sz="700" b="1" i="1" dirty="0">
+                <a:solidFill>
+                  <a:srgbClr val="C00000"/>
+                </a:solidFill>
+              </a:endParaRPr>
+            </a:p>
+            <a:p>
+              <a:r>
+                <a:rPr lang="fr-FR" sz="700" b="1" i="1" dirty="0">
+                  <a:solidFill>
+                    <a:srgbClr val="C00000"/>
+                  </a:solidFill>
+                </a:rPr>
+                <a:t>Etelis </a:t>
+              </a:r>
+              <a:r>
+                <a:rPr lang="fr-FR" sz="700" b="1" i="1" dirty="0" err="1">
+                  <a:solidFill>
+                    <a:srgbClr val="C00000"/>
+                  </a:solidFill>
+                </a:rPr>
+                <a:t>coruscans</a:t>
+              </a:r>
+              <a:endParaRPr lang="fr-FR" sz="700" b="1" i="1" dirty="0">
+                <a:solidFill>
+                  <a:srgbClr val="C00000"/>
+                </a:solidFill>
+              </a:endParaRPr>
+            </a:p>
+            <a:p>
+              <a:r>
+                <a:rPr lang="fr-FR" sz="700" b="1" i="1" dirty="0" err="1">
+                  <a:solidFill>
+                    <a:srgbClr val="C00000"/>
+                  </a:solidFill>
+                </a:rPr>
+                <a:t>Pentaceros</a:t>
+              </a:r>
+              <a:r>
+                <a:rPr lang="fr-FR" sz="700" b="1" i="1" dirty="0">
+                  <a:solidFill>
+                    <a:srgbClr val="C00000"/>
+                  </a:solidFill>
+                </a:rPr>
+                <a:t> </a:t>
+              </a:r>
+              <a:r>
+                <a:rPr lang="fr-FR" sz="700" b="1" i="1" dirty="0" err="1">
+                  <a:solidFill>
+                    <a:srgbClr val="C00000"/>
+                  </a:solidFill>
+                </a:rPr>
+                <a:t>richardsoni</a:t>
+              </a:r>
+              <a:endParaRPr lang="fr-FR" sz="700" b="1" i="1" dirty="0">
+                <a:solidFill>
+                  <a:srgbClr val="C00000"/>
+                </a:solidFill>
+              </a:endParaRPr>
+            </a:p>
+            <a:p>
+              <a:r>
+                <a:rPr lang="fr-FR" sz="700" b="1" i="1" dirty="0">
+                  <a:solidFill>
+                    <a:srgbClr val="C00000"/>
+                  </a:solidFill>
+                </a:rPr>
+                <a:t>Pristipomoides </a:t>
+              </a:r>
+              <a:r>
+                <a:rPr lang="fr-FR" sz="700" b="1" i="1" dirty="0" err="1">
+                  <a:solidFill>
+                    <a:srgbClr val="C00000"/>
+                  </a:solidFill>
+                </a:rPr>
+                <a:t>argyrogrammicus</a:t>
+              </a:r>
+              <a:endParaRPr lang="fr-FR" sz="700" b="1" i="1" dirty="0">
+                <a:solidFill>
+                  <a:srgbClr val="C00000"/>
+                </a:solidFill>
+              </a:endParaRPr>
+            </a:p>
+            <a:p>
+              <a:r>
+                <a:rPr lang="fr-FR" sz="700" b="1" i="1" dirty="0" err="1">
+                  <a:solidFill>
+                    <a:srgbClr val="C00000"/>
+                  </a:solidFill>
+                </a:rPr>
+                <a:t>Squalus</a:t>
+              </a:r>
+              <a:r>
+                <a:rPr lang="fr-FR" sz="700" b="1" i="1" dirty="0">
+                  <a:solidFill>
+                    <a:srgbClr val="C00000"/>
+                  </a:solidFill>
+                </a:rPr>
+                <a:t> </a:t>
+              </a:r>
+              <a:r>
+                <a:rPr lang="fr-FR" sz="700" b="1" i="1" dirty="0" err="1">
+                  <a:solidFill>
+                    <a:srgbClr val="C00000"/>
+                  </a:solidFill>
+                </a:rPr>
+                <a:t>megalops</a:t>
+              </a:r>
+              <a:endParaRPr lang="fr-FR" sz="700" b="1" i="1" dirty="0">
+                <a:solidFill>
+                  <a:srgbClr val="C00000"/>
+                </a:solidFill>
+              </a:endParaRPr>
+            </a:p>
+            <a:p>
+              <a:r>
+                <a:rPr lang="fr-FR" sz="700" b="1" i="1" dirty="0" err="1">
+                  <a:solidFill>
+                    <a:srgbClr val="C00000"/>
+                  </a:solidFill>
+                </a:rPr>
+                <a:t>Polymixia</a:t>
+              </a:r>
+              <a:r>
+                <a:rPr lang="fr-FR" sz="700" b="1" i="1" dirty="0">
+                  <a:solidFill>
+                    <a:srgbClr val="C00000"/>
+                  </a:solidFill>
+                </a:rPr>
+                <a:t> </a:t>
+              </a:r>
+              <a:r>
+                <a:rPr lang="fr-FR" sz="700" b="1" i="1" dirty="0" err="1">
+                  <a:solidFill>
+                    <a:srgbClr val="C00000"/>
+                  </a:solidFill>
+                </a:rPr>
+                <a:t>japonica</a:t>
+              </a:r>
+              <a:endParaRPr lang="fr-FR" sz="700" b="1" i="1" dirty="0">
+                <a:solidFill>
+                  <a:srgbClr val="C00000"/>
+                </a:solidFill>
+              </a:endParaRPr>
+            </a:p>
+            <a:p>
+              <a:r>
+                <a:rPr lang="fr-FR" sz="700" b="1" i="1" dirty="0" err="1">
+                  <a:solidFill>
+                    <a:schemeClr val="accent5"/>
+                  </a:solidFill>
+                </a:rPr>
+                <a:t>Lethrinus</a:t>
+              </a:r>
+              <a:r>
+                <a:rPr lang="fr-FR" sz="700" b="1" i="1" dirty="0">
+                  <a:solidFill>
+                    <a:schemeClr val="accent5"/>
+                  </a:solidFill>
+                </a:rPr>
+                <a:t> </a:t>
+              </a:r>
+              <a:r>
+                <a:rPr lang="fr-FR" sz="700" b="1" i="1" dirty="0" err="1">
+                  <a:solidFill>
+                    <a:schemeClr val="accent5"/>
+                  </a:solidFill>
+                </a:rPr>
+                <a:t>rubrioperculatus</a:t>
+              </a:r>
+              <a:endParaRPr lang="fr-FR" sz="700" b="1" i="1" dirty="0">
+                <a:solidFill>
+                  <a:schemeClr val="accent5"/>
+                </a:solidFill>
+              </a:endParaRPr>
+            </a:p>
+            <a:p>
+              <a:r>
+                <a:rPr lang="fr-FR" sz="700" b="1" i="1" dirty="0">
+                  <a:solidFill>
+                    <a:schemeClr val="accent5"/>
+                  </a:solidFill>
+                </a:rPr>
+                <a:t>Carcharhinus </a:t>
+              </a:r>
+              <a:r>
+                <a:rPr lang="fr-FR" sz="700" b="1" i="1" dirty="0" err="1">
+                  <a:solidFill>
+                    <a:schemeClr val="accent5"/>
+                  </a:solidFill>
+                </a:rPr>
+                <a:t>plumbeus</a:t>
+              </a:r>
+              <a:endParaRPr lang="fr-FR" sz="700" b="1" i="1" dirty="0">
+                <a:solidFill>
+                  <a:schemeClr val="accent5"/>
+                </a:solidFill>
+              </a:endParaRPr>
+            </a:p>
+            <a:p>
+              <a:r>
+                <a:rPr lang="fr-FR" sz="700" b="1" i="1" dirty="0" err="1">
+                  <a:solidFill>
+                    <a:schemeClr val="accent5"/>
+                  </a:solidFill>
+                </a:rPr>
+                <a:t>Pseudocaranx</a:t>
+              </a:r>
+              <a:r>
+                <a:rPr lang="fr-FR" sz="700" b="1" i="1" dirty="0">
+                  <a:solidFill>
+                    <a:schemeClr val="accent5"/>
+                  </a:solidFill>
+                </a:rPr>
+                <a:t> </a:t>
+              </a:r>
+              <a:r>
+                <a:rPr lang="fr-FR" sz="700" b="1" i="1" dirty="0" err="1">
+                  <a:solidFill>
+                    <a:schemeClr val="accent5"/>
+                  </a:solidFill>
+                </a:rPr>
+                <a:t>dentex</a:t>
+              </a:r>
+              <a:endParaRPr lang="fr-FR" sz="700" b="1" i="1" dirty="0">
+                <a:solidFill>
+                  <a:schemeClr val="accent5"/>
+                </a:solidFill>
+              </a:endParaRPr>
+            </a:p>
+            <a:p>
+              <a:r>
+                <a:rPr lang="fr-FR" sz="700" b="1" i="1" dirty="0" err="1">
+                  <a:solidFill>
+                    <a:schemeClr val="accent5"/>
+                  </a:solidFill>
+                </a:rPr>
+                <a:t>Carangoides</a:t>
+              </a:r>
+              <a:r>
+                <a:rPr lang="fr-FR" sz="700" b="1" i="1" dirty="0">
+                  <a:solidFill>
+                    <a:schemeClr val="accent5"/>
+                  </a:solidFill>
+                </a:rPr>
+                <a:t> </a:t>
+              </a:r>
+              <a:r>
+                <a:rPr lang="fr-FR" sz="700" b="1" i="1" dirty="0" err="1">
+                  <a:solidFill>
+                    <a:schemeClr val="accent5"/>
+                  </a:solidFill>
+                </a:rPr>
+                <a:t>orthogrammus</a:t>
+              </a:r>
+              <a:endParaRPr lang="fr-FR" sz="700" b="1" i="1" dirty="0">
+                <a:solidFill>
+                  <a:schemeClr val="accent5"/>
+                </a:solidFill>
+              </a:endParaRPr>
+            </a:p>
+            <a:p>
+              <a:r>
+                <a:rPr lang="fr-FR" sz="700" b="1" i="1" dirty="0" err="1">
+                  <a:solidFill>
+                    <a:schemeClr val="accent5"/>
+                  </a:solidFill>
+                </a:rPr>
+                <a:t>Aprion</a:t>
+              </a:r>
+              <a:r>
+                <a:rPr lang="fr-FR" sz="700" b="1" i="1" dirty="0">
+                  <a:solidFill>
+                    <a:schemeClr val="accent5"/>
+                  </a:solidFill>
+                </a:rPr>
+                <a:t> </a:t>
+              </a:r>
+              <a:r>
+                <a:rPr lang="fr-FR" sz="700" b="1" i="1" dirty="0" err="1">
+                  <a:solidFill>
+                    <a:schemeClr val="accent5"/>
+                  </a:solidFill>
+                </a:rPr>
+                <a:t>virescens</a:t>
+              </a:r>
+              <a:endParaRPr lang="fr-FR" sz="700" b="1" i="1" dirty="0">
+                <a:solidFill>
+                  <a:schemeClr val="accent5"/>
+                </a:solidFill>
+              </a:endParaRPr>
+            </a:p>
+            <a:p>
+              <a:r>
+                <a:rPr lang="fr-FR" sz="700" b="1" i="1" dirty="0" err="1">
+                  <a:solidFill>
+                    <a:schemeClr val="accent5"/>
+                  </a:solidFill>
+                </a:rPr>
+                <a:t>Lethrinus</a:t>
+              </a:r>
+              <a:r>
+                <a:rPr lang="fr-FR" sz="700" b="1" i="1" dirty="0">
+                  <a:solidFill>
+                    <a:schemeClr val="accent5"/>
+                  </a:solidFill>
+                </a:rPr>
+                <a:t> </a:t>
+              </a:r>
+              <a:r>
+                <a:rPr lang="fr-FR" sz="700" b="1" i="1" dirty="0" err="1">
+                  <a:solidFill>
+                    <a:schemeClr val="accent5"/>
+                  </a:solidFill>
+                </a:rPr>
+                <a:t>miniatus</a:t>
+              </a:r>
+              <a:endParaRPr lang="fr-FR" sz="700" b="1" i="1" dirty="0">
+                <a:solidFill>
+                  <a:schemeClr val="accent5"/>
+                </a:solidFill>
+              </a:endParaRPr>
+            </a:p>
+            <a:p>
+              <a:r>
+                <a:rPr lang="fr-FR" sz="700" b="1" i="1" dirty="0">
+                  <a:solidFill>
+                    <a:schemeClr val="accent5"/>
+                  </a:solidFill>
+                </a:rPr>
+                <a:t>Gymnocranius euanus</a:t>
+              </a:r>
+            </a:p>
+            <a:p>
+              <a:r>
+                <a:rPr lang="fr-FR" sz="700" b="1" i="1" dirty="0">
+                  <a:solidFill>
+                    <a:schemeClr val="accent6">
+                      <a:lumMod val="75000"/>
+                    </a:schemeClr>
+                  </a:solidFill>
+                </a:rPr>
+                <a:t>Pristipomoides filamentosus</a:t>
+              </a:r>
+            </a:p>
+            <a:p>
+              <a:r>
+                <a:rPr lang="fr-FR" sz="700" b="1" i="1" dirty="0">
+                  <a:solidFill>
+                    <a:schemeClr val="accent6">
+                      <a:lumMod val="75000"/>
+                    </a:schemeClr>
+                  </a:solidFill>
+                </a:rPr>
+                <a:t>Seriola rivoliana</a:t>
+              </a:r>
+            </a:p>
+            <a:p>
+              <a:r>
+                <a:rPr lang="fr-FR" sz="700" b="1" i="1" dirty="0" err="1">
+                  <a:solidFill>
+                    <a:schemeClr val="accent6">
+                      <a:lumMod val="75000"/>
+                    </a:schemeClr>
+                  </a:solidFill>
+                </a:rPr>
+                <a:t>Wattsia</a:t>
+              </a:r>
+              <a:r>
+                <a:rPr lang="fr-FR" sz="700" b="1" i="1" dirty="0">
+                  <a:solidFill>
+                    <a:schemeClr val="accent6">
+                      <a:lumMod val="75000"/>
+                    </a:schemeClr>
+                  </a:solidFill>
+                </a:rPr>
+                <a:t> </a:t>
+              </a:r>
+              <a:r>
+                <a:rPr lang="fr-FR" sz="700" b="1" i="1" dirty="0" err="1">
+                  <a:solidFill>
+                    <a:schemeClr val="accent6">
+                      <a:lumMod val="75000"/>
+                    </a:schemeClr>
+                  </a:solidFill>
+                </a:rPr>
+                <a:t>mossambica</a:t>
+              </a:r>
+              <a:endParaRPr lang="fr-FR" sz="700" b="1" i="1" dirty="0">
+                <a:solidFill>
+                  <a:schemeClr val="accent6">
+                    <a:lumMod val="75000"/>
+                  </a:schemeClr>
+                </a:solidFill>
+              </a:endParaRPr>
+            </a:p>
+            <a:p>
+              <a:r>
+                <a:rPr lang="fr-FR" sz="700" b="1" i="1" dirty="0" err="1">
+                  <a:solidFill>
+                    <a:schemeClr val="accent6">
+                      <a:lumMod val="75000"/>
+                    </a:schemeClr>
+                  </a:solidFill>
+                </a:rPr>
+                <a:t>Aphareus</a:t>
+              </a:r>
+              <a:r>
+                <a:rPr lang="fr-FR" sz="700" b="1" i="1" dirty="0">
+                  <a:solidFill>
+                    <a:schemeClr val="accent6">
+                      <a:lumMod val="75000"/>
+                    </a:schemeClr>
+                  </a:solidFill>
+                </a:rPr>
+                <a:t> </a:t>
+              </a:r>
+              <a:r>
+                <a:rPr lang="fr-FR" sz="700" b="1" i="1" dirty="0" err="1">
+                  <a:solidFill>
+                    <a:schemeClr val="accent6">
+                      <a:lumMod val="75000"/>
+                    </a:schemeClr>
+                  </a:solidFill>
+                </a:rPr>
+                <a:t>rutilans</a:t>
+              </a:r>
+              <a:endParaRPr lang="fr-FR" sz="700" b="1" i="1" dirty="0">
+                <a:solidFill>
+                  <a:schemeClr val="accent6">
+                    <a:lumMod val="75000"/>
+                  </a:schemeClr>
+                </a:solidFill>
+              </a:endParaRPr>
+            </a:p>
+            <a:p>
+              <a:r>
+                <a:rPr lang="fr-FR" sz="700" b="1" i="1" dirty="0">
+                  <a:solidFill>
+                    <a:schemeClr val="accent6">
+                      <a:lumMod val="75000"/>
+                    </a:schemeClr>
+                  </a:solidFill>
+                </a:rPr>
+                <a:t>Pristipomoides </a:t>
+              </a:r>
+              <a:r>
+                <a:rPr lang="fr-FR" sz="700" b="1" i="1" dirty="0" err="1">
+                  <a:solidFill>
+                    <a:schemeClr val="accent6">
+                      <a:lumMod val="75000"/>
+                    </a:schemeClr>
+                  </a:solidFill>
+                </a:rPr>
+                <a:t>flavipinnis</a:t>
+              </a:r>
+              <a:endParaRPr lang="fr-FR" sz="700" b="1" i="1" dirty="0">
+                <a:solidFill>
+                  <a:schemeClr val="accent6">
+                    <a:lumMod val="75000"/>
+                  </a:schemeClr>
+                </a:solidFill>
+              </a:endParaRPr>
+            </a:p>
+            <a:p>
+              <a:r>
+                <a:rPr lang="fr-FR" sz="700" b="1" i="1" dirty="0" err="1">
+                  <a:solidFill>
+                    <a:schemeClr val="accent6">
+                      <a:lumMod val="75000"/>
+                    </a:schemeClr>
+                  </a:solidFill>
+                </a:rPr>
+                <a:t>Epinephelus</a:t>
+              </a:r>
+              <a:r>
+                <a:rPr lang="fr-FR" sz="700" b="1" i="1" dirty="0">
+                  <a:solidFill>
+                    <a:schemeClr val="accent6">
+                      <a:lumMod val="75000"/>
+                    </a:schemeClr>
+                  </a:solidFill>
+                </a:rPr>
+                <a:t> </a:t>
+              </a:r>
+              <a:r>
+                <a:rPr lang="fr-FR" sz="700" b="1" i="1" dirty="0" err="1">
+                  <a:solidFill>
+                    <a:schemeClr val="accent6">
+                      <a:lumMod val="75000"/>
+                    </a:schemeClr>
+                  </a:solidFill>
+                </a:rPr>
+                <a:t>chlorostigma</a:t>
+              </a:r>
+              <a:endParaRPr lang="fr-FR" sz="700" b="1" i="1" dirty="0">
+                <a:solidFill>
+                  <a:schemeClr val="accent6">
+                    <a:lumMod val="75000"/>
+                  </a:schemeClr>
+                </a:solidFill>
+              </a:endParaRPr>
+            </a:p>
+            <a:p>
+              <a:r>
+                <a:rPr lang="fr-FR" sz="700" b="1" i="1" dirty="0" err="1">
+                  <a:solidFill>
+                    <a:schemeClr val="accent6">
+                      <a:lumMod val="75000"/>
+                    </a:schemeClr>
+                  </a:solidFill>
+                </a:rPr>
+                <a:t>Epinephelus</a:t>
+              </a:r>
+              <a:r>
+                <a:rPr lang="fr-FR" sz="700" b="1" i="1" dirty="0">
+                  <a:solidFill>
+                    <a:schemeClr val="accent6">
+                      <a:lumMod val="75000"/>
+                    </a:schemeClr>
+                  </a:solidFill>
+                </a:rPr>
+                <a:t> </a:t>
+              </a:r>
+              <a:r>
+                <a:rPr lang="fr-FR" sz="700" b="1" i="1" dirty="0" err="1">
+                  <a:solidFill>
+                    <a:schemeClr val="accent6">
+                      <a:lumMod val="75000"/>
+                    </a:schemeClr>
+                  </a:solidFill>
+                </a:rPr>
+                <a:t>morrhua</a:t>
+              </a:r>
+              <a:endParaRPr lang="fr-FR" sz="700" b="1" i="1" dirty="0">
+                <a:solidFill>
+                  <a:schemeClr val="accent6">
+                    <a:lumMod val="75000"/>
+                  </a:schemeClr>
+                </a:solidFill>
+              </a:endParaRPr>
+            </a:p>
+            <a:p>
+              <a:r>
+                <a:rPr lang="fr-FR" sz="700" b="1" i="1" dirty="0">
+                  <a:solidFill>
+                    <a:schemeClr val="accent6">
+                      <a:lumMod val="75000"/>
+                    </a:schemeClr>
+                  </a:solidFill>
+                </a:rPr>
+                <a:t>Carcharhinus albimarginatus</a:t>
+              </a:r>
+            </a:p>
+            <a:p>
+              <a:r>
+                <a:rPr lang="fr-FR" sz="700" b="1" i="1" dirty="0" err="1">
+                  <a:solidFill>
+                    <a:schemeClr val="accent6">
+                      <a:lumMod val="75000"/>
+                    </a:schemeClr>
+                  </a:solidFill>
+                </a:rPr>
+                <a:t>Gymnosarda</a:t>
+              </a:r>
+              <a:r>
+                <a:rPr lang="fr-FR" sz="700" b="1" i="1" dirty="0">
+                  <a:solidFill>
+                    <a:schemeClr val="accent6">
+                      <a:lumMod val="75000"/>
+                    </a:schemeClr>
+                  </a:solidFill>
+                </a:rPr>
+                <a:t> </a:t>
+              </a:r>
+              <a:r>
+                <a:rPr lang="fr-FR" sz="700" b="1" i="1" dirty="0" err="1">
+                  <a:solidFill>
+                    <a:schemeClr val="accent6">
+                      <a:lumMod val="75000"/>
+                    </a:schemeClr>
+                  </a:solidFill>
+                </a:rPr>
+                <a:t>unicolor</a:t>
+              </a:r>
+              <a:endParaRPr lang="fr-FR" sz="700" b="1" i="1" dirty="0">
+                <a:solidFill>
+                  <a:schemeClr val="accent6">
+                    <a:lumMod val="75000"/>
+                  </a:schemeClr>
+                </a:solidFill>
+              </a:endParaRPr>
+            </a:p>
+            <a:p>
+              <a:r>
+                <a:rPr lang="fr-FR" sz="700" b="1" i="1" dirty="0" err="1" smtClean="0">
+                  <a:solidFill>
+                    <a:schemeClr val="accent6">
+                      <a:lumMod val="75000"/>
+                    </a:schemeClr>
+                  </a:solidFill>
+                </a:rPr>
+                <a:t>Bodianus</a:t>
+              </a:r>
+              <a:r>
+                <a:rPr lang="fr-FR" sz="700" b="1" i="1" dirty="0" smtClean="0">
+                  <a:solidFill>
+                    <a:schemeClr val="accent6">
+                      <a:lumMod val="75000"/>
+                    </a:schemeClr>
+                  </a:solidFill>
+                </a:rPr>
+                <a:t> </a:t>
+              </a:r>
+              <a:r>
+                <a:rPr lang="fr-FR" sz="700" b="1" i="1" dirty="0" err="1" smtClean="0">
+                  <a:solidFill>
+                    <a:schemeClr val="accent6">
+                      <a:lumMod val="75000"/>
+                    </a:schemeClr>
+                  </a:solidFill>
+                </a:rPr>
+                <a:t>bimaculatus</a:t>
+              </a:r>
+              <a:endParaRPr lang="fr-FR" sz="700" b="1" i="1" dirty="0" smtClean="0">
+                <a:solidFill>
+                  <a:schemeClr val="accent6">
+                    <a:lumMod val="75000"/>
+                  </a:schemeClr>
+                </a:solidFill>
+              </a:endParaRPr>
+            </a:p>
+          </p:txBody>
+        </p:sp>
+        <p:sp>
+          <p:nvSpPr>
+            <p:cNvPr id="7" name="ZoneTexte 6"/>
+            <p:cNvSpPr txBox="1"/>
+            <p:nvPr/>
+          </p:nvSpPr>
+          <p:spPr>
+            <a:xfrm rot="16200000">
+              <a:off x="4572857" y="298775"/>
+              <a:ext cx="1258799" cy="1815882"/>
+            </a:xfrm>
+            <a:prstGeom prst="rect">
+              <a:avLst/>
+            </a:prstGeom>
+            <a:noFill/>
+          </p:spPr>
+          <p:txBody>
+            <a:bodyPr wrap="square" rtlCol="0">
+              <a:spAutoFit/>
+            </a:bodyPr>
+            <a:lstStyle/>
+            <a:p>
+              <a:r>
+                <a:rPr lang="fr-FR" sz="800" b="1" dirty="0" err="1" smtClean="0"/>
+                <a:t>Salinity</a:t>
+              </a:r>
+              <a:endParaRPr lang="fr-FR" sz="800" b="1" dirty="0" smtClean="0"/>
+            </a:p>
+            <a:p>
+              <a:r>
+                <a:rPr lang="fr-FR" sz="800" b="1" dirty="0" err="1" smtClean="0"/>
+                <a:t>Seamount</a:t>
+              </a:r>
+              <a:endParaRPr lang="fr-FR" sz="800" b="1" dirty="0" smtClean="0"/>
+            </a:p>
+            <a:p>
+              <a:r>
+                <a:rPr lang="fr-FR" sz="800" b="1" dirty="0" err="1" smtClean="0"/>
+                <a:t>Mean</a:t>
+              </a:r>
+              <a:r>
+                <a:rPr lang="fr-FR" sz="800" b="1" dirty="0" smtClean="0"/>
+                <a:t> SST</a:t>
+              </a:r>
+            </a:p>
+            <a:p>
+              <a:r>
+                <a:rPr lang="fr-FR" sz="800" b="1" dirty="0" smtClean="0"/>
+                <a:t>Salinity²</a:t>
+              </a:r>
+            </a:p>
+            <a:p>
+              <a:r>
+                <a:rPr lang="fr-FR" sz="800" b="1" dirty="0" smtClean="0"/>
+                <a:t>Distance Land</a:t>
+              </a:r>
+            </a:p>
+            <a:p>
+              <a:r>
+                <a:rPr lang="fr-FR" sz="800" b="1" dirty="0" err="1" smtClean="0"/>
+                <a:t>Deep</a:t>
+              </a:r>
+              <a:r>
+                <a:rPr lang="fr-FR" sz="800" b="1" dirty="0" smtClean="0"/>
+                <a:t> </a:t>
+              </a:r>
+              <a:r>
+                <a:rPr lang="fr-FR" sz="800" b="1" dirty="0" err="1" smtClean="0"/>
+                <a:t>Slope</a:t>
+              </a:r>
+              <a:endParaRPr lang="fr-FR" sz="800" b="1" dirty="0" smtClean="0"/>
+            </a:p>
+            <a:p>
+              <a:r>
+                <a:rPr lang="fr-FR" sz="800" b="1" dirty="0" err="1" smtClean="0"/>
+                <a:t>Bottom</a:t>
+              </a:r>
+              <a:r>
+                <a:rPr lang="fr-FR" sz="800" b="1" dirty="0" smtClean="0"/>
+                <a:t> </a:t>
+              </a:r>
+              <a:r>
+                <a:rPr lang="fr-FR" sz="800" b="1" dirty="0" err="1" smtClean="0"/>
+                <a:t>Depth</a:t>
+              </a:r>
+              <a:endParaRPr lang="fr-FR" sz="800" b="1" dirty="0" smtClean="0"/>
+            </a:p>
+            <a:p>
+              <a:r>
+                <a:rPr lang="fr-FR" sz="800" b="1" dirty="0" err="1" smtClean="0"/>
+                <a:t>Summit</a:t>
+              </a:r>
+              <a:r>
+                <a:rPr lang="fr-FR" sz="800" b="1" dirty="0" smtClean="0"/>
+                <a:t> Rugosity</a:t>
+              </a:r>
+            </a:p>
+            <a:p>
+              <a:r>
+                <a:rPr lang="fr-FR" sz="800" b="1" dirty="0" err="1" smtClean="0"/>
+                <a:t>Travel</a:t>
+              </a:r>
+              <a:r>
+                <a:rPr lang="fr-FR" sz="800" b="1" dirty="0" smtClean="0"/>
+                <a:t> Time</a:t>
+              </a:r>
+            </a:p>
+            <a:p>
+              <a:r>
+                <a:rPr lang="fr-FR" sz="800" b="1" dirty="0" err="1" smtClean="0"/>
+                <a:t>Mean</a:t>
+              </a:r>
+              <a:r>
+                <a:rPr lang="fr-FR" sz="800" b="1" dirty="0" smtClean="0"/>
+                <a:t> SST</a:t>
+              </a:r>
+              <a:r>
+                <a:rPr lang="fr-FR" sz="800" b="1" baseline="30000" dirty="0" smtClean="0"/>
+                <a:t>3</a:t>
+              </a:r>
+            </a:p>
+            <a:p>
+              <a:r>
+                <a:rPr lang="fr-FR" sz="800" b="1" dirty="0" err="1"/>
+                <a:t>Eastward</a:t>
+              </a:r>
+              <a:r>
+                <a:rPr lang="fr-FR" sz="800" b="1" dirty="0"/>
+                <a:t> </a:t>
+              </a:r>
+              <a:r>
+                <a:rPr lang="fr-FR" sz="800" b="1" dirty="0" smtClean="0"/>
+                <a:t>Velocity</a:t>
+              </a:r>
+              <a:r>
+                <a:rPr lang="fr-FR" sz="800" b="1" baseline="30000" dirty="0" smtClean="0"/>
+                <a:t>3</a:t>
+              </a:r>
+              <a:endParaRPr lang="fr-FR" sz="800" b="1" baseline="30000" dirty="0"/>
+            </a:p>
+            <a:p>
+              <a:r>
+                <a:rPr lang="fr-FR" sz="800" b="1" dirty="0" smtClean="0"/>
+                <a:t>Distance Land²</a:t>
+              </a:r>
+            </a:p>
+            <a:p>
+              <a:r>
+                <a:rPr lang="fr-FR" sz="800" b="1" dirty="0" err="1" smtClean="0"/>
+                <a:t>Bottom</a:t>
+              </a:r>
+              <a:r>
+                <a:rPr lang="fr-FR" sz="800" b="1" dirty="0" smtClean="0"/>
+                <a:t> Depth²</a:t>
+              </a:r>
+            </a:p>
+            <a:p>
+              <a:r>
+                <a:rPr lang="fr-FR" sz="800" b="1" dirty="0" err="1" smtClean="0"/>
+                <a:t>Eastward</a:t>
+              </a:r>
+              <a:r>
+                <a:rPr lang="fr-FR" sz="800" b="1" dirty="0" smtClean="0"/>
+                <a:t> </a:t>
+              </a:r>
+              <a:r>
+                <a:rPr lang="fr-FR" sz="800" b="1" dirty="0" err="1" smtClean="0"/>
+                <a:t>Velocity</a:t>
+              </a:r>
+              <a:endParaRPr lang="fr-FR" sz="800" b="1" dirty="0"/>
+            </a:p>
+          </p:txBody>
+        </p:sp>
+      </p:grpSp>
+    </p:spTree>
+    <p:extLst>
+      <p:ext uri="{BB962C8B-B14F-4D97-AF65-F5344CB8AC3E}">
+        <p14:creationId xmlns:p14="http://schemas.microsoft.com/office/powerpoint/2010/main" val="3253671879"/>
       </p:ext>
     </p:extLst>
   </p:cSld>

--- a/06_Figures/Figures.pptx
+++ b/06_Figures/Figures.pptx
@@ -247,7 +247,7 @@
           <a:p>
             <a:fld id="{3FF39126-F987-48DB-9EEF-9CD00B9E823D}" type="datetimeFigureOut">
               <a:rPr lang="fr-FR" smtClean="0"/>
-              <a:t>08/11/2022</a:t>
+              <a:t>05/01/2023</a:t>
             </a:fld>
             <a:endParaRPr lang="fr-FR"/>
           </a:p>
@@ -417,7 +417,7 @@
           <a:p>
             <a:fld id="{3FF39126-F987-48DB-9EEF-9CD00B9E823D}" type="datetimeFigureOut">
               <a:rPr lang="fr-FR" smtClean="0"/>
-              <a:t>08/11/2022</a:t>
+              <a:t>05/01/2023</a:t>
             </a:fld>
             <a:endParaRPr lang="fr-FR"/>
           </a:p>
@@ -597,7 +597,7 @@
           <a:p>
             <a:fld id="{3FF39126-F987-48DB-9EEF-9CD00B9E823D}" type="datetimeFigureOut">
               <a:rPr lang="fr-FR" smtClean="0"/>
-              <a:t>08/11/2022</a:t>
+              <a:t>05/01/2023</a:t>
             </a:fld>
             <a:endParaRPr lang="fr-FR"/>
           </a:p>
@@ -767,7 +767,7 @@
           <a:p>
             <a:fld id="{3FF39126-F987-48DB-9EEF-9CD00B9E823D}" type="datetimeFigureOut">
               <a:rPr lang="fr-FR" smtClean="0"/>
-              <a:t>08/11/2022</a:t>
+              <a:t>05/01/2023</a:t>
             </a:fld>
             <a:endParaRPr lang="fr-FR"/>
           </a:p>
@@ -1011,7 +1011,7 @@
           <a:p>
             <a:fld id="{3FF39126-F987-48DB-9EEF-9CD00B9E823D}" type="datetimeFigureOut">
               <a:rPr lang="fr-FR" smtClean="0"/>
-              <a:t>08/11/2022</a:t>
+              <a:t>05/01/2023</a:t>
             </a:fld>
             <a:endParaRPr lang="fr-FR"/>
           </a:p>
@@ -1243,7 +1243,7 @@
           <a:p>
             <a:fld id="{3FF39126-F987-48DB-9EEF-9CD00B9E823D}" type="datetimeFigureOut">
               <a:rPr lang="fr-FR" smtClean="0"/>
-              <a:t>08/11/2022</a:t>
+              <a:t>05/01/2023</a:t>
             </a:fld>
             <a:endParaRPr lang="fr-FR"/>
           </a:p>
@@ -1610,7 +1610,7 @@
           <a:p>
             <a:fld id="{3FF39126-F987-48DB-9EEF-9CD00B9E823D}" type="datetimeFigureOut">
               <a:rPr lang="fr-FR" smtClean="0"/>
-              <a:t>08/11/2022</a:t>
+              <a:t>05/01/2023</a:t>
             </a:fld>
             <a:endParaRPr lang="fr-FR"/>
           </a:p>
@@ -1728,7 +1728,7 @@
           <a:p>
             <a:fld id="{3FF39126-F987-48DB-9EEF-9CD00B9E823D}" type="datetimeFigureOut">
               <a:rPr lang="fr-FR" smtClean="0"/>
-              <a:t>08/11/2022</a:t>
+              <a:t>05/01/2023</a:t>
             </a:fld>
             <a:endParaRPr lang="fr-FR"/>
           </a:p>
@@ -1823,7 +1823,7 @@
           <a:p>
             <a:fld id="{3FF39126-F987-48DB-9EEF-9CD00B9E823D}" type="datetimeFigureOut">
               <a:rPr lang="fr-FR" smtClean="0"/>
-              <a:t>08/11/2022</a:t>
+              <a:t>05/01/2023</a:t>
             </a:fld>
             <a:endParaRPr lang="fr-FR"/>
           </a:p>
@@ -2100,7 +2100,7 @@
           <a:p>
             <a:fld id="{3FF39126-F987-48DB-9EEF-9CD00B9E823D}" type="datetimeFigureOut">
               <a:rPr lang="fr-FR" smtClean="0"/>
-              <a:t>08/11/2022</a:t>
+              <a:t>05/01/2023</a:t>
             </a:fld>
             <a:endParaRPr lang="fr-FR"/>
           </a:p>
@@ -2357,7 +2357,7 @@
           <a:p>
             <a:fld id="{3FF39126-F987-48DB-9EEF-9CD00B9E823D}" type="datetimeFigureOut">
               <a:rPr lang="fr-FR" smtClean="0"/>
-              <a:t>08/11/2022</a:t>
+              <a:t>05/01/2023</a:t>
             </a:fld>
             <a:endParaRPr lang="fr-FR"/>
           </a:p>
@@ -2570,7 +2570,7 @@
           <a:p>
             <a:fld id="{3FF39126-F987-48DB-9EEF-9CD00B9E823D}" type="datetimeFigureOut">
               <a:rPr lang="fr-FR" smtClean="0"/>
-              <a:t>08/11/2022</a:t>
+              <a:t>05/01/2023</a:t>
             </a:fld>
             <a:endParaRPr lang="fr-FR"/>
           </a:p>
@@ -4297,7 +4297,7 @@
       </p:grpSpPr>
       <p:grpSp>
         <p:nvGrpSpPr>
-          <p:cNvPr id="10" name="Groupe 9"/>
+          <p:cNvPr id="13" name="Groupe 12"/>
           <p:cNvGrpSpPr/>
           <p:nvPr/>
         </p:nvGrpSpPr>
@@ -4311,42 +4311,117 @@
         </p:grpSpPr>
         <p:grpSp>
           <p:nvGrpSpPr>
-            <p:cNvPr id="7" name="Groupe 6"/>
+            <p:cNvPr id="10" name="Groupe 9"/>
             <p:cNvGrpSpPr/>
             <p:nvPr/>
           </p:nvGrpSpPr>
           <p:grpSpPr>
             <a:xfrm>
               <a:off x="329184" y="223114"/>
-              <a:ext cx="7410297" cy="7983841"/>
+              <a:ext cx="7464847" cy="7983841"/>
               <a:chOff x="329184" y="223114"/>
-              <a:chExt cx="7410297" cy="7983841"/>
+              <a:chExt cx="7464847" cy="7983841"/>
             </a:xfrm>
           </p:grpSpPr>
           <p:grpSp>
             <p:nvGrpSpPr>
-              <p:cNvPr id="6" name="Groupe 5"/>
+              <p:cNvPr id="7" name="Groupe 6"/>
               <p:cNvGrpSpPr/>
               <p:nvPr/>
             </p:nvGrpSpPr>
             <p:grpSpPr>
               <a:xfrm>
                 <a:off x="329184" y="223114"/>
-                <a:ext cx="5062118" cy="7983841"/>
+                <a:ext cx="7410297" cy="7983841"/>
                 <a:chOff x="329184" y="223114"/>
-                <a:chExt cx="5062118" cy="7983841"/>
+                <a:chExt cx="7410297" cy="7983841"/>
               </a:xfrm>
             </p:grpSpPr>
+            <p:grpSp>
+              <p:nvGrpSpPr>
+                <p:cNvPr id="6" name="Groupe 5"/>
+                <p:cNvGrpSpPr/>
+                <p:nvPr/>
+              </p:nvGrpSpPr>
+              <p:grpSpPr>
+                <a:xfrm>
+                  <a:off x="329184" y="223114"/>
+                  <a:ext cx="5062118" cy="7983841"/>
+                  <a:chOff x="329184" y="223114"/>
+                  <a:chExt cx="5062118" cy="7983841"/>
+                </a:xfrm>
+              </p:grpSpPr>
+              <p:pic>
+                <p:nvPicPr>
+                  <p:cNvPr id="4" name="Image 3"/>
+                  <p:cNvPicPr>
+                    <a:picLocks noChangeAspect="1"/>
+                  </p:cNvPicPr>
+                  <p:nvPr/>
+                </p:nvPicPr>
+                <p:blipFill>
+                  <a:blip r:embed="rId2" cstate="print">
+                    <a:extLst>
+                      <a:ext uri="{28A0092B-C50C-407E-A947-70E740481C1C}">
+                        <a14:useLocalDpi xmlns:a14="http://schemas.microsoft.com/office/drawing/2010/main" val="0"/>
+                      </a:ext>
+                    </a:extLst>
+                  </a:blip>
+                  <a:stretch>
+                    <a:fillRect/>
+                  </a:stretch>
+                </p:blipFill>
+                <p:spPr>
+                  <a:xfrm>
+                    <a:off x="329184" y="223114"/>
+                    <a:ext cx="5062118" cy="6327648"/>
+                  </a:xfrm>
+                  <a:prstGeom prst="rect">
+                    <a:avLst/>
+                  </a:prstGeom>
+                </p:spPr>
+              </p:pic>
+              <p:pic>
+                <p:nvPicPr>
+                  <p:cNvPr id="5" name="Image 4"/>
+                  <p:cNvPicPr>
+                    <a:picLocks noChangeAspect="1"/>
+                  </p:cNvPicPr>
+                  <p:nvPr/>
+                </p:nvPicPr>
+                <p:blipFill>
+                  <a:blip r:embed="rId3" cstate="print">
+                    <a:extLst>
+                      <a:ext uri="{28A0092B-C50C-407E-A947-70E740481C1C}">
+                        <a14:useLocalDpi xmlns:a14="http://schemas.microsoft.com/office/drawing/2010/main" val="0"/>
+                      </a:ext>
+                    </a:extLst>
+                  </a:blip>
+                  <a:stretch>
+                    <a:fillRect/>
+                  </a:stretch>
+                </p:blipFill>
+                <p:spPr>
+                  <a:xfrm>
+                    <a:off x="1750284" y="6634795"/>
+                    <a:ext cx="2219917" cy="1572160"/>
+                  </a:xfrm>
+                  <a:prstGeom prst="rect">
+                    <a:avLst/>
+                  </a:prstGeom>
+                </p:spPr>
+              </p:pic>
+            </p:grpSp>
             <p:pic>
               <p:nvPicPr>
-                <p:cNvPr id="4" name="Image 3"/>
+                <p:cNvPr id="2" name="Image 1"/>
                 <p:cNvPicPr>
                   <a:picLocks noChangeAspect="1"/>
                 </p:cNvPicPr>
                 <p:nvPr/>
               </p:nvPicPr>
               <p:blipFill>
-                <a:blip r:embed="rId2" cstate="print">
+                <a:blip r:embed="rId4" cstate="print">
                   <a:extLst>
                     <a:ext uri="{28A0092B-C50C-407E-A947-70E740481C1C}">
                       <a14:useLocalDpi xmlns:a14="http://schemas.microsoft.com/office/drawing/2010/main" val="0"/>
@@ -4359,8 +4434,8 @@
               </p:blipFill>
               <p:spPr>
                 <a:xfrm>
-                  <a:off x="329184" y="223114"/>
-                  <a:ext cx="5062118" cy="6327648"/>
+                  <a:off x="5268990" y="354972"/>
+                  <a:ext cx="2470491" cy="1796720"/>
                 </a:xfrm>
                 <a:prstGeom prst="rect">
                   <a:avLst/>
@@ -4369,14 +4444,14 @@
             </p:pic>
             <p:pic>
               <p:nvPicPr>
-                <p:cNvPr id="5" name="Image 4"/>
+                <p:cNvPr id="3" name="Image 2"/>
                 <p:cNvPicPr>
                   <a:picLocks noChangeAspect="1"/>
                 </p:cNvPicPr>
                 <p:nvPr/>
               </p:nvPicPr>
               <p:blipFill>
-                <a:blip r:embed="rId3" cstate="print">
+                <a:blip r:embed="rId5" cstate="print">
                   <a:extLst>
                     <a:ext uri="{28A0092B-C50C-407E-A947-70E740481C1C}">
                       <a14:useLocalDpi xmlns:a14="http://schemas.microsoft.com/office/drawing/2010/main" val="0"/>
@@ -4389,8 +4464,8 @@
               </p:blipFill>
               <p:spPr>
                 <a:xfrm>
-                  <a:off x="1750284" y="6634795"/>
-                  <a:ext cx="2219917" cy="1572160"/>
+                  <a:off x="5268991" y="3576353"/>
+                  <a:ext cx="2469599" cy="1796072"/>
                 </a:xfrm>
                 <a:prstGeom prst="rect">
                   <a:avLst/>
@@ -4400,14 +4475,14 @@
           </p:grpSp>
           <p:pic>
             <p:nvPicPr>
-              <p:cNvPr id="2" name="Image 1"/>
+              <p:cNvPr id="8" name="Image 7"/>
               <p:cNvPicPr>
                 <a:picLocks noChangeAspect="1"/>
               </p:cNvPicPr>
               <p:nvPr/>
             </p:nvPicPr>
             <p:blipFill>
-              <a:blip r:embed="rId4" cstate="print">
+              <a:blip r:embed="rId6" cstate="print">
                 <a:extLst>
                   <a:ext uri="{28A0092B-C50C-407E-A947-70E740481C1C}">
                     <a14:useLocalDpi xmlns:a14="http://schemas.microsoft.com/office/drawing/2010/main" val="0"/>
@@ -4420,8 +4495,8 @@
             </p:blipFill>
             <p:spPr>
               <a:xfrm>
-                <a:off x="5268990" y="354972"/>
-                <a:ext cx="2470491" cy="1796721"/>
+                <a:off x="5497479" y="2235726"/>
+                <a:ext cx="2296552" cy="835109"/>
               </a:xfrm>
               <a:prstGeom prst="rect">
                 <a:avLst/>
@@ -4430,14 +4505,14 @@
           </p:pic>
           <p:pic>
             <p:nvPicPr>
-              <p:cNvPr id="3" name="Image 2"/>
+              <p:cNvPr id="9" name="Image 8"/>
               <p:cNvPicPr>
                 <a:picLocks noChangeAspect="1"/>
               </p:cNvPicPr>
               <p:nvPr/>
             </p:nvPicPr>
             <p:blipFill>
-              <a:blip r:embed="rId5" cstate="print">
+              <a:blip r:embed="rId7" cstate="print">
                 <a:extLst>
                   <a:ext uri="{28A0092B-C50C-407E-A947-70E740481C1C}">
                     <a14:useLocalDpi xmlns:a14="http://schemas.microsoft.com/office/drawing/2010/main" val="0"/>
@@ -4450,8 +4525,8 @@
             </p:blipFill>
             <p:spPr>
               <a:xfrm>
-                <a:off x="5268991" y="3576353"/>
-                <a:ext cx="2469600" cy="1796072"/>
+                <a:off x="5499440" y="5402669"/>
+                <a:ext cx="2294591" cy="834396"/>
               </a:xfrm>
               <a:prstGeom prst="rect">
                 <a:avLst/>
@@ -4459,66 +4534,78 @@
             </p:spPr>
           </p:pic>
         </p:grpSp>
-        <p:pic>
-          <p:nvPicPr>
-            <p:cNvPr id="8" name="Image 7"/>
-            <p:cNvPicPr>
-              <a:picLocks noChangeAspect="1"/>
-            </p:cNvPicPr>
+        <p:sp>
+          <p:nvSpPr>
+            <p:cNvPr id="11" name="ZoneTexte 10"/>
+            <p:cNvSpPr txBox="1"/>
             <p:nvPr/>
-          </p:nvPicPr>
-          <p:blipFill>
-            <a:blip r:embed="rId6" cstate="print">
-              <a:extLst>
-                <a:ext uri="{28A0092B-C50C-407E-A947-70E740481C1C}">
-                  <a14:useLocalDpi xmlns:a14="http://schemas.microsoft.com/office/drawing/2010/main" val="0"/>
-                </a:ext>
-              </a:extLst>
-            </a:blip>
-            <a:stretch>
-              <a:fillRect/>
-            </a:stretch>
-          </p:blipFill>
+          </p:nvSpPr>
           <p:spPr>
             <a:xfrm>
-              <a:off x="5497479" y="2235726"/>
-              <a:ext cx="2296552" cy="835110"/>
+              <a:off x="6542980" y="2994443"/>
+              <a:ext cx="713657" cy="215444"/>
             </a:xfrm>
             <a:prstGeom prst="rect">
               <a:avLst/>
             </a:prstGeom>
+            <a:noFill/>
           </p:spPr>
-        </p:pic>
-        <p:pic>
-          <p:nvPicPr>
-            <p:cNvPr id="9" name="Image 8"/>
-            <p:cNvPicPr>
-              <a:picLocks noChangeAspect="1"/>
-            </p:cNvPicPr>
+          <p:txBody>
+            <a:bodyPr wrap="none" rtlCol="0">
+              <a:spAutoFit/>
+            </a:bodyPr>
+            <a:lstStyle/>
+            <a:p>
+              <a:r>
+                <a:rPr lang="fr-FR" sz="800" dirty="0" err="1" smtClean="0">
+                  <a:latin typeface="Arial" panose="020B0604020202020204" pitchFamily="34" charset="0"/>
+                  <a:cs typeface="Arial" panose="020B0604020202020204" pitchFamily="34" charset="0"/>
+                </a:rPr>
+                <a:t>Percentage</a:t>
+              </a:r>
+              <a:endParaRPr lang="fr-FR" sz="800" dirty="0">
+                <a:latin typeface="Arial" panose="020B0604020202020204" pitchFamily="34" charset="0"/>
+                <a:cs typeface="Arial" panose="020B0604020202020204" pitchFamily="34" charset="0"/>
+              </a:endParaRPr>
+            </a:p>
+          </p:txBody>
+        </p:sp>
+        <p:sp>
+          <p:nvSpPr>
+            <p:cNvPr id="12" name="ZoneTexte 11"/>
+            <p:cNvSpPr txBox="1"/>
             <p:nvPr/>
-          </p:nvPicPr>
-          <p:blipFill>
-            <a:blip r:embed="rId7" cstate="print">
-              <a:extLst>
-                <a:ext uri="{28A0092B-C50C-407E-A947-70E740481C1C}">
-                  <a14:useLocalDpi xmlns:a14="http://schemas.microsoft.com/office/drawing/2010/main" val="0"/>
-                </a:ext>
-              </a:extLst>
-            </a:blip>
-            <a:stretch>
-              <a:fillRect/>
-            </a:stretch>
-          </p:blipFill>
+          </p:nvSpPr>
           <p:spPr>
             <a:xfrm>
-              <a:off x="5499440" y="5402669"/>
-              <a:ext cx="2294591" cy="834397"/>
+              <a:off x="6542979" y="6159588"/>
+              <a:ext cx="713657" cy="215444"/>
             </a:xfrm>
             <a:prstGeom prst="rect">
               <a:avLst/>
             </a:prstGeom>
+            <a:noFill/>
           </p:spPr>
-        </p:pic>
+          <p:txBody>
+            <a:bodyPr wrap="none" rtlCol="0">
+              <a:spAutoFit/>
+            </a:bodyPr>
+            <a:lstStyle/>
+            <a:p>
+              <a:r>
+                <a:rPr lang="fr-FR" sz="800" dirty="0" err="1" smtClean="0">
+                  <a:latin typeface="Arial" panose="020B0604020202020204" pitchFamily="34" charset="0"/>
+                  <a:cs typeface="Arial" panose="020B0604020202020204" pitchFamily="34" charset="0"/>
+                </a:rPr>
+                <a:t>Percentage</a:t>
+              </a:r>
+              <a:endParaRPr lang="fr-FR" sz="800" dirty="0">
+                <a:latin typeface="Arial" panose="020B0604020202020204" pitchFamily="34" charset="0"/>
+                <a:cs typeface="Arial" panose="020B0604020202020204" pitchFamily="34" charset="0"/>
+              </a:endParaRPr>
+            </a:p>
+          </p:txBody>
+        </p:sp>
       </p:grpSp>
     </p:spTree>
     <p:extLst>
@@ -8115,7 +8202,7 @@
         </p:nvGrpSpPr>
         <p:grpSpPr>
           <a:xfrm>
-            <a:off x="0" y="343814"/>
+            <a:off x="0" y="317688"/>
             <a:ext cx="6203288" cy="6166547"/>
             <a:chOff x="0" y="343814"/>
             <a:chExt cx="6203288" cy="6166547"/>

--- a/06_Figures/Figures.pptx
+++ b/06_Figures/Figures.pptx
@@ -158,7 +158,7 @@
           </a:lstStyle>
           <a:p>
             <a:r>
-              <a:rPr lang="fr-FR" smtClean="0"/>
+              <a:rPr lang="fr-FR"/>
               <a:t>Modifiez le style du titre</a:t>
             </a:r>
             <a:endParaRPr lang="en-US" dirty="0"/>
@@ -223,7 +223,7 @@
           </a:lstStyle>
           <a:p>
             <a:r>
-              <a:rPr lang="fr-FR" smtClean="0"/>
+              <a:rPr lang="fr-FR"/>
               <a:t>Modifier le style des sous-titres du masque</a:t>
             </a:r>
             <a:endParaRPr lang="en-US" dirty="0"/>
@@ -247,7 +247,7 @@
           <a:p>
             <a:fld id="{3FF39126-F987-48DB-9EEF-9CD00B9E823D}" type="datetimeFigureOut">
               <a:rPr lang="fr-FR" smtClean="0"/>
-              <a:t>05/01/2023</a:t>
+              <a:t>11/08/2023</a:t>
             </a:fld>
             <a:endParaRPr lang="fr-FR"/>
           </a:p>
@@ -341,7 +341,7 @@
           <a:lstStyle/>
           <a:p>
             <a:r>
-              <a:rPr lang="fr-FR" smtClean="0"/>
+              <a:rPr lang="fr-FR"/>
               <a:t>Modifiez le style du titre</a:t>
             </a:r>
             <a:endParaRPr lang="en-US" dirty="0"/>
@@ -365,35 +365,35 @@
           <a:p>
             <a:pPr lvl="0"/>
             <a:r>
-              <a:rPr lang="fr-FR" smtClean="0"/>
+              <a:rPr lang="fr-FR"/>
               <a:t>Modifier les styles du texte du masque</a:t>
             </a:r>
           </a:p>
           <a:p>
             <a:pPr lvl="1"/>
             <a:r>
-              <a:rPr lang="fr-FR" smtClean="0"/>
+              <a:rPr lang="fr-FR"/>
               <a:t>Deuxième niveau</a:t>
             </a:r>
           </a:p>
           <a:p>
             <a:pPr lvl="2"/>
             <a:r>
-              <a:rPr lang="fr-FR" smtClean="0"/>
+              <a:rPr lang="fr-FR"/>
               <a:t>Troisième niveau</a:t>
             </a:r>
           </a:p>
           <a:p>
             <a:pPr lvl="3"/>
             <a:r>
-              <a:rPr lang="fr-FR" smtClean="0"/>
+              <a:rPr lang="fr-FR"/>
               <a:t>Quatrième niveau</a:t>
             </a:r>
           </a:p>
           <a:p>
             <a:pPr lvl="4"/>
             <a:r>
-              <a:rPr lang="fr-FR" smtClean="0"/>
+              <a:rPr lang="fr-FR"/>
               <a:t>Cinquième niveau</a:t>
             </a:r>
             <a:endParaRPr lang="en-US" dirty="0"/>
@@ -417,7 +417,7 @@
           <a:p>
             <a:fld id="{3FF39126-F987-48DB-9EEF-9CD00B9E823D}" type="datetimeFigureOut">
               <a:rPr lang="fr-FR" smtClean="0"/>
-              <a:t>05/01/2023</a:t>
+              <a:t>11/08/2023</a:t>
             </a:fld>
             <a:endParaRPr lang="fr-FR"/>
           </a:p>
@@ -516,7 +516,7 @@
           <a:lstStyle/>
           <a:p>
             <a:r>
-              <a:rPr lang="fr-FR" smtClean="0"/>
+              <a:rPr lang="fr-FR"/>
               <a:t>Modifiez le style du titre</a:t>
             </a:r>
             <a:endParaRPr lang="en-US" dirty="0"/>
@@ -545,35 +545,35 @@
           <a:p>
             <a:pPr lvl="0"/>
             <a:r>
-              <a:rPr lang="fr-FR" smtClean="0"/>
+              <a:rPr lang="fr-FR"/>
               <a:t>Modifier les styles du texte du masque</a:t>
             </a:r>
           </a:p>
           <a:p>
             <a:pPr lvl="1"/>
             <a:r>
-              <a:rPr lang="fr-FR" smtClean="0"/>
+              <a:rPr lang="fr-FR"/>
               <a:t>Deuxième niveau</a:t>
             </a:r>
           </a:p>
           <a:p>
             <a:pPr lvl="2"/>
             <a:r>
-              <a:rPr lang="fr-FR" smtClean="0"/>
+              <a:rPr lang="fr-FR"/>
               <a:t>Troisième niveau</a:t>
             </a:r>
           </a:p>
           <a:p>
             <a:pPr lvl="3"/>
             <a:r>
-              <a:rPr lang="fr-FR" smtClean="0"/>
+              <a:rPr lang="fr-FR"/>
               <a:t>Quatrième niveau</a:t>
             </a:r>
           </a:p>
           <a:p>
             <a:pPr lvl="4"/>
             <a:r>
-              <a:rPr lang="fr-FR" smtClean="0"/>
+              <a:rPr lang="fr-FR"/>
               <a:t>Cinquième niveau</a:t>
             </a:r>
             <a:endParaRPr lang="en-US" dirty="0"/>
@@ -597,7 +597,7 @@
           <a:p>
             <a:fld id="{3FF39126-F987-48DB-9EEF-9CD00B9E823D}" type="datetimeFigureOut">
               <a:rPr lang="fr-FR" smtClean="0"/>
-              <a:t>05/01/2023</a:t>
+              <a:t>11/08/2023</a:t>
             </a:fld>
             <a:endParaRPr lang="fr-FR"/>
           </a:p>
@@ -691,7 +691,7 @@
           <a:lstStyle/>
           <a:p>
             <a:r>
-              <a:rPr lang="fr-FR" smtClean="0"/>
+              <a:rPr lang="fr-FR"/>
               <a:t>Modifiez le style du titre</a:t>
             </a:r>
             <a:endParaRPr lang="en-US" dirty="0"/>
@@ -715,35 +715,35 @@
           <a:p>
             <a:pPr lvl="0"/>
             <a:r>
-              <a:rPr lang="fr-FR" smtClean="0"/>
+              <a:rPr lang="fr-FR"/>
               <a:t>Modifier les styles du texte du masque</a:t>
             </a:r>
           </a:p>
           <a:p>
             <a:pPr lvl="1"/>
             <a:r>
-              <a:rPr lang="fr-FR" smtClean="0"/>
+              <a:rPr lang="fr-FR"/>
               <a:t>Deuxième niveau</a:t>
             </a:r>
           </a:p>
           <a:p>
             <a:pPr lvl="2"/>
             <a:r>
-              <a:rPr lang="fr-FR" smtClean="0"/>
+              <a:rPr lang="fr-FR"/>
               <a:t>Troisième niveau</a:t>
             </a:r>
           </a:p>
           <a:p>
             <a:pPr lvl="3"/>
             <a:r>
-              <a:rPr lang="fr-FR" smtClean="0"/>
+              <a:rPr lang="fr-FR"/>
               <a:t>Quatrième niveau</a:t>
             </a:r>
           </a:p>
           <a:p>
             <a:pPr lvl="4"/>
             <a:r>
-              <a:rPr lang="fr-FR" smtClean="0"/>
+              <a:rPr lang="fr-FR"/>
               <a:t>Cinquième niveau</a:t>
             </a:r>
             <a:endParaRPr lang="en-US" dirty="0"/>
@@ -767,7 +767,7 @@
           <a:p>
             <a:fld id="{3FF39126-F987-48DB-9EEF-9CD00B9E823D}" type="datetimeFigureOut">
               <a:rPr lang="fr-FR" smtClean="0"/>
-              <a:t>05/01/2023</a:t>
+              <a:t>11/08/2023</a:t>
             </a:fld>
             <a:endParaRPr lang="fr-FR"/>
           </a:p>
@@ -870,7 +870,7 @@
           </a:lstStyle>
           <a:p>
             <a:r>
-              <a:rPr lang="fr-FR" smtClean="0"/>
+              <a:rPr lang="fr-FR"/>
               <a:t>Modifiez le style du titre</a:t>
             </a:r>
             <a:endParaRPr lang="en-US" dirty="0"/>
@@ -988,7 +988,7 @@
           <a:p>
             <a:pPr lvl="0"/>
             <a:r>
-              <a:rPr lang="fr-FR" smtClean="0"/>
+              <a:rPr lang="fr-FR"/>
               <a:t>Modifier les styles du texte du masque</a:t>
             </a:r>
           </a:p>
@@ -1011,7 +1011,7 @@
           <a:p>
             <a:fld id="{3FF39126-F987-48DB-9EEF-9CD00B9E823D}" type="datetimeFigureOut">
               <a:rPr lang="fr-FR" smtClean="0"/>
-              <a:t>05/01/2023</a:t>
+              <a:t>11/08/2023</a:t>
             </a:fld>
             <a:endParaRPr lang="fr-FR"/>
           </a:p>
@@ -1105,7 +1105,7 @@
           <a:lstStyle/>
           <a:p>
             <a:r>
-              <a:rPr lang="fr-FR" smtClean="0"/>
+              <a:rPr lang="fr-FR"/>
               <a:t>Modifiez le style du titre</a:t>
             </a:r>
             <a:endParaRPr lang="en-US" dirty="0"/>
@@ -1134,35 +1134,35 @@
           <a:p>
             <a:pPr lvl="0"/>
             <a:r>
-              <a:rPr lang="fr-FR" smtClean="0"/>
+              <a:rPr lang="fr-FR"/>
               <a:t>Modifier les styles du texte du masque</a:t>
             </a:r>
           </a:p>
           <a:p>
             <a:pPr lvl="1"/>
             <a:r>
-              <a:rPr lang="fr-FR" smtClean="0"/>
+              <a:rPr lang="fr-FR"/>
               <a:t>Deuxième niveau</a:t>
             </a:r>
           </a:p>
           <a:p>
             <a:pPr lvl="2"/>
             <a:r>
-              <a:rPr lang="fr-FR" smtClean="0"/>
+              <a:rPr lang="fr-FR"/>
               <a:t>Troisième niveau</a:t>
             </a:r>
           </a:p>
           <a:p>
             <a:pPr lvl="3"/>
             <a:r>
-              <a:rPr lang="fr-FR" smtClean="0"/>
+              <a:rPr lang="fr-FR"/>
               <a:t>Quatrième niveau</a:t>
             </a:r>
           </a:p>
           <a:p>
             <a:pPr lvl="4"/>
             <a:r>
-              <a:rPr lang="fr-FR" smtClean="0"/>
+              <a:rPr lang="fr-FR"/>
               <a:t>Cinquième niveau</a:t>
             </a:r>
             <a:endParaRPr lang="en-US" dirty="0"/>
@@ -1191,35 +1191,35 @@
           <a:p>
             <a:pPr lvl="0"/>
             <a:r>
-              <a:rPr lang="fr-FR" smtClean="0"/>
+              <a:rPr lang="fr-FR"/>
               <a:t>Modifier les styles du texte du masque</a:t>
             </a:r>
           </a:p>
           <a:p>
             <a:pPr lvl="1"/>
             <a:r>
-              <a:rPr lang="fr-FR" smtClean="0"/>
+              <a:rPr lang="fr-FR"/>
               <a:t>Deuxième niveau</a:t>
             </a:r>
           </a:p>
           <a:p>
             <a:pPr lvl="2"/>
             <a:r>
-              <a:rPr lang="fr-FR" smtClean="0"/>
+              <a:rPr lang="fr-FR"/>
               <a:t>Troisième niveau</a:t>
             </a:r>
           </a:p>
           <a:p>
             <a:pPr lvl="3"/>
             <a:r>
-              <a:rPr lang="fr-FR" smtClean="0"/>
+              <a:rPr lang="fr-FR"/>
               <a:t>Quatrième niveau</a:t>
             </a:r>
           </a:p>
           <a:p>
             <a:pPr lvl="4"/>
             <a:r>
-              <a:rPr lang="fr-FR" smtClean="0"/>
+              <a:rPr lang="fr-FR"/>
               <a:t>Cinquième niveau</a:t>
             </a:r>
             <a:endParaRPr lang="en-US" dirty="0"/>
@@ -1243,7 +1243,7 @@
           <a:p>
             <a:fld id="{3FF39126-F987-48DB-9EEF-9CD00B9E823D}" type="datetimeFigureOut">
               <a:rPr lang="fr-FR" smtClean="0"/>
-              <a:t>05/01/2023</a:t>
+              <a:t>11/08/2023</a:t>
             </a:fld>
             <a:endParaRPr lang="fr-FR"/>
           </a:p>
@@ -1342,7 +1342,7 @@
           <a:lstStyle/>
           <a:p>
             <a:r>
-              <a:rPr lang="fr-FR" smtClean="0"/>
+              <a:rPr lang="fr-FR"/>
               <a:t>Modifiez le style du titre</a:t>
             </a:r>
             <a:endParaRPr lang="en-US" dirty="0"/>
@@ -1408,7 +1408,7 @@
           <a:p>
             <a:pPr lvl="0"/>
             <a:r>
-              <a:rPr lang="fr-FR" smtClean="0"/>
+              <a:rPr lang="fr-FR"/>
               <a:t>Modifier les styles du texte du masque</a:t>
             </a:r>
           </a:p>
@@ -1436,35 +1436,35 @@
           <a:p>
             <a:pPr lvl="0"/>
             <a:r>
-              <a:rPr lang="fr-FR" smtClean="0"/>
+              <a:rPr lang="fr-FR"/>
               <a:t>Modifier les styles du texte du masque</a:t>
             </a:r>
           </a:p>
           <a:p>
             <a:pPr lvl="1"/>
             <a:r>
-              <a:rPr lang="fr-FR" smtClean="0"/>
+              <a:rPr lang="fr-FR"/>
               <a:t>Deuxième niveau</a:t>
             </a:r>
           </a:p>
           <a:p>
             <a:pPr lvl="2"/>
             <a:r>
-              <a:rPr lang="fr-FR" smtClean="0"/>
+              <a:rPr lang="fr-FR"/>
               <a:t>Troisième niveau</a:t>
             </a:r>
           </a:p>
           <a:p>
             <a:pPr lvl="3"/>
             <a:r>
-              <a:rPr lang="fr-FR" smtClean="0"/>
+              <a:rPr lang="fr-FR"/>
               <a:t>Quatrième niveau</a:t>
             </a:r>
           </a:p>
           <a:p>
             <a:pPr lvl="4"/>
             <a:r>
-              <a:rPr lang="fr-FR" smtClean="0"/>
+              <a:rPr lang="fr-FR"/>
               <a:t>Cinquième niveau</a:t>
             </a:r>
             <a:endParaRPr lang="en-US" dirty="0"/>
@@ -1530,7 +1530,7 @@
           <a:p>
             <a:pPr lvl="0"/>
             <a:r>
-              <a:rPr lang="fr-FR" smtClean="0"/>
+              <a:rPr lang="fr-FR"/>
               <a:t>Modifier les styles du texte du masque</a:t>
             </a:r>
           </a:p>
@@ -1558,35 +1558,35 @@
           <a:p>
             <a:pPr lvl="0"/>
             <a:r>
-              <a:rPr lang="fr-FR" smtClean="0"/>
+              <a:rPr lang="fr-FR"/>
               <a:t>Modifier les styles du texte du masque</a:t>
             </a:r>
           </a:p>
           <a:p>
             <a:pPr lvl="1"/>
             <a:r>
-              <a:rPr lang="fr-FR" smtClean="0"/>
+              <a:rPr lang="fr-FR"/>
               <a:t>Deuxième niveau</a:t>
             </a:r>
           </a:p>
           <a:p>
             <a:pPr lvl="2"/>
             <a:r>
-              <a:rPr lang="fr-FR" smtClean="0"/>
+              <a:rPr lang="fr-FR"/>
               <a:t>Troisième niveau</a:t>
             </a:r>
           </a:p>
           <a:p>
             <a:pPr lvl="3"/>
             <a:r>
-              <a:rPr lang="fr-FR" smtClean="0"/>
+              <a:rPr lang="fr-FR"/>
               <a:t>Quatrième niveau</a:t>
             </a:r>
           </a:p>
           <a:p>
             <a:pPr lvl="4"/>
             <a:r>
-              <a:rPr lang="fr-FR" smtClean="0"/>
+              <a:rPr lang="fr-FR"/>
               <a:t>Cinquième niveau</a:t>
             </a:r>
             <a:endParaRPr lang="en-US" dirty="0"/>
@@ -1610,7 +1610,7 @@
           <a:p>
             <a:fld id="{3FF39126-F987-48DB-9EEF-9CD00B9E823D}" type="datetimeFigureOut">
               <a:rPr lang="fr-FR" smtClean="0"/>
-              <a:t>05/01/2023</a:t>
+              <a:t>11/08/2023</a:t>
             </a:fld>
             <a:endParaRPr lang="fr-FR"/>
           </a:p>
@@ -1704,7 +1704,7 @@
           <a:lstStyle/>
           <a:p>
             <a:r>
-              <a:rPr lang="fr-FR" smtClean="0"/>
+              <a:rPr lang="fr-FR"/>
               <a:t>Modifiez le style du titre</a:t>
             </a:r>
             <a:endParaRPr lang="en-US" dirty="0"/>
@@ -1728,7 +1728,7 @@
           <a:p>
             <a:fld id="{3FF39126-F987-48DB-9EEF-9CD00B9E823D}" type="datetimeFigureOut">
               <a:rPr lang="fr-FR" smtClean="0"/>
-              <a:t>05/01/2023</a:t>
+              <a:t>11/08/2023</a:t>
             </a:fld>
             <a:endParaRPr lang="fr-FR"/>
           </a:p>
@@ -1823,7 +1823,7 @@
           <a:p>
             <a:fld id="{3FF39126-F987-48DB-9EEF-9CD00B9E823D}" type="datetimeFigureOut">
               <a:rPr lang="fr-FR" smtClean="0"/>
-              <a:t>05/01/2023</a:t>
+              <a:t>11/08/2023</a:t>
             </a:fld>
             <a:endParaRPr lang="fr-FR"/>
           </a:p>
@@ -1926,7 +1926,7 @@
           </a:lstStyle>
           <a:p>
             <a:r>
-              <a:rPr lang="fr-FR" smtClean="0"/>
+              <a:rPr lang="fr-FR"/>
               <a:t>Modifiez le style du titre</a:t>
             </a:r>
             <a:endParaRPr lang="en-US" dirty="0"/>
@@ -1983,35 +1983,35 @@
           <a:p>
             <a:pPr lvl="0"/>
             <a:r>
-              <a:rPr lang="fr-FR" smtClean="0"/>
+              <a:rPr lang="fr-FR"/>
               <a:t>Modifier les styles du texte du masque</a:t>
             </a:r>
           </a:p>
           <a:p>
             <a:pPr lvl="1"/>
             <a:r>
-              <a:rPr lang="fr-FR" smtClean="0"/>
+              <a:rPr lang="fr-FR"/>
               <a:t>Deuxième niveau</a:t>
             </a:r>
           </a:p>
           <a:p>
             <a:pPr lvl="2"/>
             <a:r>
-              <a:rPr lang="fr-FR" smtClean="0"/>
+              <a:rPr lang="fr-FR"/>
               <a:t>Troisième niveau</a:t>
             </a:r>
           </a:p>
           <a:p>
             <a:pPr lvl="3"/>
             <a:r>
-              <a:rPr lang="fr-FR" smtClean="0"/>
+              <a:rPr lang="fr-FR"/>
               <a:t>Quatrième niveau</a:t>
             </a:r>
           </a:p>
           <a:p>
             <a:pPr lvl="4"/>
             <a:r>
-              <a:rPr lang="fr-FR" smtClean="0"/>
+              <a:rPr lang="fr-FR"/>
               <a:t>Cinquième niveau</a:t>
             </a:r>
             <a:endParaRPr lang="en-US" dirty="0"/>
@@ -2077,7 +2077,7 @@
           <a:p>
             <a:pPr lvl="0"/>
             <a:r>
-              <a:rPr lang="fr-FR" smtClean="0"/>
+              <a:rPr lang="fr-FR"/>
               <a:t>Modifier les styles du texte du masque</a:t>
             </a:r>
           </a:p>
@@ -2100,7 +2100,7 @@
           <a:p>
             <a:fld id="{3FF39126-F987-48DB-9EEF-9CD00B9E823D}" type="datetimeFigureOut">
               <a:rPr lang="fr-FR" smtClean="0"/>
-              <a:t>05/01/2023</a:t>
+              <a:t>11/08/2023</a:t>
             </a:fld>
             <a:endParaRPr lang="fr-FR"/>
           </a:p>
@@ -2203,7 +2203,7 @@
           </a:lstStyle>
           <a:p>
             <a:r>
-              <a:rPr lang="fr-FR" smtClean="0"/>
+              <a:rPr lang="fr-FR"/>
               <a:t>Modifiez le style du titre</a:t>
             </a:r>
             <a:endParaRPr lang="en-US" dirty="0"/>
@@ -2268,7 +2268,7 @@
           </a:lstStyle>
           <a:p>
             <a:r>
-              <a:rPr lang="fr-FR" smtClean="0"/>
+              <a:rPr lang="fr-FR"/>
               <a:t>Cliquez sur l'icône pour ajouter une image</a:t>
             </a:r>
             <a:endParaRPr lang="en-US" dirty="0"/>
@@ -2334,7 +2334,7 @@
           <a:p>
             <a:pPr lvl="0"/>
             <a:r>
-              <a:rPr lang="fr-FR" smtClean="0"/>
+              <a:rPr lang="fr-FR"/>
               <a:t>Modifier les styles du texte du masque</a:t>
             </a:r>
           </a:p>
@@ -2357,7 +2357,7 @@
           <a:p>
             <a:fld id="{3FF39126-F987-48DB-9EEF-9CD00B9E823D}" type="datetimeFigureOut">
               <a:rPr lang="fr-FR" smtClean="0"/>
-              <a:t>05/01/2023</a:t>
+              <a:t>11/08/2023</a:t>
             </a:fld>
             <a:endParaRPr lang="fr-FR"/>
           </a:p>
@@ -2466,7 +2466,7 @@
           <a:lstStyle/>
           <a:p>
             <a:r>
-              <a:rPr lang="fr-FR" smtClean="0"/>
+              <a:rPr lang="fr-FR"/>
               <a:t>Modifiez le style du titre</a:t>
             </a:r>
             <a:endParaRPr lang="en-US" dirty="0"/>
@@ -2500,35 +2500,35 @@
           <a:p>
             <a:pPr lvl="0"/>
             <a:r>
-              <a:rPr lang="fr-FR" smtClean="0"/>
+              <a:rPr lang="fr-FR"/>
               <a:t>Modifier les styles du texte du masque</a:t>
             </a:r>
           </a:p>
           <a:p>
             <a:pPr lvl="1"/>
             <a:r>
-              <a:rPr lang="fr-FR" smtClean="0"/>
+              <a:rPr lang="fr-FR"/>
               <a:t>Deuxième niveau</a:t>
             </a:r>
           </a:p>
           <a:p>
             <a:pPr lvl="2"/>
             <a:r>
-              <a:rPr lang="fr-FR" smtClean="0"/>
+              <a:rPr lang="fr-FR"/>
               <a:t>Troisième niveau</a:t>
             </a:r>
           </a:p>
           <a:p>
             <a:pPr lvl="3"/>
             <a:r>
-              <a:rPr lang="fr-FR" smtClean="0"/>
+              <a:rPr lang="fr-FR"/>
               <a:t>Quatrième niveau</a:t>
             </a:r>
           </a:p>
           <a:p>
             <a:pPr lvl="4"/>
             <a:r>
-              <a:rPr lang="fr-FR" smtClean="0"/>
+              <a:rPr lang="fr-FR"/>
               <a:t>Cinquième niveau</a:t>
             </a:r>
             <a:endParaRPr lang="en-US" dirty="0"/>
@@ -2570,7 +2570,7 @@
           <a:p>
             <a:fld id="{3FF39126-F987-48DB-9EEF-9CD00B9E823D}" type="datetimeFigureOut">
               <a:rPr lang="fr-FR" smtClean="0"/>
-              <a:t>05/01/2023</a:t>
+              <a:t>11/08/2023</a:t>
             </a:fld>
             <a:endParaRPr lang="fr-FR"/>
           </a:p>
@@ -4557,7 +4557,7 @@
             <a:lstStyle/>
             <a:p>
               <a:r>
-                <a:rPr lang="fr-FR" sz="800" dirty="0" err="1" smtClean="0">
+                <a:rPr lang="fr-FR" sz="800" dirty="0" err="1">
                   <a:latin typeface="Arial" panose="020B0604020202020204" pitchFamily="34" charset="0"/>
                   <a:cs typeface="Arial" panose="020B0604020202020204" pitchFamily="34" charset="0"/>
                 </a:rPr>
@@ -4593,7 +4593,7 @@
             <a:lstStyle/>
             <a:p>
               <a:r>
-                <a:rPr lang="fr-FR" sz="800" dirty="0" err="1" smtClean="0">
+                <a:rPr lang="fr-FR" sz="800" dirty="0" err="1">
                   <a:latin typeface="Arial" panose="020B0604020202020204" pitchFamily="34" charset="0"/>
                   <a:cs typeface="Arial" panose="020B0604020202020204" pitchFamily="34" charset="0"/>
                 </a:rPr>
@@ -4855,16 +4855,12 @@
               <a:lstStyle/>
               <a:p>
                 <a:r>
-                  <a:rPr lang="fr-FR" sz="1400" i="1" dirty="0" smtClean="0">
+                  <a:rPr lang="fr-FR" sz="1400" i="1" dirty="0">
                     <a:latin typeface="Arial" panose="020B0604020202020204" pitchFamily="34" charset="0"/>
                     <a:cs typeface="Arial" panose="020B0604020202020204" pitchFamily="34" charset="0"/>
                   </a:rPr>
                   <a:t>Chesterfield</a:t>
                 </a:r>
-                <a:endParaRPr lang="fr-FR" sz="1400" i="1" dirty="0">
-                  <a:latin typeface="Arial" panose="020B0604020202020204" pitchFamily="34" charset="0"/>
-                  <a:cs typeface="Arial" panose="020B0604020202020204" pitchFamily="34" charset="0"/>
-                </a:endParaRPr>
               </a:p>
             </p:txBody>
           </p:sp>
@@ -4891,16 +4887,12 @@
               <a:lstStyle/>
               <a:p>
                 <a:r>
-                  <a:rPr lang="fr-FR" sz="1400" i="1" dirty="0" smtClean="0">
+                  <a:rPr lang="fr-FR" sz="1400" i="1" dirty="0">
                     <a:latin typeface="Arial" panose="020B0604020202020204" pitchFamily="34" charset="0"/>
                     <a:cs typeface="Arial" panose="020B0604020202020204" pitchFamily="34" charset="0"/>
                   </a:rPr>
                   <a:t>Bellona</a:t>
                 </a:r>
-                <a:endParaRPr lang="fr-FR" sz="1400" i="1" dirty="0">
-                  <a:latin typeface="Arial" panose="020B0604020202020204" pitchFamily="34" charset="0"/>
-                  <a:cs typeface="Arial" panose="020B0604020202020204" pitchFamily="34" charset="0"/>
-                </a:endParaRPr>
               </a:p>
             </p:txBody>
           </p:sp>
@@ -4927,16 +4919,12 @@
               <a:lstStyle/>
               <a:p>
                 <a:r>
-                  <a:rPr lang="fr-FR" sz="1400" i="1" dirty="0" smtClean="0">
+                  <a:rPr lang="fr-FR" sz="1400" i="1" dirty="0">
                     <a:latin typeface="Arial" panose="020B0604020202020204" pitchFamily="34" charset="0"/>
                     <a:cs typeface="Arial" panose="020B0604020202020204" pitchFamily="34" charset="0"/>
                   </a:rPr>
                   <a:t>D’Entrecasteaux</a:t>
                 </a:r>
-                <a:endParaRPr lang="fr-FR" sz="1400" i="1" dirty="0">
-                  <a:latin typeface="Arial" panose="020B0604020202020204" pitchFamily="34" charset="0"/>
-                  <a:cs typeface="Arial" panose="020B0604020202020204" pitchFamily="34" charset="0"/>
-                </a:endParaRPr>
               </a:p>
             </p:txBody>
           </p:sp>
@@ -4963,16 +4951,12 @@
               <a:lstStyle/>
               <a:p>
                 <a:r>
-                  <a:rPr lang="fr-FR" sz="1400" i="1" dirty="0" smtClean="0">
+                  <a:rPr lang="fr-FR" sz="1400" i="1" dirty="0">
                     <a:latin typeface="Arial" panose="020B0604020202020204" pitchFamily="34" charset="0"/>
                     <a:cs typeface="Arial" panose="020B0604020202020204" pitchFamily="34" charset="0"/>
                   </a:rPr>
                   <a:t>Nouméa</a:t>
                 </a:r>
-                <a:endParaRPr lang="fr-FR" sz="1400" i="1" dirty="0">
-                  <a:latin typeface="Arial" panose="020B0604020202020204" pitchFamily="34" charset="0"/>
-                  <a:cs typeface="Arial" panose="020B0604020202020204" pitchFamily="34" charset="0"/>
-                </a:endParaRPr>
               </a:p>
             </p:txBody>
           </p:sp>
@@ -5076,23 +5060,19 @@
                 <a:lstStyle/>
                 <a:p>
                   <a:r>
-                    <a:rPr lang="fr-FR" sz="1100" b="1" dirty="0" err="1" smtClean="0">
+                    <a:rPr lang="fr-FR" sz="1100" b="1" dirty="0" err="1">
                       <a:latin typeface="Arial" panose="020B0604020202020204" pitchFamily="34" charset="0"/>
                       <a:cs typeface="Arial" panose="020B0604020202020204" pitchFamily="34" charset="0"/>
                     </a:rPr>
                     <a:t>Seamount</a:t>
                   </a:r>
                   <a:r>
-                    <a:rPr lang="fr-FR" sz="1100" b="1" dirty="0" smtClean="0">
+                    <a:rPr lang="fr-FR" sz="1100" b="1" dirty="0">
                       <a:latin typeface="Arial" panose="020B0604020202020204" pitchFamily="34" charset="0"/>
                       <a:cs typeface="Arial" panose="020B0604020202020204" pitchFamily="34" charset="0"/>
                     </a:rPr>
                     <a:t> ~50m</a:t>
                   </a:r>
-                  <a:endParaRPr lang="fr-FR" sz="1100" b="1" dirty="0">
-                    <a:latin typeface="Arial" panose="020B0604020202020204" pitchFamily="34" charset="0"/>
-                    <a:cs typeface="Arial" panose="020B0604020202020204" pitchFamily="34" charset="0"/>
-                  </a:endParaRPr>
                 </a:p>
               </p:txBody>
             </p:sp>
@@ -5182,23 +5162,19 @@
                 <a:lstStyle/>
                 <a:p>
                   <a:r>
-                    <a:rPr lang="fr-FR" sz="1100" b="1" dirty="0" err="1" smtClean="0">
+                    <a:rPr lang="fr-FR" sz="1100" b="1" dirty="0" err="1">
                       <a:latin typeface="Arial" panose="020B0604020202020204" pitchFamily="34" charset="0"/>
                       <a:cs typeface="Arial" panose="020B0604020202020204" pitchFamily="34" charset="0"/>
                     </a:rPr>
                     <a:t>Seamount</a:t>
                   </a:r>
                   <a:r>
-                    <a:rPr lang="fr-FR" sz="1100" b="1" dirty="0" smtClean="0">
+                    <a:rPr lang="fr-FR" sz="1100" b="1" dirty="0">
                       <a:latin typeface="Arial" panose="020B0604020202020204" pitchFamily="34" charset="0"/>
                       <a:cs typeface="Arial" panose="020B0604020202020204" pitchFamily="34" charset="0"/>
                     </a:rPr>
                     <a:t> ~250m</a:t>
                   </a:r>
-                  <a:endParaRPr lang="fr-FR" sz="1100" b="1" dirty="0">
-                    <a:latin typeface="Arial" panose="020B0604020202020204" pitchFamily="34" charset="0"/>
-                    <a:cs typeface="Arial" panose="020B0604020202020204" pitchFamily="34" charset="0"/>
-                  </a:endParaRPr>
                 </a:p>
               </p:txBody>
             </p:sp>
@@ -5288,23 +5264,19 @@
                 <a:lstStyle/>
                 <a:p>
                   <a:r>
-                    <a:rPr lang="fr-FR" sz="1100" b="1" dirty="0" err="1" smtClean="0">
+                    <a:rPr lang="fr-FR" sz="1100" b="1" dirty="0" err="1">
                       <a:latin typeface="Arial" panose="020B0604020202020204" pitchFamily="34" charset="0"/>
                       <a:cs typeface="Arial" panose="020B0604020202020204" pitchFamily="34" charset="0"/>
                     </a:rPr>
                     <a:t>Seamount</a:t>
                   </a:r>
                   <a:r>
-                    <a:rPr lang="fr-FR" sz="1100" b="1" dirty="0" smtClean="0">
+                    <a:rPr lang="fr-FR" sz="1100" b="1" dirty="0">
                       <a:latin typeface="Arial" panose="020B0604020202020204" pitchFamily="34" charset="0"/>
                       <a:cs typeface="Arial" panose="020B0604020202020204" pitchFamily="34" charset="0"/>
                     </a:rPr>
                     <a:t> ~500m</a:t>
                   </a:r>
-                  <a:endParaRPr lang="fr-FR" sz="1100" b="1" dirty="0">
-                    <a:latin typeface="Arial" panose="020B0604020202020204" pitchFamily="34" charset="0"/>
-                    <a:cs typeface="Arial" panose="020B0604020202020204" pitchFamily="34" charset="0"/>
-                  </a:endParaRPr>
                 </a:p>
               </p:txBody>
             </p:sp>
@@ -5394,37 +5366,33 @@
                 <a:lstStyle/>
                 <a:p>
                   <a:r>
-                    <a:rPr lang="fr-FR" sz="1100" b="1" dirty="0" err="1" smtClean="0">
+                    <a:rPr lang="fr-FR" sz="1100" b="1" dirty="0" err="1">
                       <a:latin typeface="Arial" panose="020B0604020202020204" pitchFamily="34" charset="0"/>
                       <a:cs typeface="Arial" panose="020B0604020202020204" pitchFamily="34" charset="0"/>
                     </a:rPr>
                     <a:t>Deep</a:t>
                   </a:r>
                   <a:r>
-                    <a:rPr lang="fr-FR" sz="1100" b="1" dirty="0" smtClean="0">
+                    <a:rPr lang="fr-FR" sz="1100" b="1" dirty="0">
                       <a:latin typeface="Arial" panose="020B0604020202020204" pitchFamily="34" charset="0"/>
                       <a:cs typeface="Arial" panose="020B0604020202020204" pitchFamily="34" charset="0"/>
                     </a:rPr>
                     <a:t> </a:t>
                   </a:r>
                   <a:r>
-                    <a:rPr lang="fr-FR" sz="1100" b="1" dirty="0" err="1" smtClean="0">
+                    <a:rPr lang="fr-FR" sz="1100" b="1" dirty="0" err="1">
                       <a:latin typeface="Arial" panose="020B0604020202020204" pitchFamily="34" charset="0"/>
                       <a:cs typeface="Arial" panose="020B0604020202020204" pitchFamily="34" charset="0"/>
                     </a:rPr>
                     <a:t>slope</a:t>
                   </a:r>
                   <a:r>
-                    <a:rPr lang="fr-FR" sz="1100" b="1" dirty="0" smtClean="0">
+                    <a:rPr lang="fr-FR" sz="1100" b="1" dirty="0">
                       <a:latin typeface="Arial" panose="020B0604020202020204" pitchFamily="34" charset="0"/>
                       <a:cs typeface="Arial" panose="020B0604020202020204" pitchFamily="34" charset="0"/>
                     </a:rPr>
                     <a:t> </a:t>
                   </a:r>
-                  <a:endParaRPr lang="fr-FR" sz="1100" b="1" dirty="0">
-                    <a:latin typeface="Arial" panose="020B0604020202020204" pitchFamily="34" charset="0"/>
-                    <a:cs typeface="Arial" panose="020B0604020202020204" pitchFamily="34" charset="0"/>
-                  </a:endParaRPr>
                 </a:p>
               </p:txBody>
             </p:sp>
@@ -5452,16 +5420,12 @@
               <a:lstStyle/>
               <a:p>
                 <a:r>
-                  <a:rPr lang="fr-FR" sz="1400" b="1" u="sng" dirty="0" smtClean="0">
+                  <a:rPr lang="fr-FR" sz="1400" b="1" u="sng" dirty="0">
                     <a:latin typeface="Arial" panose="020B0604020202020204" pitchFamily="34" charset="0"/>
                     <a:cs typeface="Arial" panose="020B0604020202020204" pitchFamily="34" charset="0"/>
                   </a:rPr>
                   <a:t>Habitat</a:t>
                 </a:r>
-                <a:endParaRPr lang="fr-FR" sz="1400" b="1" u="sng" dirty="0">
-                  <a:latin typeface="Arial" panose="020B0604020202020204" pitchFamily="34" charset="0"/>
-                  <a:cs typeface="Arial" panose="020B0604020202020204" pitchFamily="34" charset="0"/>
-                </a:endParaRPr>
               </a:p>
             </p:txBody>
           </p:sp>
@@ -5563,14 +5527,14 @@
                 <a:lstStyle/>
                 <a:p>
                   <a:r>
-                    <a:rPr lang="fr-FR" sz="1100" b="1" dirty="0" smtClean="0">
+                    <a:rPr lang="fr-FR" sz="1100" b="1" dirty="0">
                       <a:latin typeface="Arial" panose="020B0604020202020204" pitchFamily="34" charset="0"/>
                       <a:cs typeface="Arial" panose="020B0604020202020204" pitchFamily="34" charset="0"/>
                     </a:rPr>
                     <a:t>BRUVS </a:t>
                   </a:r>
                   <a:r>
-                    <a:rPr lang="fr-FR" sz="1100" b="1" dirty="0" err="1" smtClean="0">
+                    <a:rPr lang="fr-FR" sz="1100" b="1" dirty="0" err="1">
                       <a:latin typeface="Arial" panose="020B0604020202020204" pitchFamily="34" charset="0"/>
                       <a:cs typeface="Arial" panose="020B0604020202020204" pitchFamily="34" charset="0"/>
                     </a:rPr>
@@ -5667,14 +5631,14 @@
                 <a:lstStyle/>
                 <a:p>
                   <a:r>
-                    <a:rPr lang="fr-FR" sz="1100" b="1" dirty="0" smtClean="0">
+                    <a:rPr lang="fr-FR" sz="1100" b="1" dirty="0">
                       <a:latin typeface="Arial" panose="020B0604020202020204" pitchFamily="34" charset="0"/>
                       <a:cs typeface="Arial" panose="020B0604020202020204" pitchFamily="34" charset="0"/>
                     </a:rPr>
                     <a:t>eDNA </a:t>
                   </a:r>
                   <a:r>
-                    <a:rPr lang="fr-FR" sz="1100" b="1" dirty="0" err="1" smtClean="0">
+                    <a:rPr lang="fr-FR" sz="1100" b="1" dirty="0" err="1">
                       <a:latin typeface="Arial" panose="020B0604020202020204" pitchFamily="34" charset="0"/>
                       <a:cs typeface="Arial" panose="020B0604020202020204" pitchFamily="34" charset="0"/>
                     </a:rPr>
@@ -5773,21 +5737,21 @@
                 <a:lstStyle/>
                 <a:p>
                   <a:r>
-                    <a:rPr lang="fr-FR" sz="1100" b="1" dirty="0" err="1" smtClean="0">
+                    <a:rPr lang="fr-FR" sz="1100" b="1" dirty="0" err="1">
                       <a:latin typeface="Arial" panose="020B0604020202020204" pitchFamily="34" charset="0"/>
                       <a:cs typeface="Arial" panose="020B0604020202020204" pitchFamily="34" charset="0"/>
                     </a:rPr>
                     <a:t>Acoustic</a:t>
                   </a:r>
                   <a:r>
-                    <a:rPr lang="fr-FR" sz="1100" b="1" dirty="0" smtClean="0">
+                    <a:rPr lang="fr-FR" sz="1100" b="1" dirty="0">
                       <a:latin typeface="Arial" panose="020B0604020202020204" pitchFamily="34" charset="0"/>
                       <a:cs typeface="Arial" panose="020B0604020202020204" pitchFamily="34" charset="0"/>
                     </a:rPr>
                     <a:t> </a:t>
                   </a:r>
                   <a:r>
-                    <a:rPr lang="fr-FR" sz="1100" b="1" dirty="0" err="1" smtClean="0">
+                    <a:rPr lang="fr-FR" sz="1100" b="1" dirty="0" err="1">
                       <a:latin typeface="Arial" panose="020B0604020202020204" pitchFamily="34" charset="0"/>
                       <a:cs typeface="Arial" panose="020B0604020202020204" pitchFamily="34" charset="0"/>
                     </a:rPr>
@@ -5824,16 +5788,12 @@
               <a:lstStyle/>
               <a:p>
                 <a:r>
-                  <a:rPr lang="fr-FR" sz="1400" b="1" u="sng" dirty="0" smtClean="0">
+                  <a:rPr lang="fr-FR" sz="1400" b="1" u="sng" dirty="0">
                     <a:latin typeface="Arial" panose="020B0604020202020204" pitchFamily="34" charset="0"/>
                     <a:cs typeface="Arial" panose="020B0604020202020204" pitchFamily="34" charset="0"/>
                   </a:rPr>
                   <a:t>Sample type</a:t>
                 </a:r>
-                <a:endParaRPr lang="fr-FR" sz="1400" b="1" u="sng" dirty="0">
-                  <a:latin typeface="Arial" panose="020B0604020202020204" pitchFamily="34" charset="0"/>
-                  <a:cs typeface="Arial" panose="020B0604020202020204" pitchFamily="34" charset="0"/>
-                </a:endParaRPr>
               </a:p>
             </p:txBody>
           </p:sp>
@@ -5871,1807 +5831,1060 @@
       </p:grpSpPr>
       <p:grpSp>
         <p:nvGrpSpPr>
-          <p:cNvPr id="2" name="Groupe 1"/>
+          <p:cNvPr id="70" name="Groupe 69">
+            <a:extLst>
+              <a:ext uri="{FF2B5EF4-FFF2-40B4-BE49-F238E27FC236}">
+                <a16:creationId xmlns:a16="http://schemas.microsoft.com/office/drawing/2014/main" id="{BDFFA0C0-7329-5E47-4264-56BF2DD894CB}"/>
+              </a:ext>
+            </a:extLst>
+          </p:cNvPr>
           <p:cNvGrpSpPr/>
           <p:nvPr/>
         </p:nvGrpSpPr>
         <p:grpSpPr>
           <a:xfrm>
-            <a:off x="116695" y="236723"/>
-            <a:ext cx="8814942" cy="5853374"/>
-            <a:chOff x="116695" y="236723"/>
-            <a:chExt cx="8814942" cy="5853374"/>
+            <a:off x="164529" y="168743"/>
+            <a:ext cx="8814942" cy="6150639"/>
+            <a:chOff x="164529" y="168743"/>
+            <a:chExt cx="8814942" cy="6150639"/>
           </a:xfrm>
         </p:grpSpPr>
+        <p:pic>
+          <p:nvPicPr>
+            <p:cNvPr id="11" name="Image 10"/>
+            <p:cNvPicPr>
+              <a:picLocks noChangeAspect="1"/>
+            </p:cNvPicPr>
+            <p:nvPr/>
+          </p:nvPicPr>
+          <p:blipFill rotWithShape="1">
+            <a:blip r:embed="rId2" cstate="print">
+              <a:extLst>
+                <a:ext uri="{28A0092B-C50C-407E-A947-70E740481C1C}">
+                  <a14:useLocalDpi xmlns:a14="http://schemas.microsoft.com/office/drawing/2010/main" val="0"/>
+                </a:ext>
+              </a:extLst>
+            </a:blip>
+            <a:srcRect t="3989" b="40455"/>
+            <a:stretch/>
+          </p:blipFill>
+          <p:spPr>
+            <a:xfrm>
+              <a:off x="4336888" y="227029"/>
+              <a:ext cx="4642583" cy="2663778"/>
+            </a:xfrm>
+            <a:prstGeom prst="rect">
+              <a:avLst/>
+            </a:prstGeom>
+          </p:spPr>
+        </p:pic>
+        <p:sp>
+          <p:nvSpPr>
+            <p:cNvPr id="59" name="Ellipse 58"/>
+            <p:cNvSpPr/>
+            <p:nvPr/>
+          </p:nvSpPr>
+          <p:spPr>
+            <a:xfrm>
+              <a:off x="164529" y="301211"/>
+              <a:ext cx="252000" cy="252000"/>
+            </a:xfrm>
+            <a:prstGeom prst="ellipse">
+              <a:avLst/>
+            </a:prstGeom>
+            <a:noFill/>
+          </p:spPr>
+          <p:style>
+            <a:lnRef idx="2">
+              <a:schemeClr val="accent1">
+                <a:shade val="50000"/>
+              </a:schemeClr>
+            </a:lnRef>
+            <a:fillRef idx="1">
+              <a:schemeClr val="accent1"/>
+            </a:fillRef>
+            <a:effectRef idx="0">
+              <a:schemeClr val="accent1"/>
+            </a:effectRef>
+            <a:fontRef idx="minor">
+              <a:schemeClr val="lt1"/>
+            </a:fontRef>
+          </p:style>
+          <p:txBody>
+            <a:bodyPr rtlCol="0" anchor="ctr"/>
+            <a:lstStyle/>
+            <a:p>
+              <a:pPr algn="ctr"/>
+              <a:endParaRPr lang="fr-FR"/>
+            </a:p>
+          </p:txBody>
+        </p:sp>
+        <p:sp>
+          <p:nvSpPr>
+            <p:cNvPr id="60" name="ZoneTexte 59"/>
+            <p:cNvSpPr txBox="1"/>
+            <p:nvPr/>
+          </p:nvSpPr>
+          <p:spPr>
+            <a:xfrm>
+              <a:off x="174427" y="242545"/>
+              <a:ext cx="111074" cy="369332"/>
+            </a:xfrm>
+            <a:prstGeom prst="rect">
+              <a:avLst/>
+            </a:prstGeom>
+            <a:noFill/>
+          </p:spPr>
+          <p:txBody>
+            <a:bodyPr wrap="square" rtlCol="0">
+              <a:spAutoFit/>
+            </a:bodyPr>
+            <a:lstStyle/>
+            <a:p>
+              <a:r>
+                <a:rPr lang="fr-FR" dirty="0"/>
+                <a:t>1</a:t>
+              </a:r>
+            </a:p>
+          </p:txBody>
+        </p:sp>
+        <p:sp>
+          <p:nvSpPr>
+            <p:cNvPr id="20" name="ZoneTexte 19"/>
+            <p:cNvSpPr txBox="1"/>
+            <p:nvPr/>
+          </p:nvSpPr>
+          <p:spPr>
+            <a:xfrm>
+              <a:off x="667345" y="168743"/>
+              <a:ext cx="3957524" cy="523220"/>
+            </a:xfrm>
+            <a:prstGeom prst="rect">
+              <a:avLst/>
+            </a:prstGeom>
+            <a:noFill/>
+          </p:spPr>
+          <p:txBody>
+            <a:bodyPr wrap="square" rtlCol="0">
+              <a:spAutoFit/>
+            </a:bodyPr>
+            <a:lstStyle/>
+            <a:p>
+              <a:r>
+                <a:rPr lang="fr-FR" sz="1400" dirty="0" err="1"/>
+                <a:t>Sampling</a:t>
+              </a:r>
+              <a:r>
+                <a:rPr lang="fr-FR" sz="1400" dirty="0"/>
+                <a:t> </a:t>
+              </a:r>
+              <a:r>
+                <a:rPr lang="fr-FR" sz="1400" dirty="0" err="1"/>
+                <a:t>seamounts</a:t>
+              </a:r>
+              <a:r>
+                <a:rPr lang="fr-FR" sz="1400" dirty="0"/>
+                <a:t>, </a:t>
+              </a:r>
+              <a:r>
+                <a:rPr lang="fr-FR" sz="1400" dirty="0" err="1"/>
+                <a:t>deep</a:t>
+              </a:r>
+              <a:r>
+                <a:rPr lang="fr-FR" sz="1400" dirty="0"/>
+                <a:t> </a:t>
+              </a:r>
+              <a:r>
+                <a:rPr lang="fr-FR" sz="1400" dirty="0" err="1"/>
+                <a:t>slopes</a:t>
+              </a:r>
+              <a:r>
+                <a:rPr lang="fr-FR" sz="1400" dirty="0"/>
+                <a:t> and </a:t>
+              </a:r>
+              <a:r>
+                <a:rPr lang="fr-FR" sz="1400" dirty="0" err="1"/>
+                <a:t>pelagic</a:t>
+              </a:r>
+              <a:r>
+                <a:rPr lang="fr-FR" sz="1400" dirty="0"/>
+                <a:t> areas </a:t>
+              </a:r>
+              <a:r>
+                <a:rPr lang="fr-FR" sz="1400" dirty="0" err="1"/>
+                <a:t>with</a:t>
+              </a:r>
+              <a:r>
+                <a:rPr lang="fr-FR" sz="1400" dirty="0"/>
+                <a:t> BRUVS, eDNA and echosounder</a:t>
+              </a:r>
+            </a:p>
+          </p:txBody>
+        </p:sp>
+        <p:cxnSp>
+          <p:nvCxnSpPr>
+            <p:cNvPr id="21" name="Connecteur droit avec flèche 20"/>
+            <p:cNvCxnSpPr/>
+            <p:nvPr/>
+          </p:nvCxnSpPr>
+          <p:spPr>
+            <a:xfrm flipH="1">
+              <a:off x="1960789" y="1055399"/>
+              <a:ext cx="248717" cy="347289"/>
+            </a:xfrm>
+            <a:prstGeom prst="straightConnector1">
+              <a:avLst/>
+            </a:prstGeom>
+            <a:ln>
+              <a:tailEnd type="triangle"/>
+            </a:ln>
+          </p:spPr>
+          <p:style>
+            <a:lnRef idx="1">
+              <a:schemeClr val="dk1"/>
+            </a:lnRef>
+            <a:fillRef idx="0">
+              <a:schemeClr val="dk1"/>
+            </a:fillRef>
+            <a:effectRef idx="0">
+              <a:schemeClr val="dk1"/>
+            </a:effectRef>
+            <a:fontRef idx="minor">
+              <a:schemeClr val="tx1"/>
+            </a:fontRef>
+          </p:style>
+        </p:cxnSp>
+        <p:cxnSp>
+          <p:nvCxnSpPr>
+            <p:cNvPr id="22" name="Connecteur droit avec flèche 21"/>
+            <p:cNvCxnSpPr/>
+            <p:nvPr/>
+          </p:nvCxnSpPr>
+          <p:spPr>
+            <a:xfrm>
+              <a:off x="2898206" y="1055399"/>
+              <a:ext cx="335049" cy="347289"/>
+            </a:xfrm>
+            <a:prstGeom prst="straightConnector1">
+              <a:avLst/>
+            </a:prstGeom>
+            <a:ln>
+              <a:tailEnd type="triangle"/>
+            </a:ln>
+          </p:spPr>
+          <p:style>
+            <a:lnRef idx="1">
+              <a:schemeClr val="dk1"/>
+            </a:lnRef>
+            <a:fillRef idx="0">
+              <a:schemeClr val="dk1"/>
+            </a:fillRef>
+            <a:effectRef idx="0">
+              <a:schemeClr val="dk1"/>
+            </a:effectRef>
+            <a:fontRef idx="minor">
+              <a:schemeClr val="tx1"/>
+            </a:fontRef>
+          </p:style>
+        </p:cxnSp>
+        <p:sp>
+          <p:nvSpPr>
+            <p:cNvPr id="23" name="ZoneTexte 22"/>
+            <p:cNvSpPr txBox="1"/>
+            <p:nvPr/>
+          </p:nvSpPr>
+          <p:spPr>
+            <a:xfrm>
+              <a:off x="505962" y="1457148"/>
+              <a:ext cx="2026310" cy="1107996"/>
+            </a:xfrm>
+            <a:prstGeom prst="rect">
+              <a:avLst/>
+            </a:prstGeom>
+            <a:solidFill>
+              <a:schemeClr val="bg1">
+                <a:lumMod val="95000"/>
+              </a:schemeClr>
+            </a:solidFill>
+            <a:ln>
+              <a:solidFill>
+                <a:schemeClr val="accent2"/>
+              </a:solidFill>
+            </a:ln>
+          </p:spPr>
+          <p:txBody>
+            <a:bodyPr wrap="square" rtlCol="0">
+              <a:spAutoFit/>
+            </a:bodyPr>
+            <a:lstStyle/>
+            <a:p>
+              <a:pPr marL="171450" indent="-171450">
+                <a:buFont typeface="Arial" panose="020B0604020202020204" pitchFamily="34" charset="0"/>
+                <a:buChar char="•"/>
+              </a:pPr>
+              <a:r>
+                <a:rPr lang="fr-FR" sz="1100" dirty="0" err="1"/>
+                <a:t>Benthic</a:t>
+              </a:r>
+              <a:r>
+                <a:rPr lang="fr-FR" sz="1100" dirty="0"/>
+                <a:t> </a:t>
+              </a:r>
+              <a:r>
+                <a:rPr lang="fr-FR" sz="1100" dirty="0" err="1"/>
+                <a:t>species</a:t>
+              </a:r>
+              <a:r>
+                <a:rPr lang="fr-FR" sz="1100" dirty="0"/>
+                <a:t> </a:t>
+              </a:r>
+              <a:r>
+                <a:rPr lang="fr-FR" sz="1100" dirty="0" err="1"/>
+                <a:t>richness</a:t>
+              </a:r>
+              <a:r>
+                <a:rPr lang="fr-FR" sz="1100" dirty="0"/>
+                <a:t>, </a:t>
+              </a:r>
+              <a:r>
+                <a:rPr lang="fr-FR" sz="1100" dirty="0" err="1"/>
+                <a:t>abundance</a:t>
+              </a:r>
+              <a:r>
+                <a:rPr lang="fr-FR" sz="1100" dirty="0"/>
+                <a:t>, </a:t>
+              </a:r>
+              <a:r>
+                <a:rPr lang="fr-FR" sz="1100" dirty="0" err="1"/>
+                <a:t>biomass</a:t>
+              </a:r>
+              <a:r>
+                <a:rPr lang="fr-FR" sz="1100" dirty="0"/>
+                <a:t> (BRUVS)</a:t>
+              </a:r>
+            </a:p>
+            <a:p>
+              <a:pPr marL="171450" indent="-171450">
+                <a:buFont typeface="Arial" panose="020B0604020202020204" pitchFamily="34" charset="0"/>
+                <a:buChar char="•"/>
+              </a:pPr>
+              <a:r>
+                <a:rPr lang="fr-FR" sz="1100" dirty="0"/>
+                <a:t>eDNA </a:t>
+              </a:r>
+              <a:r>
+                <a:rPr lang="fr-FR" sz="1100" dirty="0" err="1"/>
+                <a:t>benthic</a:t>
+              </a:r>
+              <a:r>
+                <a:rPr lang="fr-FR" sz="1100" dirty="0"/>
+                <a:t> and </a:t>
+              </a:r>
+              <a:r>
+                <a:rPr lang="fr-FR" sz="1100" dirty="0" err="1"/>
+                <a:t>pelagic</a:t>
+              </a:r>
+              <a:r>
+                <a:rPr lang="fr-FR" sz="1100" dirty="0"/>
+                <a:t> MOTU </a:t>
+              </a:r>
+              <a:r>
+                <a:rPr lang="fr-FR" sz="1100" dirty="0" err="1"/>
+                <a:t>richness</a:t>
+              </a:r>
+              <a:endParaRPr lang="fr-FR" sz="1100" dirty="0"/>
+            </a:p>
+            <a:p>
+              <a:pPr marL="171450" indent="-171450">
+                <a:buFont typeface="Arial" panose="020B0604020202020204" pitchFamily="34" charset="0"/>
+                <a:buChar char="•"/>
+              </a:pPr>
+              <a:r>
+                <a:rPr lang="fr-FR" sz="1100" dirty="0" err="1"/>
+                <a:t>Benthic</a:t>
+              </a:r>
+              <a:r>
+                <a:rPr lang="fr-FR" sz="1100" dirty="0"/>
+                <a:t> and </a:t>
+              </a:r>
+              <a:r>
+                <a:rPr lang="fr-FR" sz="1100" dirty="0" err="1"/>
+                <a:t>pelagic</a:t>
+              </a:r>
+              <a:r>
+                <a:rPr lang="fr-FR" sz="1100" dirty="0"/>
+                <a:t> </a:t>
+              </a:r>
+              <a:r>
+                <a:rPr lang="fr-FR" sz="1100" dirty="0" err="1"/>
+                <a:t>acoustic</a:t>
+              </a:r>
+              <a:r>
+                <a:rPr lang="fr-FR" sz="1100" dirty="0"/>
+                <a:t> </a:t>
+              </a:r>
+              <a:r>
+                <a:rPr lang="fr-FR" sz="1100" dirty="0" err="1"/>
+                <a:t>biomass</a:t>
+              </a:r>
+              <a:endParaRPr lang="fr-FR" sz="1100" dirty="0"/>
+            </a:p>
+          </p:txBody>
+        </p:sp>
+        <p:sp>
+          <p:nvSpPr>
+            <p:cNvPr id="24" name="ZoneTexte 23"/>
+            <p:cNvSpPr txBox="1"/>
+            <p:nvPr/>
+          </p:nvSpPr>
+          <p:spPr>
+            <a:xfrm>
+              <a:off x="2739099" y="1457148"/>
+              <a:ext cx="1783459" cy="1107996"/>
+            </a:xfrm>
+            <a:prstGeom prst="rect">
+              <a:avLst/>
+            </a:prstGeom>
+            <a:solidFill>
+              <a:schemeClr val="bg1">
+                <a:lumMod val="95000"/>
+              </a:schemeClr>
+            </a:solidFill>
+            <a:ln>
+              <a:solidFill>
+                <a:schemeClr val="accent6"/>
+              </a:solidFill>
+            </a:ln>
+          </p:spPr>
+          <p:txBody>
+            <a:bodyPr wrap="square" rtlCol="0">
+              <a:spAutoFit/>
+            </a:bodyPr>
+            <a:lstStyle/>
+            <a:p>
+              <a:pPr marL="171450" indent="-171450">
+                <a:buFont typeface="Arial" panose="020B0604020202020204" pitchFamily="34" charset="0"/>
+                <a:buChar char="•"/>
+              </a:pPr>
+              <a:r>
+                <a:rPr lang="fr-FR" sz="1100" dirty="0" err="1"/>
+                <a:t>Abundance</a:t>
+              </a:r>
+              <a:r>
+                <a:rPr lang="fr-FR" sz="1100" dirty="0"/>
+                <a:t> of </a:t>
+              </a:r>
+              <a:r>
+                <a:rPr lang="fr-FR" sz="1100" dirty="0" err="1"/>
+                <a:t>most</a:t>
+              </a:r>
+              <a:r>
+                <a:rPr lang="fr-FR" sz="1100" dirty="0"/>
+                <a:t> occurrent </a:t>
+              </a:r>
+              <a:r>
+                <a:rPr lang="fr-FR" sz="1100" dirty="0" err="1"/>
+                <a:t>species</a:t>
+              </a:r>
+              <a:r>
+                <a:rPr lang="fr-FR" sz="1100" dirty="0"/>
+                <a:t> (BRUVS)</a:t>
+              </a:r>
+            </a:p>
+            <a:p>
+              <a:pPr marL="171450" indent="-171450">
+                <a:buFont typeface="Arial" panose="020B0604020202020204" pitchFamily="34" charset="0"/>
+                <a:buChar char="•"/>
+              </a:pPr>
+              <a:r>
+                <a:rPr lang="fr-FR" sz="1100" dirty="0"/>
+                <a:t>eDNA </a:t>
+              </a:r>
+              <a:r>
+                <a:rPr lang="fr-FR" sz="1100" dirty="0" err="1"/>
+                <a:t>read</a:t>
+              </a:r>
+              <a:r>
+                <a:rPr lang="fr-FR" sz="1100" dirty="0"/>
+                <a:t> </a:t>
+              </a:r>
+              <a:r>
+                <a:rPr lang="fr-FR" sz="1100" dirty="0" err="1"/>
+                <a:t>abundance</a:t>
+              </a:r>
+              <a:r>
+                <a:rPr lang="fr-FR" sz="1100" dirty="0"/>
+                <a:t> of </a:t>
+              </a:r>
+              <a:r>
+                <a:rPr lang="fr-FR" sz="1100" dirty="0" err="1"/>
+                <a:t>most</a:t>
+              </a:r>
+              <a:r>
+                <a:rPr lang="fr-FR" sz="1100" dirty="0"/>
+                <a:t> occurrent MOTUs</a:t>
+              </a:r>
+            </a:p>
+            <a:p>
+              <a:pPr marL="171450" indent="-171450">
+                <a:buFont typeface="Arial" panose="020B0604020202020204" pitchFamily="34" charset="0"/>
+                <a:buChar char="•"/>
+              </a:pPr>
+              <a:endParaRPr lang="fr-FR" sz="1100" dirty="0"/>
+            </a:p>
+          </p:txBody>
+        </p:sp>
+        <p:cxnSp>
+          <p:nvCxnSpPr>
+            <p:cNvPr id="25" name="Connecteur droit avec flèche 24"/>
+            <p:cNvCxnSpPr>
+              <a:stCxn id="23" idx="2"/>
+              <a:endCxn id="27" idx="0"/>
+            </p:cNvCxnSpPr>
+            <p:nvPr/>
+          </p:nvCxnSpPr>
+          <p:spPr>
+            <a:xfrm>
+              <a:off x="1519117" y="2565144"/>
+              <a:ext cx="0" cy="294345"/>
+            </a:xfrm>
+            <a:prstGeom prst="straightConnector1">
+              <a:avLst/>
+            </a:prstGeom>
+            <a:ln>
+              <a:tailEnd type="triangle"/>
+            </a:ln>
+          </p:spPr>
+          <p:style>
+            <a:lnRef idx="1">
+              <a:schemeClr val="dk1"/>
+            </a:lnRef>
+            <a:fillRef idx="0">
+              <a:schemeClr val="dk1"/>
+            </a:fillRef>
+            <a:effectRef idx="0">
+              <a:schemeClr val="dk1"/>
+            </a:effectRef>
+            <a:fontRef idx="minor">
+              <a:schemeClr val="tx1"/>
+            </a:fontRef>
+          </p:style>
+        </p:cxnSp>
+        <p:cxnSp>
+          <p:nvCxnSpPr>
+            <p:cNvPr id="26" name="Connecteur droit avec flèche 25"/>
+            <p:cNvCxnSpPr>
+              <a:stCxn id="24" idx="2"/>
+              <a:endCxn id="28" idx="0"/>
+            </p:cNvCxnSpPr>
+            <p:nvPr/>
+          </p:nvCxnSpPr>
+          <p:spPr>
+            <a:xfrm flipH="1">
+              <a:off x="3630828" y="2565144"/>
+              <a:ext cx="1" cy="294345"/>
+            </a:xfrm>
+            <a:prstGeom prst="straightConnector1">
+              <a:avLst/>
+            </a:prstGeom>
+            <a:ln>
+              <a:tailEnd type="triangle"/>
+            </a:ln>
+          </p:spPr>
+          <p:style>
+            <a:lnRef idx="1">
+              <a:schemeClr val="dk1"/>
+            </a:lnRef>
+            <a:fillRef idx="0">
+              <a:schemeClr val="dk1"/>
+            </a:fillRef>
+            <a:effectRef idx="0">
+              <a:schemeClr val="dk1"/>
+            </a:effectRef>
+            <a:fontRef idx="minor">
+              <a:schemeClr val="tx1"/>
+            </a:fontRef>
+          </p:style>
+        </p:cxnSp>
+        <p:sp>
+          <p:nvSpPr>
+            <p:cNvPr id="27" name="ZoneTexte 26"/>
+            <p:cNvSpPr txBox="1"/>
+            <p:nvPr/>
+          </p:nvSpPr>
+          <p:spPr>
+            <a:xfrm>
+              <a:off x="667345" y="2859489"/>
+              <a:ext cx="1703544" cy="307777"/>
+            </a:xfrm>
+            <a:prstGeom prst="rect">
+              <a:avLst/>
+            </a:prstGeom>
+            <a:solidFill>
+              <a:schemeClr val="accent2">
+                <a:lumMod val="60000"/>
+                <a:lumOff val="40000"/>
+              </a:schemeClr>
+            </a:solidFill>
+          </p:spPr>
+          <p:txBody>
+            <a:bodyPr wrap="square" rtlCol="0">
+              <a:spAutoFit/>
+            </a:bodyPr>
+            <a:lstStyle/>
+            <a:p>
+              <a:r>
+                <a:rPr lang="fr-FR" sz="1400" dirty="0" err="1"/>
+                <a:t>Modelling</a:t>
+              </a:r>
+              <a:r>
+                <a:rPr lang="fr-FR" sz="1400" dirty="0"/>
+                <a:t> </a:t>
+              </a:r>
+              <a:r>
+                <a:rPr lang="fr-FR" sz="1400" dirty="0" err="1"/>
+                <a:t>with</a:t>
+              </a:r>
+              <a:r>
+                <a:rPr lang="fr-FR" sz="1400" dirty="0"/>
+                <a:t> </a:t>
+              </a:r>
+              <a:r>
+                <a:rPr lang="fr-FR" sz="1400" dirty="0" err="1"/>
+                <a:t>BRTs</a:t>
+              </a:r>
+              <a:r>
+                <a:rPr lang="fr-FR" sz="1400" dirty="0"/>
+                <a:t> </a:t>
+              </a:r>
+            </a:p>
+          </p:txBody>
+        </p:sp>
+        <p:sp>
+          <p:nvSpPr>
+            <p:cNvPr id="28" name="ZoneTexte 27"/>
+            <p:cNvSpPr txBox="1"/>
+            <p:nvPr/>
+          </p:nvSpPr>
+          <p:spPr>
+            <a:xfrm>
+              <a:off x="2715186" y="2859489"/>
+              <a:ext cx="1831284" cy="307777"/>
+            </a:xfrm>
+            <a:prstGeom prst="rect">
+              <a:avLst/>
+            </a:prstGeom>
+            <a:solidFill>
+              <a:schemeClr val="accent6">
+                <a:lumMod val="60000"/>
+                <a:lumOff val="40000"/>
+              </a:schemeClr>
+            </a:solidFill>
+          </p:spPr>
+          <p:txBody>
+            <a:bodyPr wrap="square" rtlCol="0">
+              <a:spAutoFit/>
+            </a:bodyPr>
+            <a:lstStyle/>
+            <a:p>
+              <a:r>
+                <a:rPr lang="fr-FR" sz="1400" dirty="0" err="1"/>
+                <a:t>Modelling</a:t>
+              </a:r>
+              <a:r>
+                <a:rPr lang="fr-FR" sz="1400" dirty="0"/>
+                <a:t> </a:t>
+              </a:r>
+              <a:r>
+                <a:rPr lang="fr-FR" sz="1400" dirty="0" err="1"/>
+                <a:t>with</a:t>
+              </a:r>
+              <a:r>
+                <a:rPr lang="fr-FR" sz="1400" dirty="0"/>
+                <a:t> </a:t>
+              </a:r>
+              <a:r>
+                <a:rPr lang="fr-FR" sz="1400" dirty="0" err="1"/>
+                <a:t>GJAMs</a:t>
+              </a:r>
+              <a:r>
+                <a:rPr lang="fr-FR" sz="1400" dirty="0"/>
+                <a:t> </a:t>
+              </a:r>
+            </a:p>
+          </p:txBody>
+        </p:sp>
+        <p:cxnSp>
+          <p:nvCxnSpPr>
+            <p:cNvPr id="29" name="Connecteur droit avec flèche 28"/>
+            <p:cNvCxnSpPr>
+              <a:stCxn id="27" idx="2"/>
+              <a:endCxn id="30" idx="0"/>
+            </p:cNvCxnSpPr>
+            <p:nvPr/>
+          </p:nvCxnSpPr>
+          <p:spPr>
+            <a:xfrm flipH="1">
+              <a:off x="1519116" y="3167266"/>
+              <a:ext cx="1" cy="273267"/>
+            </a:xfrm>
+            <a:prstGeom prst="straightConnector1">
+              <a:avLst/>
+            </a:prstGeom>
+            <a:ln>
+              <a:tailEnd type="triangle"/>
+            </a:ln>
+          </p:spPr>
+          <p:style>
+            <a:lnRef idx="1">
+              <a:schemeClr val="dk1"/>
+            </a:lnRef>
+            <a:fillRef idx="0">
+              <a:schemeClr val="dk1"/>
+            </a:fillRef>
+            <a:effectRef idx="0">
+              <a:schemeClr val="dk1"/>
+            </a:effectRef>
+            <a:fontRef idx="minor">
+              <a:schemeClr val="tx1"/>
+            </a:fontRef>
+          </p:style>
+        </p:cxnSp>
+        <p:sp>
+          <p:nvSpPr>
+            <p:cNvPr id="30" name="ZoneTexte 29"/>
+            <p:cNvSpPr txBox="1"/>
+            <p:nvPr/>
+          </p:nvSpPr>
+          <p:spPr>
+            <a:xfrm>
+              <a:off x="515277" y="3440533"/>
+              <a:ext cx="2007677" cy="646331"/>
+            </a:xfrm>
+            <a:prstGeom prst="rect">
+              <a:avLst/>
+            </a:prstGeom>
+            <a:noFill/>
+            <a:ln>
+              <a:solidFill>
+                <a:schemeClr val="accent2"/>
+              </a:solidFill>
+            </a:ln>
+          </p:spPr>
+          <p:txBody>
+            <a:bodyPr wrap="square" rtlCol="0">
+              <a:spAutoFit/>
+            </a:bodyPr>
+            <a:lstStyle/>
+            <a:p>
+              <a:pPr algn="ctr"/>
+              <a:r>
+                <a:rPr lang="fr-FR" sz="1200" dirty="0" err="1"/>
+                <a:t>Prediction</a:t>
+              </a:r>
+              <a:r>
+                <a:rPr lang="fr-FR" sz="1200" dirty="0"/>
+                <a:t> of </a:t>
+              </a:r>
+              <a:r>
+                <a:rPr lang="fr-FR" sz="1200" dirty="0" err="1"/>
+                <a:t>each</a:t>
+              </a:r>
+              <a:r>
+                <a:rPr lang="fr-FR" sz="1200" dirty="0"/>
+                <a:t> </a:t>
+              </a:r>
+              <a:r>
+                <a:rPr lang="fr-FR" sz="1200" dirty="0" err="1"/>
+                <a:t>integrated</a:t>
+              </a:r>
+              <a:r>
+                <a:rPr lang="fr-FR" sz="1200" dirty="0"/>
+                <a:t> </a:t>
+              </a:r>
+              <a:r>
+                <a:rPr lang="fr-FR" sz="1200" dirty="0" err="1"/>
+                <a:t>metric</a:t>
+              </a:r>
+              <a:r>
+                <a:rPr lang="fr-FR" sz="1200" dirty="0"/>
+                <a:t> in 3 </a:t>
+              </a:r>
+              <a:r>
+                <a:rPr lang="fr-FR" sz="1200" dirty="0" err="1"/>
+                <a:t>depth</a:t>
+              </a:r>
+              <a:r>
+                <a:rPr lang="fr-FR" sz="1200" dirty="0"/>
+                <a:t> </a:t>
+              </a:r>
+              <a:r>
+                <a:rPr lang="fr-FR" sz="1200" dirty="0" err="1"/>
+                <a:t>layers</a:t>
+              </a:r>
+              <a:r>
+                <a:rPr lang="fr-FR" sz="1200" dirty="0"/>
+                <a:t> </a:t>
+              </a:r>
+            </a:p>
+            <a:p>
+              <a:pPr algn="ctr"/>
+              <a:r>
+                <a:rPr lang="fr-FR" sz="1200" dirty="0"/>
+                <a:t>(0-200, 200-400, 400-600)</a:t>
+              </a:r>
+            </a:p>
+          </p:txBody>
+        </p:sp>
+        <p:sp>
+          <p:nvSpPr>
+            <p:cNvPr id="31" name="ZoneTexte 30"/>
+            <p:cNvSpPr txBox="1"/>
+            <p:nvPr/>
+          </p:nvSpPr>
+          <p:spPr>
+            <a:xfrm>
+              <a:off x="2577948" y="3440533"/>
+              <a:ext cx="2105759" cy="646331"/>
+            </a:xfrm>
+            <a:prstGeom prst="rect">
+              <a:avLst/>
+            </a:prstGeom>
+            <a:noFill/>
+            <a:ln>
+              <a:solidFill>
+                <a:schemeClr val="accent6"/>
+              </a:solidFill>
+            </a:ln>
+          </p:spPr>
+          <p:txBody>
+            <a:bodyPr wrap="square" rtlCol="0">
+              <a:spAutoFit/>
+            </a:bodyPr>
+            <a:lstStyle/>
+            <a:p>
+              <a:pPr algn="ctr"/>
+              <a:r>
+                <a:rPr lang="fr-FR" sz="1200" dirty="0" err="1"/>
+                <a:t>Prediction</a:t>
+              </a:r>
+              <a:r>
+                <a:rPr lang="fr-FR" sz="1200" dirty="0"/>
+                <a:t> of </a:t>
+              </a:r>
+              <a:r>
+                <a:rPr lang="fr-FR" sz="1200" dirty="0" err="1"/>
+                <a:t>individual</a:t>
+              </a:r>
+              <a:r>
+                <a:rPr lang="fr-FR" sz="1200" dirty="0"/>
+                <a:t> </a:t>
+              </a:r>
+              <a:r>
+                <a:rPr lang="fr-FR" sz="1200" dirty="0" err="1"/>
+                <a:t>species</a:t>
+              </a:r>
+              <a:r>
+                <a:rPr lang="fr-FR" sz="1200" dirty="0"/>
+                <a:t> and MOTUs in 3 </a:t>
+              </a:r>
+              <a:r>
+                <a:rPr lang="fr-FR" sz="1200" dirty="0" err="1"/>
+                <a:t>depth</a:t>
+              </a:r>
+              <a:r>
+                <a:rPr lang="fr-FR" sz="1200" dirty="0"/>
+                <a:t> </a:t>
+              </a:r>
+              <a:r>
+                <a:rPr lang="fr-FR" sz="1200" dirty="0" err="1"/>
+                <a:t>layers</a:t>
+              </a:r>
+              <a:r>
+                <a:rPr lang="fr-FR" sz="1200" dirty="0"/>
+                <a:t> </a:t>
+              </a:r>
+            </a:p>
+            <a:p>
+              <a:pPr algn="ctr"/>
+              <a:r>
+                <a:rPr lang="fr-FR" sz="1200" dirty="0"/>
+                <a:t>(0-200, 200-400, 400-600)</a:t>
+              </a:r>
+            </a:p>
+          </p:txBody>
+        </p:sp>
+        <p:cxnSp>
+          <p:nvCxnSpPr>
+            <p:cNvPr id="32" name="Connecteur droit avec flèche 31"/>
+            <p:cNvCxnSpPr>
+              <a:stCxn id="28" idx="2"/>
+              <a:endCxn id="31" idx="0"/>
+            </p:cNvCxnSpPr>
+            <p:nvPr/>
+          </p:nvCxnSpPr>
+          <p:spPr>
+            <a:xfrm>
+              <a:off x="3630828" y="3167266"/>
+              <a:ext cx="0" cy="273267"/>
+            </a:xfrm>
+            <a:prstGeom prst="straightConnector1">
+              <a:avLst/>
+            </a:prstGeom>
+            <a:ln>
+              <a:tailEnd type="triangle"/>
+            </a:ln>
+          </p:spPr>
+          <p:style>
+            <a:lnRef idx="1">
+              <a:schemeClr val="dk1"/>
+            </a:lnRef>
+            <a:fillRef idx="0">
+              <a:schemeClr val="dk1"/>
+            </a:fillRef>
+            <a:effectRef idx="0">
+              <a:schemeClr val="dk1"/>
+            </a:effectRef>
+            <a:fontRef idx="minor">
+              <a:schemeClr val="tx1"/>
+            </a:fontRef>
+          </p:style>
+        </p:cxnSp>
         <p:grpSp>
           <p:nvGrpSpPr>
-            <p:cNvPr id="4" name="Groupe 3"/>
+            <p:cNvPr id="33" name="Groupe 32"/>
             <p:cNvGrpSpPr/>
             <p:nvPr/>
           </p:nvGrpSpPr>
           <p:grpSpPr>
             <a:xfrm>
-              <a:off x="116695" y="236723"/>
-              <a:ext cx="8814942" cy="5853374"/>
-              <a:chOff x="116695" y="236723"/>
-              <a:chExt cx="8814942" cy="5853374"/>
+              <a:off x="164529" y="2828711"/>
+              <a:ext cx="252000" cy="369332"/>
+              <a:chOff x="4467418" y="40502"/>
+              <a:chExt cx="252000" cy="369332"/>
+            </a:xfrm>
+          </p:grpSpPr>
+          <p:sp>
+            <p:nvSpPr>
+              <p:cNvPr id="57" name="Ellipse 56"/>
+              <p:cNvSpPr/>
+              <p:nvPr/>
+            </p:nvSpPr>
+            <p:spPr>
+              <a:xfrm>
+                <a:off x="4467418" y="103855"/>
+                <a:ext cx="252000" cy="252000"/>
+              </a:xfrm>
+              <a:prstGeom prst="ellipse">
+                <a:avLst/>
+              </a:prstGeom>
+              <a:noFill/>
+            </p:spPr>
+            <p:style>
+              <a:lnRef idx="2">
+                <a:schemeClr val="accent1">
+                  <a:shade val="50000"/>
+                </a:schemeClr>
+              </a:lnRef>
+              <a:fillRef idx="1">
+                <a:schemeClr val="accent1"/>
+              </a:fillRef>
+              <a:effectRef idx="0">
+                <a:schemeClr val="accent1"/>
+              </a:effectRef>
+              <a:fontRef idx="minor">
+                <a:schemeClr val="lt1"/>
+              </a:fontRef>
+            </p:style>
+            <p:txBody>
+              <a:bodyPr rtlCol="0" anchor="ctr"/>
+              <a:lstStyle/>
+              <a:p>
+                <a:pPr algn="ctr"/>
+                <a:endParaRPr lang="fr-FR"/>
+              </a:p>
+            </p:txBody>
+          </p:sp>
+          <p:sp>
+            <p:nvSpPr>
+              <p:cNvPr id="58" name="ZoneTexte 57"/>
+              <p:cNvSpPr txBox="1"/>
+              <p:nvPr/>
+            </p:nvSpPr>
+            <p:spPr>
+              <a:xfrm>
+                <a:off x="4482344" y="40502"/>
+                <a:ext cx="111074" cy="369332"/>
+              </a:xfrm>
+              <a:prstGeom prst="rect">
+                <a:avLst/>
+              </a:prstGeom>
+              <a:noFill/>
+            </p:spPr>
+            <p:txBody>
+              <a:bodyPr wrap="square" rtlCol="0">
+                <a:spAutoFit/>
+              </a:bodyPr>
+              <a:lstStyle/>
+              <a:p>
+                <a:r>
+                  <a:rPr lang="fr-FR" dirty="0"/>
+                  <a:t>2</a:t>
+                </a:r>
+              </a:p>
+            </p:txBody>
+          </p:sp>
+        </p:grpSp>
+        <p:grpSp>
+          <p:nvGrpSpPr>
+            <p:cNvPr id="34" name="Groupe 33"/>
+            <p:cNvGrpSpPr/>
+            <p:nvPr/>
+          </p:nvGrpSpPr>
+          <p:grpSpPr>
+            <a:xfrm>
+              <a:off x="174427" y="4329011"/>
+              <a:ext cx="2403521" cy="1748540"/>
+              <a:chOff x="4544827" y="4187845"/>
+              <a:chExt cx="1927083" cy="1391872"/>
             </a:xfrm>
           </p:grpSpPr>
           <p:grpSp>
             <p:nvGrpSpPr>
-              <p:cNvPr id="5" name="Groupe 4"/>
+              <p:cNvPr id="48" name="Groupe 47"/>
               <p:cNvGrpSpPr/>
               <p:nvPr/>
             </p:nvGrpSpPr>
             <p:grpSpPr>
               <a:xfrm>
-                <a:off x="116695" y="236723"/>
-                <a:ext cx="8814942" cy="5853374"/>
-                <a:chOff x="116695" y="236723"/>
-                <a:chExt cx="8814942" cy="5853374"/>
+                <a:off x="4862295" y="4187845"/>
+                <a:ext cx="1609615" cy="999073"/>
+                <a:chOff x="391267" y="3021032"/>
+                <a:chExt cx="4103463" cy="2546977"/>
               </a:xfrm>
             </p:grpSpPr>
-            <p:pic>
-              <p:nvPicPr>
-                <p:cNvPr id="11" name="Image 10"/>
-                <p:cNvPicPr>
-                  <a:picLocks noChangeAspect="1"/>
-                </p:cNvPicPr>
-                <p:nvPr/>
-              </p:nvPicPr>
-              <p:blipFill rotWithShape="1">
-                <a:blip r:embed="rId2" cstate="print">
-                  <a:extLst>
-                    <a:ext uri="{28A0092B-C50C-407E-A947-70E740481C1C}">
-                      <a14:useLocalDpi xmlns:a14="http://schemas.microsoft.com/office/drawing/2010/main" val="0"/>
-                    </a:ext>
-                  </a:extLst>
-                </a:blip>
-                <a:srcRect t="3989" b="40455"/>
-                <a:stretch/>
-              </p:blipFill>
-              <p:spPr>
-                <a:xfrm>
-                  <a:off x="4289054" y="295009"/>
-                  <a:ext cx="4642583" cy="2663778"/>
-                </a:xfrm>
-                <a:prstGeom prst="rect">
-                  <a:avLst/>
-                </a:prstGeom>
-              </p:spPr>
-            </p:pic>
-            <p:grpSp>
-              <p:nvGrpSpPr>
-                <p:cNvPr id="12" name="Groupe 11"/>
-                <p:cNvGrpSpPr/>
-                <p:nvPr/>
-              </p:nvGrpSpPr>
-              <p:grpSpPr>
-                <a:xfrm>
-                  <a:off x="116695" y="236723"/>
-                  <a:ext cx="4519178" cy="5853374"/>
-                  <a:chOff x="4458236" y="16954"/>
-                  <a:chExt cx="4519178" cy="5853374"/>
-                </a:xfrm>
-              </p:grpSpPr>
-              <p:grpSp>
-                <p:nvGrpSpPr>
-                  <p:cNvPr id="18" name="Groupe 17"/>
-                  <p:cNvGrpSpPr/>
-                  <p:nvPr/>
-                </p:nvGrpSpPr>
-                <p:grpSpPr>
-                  <a:xfrm>
-                    <a:off x="4458236" y="90756"/>
-                    <a:ext cx="252000" cy="369332"/>
-                    <a:chOff x="4471834" y="58162"/>
-                    <a:chExt cx="252000" cy="369332"/>
-                  </a:xfrm>
-                </p:grpSpPr>
-                <p:sp>
-                  <p:nvSpPr>
-                    <p:cNvPr id="59" name="Ellipse 58"/>
-                    <p:cNvSpPr/>
-                    <p:nvPr/>
-                  </p:nvSpPr>
-                  <p:spPr>
-                    <a:xfrm>
-                      <a:off x="4471834" y="116828"/>
-                      <a:ext cx="252000" cy="252000"/>
-                    </a:xfrm>
-                    <a:prstGeom prst="ellipse">
-                      <a:avLst/>
-                    </a:prstGeom>
-                    <a:noFill/>
-                  </p:spPr>
-                  <p:style>
-                    <a:lnRef idx="2">
-                      <a:schemeClr val="accent1">
-                        <a:shade val="50000"/>
-                      </a:schemeClr>
-                    </a:lnRef>
-                    <a:fillRef idx="1">
-                      <a:schemeClr val="accent1"/>
-                    </a:fillRef>
-                    <a:effectRef idx="0">
-                      <a:schemeClr val="accent1"/>
-                    </a:effectRef>
-                    <a:fontRef idx="minor">
-                      <a:schemeClr val="lt1"/>
-                    </a:fontRef>
-                  </p:style>
-                  <p:txBody>
-                    <a:bodyPr rtlCol="0" anchor="ctr"/>
-                    <a:lstStyle/>
-                    <a:p>
-                      <a:pPr algn="ctr"/>
-                      <a:endParaRPr lang="fr-FR"/>
-                    </a:p>
-                  </p:txBody>
-                </p:sp>
-                <p:sp>
-                  <p:nvSpPr>
-                    <p:cNvPr id="60" name="ZoneTexte 59"/>
-                    <p:cNvSpPr txBox="1"/>
-                    <p:nvPr/>
-                  </p:nvSpPr>
-                  <p:spPr>
-                    <a:xfrm>
-                      <a:off x="4481732" y="58162"/>
-                      <a:ext cx="111074" cy="369332"/>
-                    </a:xfrm>
-                    <a:prstGeom prst="rect">
-                      <a:avLst/>
-                    </a:prstGeom>
-                    <a:noFill/>
-                  </p:spPr>
-                  <p:txBody>
-                    <a:bodyPr wrap="square" rtlCol="0">
-                      <a:spAutoFit/>
-                    </a:bodyPr>
-                    <a:lstStyle/>
-                    <a:p>
-                      <a:r>
-                        <a:rPr lang="fr-FR" dirty="0" smtClean="0"/>
-                        <a:t>1</a:t>
-                      </a:r>
-                      <a:endParaRPr lang="fr-FR" dirty="0"/>
-                    </a:p>
-                  </p:txBody>
-                </p:sp>
-              </p:grpSp>
-              <p:grpSp>
-                <p:nvGrpSpPr>
-                  <p:cNvPr id="19" name="Groupe 18"/>
-                  <p:cNvGrpSpPr/>
-                  <p:nvPr/>
-                </p:nvGrpSpPr>
-                <p:grpSpPr>
-                  <a:xfrm>
-                    <a:off x="4458236" y="16954"/>
-                    <a:ext cx="4519178" cy="5853374"/>
-                    <a:chOff x="4458236" y="16954"/>
-                    <a:chExt cx="4519178" cy="5853374"/>
-                  </a:xfrm>
-                </p:grpSpPr>
-                <p:sp>
-                  <p:nvSpPr>
-                    <p:cNvPr id="20" name="ZoneTexte 19"/>
-                    <p:cNvSpPr txBox="1"/>
-                    <p:nvPr/>
-                  </p:nvSpPr>
-                  <p:spPr>
-                    <a:xfrm>
-                      <a:off x="4961052" y="16954"/>
-                      <a:ext cx="3957524" cy="523220"/>
-                    </a:xfrm>
-                    <a:prstGeom prst="rect">
-                      <a:avLst/>
-                    </a:prstGeom>
-                    <a:noFill/>
-                  </p:spPr>
-                  <p:txBody>
-                    <a:bodyPr wrap="square" rtlCol="0">
-                      <a:spAutoFit/>
-                    </a:bodyPr>
-                    <a:lstStyle/>
-                    <a:p>
-                      <a:r>
-                        <a:rPr lang="fr-FR" sz="1400" dirty="0" err="1" smtClean="0"/>
-                        <a:t>Sampling</a:t>
-                      </a:r>
-                      <a:r>
-                        <a:rPr lang="fr-FR" sz="1400" dirty="0" smtClean="0"/>
-                        <a:t> </a:t>
-                      </a:r>
-                      <a:r>
-                        <a:rPr lang="fr-FR" sz="1400" dirty="0" err="1" smtClean="0"/>
-                        <a:t>seamounts</a:t>
-                      </a:r>
-                      <a:r>
-                        <a:rPr lang="fr-FR" sz="1400" dirty="0" smtClean="0"/>
-                        <a:t>, </a:t>
-                      </a:r>
-                      <a:r>
-                        <a:rPr lang="fr-FR" sz="1400" dirty="0" err="1" smtClean="0"/>
-                        <a:t>deep</a:t>
-                      </a:r>
-                      <a:r>
-                        <a:rPr lang="fr-FR" sz="1400" dirty="0" smtClean="0"/>
-                        <a:t> </a:t>
-                      </a:r>
-                      <a:r>
-                        <a:rPr lang="fr-FR" sz="1400" dirty="0" err="1" smtClean="0"/>
-                        <a:t>slopes</a:t>
-                      </a:r>
-                      <a:r>
-                        <a:rPr lang="fr-FR" sz="1400" dirty="0" smtClean="0"/>
-                        <a:t> and </a:t>
-                      </a:r>
-                      <a:r>
-                        <a:rPr lang="fr-FR" sz="1400" dirty="0" err="1" smtClean="0"/>
-                        <a:t>pelagic</a:t>
-                      </a:r>
-                      <a:r>
-                        <a:rPr lang="fr-FR" sz="1400" dirty="0" smtClean="0"/>
-                        <a:t> areas </a:t>
-                      </a:r>
-                      <a:r>
-                        <a:rPr lang="fr-FR" sz="1400" dirty="0" err="1" smtClean="0"/>
-                        <a:t>with</a:t>
-                      </a:r>
-                      <a:r>
-                        <a:rPr lang="fr-FR" sz="1400" dirty="0"/>
-                        <a:t> BRUVS</a:t>
-                      </a:r>
-                      <a:r>
-                        <a:rPr lang="fr-FR" sz="1400" dirty="0" smtClean="0"/>
-                        <a:t>, eDNA </a:t>
-                      </a:r>
-                      <a:r>
-                        <a:rPr lang="fr-FR" sz="1400" dirty="0"/>
-                        <a:t>and echosounder</a:t>
-                      </a:r>
-                    </a:p>
-                  </p:txBody>
-                </p:sp>
-                <p:cxnSp>
-                  <p:nvCxnSpPr>
-                    <p:cNvPr id="21" name="Connecteur droit avec flèche 20"/>
-                    <p:cNvCxnSpPr/>
-                    <p:nvPr/>
-                  </p:nvCxnSpPr>
-                  <p:spPr>
-                    <a:xfrm flipH="1">
-                      <a:off x="6254496" y="903610"/>
-                      <a:ext cx="248717" cy="347289"/>
-                    </a:xfrm>
-                    <a:prstGeom prst="straightConnector1">
-                      <a:avLst/>
-                    </a:prstGeom>
-                    <a:ln>
-                      <a:tailEnd type="triangle"/>
-                    </a:ln>
-                  </p:spPr>
-                  <p:style>
-                    <a:lnRef idx="1">
-                      <a:schemeClr val="dk1"/>
-                    </a:lnRef>
-                    <a:fillRef idx="0">
-                      <a:schemeClr val="dk1"/>
-                    </a:fillRef>
-                    <a:effectRef idx="0">
-                      <a:schemeClr val="dk1"/>
-                    </a:effectRef>
-                    <a:fontRef idx="minor">
-                      <a:schemeClr val="tx1"/>
-                    </a:fontRef>
-                  </p:style>
-                </p:cxnSp>
-                <p:cxnSp>
-                  <p:nvCxnSpPr>
-                    <p:cNvPr id="22" name="Connecteur droit avec flèche 21"/>
-                    <p:cNvCxnSpPr/>
-                    <p:nvPr/>
-                  </p:nvCxnSpPr>
-                  <p:spPr>
-                    <a:xfrm>
-                      <a:off x="7191913" y="903610"/>
-                      <a:ext cx="335049" cy="347289"/>
-                    </a:xfrm>
-                    <a:prstGeom prst="straightConnector1">
-                      <a:avLst/>
-                    </a:prstGeom>
-                    <a:ln>
-                      <a:tailEnd type="triangle"/>
-                    </a:ln>
-                  </p:spPr>
-                  <p:style>
-                    <a:lnRef idx="1">
-                      <a:schemeClr val="dk1"/>
-                    </a:lnRef>
-                    <a:fillRef idx="0">
-                      <a:schemeClr val="dk1"/>
-                    </a:fillRef>
-                    <a:effectRef idx="0">
-                      <a:schemeClr val="dk1"/>
-                    </a:effectRef>
-                    <a:fontRef idx="minor">
-                      <a:schemeClr val="tx1"/>
-                    </a:fontRef>
-                  </p:style>
-                </p:cxnSp>
-                <p:sp>
-                  <p:nvSpPr>
-                    <p:cNvPr id="23" name="ZoneTexte 22"/>
-                    <p:cNvSpPr txBox="1"/>
-                    <p:nvPr/>
-                  </p:nvSpPr>
-                  <p:spPr>
-                    <a:xfrm>
-                      <a:off x="4799669" y="1305359"/>
-                      <a:ext cx="2026310" cy="1107996"/>
-                    </a:xfrm>
-                    <a:prstGeom prst="rect">
-                      <a:avLst/>
-                    </a:prstGeom>
-                    <a:solidFill>
-                      <a:schemeClr val="bg1">
-                        <a:lumMod val="95000"/>
-                      </a:schemeClr>
-                    </a:solidFill>
-                    <a:ln>
-                      <a:solidFill>
-                        <a:schemeClr val="accent2"/>
-                      </a:solidFill>
-                    </a:ln>
-                  </p:spPr>
-                  <p:txBody>
-                    <a:bodyPr wrap="square" rtlCol="0">
-                      <a:spAutoFit/>
-                    </a:bodyPr>
-                    <a:lstStyle/>
-                    <a:p>
-                      <a:pPr marL="171450" indent="-171450">
-                        <a:buFont typeface="Arial" panose="020B0604020202020204" pitchFamily="34" charset="0"/>
-                        <a:buChar char="•"/>
-                      </a:pPr>
-                      <a:r>
-                        <a:rPr lang="fr-FR" sz="1100" dirty="0" err="1" smtClean="0"/>
-                        <a:t>Benthic</a:t>
-                      </a:r>
-                      <a:r>
-                        <a:rPr lang="fr-FR" sz="1100" dirty="0" smtClean="0"/>
-                        <a:t> </a:t>
-                      </a:r>
-                      <a:r>
-                        <a:rPr lang="fr-FR" sz="1100" dirty="0" err="1" smtClean="0"/>
-                        <a:t>species</a:t>
-                      </a:r>
-                      <a:r>
-                        <a:rPr lang="fr-FR" sz="1100" dirty="0" smtClean="0"/>
-                        <a:t> </a:t>
-                      </a:r>
-                      <a:r>
-                        <a:rPr lang="fr-FR" sz="1100" dirty="0" err="1" smtClean="0"/>
-                        <a:t>richness</a:t>
-                      </a:r>
-                      <a:r>
-                        <a:rPr lang="fr-FR" sz="1100" dirty="0" smtClean="0"/>
-                        <a:t>, </a:t>
-                      </a:r>
-                      <a:r>
-                        <a:rPr lang="fr-FR" sz="1100" dirty="0" err="1" smtClean="0"/>
-                        <a:t>abundance</a:t>
-                      </a:r>
-                      <a:r>
-                        <a:rPr lang="fr-FR" sz="1100" dirty="0" smtClean="0"/>
-                        <a:t>, </a:t>
-                      </a:r>
-                      <a:r>
-                        <a:rPr lang="fr-FR" sz="1100" dirty="0" err="1" smtClean="0"/>
-                        <a:t>biomass</a:t>
-                      </a:r>
-                      <a:r>
-                        <a:rPr lang="fr-FR" sz="1100" dirty="0" smtClean="0"/>
-                        <a:t> (BRUVS)</a:t>
-                      </a:r>
-                    </a:p>
-                    <a:p>
-                      <a:pPr marL="171450" indent="-171450">
-                        <a:buFont typeface="Arial" panose="020B0604020202020204" pitchFamily="34" charset="0"/>
-                        <a:buChar char="•"/>
-                      </a:pPr>
-                      <a:r>
-                        <a:rPr lang="fr-FR" sz="1100" dirty="0" smtClean="0"/>
-                        <a:t>eDNA </a:t>
-                      </a:r>
-                      <a:r>
-                        <a:rPr lang="fr-FR" sz="1100" dirty="0" err="1" smtClean="0"/>
-                        <a:t>benthic</a:t>
-                      </a:r>
-                      <a:r>
-                        <a:rPr lang="fr-FR" sz="1100" dirty="0" smtClean="0"/>
-                        <a:t> and </a:t>
-                      </a:r>
-                      <a:r>
-                        <a:rPr lang="fr-FR" sz="1100" dirty="0" err="1" smtClean="0"/>
-                        <a:t>pelagic</a:t>
-                      </a:r>
-                      <a:r>
-                        <a:rPr lang="fr-FR" sz="1100" dirty="0" smtClean="0"/>
-                        <a:t> MOTU </a:t>
-                      </a:r>
-                      <a:r>
-                        <a:rPr lang="fr-FR" sz="1100" dirty="0" err="1" smtClean="0"/>
-                        <a:t>richness</a:t>
-                      </a:r>
-                      <a:endParaRPr lang="fr-FR" sz="1100" dirty="0" smtClean="0"/>
-                    </a:p>
-                    <a:p>
-                      <a:pPr marL="171450" indent="-171450">
-                        <a:buFont typeface="Arial" panose="020B0604020202020204" pitchFamily="34" charset="0"/>
-                        <a:buChar char="•"/>
-                      </a:pPr>
-                      <a:r>
-                        <a:rPr lang="fr-FR" sz="1100" dirty="0" err="1" smtClean="0"/>
-                        <a:t>Benthic</a:t>
-                      </a:r>
-                      <a:r>
-                        <a:rPr lang="fr-FR" sz="1100" dirty="0" smtClean="0"/>
-                        <a:t> and </a:t>
-                      </a:r>
-                      <a:r>
-                        <a:rPr lang="fr-FR" sz="1100" dirty="0" err="1" smtClean="0"/>
-                        <a:t>pelagic</a:t>
-                      </a:r>
-                      <a:r>
-                        <a:rPr lang="fr-FR" sz="1100" dirty="0" smtClean="0"/>
-                        <a:t> </a:t>
-                      </a:r>
-                      <a:r>
-                        <a:rPr lang="fr-FR" sz="1100" dirty="0" err="1" smtClean="0"/>
-                        <a:t>acoustic</a:t>
-                      </a:r>
-                      <a:r>
-                        <a:rPr lang="fr-FR" sz="1100" dirty="0" smtClean="0"/>
-                        <a:t> </a:t>
-                      </a:r>
-                      <a:r>
-                        <a:rPr lang="fr-FR" sz="1100" dirty="0" err="1" smtClean="0"/>
-                        <a:t>biomass</a:t>
-                      </a:r>
-                      <a:endParaRPr lang="fr-FR" sz="1100" dirty="0"/>
-                    </a:p>
-                  </p:txBody>
-                </p:sp>
-                <p:sp>
-                  <p:nvSpPr>
-                    <p:cNvPr id="24" name="ZoneTexte 23"/>
-                    <p:cNvSpPr txBox="1"/>
-                    <p:nvPr/>
-                  </p:nvSpPr>
-                  <p:spPr>
-                    <a:xfrm>
-                      <a:off x="7032806" y="1305359"/>
-                      <a:ext cx="1783459" cy="1107996"/>
-                    </a:xfrm>
-                    <a:prstGeom prst="rect">
-                      <a:avLst/>
-                    </a:prstGeom>
-                    <a:solidFill>
-                      <a:schemeClr val="bg1">
-                        <a:lumMod val="95000"/>
-                      </a:schemeClr>
-                    </a:solidFill>
-                    <a:ln>
-                      <a:solidFill>
-                        <a:schemeClr val="accent6"/>
-                      </a:solidFill>
-                    </a:ln>
-                  </p:spPr>
-                  <p:txBody>
-                    <a:bodyPr wrap="square" rtlCol="0">
-                      <a:spAutoFit/>
-                    </a:bodyPr>
-                    <a:lstStyle/>
-                    <a:p>
-                      <a:pPr marL="171450" indent="-171450">
-                        <a:buFont typeface="Arial" panose="020B0604020202020204" pitchFamily="34" charset="0"/>
-                        <a:buChar char="•"/>
-                      </a:pPr>
-                      <a:r>
-                        <a:rPr lang="fr-FR" sz="1100" dirty="0" err="1" smtClean="0"/>
-                        <a:t>Abundance</a:t>
-                      </a:r>
-                      <a:r>
-                        <a:rPr lang="fr-FR" sz="1100" dirty="0" smtClean="0"/>
-                        <a:t> of </a:t>
-                      </a:r>
-                      <a:r>
-                        <a:rPr lang="fr-FR" sz="1100" dirty="0" err="1" smtClean="0"/>
-                        <a:t>most</a:t>
-                      </a:r>
-                      <a:r>
-                        <a:rPr lang="fr-FR" sz="1100" dirty="0" smtClean="0"/>
-                        <a:t> occurrent </a:t>
-                      </a:r>
-                      <a:r>
-                        <a:rPr lang="fr-FR" sz="1100" dirty="0" err="1" smtClean="0"/>
-                        <a:t>species</a:t>
-                      </a:r>
-                      <a:r>
-                        <a:rPr lang="fr-FR" sz="1100" dirty="0" smtClean="0"/>
-                        <a:t> (BRUVS)</a:t>
-                      </a:r>
-                    </a:p>
-                    <a:p>
-                      <a:pPr marL="171450" indent="-171450">
-                        <a:buFont typeface="Arial" panose="020B0604020202020204" pitchFamily="34" charset="0"/>
-                        <a:buChar char="•"/>
-                      </a:pPr>
-                      <a:r>
-                        <a:rPr lang="fr-FR" sz="1100" dirty="0" smtClean="0"/>
-                        <a:t>eDNA </a:t>
-                      </a:r>
-                      <a:r>
-                        <a:rPr lang="fr-FR" sz="1100" dirty="0" err="1" smtClean="0"/>
-                        <a:t>read</a:t>
-                      </a:r>
-                      <a:r>
-                        <a:rPr lang="fr-FR" sz="1100" dirty="0" smtClean="0"/>
-                        <a:t> </a:t>
-                      </a:r>
-                      <a:r>
-                        <a:rPr lang="fr-FR" sz="1100" dirty="0" err="1" smtClean="0"/>
-                        <a:t>abundance</a:t>
-                      </a:r>
-                      <a:r>
-                        <a:rPr lang="fr-FR" sz="1100" dirty="0" smtClean="0"/>
-                        <a:t> of </a:t>
-                      </a:r>
-                      <a:r>
-                        <a:rPr lang="fr-FR" sz="1100" dirty="0" err="1" smtClean="0"/>
-                        <a:t>most</a:t>
-                      </a:r>
-                      <a:r>
-                        <a:rPr lang="fr-FR" sz="1100" dirty="0" smtClean="0"/>
-                        <a:t> occurrent MOTUs</a:t>
-                      </a:r>
-                    </a:p>
-                    <a:p>
-                      <a:pPr marL="171450" indent="-171450">
-                        <a:buFont typeface="Arial" panose="020B0604020202020204" pitchFamily="34" charset="0"/>
-                        <a:buChar char="•"/>
-                      </a:pPr>
-                      <a:endParaRPr lang="fr-FR" sz="1100" dirty="0"/>
-                    </a:p>
-                  </p:txBody>
-                </p:sp>
-                <p:cxnSp>
-                  <p:nvCxnSpPr>
-                    <p:cNvPr id="25" name="Connecteur droit avec flèche 24"/>
-                    <p:cNvCxnSpPr>
-                      <a:stCxn id="23" idx="2"/>
-                      <a:endCxn id="27" idx="0"/>
-                    </p:cNvCxnSpPr>
-                    <p:nvPr/>
-                  </p:nvCxnSpPr>
-                  <p:spPr>
-                    <a:xfrm>
-                      <a:off x="5812824" y="2413355"/>
-                      <a:ext cx="0" cy="294345"/>
-                    </a:xfrm>
-                    <a:prstGeom prst="straightConnector1">
-                      <a:avLst/>
-                    </a:prstGeom>
-                    <a:ln>
-                      <a:tailEnd type="triangle"/>
-                    </a:ln>
-                  </p:spPr>
-                  <p:style>
-                    <a:lnRef idx="1">
-                      <a:schemeClr val="dk1"/>
-                    </a:lnRef>
-                    <a:fillRef idx="0">
-                      <a:schemeClr val="dk1"/>
-                    </a:fillRef>
-                    <a:effectRef idx="0">
-                      <a:schemeClr val="dk1"/>
-                    </a:effectRef>
-                    <a:fontRef idx="minor">
-                      <a:schemeClr val="tx1"/>
-                    </a:fontRef>
-                  </p:style>
-                </p:cxnSp>
-                <p:cxnSp>
-                  <p:nvCxnSpPr>
-                    <p:cNvPr id="26" name="Connecteur droit avec flèche 25"/>
-                    <p:cNvCxnSpPr>
-                      <a:stCxn id="24" idx="2"/>
-                      <a:endCxn id="28" idx="0"/>
-                    </p:cNvCxnSpPr>
-                    <p:nvPr/>
-                  </p:nvCxnSpPr>
-                  <p:spPr>
-                    <a:xfrm flipH="1">
-                      <a:off x="7924535" y="2413355"/>
-                      <a:ext cx="1" cy="294345"/>
-                    </a:xfrm>
-                    <a:prstGeom prst="straightConnector1">
-                      <a:avLst/>
-                    </a:prstGeom>
-                    <a:ln>
-                      <a:tailEnd type="triangle"/>
-                    </a:ln>
-                  </p:spPr>
-                  <p:style>
-                    <a:lnRef idx="1">
-                      <a:schemeClr val="dk1"/>
-                    </a:lnRef>
-                    <a:fillRef idx="0">
-                      <a:schemeClr val="dk1"/>
-                    </a:fillRef>
-                    <a:effectRef idx="0">
-                      <a:schemeClr val="dk1"/>
-                    </a:effectRef>
-                    <a:fontRef idx="minor">
-                      <a:schemeClr val="tx1"/>
-                    </a:fontRef>
-                  </p:style>
-                </p:cxnSp>
-                <p:sp>
-                  <p:nvSpPr>
-                    <p:cNvPr id="27" name="ZoneTexte 26"/>
-                    <p:cNvSpPr txBox="1"/>
-                    <p:nvPr/>
-                  </p:nvSpPr>
-                  <p:spPr>
-                    <a:xfrm>
-                      <a:off x="4961052" y="2707700"/>
-                      <a:ext cx="1703544" cy="307777"/>
-                    </a:xfrm>
-                    <a:prstGeom prst="rect">
-                      <a:avLst/>
-                    </a:prstGeom>
-                    <a:solidFill>
-                      <a:schemeClr val="accent2">
-                        <a:lumMod val="60000"/>
-                        <a:lumOff val="40000"/>
-                      </a:schemeClr>
-                    </a:solidFill>
-                  </p:spPr>
-                  <p:txBody>
-                    <a:bodyPr wrap="square" rtlCol="0">
-                      <a:spAutoFit/>
-                    </a:bodyPr>
-                    <a:lstStyle/>
-                    <a:p>
-                      <a:r>
-                        <a:rPr lang="fr-FR" sz="1400" dirty="0" err="1" smtClean="0"/>
-                        <a:t>Modelling</a:t>
-                      </a:r>
-                      <a:r>
-                        <a:rPr lang="fr-FR" sz="1400" dirty="0" smtClean="0"/>
-                        <a:t> </a:t>
-                      </a:r>
-                      <a:r>
-                        <a:rPr lang="fr-FR" sz="1400" dirty="0" err="1" smtClean="0"/>
-                        <a:t>with</a:t>
-                      </a:r>
-                      <a:r>
-                        <a:rPr lang="fr-FR" sz="1400" dirty="0" smtClean="0"/>
-                        <a:t> </a:t>
-                      </a:r>
-                      <a:r>
-                        <a:rPr lang="fr-FR" sz="1400" dirty="0" err="1" smtClean="0"/>
-                        <a:t>BRTs</a:t>
-                      </a:r>
-                      <a:r>
-                        <a:rPr lang="fr-FR" sz="1400" dirty="0" smtClean="0"/>
-                        <a:t> </a:t>
-                      </a:r>
-                      <a:endParaRPr lang="fr-FR" sz="1400" dirty="0"/>
-                    </a:p>
-                  </p:txBody>
-                </p:sp>
-                <p:sp>
-                  <p:nvSpPr>
-                    <p:cNvPr id="28" name="ZoneTexte 27"/>
-                    <p:cNvSpPr txBox="1"/>
-                    <p:nvPr/>
-                  </p:nvSpPr>
-                  <p:spPr>
-                    <a:xfrm>
-                      <a:off x="7008893" y="2707700"/>
-                      <a:ext cx="1831284" cy="307777"/>
-                    </a:xfrm>
-                    <a:prstGeom prst="rect">
-                      <a:avLst/>
-                    </a:prstGeom>
-                    <a:solidFill>
-                      <a:schemeClr val="accent6">
-                        <a:lumMod val="60000"/>
-                        <a:lumOff val="40000"/>
-                      </a:schemeClr>
-                    </a:solidFill>
-                  </p:spPr>
-                  <p:txBody>
-                    <a:bodyPr wrap="square" rtlCol="0">
-                      <a:spAutoFit/>
-                    </a:bodyPr>
-                    <a:lstStyle/>
-                    <a:p>
-                      <a:r>
-                        <a:rPr lang="fr-FR" sz="1400" dirty="0" err="1" smtClean="0"/>
-                        <a:t>Modelling</a:t>
-                      </a:r>
-                      <a:r>
-                        <a:rPr lang="fr-FR" sz="1400" dirty="0" smtClean="0"/>
-                        <a:t> </a:t>
-                      </a:r>
-                      <a:r>
-                        <a:rPr lang="fr-FR" sz="1400" dirty="0" err="1" smtClean="0"/>
-                        <a:t>with</a:t>
-                      </a:r>
-                      <a:r>
-                        <a:rPr lang="fr-FR" sz="1400" dirty="0" smtClean="0"/>
-                        <a:t> </a:t>
-                      </a:r>
-                      <a:r>
-                        <a:rPr lang="fr-FR" sz="1400" dirty="0" err="1" smtClean="0"/>
-                        <a:t>GJAMs</a:t>
-                      </a:r>
-                      <a:r>
-                        <a:rPr lang="fr-FR" sz="1400" dirty="0" smtClean="0"/>
-                        <a:t> </a:t>
-                      </a:r>
-                      <a:endParaRPr lang="fr-FR" sz="1400" dirty="0"/>
-                    </a:p>
-                  </p:txBody>
-                </p:sp>
-                <p:cxnSp>
-                  <p:nvCxnSpPr>
-                    <p:cNvPr id="29" name="Connecteur droit avec flèche 28"/>
-                    <p:cNvCxnSpPr>
-                      <a:stCxn id="27" idx="2"/>
-                      <a:endCxn id="30" idx="0"/>
-                    </p:cNvCxnSpPr>
-                    <p:nvPr/>
-                  </p:nvCxnSpPr>
-                  <p:spPr>
-                    <a:xfrm flipH="1">
-                      <a:off x="5812823" y="3015477"/>
-                      <a:ext cx="1" cy="433087"/>
-                    </a:xfrm>
-                    <a:prstGeom prst="straightConnector1">
-                      <a:avLst/>
-                    </a:prstGeom>
-                    <a:ln>
-                      <a:tailEnd type="triangle"/>
-                    </a:ln>
-                  </p:spPr>
-                  <p:style>
-                    <a:lnRef idx="1">
-                      <a:schemeClr val="dk1"/>
-                    </a:lnRef>
-                    <a:fillRef idx="0">
-                      <a:schemeClr val="dk1"/>
-                    </a:fillRef>
-                    <a:effectRef idx="0">
-                      <a:schemeClr val="dk1"/>
-                    </a:effectRef>
-                    <a:fontRef idx="minor">
-                      <a:schemeClr val="tx1"/>
-                    </a:fontRef>
-                  </p:style>
-                </p:cxnSp>
-                <p:sp>
-                  <p:nvSpPr>
-                    <p:cNvPr id="30" name="ZoneTexte 29"/>
-                    <p:cNvSpPr txBox="1"/>
-                    <p:nvPr/>
-                  </p:nvSpPr>
-                  <p:spPr>
-                    <a:xfrm>
-                      <a:off x="4808984" y="3448564"/>
-                      <a:ext cx="2007677" cy="646331"/>
-                    </a:xfrm>
-                    <a:prstGeom prst="rect">
-                      <a:avLst/>
-                    </a:prstGeom>
-                    <a:noFill/>
-                    <a:ln>
-                      <a:solidFill>
-                        <a:schemeClr val="accent2"/>
-                      </a:solidFill>
-                    </a:ln>
-                  </p:spPr>
-                  <p:txBody>
-                    <a:bodyPr wrap="square" rtlCol="0">
-                      <a:spAutoFit/>
-                    </a:bodyPr>
-                    <a:lstStyle/>
-                    <a:p>
-                      <a:pPr algn="ctr"/>
-                      <a:r>
-                        <a:rPr lang="fr-FR" sz="1200" dirty="0" err="1" smtClean="0"/>
-                        <a:t>Prediction</a:t>
-                      </a:r>
-                      <a:r>
-                        <a:rPr lang="fr-FR" sz="1200" dirty="0" smtClean="0"/>
-                        <a:t> of </a:t>
-                      </a:r>
-                      <a:r>
-                        <a:rPr lang="fr-FR" sz="1200" dirty="0" err="1" smtClean="0"/>
-                        <a:t>each</a:t>
-                      </a:r>
-                      <a:r>
-                        <a:rPr lang="fr-FR" sz="1200" dirty="0" smtClean="0"/>
-                        <a:t> </a:t>
-                      </a:r>
-                      <a:r>
-                        <a:rPr lang="fr-FR" sz="1200" dirty="0" err="1" smtClean="0"/>
-                        <a:t>integrated</a:t>
-                      </a:r>
-                      <a:r>
-                        <a:rPr lang="fr-FR" sz="1200" dirty="0" smtClean="0"/>
-                        <a:t> </a:t>
-                      </a:r>
-                      <a:r>
-                        <a:rPr lang="fr-FR" sz="1200" dirty="0" err="1" smtClean="0"/>
-                        <a:t>metric</a:t>
-                      </a:r>
-                      <a:r>
-                        <a:rPr lang="fr-FR" sz="1200" dirty="0" smtClean="0"/>
-                        <a:t> in 3 </a:t>
-                      </a:r>
-                      <a:r>
-                        <a:rPr lang="fr-FR" sz="1200" dirty="0" err="1" smtClean="0"/>
-                        <a:t>depth</a:t>
-                      </a:r>
-                      <a:r>
-                        <a:rPr lang="fr-FR" sz="1200" dirty="0" smtClean="0"/>
-                        <a:t> </a:t>
-                      </a:r>
-                      <a:r>
-                        <a:rPr lang="fr-FR" sz="1200" dirty="0" err="1" smtClean="0"/>
-                        <a:t>layers</a:t>
-                      </a:r>
-                      <a:r>
-                        <a:rPr lang="fr-FR" sz="1200" dirty="0" smtClean="0"/>
-                        <a:t> </a:t>
-                      </a:r>
-                    </a:p>
-                    <a:p>
-                      <a:pPr algn="ctr"/>
-                      <a:r>
-                        <a:rPr lang="fr-FR" sz="1200" dirty="0" smtClean="0"/>
-                        <a:t>(0-200, 200-400, 400-600)</a:t>
-                      </a:r>
-                      <a:endParaRPr lang="fr-FR" sz="1200" dirty="0"/>
-                    </a:p>
-                  </p:txBody>
-                </p:sp>
-                <p:sp>
-                  <p:nvSpPr>
-                    <p:cNvPr id="31" name="ZoneTexte 30"/>
-                    <p:cNvSpPr txBox="1"/>
-                    <p:nvPr/>
-                  </p:nvSpPr>
-                  <p:spPr>
-                    <a:xfrm>
-                      <a:off x="6871655" y="3448563"/>
-                      <a:ext cx="2105759" cy="646331"/>
-                    </a:xfrm>
-                    <a:prstGeom prst="rect">
-                      <a:avLst/>
-                    </a:prstGeom>
-                    <a:noFill/>
-                    <a:ln>
-                      <a:solidFill>
-                        <a:schemeClr val="accent6"/>
-                      </a:solidFill>
-                    </a:ln>
-                  </p:spPr>
-                  <p:txBody>
-                    <a:bodyPr wrap="square" rtlCol="0">
-                      <a:spAutoFit/>
-                    </a:bodyPr>
-                    <a:lstStyle/>
-                    <a:p>
-                      <a:pPr algn="ctr"/>
-                      <a:r>
-                        <a:rPr lang="fr-FR" sz="1200" dirty="0" err="1" smtClean="0"/>
-                        <a:t>Prediction</a:t>
-                      </a:r>
-                      <a:r>
-                        <a:rPr lang="fr-FR" sz="1200" dirty="0" smtClean="0"/>
-                        <a:t> of </a:t>
-                      </a:r>
-                      <a:r>
-                        <a:rPr lang="fr-FR" sz="1200" dirty="0" err="1" smtClean="0"/>
-                        <a:t>individual</a:t>
-                      </a:r>
-                      <a:r>
-                        <a:rPr lang="fr-FR" sz="1200" dirty="0" smtClean="0"/>
-                        <a:t> </a:t>
-                      </a:r>
-                      <a:r>
-                        <a:rPr lang="fr-FR" sz="1200" dirty="0" err="1" smtClean="0"/>
-                        <a:t>species</a:t>
-                      </a:r>
-                      <a:r>
-                        <a:rPr lang="fr-FR" sz="1200" dirty="0" smtClean="0"/>
-                        <a:t> and MOTUs in 3 </a:t>
-                      </a:r>
-                      <a:r>
-                        <a:rPr lang="fr-FR" sz="1200" dirty="0" err="1" smtClean="0"/>
-                        <a:t>depth</a:t>
-                      </a:r>
-                      <a:r>
-                        <a:rPr lang="fr-FR" sz="1200" dirty="0" smtClean="0"/>
-                        <a:t> </a:t>
-                      </a:r>
-                      <a:r>
-                        <a:rPr lang="fr-FR" sz="1200" dirty="0" err="1" smtClean="0"/>
-                        <a:t>layers</a:t>
-                      </a:r>
-                      <a:r>
-                        <a:rPr lang="fr-FR" sz="1200" dirty="0" smtClean="0"/>
-                        <a:t> </a:t>
-                      </a:r>
-                    </a:p>
-                    <a:p>
-                      <a:pPr algn="ctr"/>
-                      <a:r>
-                        <a:rPr lang="fr-FR" sz="1200" dirty="0" smtClean="0"/>
-                        <a:t>(0-200, 200-400, 400-600)</a:t>
-                      </a:r>
-                      <a:endParaRPr lang="fr-FR" sz="1200" dirty="0"/>
-                    </a:p>
-                  </p:txBody>
-                </p:sp>
-                <p:cxnSp>
-                  <p:nvCxnSpPr>
-                    <p:cNvPr id="32" name="Connecteur droit avec flèche 31"/>
-                    <p:cNvCxnSpPr>
-                      <a:stCxn id="28" idx="2"/>
-                      <a:endCxn id="31" idx="0"/>
-                    </p:cNvCxnSpPr>
-                    <p:nvPr/>
-                  </p:nvCxnSpPr>
-                  <p:spPr>
-                    <a:xfrm>
-                      <a:off x="7924535" y="3015477"/>
-                      <a:ext cx="0" cy="433086"/>
-                    </a:xfrm>
-                    <a:prstGeom prst="straightConnector1">
-                      <a:avLst/>
-                    </a:prstGeom>
-                    <a:ln>
-                      <a:tailEnd type="triangle"/>
-                    </a:ln>
-                  </p:spPr>
-                  <p:style>
-                    <a:lnRef idx="1">
-                      <a:schemeClr val="dk1"/>
-                    </a:lnRef>
-                    <a:fillRef idx="0">
-                      <a:schemeClr val="dk1"/>
-                    </a:fillRef>
-                    <a:effectRef idx="0">
-                      <a:schemeClr val="dk1"/>
-                    </a:effectRef>
-                    <a:fontRef idx="minor">
-                      <a:schemeClr val="tx1"/>
-                    </a:fontRef>
-                  </p:style>
-                </p:cxnSp>
-                <p:grpSp>
-                  <p:nvGrpSpPr>
-                    <p:cNvPr id="33" name="Groupe 32"/>
-                    <p:cNvGrpSpPr/>
-                    <p:nvPr/>
-                  </p:nvGrpSpPr>
-                  <p:grpSpPr>
-                    <a:xfrm>
-                      <a:off x="4458236" y="2676922"/>
-                      <a:ext cx="252000" cy="369332"/>
-                      <a:chOff x="4467418" y="40502"/>
-                      <a:chExt cx="252000" cy="369332"/>
-                    </a:xfrm>
-                  </p:grpSpPr>
-                  <p:sp>
-                    <p:nvSpPr>
-                      <p:cNvPr id="57" name="Ellipse 56"/>
-                      <p:cNvSpPr/>
-                      <p:nvPr/>
-                    </p:nvSpPr>
-                    <p:spPr>
-                      <a:xfrm>
-                        <a:off x="4467418" y="103855"/>
-                        <a:ext cx="252000" cy="252000"/>
-                      </a:xfrm>
-                      <a:prstGeom prst="ellipse">
-                        <a:avLst/>
-                      </a:prstGeom>
-                      <a:noFill/>
-                    </p:spPr>
-                    <p:style>
-                      <a:lnRef idx="2">
-                        <a:schemeClr val="accent1">
-                          <a:shade val="50000"/>
-                        </a:schemeClr>
-                      </a:lnRef>
-                      <a:fillRef idx="1">
-                        <a:schemeClr val="accent1"/>
-                      </a:fillRef>
-                      <a:effectRef idx="0">
-                        <a:schemeClr val="accent1"/>
-                      </a:effectRef>
-                      <a:fontRef idx="minor">
-                        <a:schemeClr val="lt1"/>
-                      </a:fontRef>
-                    </p:style>
-                    <p:txBody>
-                      <a:bodyPr rtlCol="0" anchor="ctr"/>
-                      <a:lstStyle/>
-                      <a:p>
-                        <a:pPr algn="ctr"/>
-                        <a:endParaRPr lang="fr-FR"/>
-                      </a:p>
-                    </p:txBody>
-                  </p:sp>
-                  <p:sp>
-                    <p:nvSpPr>
-                      <p:cNvPr id="58" name="ZoneTexte 57"/>
-                      <p:cNvSpPr txBox="1"/>
-                      <p:nvPr/>
-                    </p:nvSpPr>
-                    <p:spPr>
-                      <a:xfrm>
-                        <a:off x="4482344" y="40502"/>
-                        <a:ext cx="111074" cy="369332"/>
-                      </a:xfrm>
-                      <a:prstGeom prst="rect">
-                        <a:avLst/>
-                      </a:prstGeom>
-                      <a:noFill/>
-                    </p:spPr>
-                    <p:txBody>
-                      <a:bodyPr wrap="square" rtlCol="0">
-                        <a:spAutoFit/>
-                      </a:bodyPr>
-                      <a:lstStyle/>
-                      <a:p>
-                        <a:r>
-                          <a:rPr lang="fr-FR" dirty="0" smtClean="0"/>
-                          <a:t>2</a:t>
-                        </a:r>
-                        <a:endParaRPr lang="fr-FR" dirty="0"/>
-                      </a:p>
-                    </p:txBody>
-                  </p:sp>
-                </p:grpSp>
-                <p:grpSp>
-                  <p:nvGrpSpPr>
-                    <p:cNvPr id="34" name="Groupe 33"/>
-                    <p:cNvGrpSpPr/>
-                    <p:nvPr/>
-                  </p:nvGrpSpPr>
-                  <p:grpSpPr>
-                    <a:xfrm>
-                      <a:off x="4769294" y="4390728"/>
-                      <a:ext cx="2047367" cy="1478752"/>
-                      <a:chOff x="4547460" y="4185666"/>
-                      <a:chExt cx="1927082" cy="1391874"/>
-                    </a:xfrm>
-                  </p:grpSpPr>
-                  <p:grpSp>
-                    <p:nvGrpSpPr>
-                      <p:cNvPr id="48" name="Groupe 47"/>
-                      <p:cNvGrpSpPr/>
-                      <p:nvPr/>
-                    </p:nvGrpSpPr>
-                    <p:grpSpPr>
-                      <a:xfrm>
-                        <a:off x="4864927" y="4185666"/>
-                        <a:ext cx="1609615" cy="999070"/>
-                        <a:chOff x="397976" y="3015480"/>
-                        <a:chExt cx="4103463" cy="2546973"/>
-                      </a:xfrm>
-                    </p:grpSpPr>
-                    <p:sp>
-                      <p:nvSpPr>
-                        <p:cNvPr id="55" name="Rectangle 54"/>
-                        <p:cNvSpPr/>
-                        <p:nvPr/>
-                      </p:nvSpPr>
-                      <p:spPr>
-                        <a:xfrm>
-                          <a:off x="431597" y="3108961"/>
-                          <a:ext cx="3986784" cy="2450592"/>
-                        </a:xfrm>
-                        <a:prstGeom prst="rect">
-                          <a:avLst/>
-                        </a:prstGeom>
-                        <a:solidFill>
-                          <a:schemeClr val="bg1"/>
-                        </a:solidFill>
-                        <a:ln>
-                          <a:solidFill>
-                            <a:schemeClr val="bg1"/>
-                          </a:solidFill>
-                        </a:ln>
-                      </p:spPr>
-                      <p:style>
-                        <a:lnRef idx="2">
-                          <a:schemeClr val="accent1">
-                            <a:shade val="50000"/>
-                          </a:schemeClr>
-                        </a:lnRef>
-                        <a:fillRef idx="1">
-                          <a:schemeClr val="accent1"/>
-                        </a:fillRef>
-                        <a:effectRef idx="0">
-                          <a:schemeClr val="accent1"/>
-                        </a:effectRef>
-                        <a:fontRef idx="minor">
-                          <a:schemeClr val="lt1"/>
-                        </a:fontRef>
-                      </p:style>
-                      <p:txBody>
-                        <a:bodyPr rtlCol="0" anchor="ctr"/>
-                        <a:lstStyle/>
-                        <a:p>
-                          <a:pPr algn="ctr"/>
-                          <a:endParaRPr lang="fr-FR"/>
-                        </a:p>
-                      </p:txBody>
-                    </p:sp>
-                    <p:pic>
-                      <p:nvPicPr>
-                        <p:cNvPr id="56" name="Image 55"/>
-                        <p:cNvPicPr>
-                          <a:picLocks noChangeAspect="1"/>
-                        </p:cNvPicPr>
-                        <p:nvPr/>
-                      </p:nvPicPr>
-                      <p:blipFill rotWithShape="1">
-                        <a:blip r:embed="rId3" cstate="print">
-                          <a:extLst>
-                            <a:ext uri="{28A0092B-C50C-407E-A947-70E740481C1C}">
-                              <a14:useLocalDpi xmlns:a14="http://schemas.microsoft.com/office/drawing/2010/main" val="0"/>
-                            </a:ext>
-                          </a:extLst>
-                        </a:blip>
-                        <a:srcRect l="5446" r="49678" b="62862"/>
-                        <a:stretch/>
-                      </p:blipFill>
-                      <p:spPr>
-                        <a:xfrm>
-                          <a:off x="397976" y="3015480"/>
-                          <a:ext cx="4103463" cy="2546973"/>
-                        </a:xfrm>
-                        <a:prstGeom prst="rect">
-                          <a:avLst/>
-                        </a:prstGeom>
-                      </p:spPr>
-                    </p:pic>
-                  </p:grpSp>
-                  <p:grpSp>
-                    <p:nvGrpSpPr>
-                      <p:cNvPr id="49" name="Groupe 48"/>
-                      <p:cNvGrpSpPr/>
-                      <p:nvPr/>
-                    </p:nvGrpSpPr>
-                    <p:grpSpPr>
-                      <a:xfrm>
-                        <a:off x="4769239" y="4329758"/>
-                        <a:ext cx="1609615" cy="999070"/>
-                        <a:chOff x="397976" y="3015480"/>
-                        <a:chExt cx="4103463" cy="2546973"/>
-                      </a:xfrm>
-                    </p:grpSpPr>
-                    <p:sp>
-                      <p:nvSpPr>
-                        <p:cNvPr id="53" name="Rectangle 52"/>
-                        <p:cNvSpPr/>
-                        <p:nvPr/>
-                      </p:nvSpPr>
-                      <p:spPr>
-                        <a:xfrm>
-                          <a:off x="431597" y="3108961"/>
-                          <a:ext cx="3986784" cy="2450592"/>
-                        </a:xfrm>
-                        <a:prstGeom prst="rect">
-                          <a:avLst/>
-                        </a:prstGeom>
-                        <a:solidFill>
-                          <a:schemeClr val="bg1"/>
-                        </a:solidFill>
-                        <a:ln>
-                          <a:solidFill>
-                            <a:schemeClr val="bg1"/>
-                          </a:solidFill>
-                        </a:ln>
-                      </p:spPr>
-                      <p:style>
-                        <a:lnRef idx="2">
-                          <a:schemeClr val="accent1">
-                            <a:shade val="50000"/>
-                          </a:schemeClr>
-                        </a:lnRef>
-                        <a:fillRef idx="1">
-                          <a:schemeClr val="accent1"/>
-                        </a:fillRef>
-                        <a:effectRef idx="0">
-                          <a:schemeClr val="accent1"/>
-                        </a:effectRef>
-                        <a:fontRef idx="minor">
-                          <a:schemeClr val="lt1"/>
-                        </a:fontRef>
-                      </p:style>
-                      <p:txBody>
-                        <a:bodyPr rtlCol="0" anchor="ctr"/>
-                        <a:lstStyle/>
-                        <a:p>
-                          <a:pPr algn="ctr"/>
-                          <a:endParaRPr lang="fr-FR"/>
-                        </a:p>
-                      </p:txBody>
-                    </p:sp>
-                    <p:pic>
-                      <p:nvPicPr>
-                        <p:cNvPr id="54" name="Image 53"/>
-                        <p:cNvPicPr>
-                          <a:picLocks noChangeAspect="1"/>
-                        </p:cNvPicPr>
-                        <p:nvPr/>
-                      </p:nvPicPr>
-                      <p:blipFill rotWithShape="1">
-                        <a:blip r:embed="rId3" cstate="print">
-                          <a:extLst>
-                            <a:ext uri="{28A0092B-C50C-407E-A947-70E740481C1C}">
-                              <a14:useLocalDpi xmlns:a14="http://schemas.microsoft.com/office/drawing/2010/main" val="0"/>
-                            </a:ext>
-                          </a:extLst>
-                        </a:blip>
-                        <a:srcRect l="5446" r="49678" b="62862"/>
-                        <a:stretch/>
-                      </p:blipFill>
-                      <p:spPr>
-                        <a:xfrm>
-                          <a:off x="397976" y="3015480"/>
-                          <a:ext cx="4103463" cy="2546973"/>
-                        </a:xfrm>
-                        <a:prstGeom prst="rect">
-                          <a:avLst/>
-                        </a:prstGeom>
-                      </p:spPr>
-                    </p:pic>
-                  </p:grpSp>
-                  <p:grpSp>
-                    <p:nvGrpSpPr>
-                      <p:cNvPr id="50" name="Groupe 49"/>
-                      <p:cNvGrpSpPr/>
-                      <p:nvPr/>
-                    </p:nvGrpSpPr>
-                    <p:grpSpPr>
-                      <a:xfrm>
-                        <a:off x="4547460" y="4490161"/>
-                        <a:ext cx="1721666" cy="1087379"/>
-                        <a:chOff x="112322" y="3015477"/>
-                        <a:chExt cx="4389120" cy="2772103"/>
-                      </a:xfrm>
-                    </p:grpSpPr>
-                    <p:sp>
-                      <p:nvSpPr>
-                        <p:cNvPr id="51" name="Rectangle 50"/>
-                        <p:cNvSpPr/>
-                        <p:nvPr/>
-                      </p:nvSpPr>
-                      <p:spPr>
-                        <a:xfrm>
-                          <a:off x="431597" y="3108961"/>
-                          <a:ext cx="3986784" cy="2450592"/>
-                        </a:xfrm>
-                        <a:prstGeom prst="rect">
-                          <a:avLst/>
-                        </a:prstGeom>
-                        <a:solidFill>
-                          <a:schemeClr val="bg1"/>
-                        </a:solidFill>
-                        <a:ln>
-                          <a:solidFill>
-                            <a:schemeClr val="bg1"/>
-                          </a:solidFill>
-                        </a:ln>
-                      </p:spPr>
-                      <p:style>
-                        <a:lnRef idx="2">
-                          <a:schemeClr val="accent1">
-                            <a:shade val="50000"/>
-                          </a:schemeClr>
-                        </a:lnRef>
-                        <a:fillRef idx="1">
-                          <a:schemeClr val="accent1"/>
-                        </a:fillRef>
-                        <a:effectRef idx="0">
-                          <a:schemeClr val="accent1"/>
-                        </a:effectRef>
-                        <a:fontRef idx="minor">
-                          <a:schemeClr val="lt1"/>
-                        </a:fontRef>
-                      </p:style>
-                      <p:txBody>
-                        <a:bodyPr rtlCol="0" anchor="ctr"/>
-                        <a:lstStyle/>
-                        <a:p>
-                          <a:pPr algn="ctr"/>
-                          <a:endParaRPr lang="fr-FR"/>
-                        </a:p>
-                      </p:txBody>
-                    </p:sp>
-                    <p:pic>
-                      <p:nvPicPr>
-                        <p:cNvPr id="52" name="Image 51"/>
-                        <p:cNvPicPr>
-                          <a:picLocks noChangeAspect="1"/>
-                        </p:cNvPicPr>
-                        <p:nvPr/>
-                      </p:nvPicPr>
-                      <p:blipFill rotWithShape="1">
-                        <a:blip r:embed="rId3" cstate="print">
-                          <a:extLst>
-                            <a:ext uri="{28A0092B-C50C-407E-A947-70E740481C1C}">
-                              <a14:useLocalDpi xmlns:a14="http://schemas.microsoft.com/office/drawing/2010/main" val="0"/>
-                            </a:ext>
-                          </a:extLst>
-                        </a:blip>
-                        <a:srcRect l="2321" r="49679" b="59579"/>
-                        <a:stretch/>
-                      </p:blipFill>
-                      <p:spPr>
-                        <a:xfrm>
-                          <a:off x="112322" y="3015477"/>
-                          <a:ext cx="4389120" cy="2772103"/>
-                        </a:xfrm>
-                        <a:prstGeom prst="rect">
-                          <a:avLst/>
-                        </a:prstGeom>
-                      </p:spPr>
-                    </p:pic>
-                  </p:grpSp>
-                </p:grpSp>
-                <p:grpSp>
-                  <p:nvGrpSpPr>
-                    <p:cNvPr id="35" name="Groupe 34"/>
-                    <p:cNvGrpSpPr/>
-                    <p:nvPr/>
-                  </p:nvGrpSpPr>
-                  <p:grpSpPr>
-                    <a:xfrm>
-                      <a:off x="6929014" y="4390728"/>
-                      <a:ext cx="2048400" cy="1479600"/>
-                      <a:chOff x="6929014" y="4372110"/>
-                      <a:chExt cx="2048400" cy="1479600"/>
-                    </a:xfrm>
-                  </p:grpSpPr>
-                  <p:grpSp>
-                    <p:nvGrpSpPr>
-                      <p:cNvPr id="39" name="Groupe 38"/>
-                      <p:cNvGrpSpPr/>
-                      <p:nvPr/>
-                    </p:nvGrpSpPr>
-                    <p:grpSpPr>
-                      <a:xfrm>
-                        <a:off x="7242188" y="4372110"/>
-                        <a:ext cx="1735226" cy="1141479"/>
-                        <a:chOff x="202754" y="3567408"/>
-                        <a:chExt cx="2902719" cy="1911677"/>
-                      </a:xfrm>
-                    </p:grpSpPr>
-                    <p:sp>
-                      <p:nvSpPr>
-                        <p:cNvPr id="46" name="Rectangle 45"/>
-                        <p:cNvSpPr/>
-                        <p:nvPr/>
-                      </p:nvSpPr>
-                      <p:spPr>
-                        <a:xfrm>
-                          <a:off x="241402" y="3782836"/>
-                          <a:ext cx="2779776" cy="1696249"/>
-                        </a:xfrm>
-                        <a:prstGeom prst="rect">
-                          <a:avLst/>
-                        </a:prstGeom>
-                        <a:solidFill>
-                          <a:schemeClr val="bg1"/>
-                        </a:solidFill>
-                        <a:ln>
-                          <a:solidFill>
-                            <a:schemeClr val="bg1"/>
-                          </a:solidFill>
-                        </a:ln>
-                      </p:spPr>
-                      <p:style>
-                        <a:lnRef idx="2">
-                          <a:schemeClr val="accent1">
-                            <a:shade val="50000"/>
-                          </a:schemeClr>
-                        </a:lnRef>
-                        <a:fillRef idx="1">
-                          <a:schemeClr val="accent1"/>
-                        </a:fillRef>
-                        <a:effectRef idx="0">
-                          <a:schemeClr val="accent1"/>
-                        </a:effectRef>
-                        <a:fontRef idx="minor">
-                          <a:schemeClr val="lt1"/>
-                        </a:fontRef>
-                      </p:style>
-                      <p:txBody>
-                        <a:bodyPr rtlCol="0" anchor="ctr"/>
-                        <a:lstStyle/>
-                        <a:p>
-                          <a:pPr algn="ctr"/>
-                          <a:endParaRPr lang="fr-FR"/>
-                        </a:p>
-                      </p:txBody>
-                    </p:sp>
-                    <p:pic>
-                      <p:nvPicPr>
-                        <p:cNvPr id="47" name="Image 46"/>
-                        <p:cNvPicPr>
-                          <a:picLocks noChangeAspect="1"/>
-                        </p:cNvPicPr>
-                        <p:nvPr/>
-                      </p:nvPicPr>
-                      <p:blipFill rotWithShape="1">
-                        <a:blip r:embed="rId4" cstate="print">
-                          <a:extLst>
-                            <a:ext uri="{28A0092B-C50C-407E-A947-70E740481C1C}">
-                              <a14:useLocalDpi xmlns:a14="http://schemas.microsoft.com/office/drawing/2010/main" val="0"/>
-                            </a:ext>
-                          </a:extLst>
-                        </a:blip>
-                        <a:srcRect l="5440" t="49438" r="49678" b="12379"/>
-                        <a:stretch/>
-                      </p:blipFill>
-                      <p:spPr>
-                        <a:xfrm>
-                          <a:off x="202754" y="3567408"/>
-                          <a:ext cx="2902719" cy="1852131"/>
-                        </a:xfrm>
-                        <a:prstGeom prst="rect">
-                          <a:avLst/>
-                        </a:prstGeom>
-                      </p:spPr>
-                    </p:pic>
-                  </p:grpSp>
-                  <p:grpSp>
-                    <p:nvGrpSpPr>
-                      <p:cNvPr id="40" name="Groupe 39"/>
-                      <p:cNvGrpSpPr/>
-                      <p:nvPr/>
-                    </p:nvGrpSpPr>
-                    <p:grpSpPr>
-                      <a:xfrm>
-                        <a:off x="7149119" y="4510172"/>
-                        <a:ext cx="1734836" cy="1112438"/>
-                        <a:chOff x="668484" y="4029809"/>
-                        <a:chExt cx="1735226" cy="1105924"/>
-                      </a:xfrm>
-                    </p:grpSpPr>
-                    <p:sp>
-                      <p:nvSpPr>
-                        <p:cNvPr id="44" name="Rectangle 43"/>
-                        <p:cNvSpPr/>
-                        <p:nvPr/>
-                      </p:nvSpPr>
-                      <p:spPr>
-                        <a:xfrm>
-                          <a:off x="688323" y="4080558"/>
-                          <a:ext cx="1661732" cy="1012845"/>
-                        </a:xfrm>
-                        <a:prstGeom prst="rect">
-                          <a:avLst/>
-                        </a:prstGeom>
-                        <a:solidFill>
-                          <a:schemeClr val="bg1"/>
-                        </a:solidFill>
-                        <a:ln>
-                          <a:solidFill>
-                            <a:schemeClr val="bg1"/>
-                          </a:solidFill>
-                        </a:ln>
-                      </p:spPr>
-                      <p:style>
-                        <a:lnRef idx="2">
-                          <a:schemeClr val="accent1">
-                            <a:shade val="50000"/>
-                          </a:schemeClr>
-                        </a:lnRef>
-                        <a:fillRef idx="1">
-                          <a:schemeClr val="accent1"/>
-                        </a:fillRef>
-                        <a:effectRef idx="0">
-                          <a:schemeClr val="accent1"/>
-                        </a:effectRef>
-                        <a:fontRef idx="minor">
-                          <a:schemeClr val="lt1"/>
-                        </a:fontRef>
-                      </p:style>
-                      <p:txBody>
-                        <a:bodyPr rtlCol="0" anchor="ctr"/>
-                        <a:lstStyle/>
-                        <a:p>
-                          <a:pPr algn="ctr"/>
-                          <a:endParaRPr lang="fr-FR"/>
-                        </a:p>
-                      </p:txBody>
-                    </p:sp>
-                    <p:pic>
-                      <p:nvPicPr>
-                        <p:cNvPr id="45" name="Image 44"/>
-                        <p:cNvPicPr>
-                          <a:picLocks noChangeAspect="1"/>
-                        </p:cNvPicPr>
-                        <p:nvPr/>
-                      </p:nvPicPr>
-                      <p:blipFill rotWithShape="1">
-                        <a:blip r:embed="rId5" cstate="print">
-                          <a:extLst>
-                            <a:ext uri="{28A0092B-C50C-407E-A947-70E740481C1C}">
-                              <a14:useLocalDpi xmlns:a14="http://schemas.microsoft.com/office/drawing/2010/main" val="0"/>
-                            </a:ext>
-                          </a:extLst>
-                        </a:blip>
-                        <a:srcRect l="5440" t="49438" r="49678" b="12379"/>
-                        <a:stretch/>
-                      </p:blipFill>
-                      <p:spPr>
-                        <a:xfrm>
-                          <a:off x="668484" y="4029809"/>
-                          <a:ext cx="1735226" cy="1105924"/>
-                        </a:xfrm>
-                        <a:prstGeom prst="rect">
-                          <a:avLst/>
-                        </a:prstGeom>
-                      </p:spPr>
-                    </p:pic>
-                  </p:grpSp>
-                  <p:grpSp>
-                    <p:nvGrpSpPr>
-                      <p:cNvPr id="41" name="Groupe 40"/>
-                      <p:cNvGrpSpPr/>
-                      <p:nvPr/>
-                    </p:nvGrpSpPr>
-                    <p:grpSpPr>
-                      <a:xfrm>
-                        <a:off x="6929014" y="4649233"/>
-                        <a:ext cx="1861481" cy="1202477"/>
-                        <a:chOff x="-3841" y="3662763"/>
-                        <a:chExt cx="3113921" cy="2013832"/>
-                      </a:xfrm>
-                    </p:grpSpPr>
-                    <p:sp>
-                      <p:nvSpPr>
-                        <p:cNvPr id="42" name="Rectangle 41"/>
-                        <p:cNvSpPr/>
-                        <p:nvPr/>
-                      </p:nvSpPr>
-                      <p:spPr>
-                        <a:xfrm>
-                          <a:off x="241402" y="3782836"/>
-                          <a:ext cx="2779776" cy="1696249"/>
-                        </a:xfrm>
-                        <a:prstGeom prst="rect">
-                          <a:avLst/>
-                        </a:prstGeom>
-                        <a:solidFill>
-                          <a:schemeClr val="bg1"/>
-                        </a:solidFill>
-                        <a:ln>
-                          <a:solidFill>
-                            <a:schemeClr val="bg1"/>
-                          </a:solidFill>
-                        </a:ln>
-                      </p:spPr>
-                      <p:style>
-                        <a:lnRef idx="2">
-                          <a:schemeClr val="accent1">
-                            <a:shade val="50000"/>
-                          </a:schemeClr>
-                        </a:lnRef>
-                        <a:fillRef idx="1">
-                          <a:schemeClr val="accent1"/>
-                        </a:fillRef>
-                        <a:effectRef idx="0">
-                          <a:schemeClr val="accent1"/>
-                        </a:effectRef>
-                        <a:fontRef idx="minor">
-                          <a:schemeClr val="lt1"/>
-                        </a:fontRef>
-                      </p:style>
-                      <p:txBody>
-                        <a:bodyPr rtlCol="0" anchor="ctr"/>
-                        <a:lstStyle/>
-                        <a:p>
-                          <a:pPr algn="ctr"/>
-                          <a:endParaRPr lang="fr-FR"/>
-                        </a:p>
-                      </p:txBody>
-                    </p:sp>
-                    <p:pic>
-                      <p:nvPicPr>
-                        <p:cNvPr id="43" name="Image 42"/>
-                        <p:cNvPicPr>
-                          <a:picLocks noChangeAspect="1"/>
-                        </p:cNvPicPr>
-                        <p:nvPr/>
-                      </p:nvPicPr>
-                      <p:blipFill rotWithShape="1">
-                        <a:blip r:embed="rId4" cstate="print">
-                          <a:extLst>
-                            <a:ext uri="{28A0092B-C50C-407E-A947-70E740481C1C}">
-                              <a14:useLocalDpi xmlns:a14="http://schemas.microsoft.com/office/drawing/2010/main" val="0"/>
-                            </a:ext>
-                          </a:extLst>
-                        </a:blip>
-                        <a:srcRect l="2173" t="49438" r="49679" b="9045"/>
-                        <a:stretch/>
-                      </p:blipFill>
-                      <p:spPr>
-                        <a:xfrm>
-                          <a:off x="-3841" y="3662763"/>
-                          <a:ext cx="3113921" cy="2013832"/>
-                        </a:xfrm>
-                        <a:prstGeom prst="rect">
-                          <a:avLst/>
-                        </a:prstGeom>
-                      </p:spPr>
-                    </p:pic>
-                  </p:grpSp>
-                </p:grpSp>
-                <p:grpSp>
-                  <p:nvGrpSpPr>
-                    <p:cNvPr id="36" name="Groupe 35"/>
-                    <p:cNvGrpSpPr/>
-                    <p:nvPr/>
-                  </p:nvGrpSpPr>
-                  <p:grpSpPr>
-                    <a:xfrm>
-                      <a:off x="4458236" y="3571235"/>
-                      <a:ext cx="252000" cy="369332"/>
-                      <a:chOff x="6721663" y="9725"/>
-                      <a:chExt cx="252000" cy="369332"/>
-                    </a:xfrm>
-                  </p:grpSpPr>
-                  <p:sp>
-                    <p:nvSpPr>
-                      <p:cNvPr id="37" name="Ellipse 36"/>
-                      <p:cNvSpPr/>
-                      <p:nvPr/>
-                    </p:nvSpPr>
-                    <p:spPr>
-                      <a:xfrm>
-                        <a:off x="6721663" y="74209"/>
-                        <a:ext cx="252000" cy="252000"/>
-                      </a:xfrm>
-                      <a:prstGeom prst="ellipse">
-                        <a:avLst/>
-                      </a:prstGeom>
-                      <a:noFill/>
-                    </p:spPr>
-                    <p:style>
-                      <a:lnRef idx="2">
-                        <a:schemeClr val="accent1">
-                          <a:shade val="50000"/>
-                        </a:schemeClr>
-                      </a:lnRef>
-                      <a:fillRef idx="1">
-                        <a:schemeClr val="accent1"/>
-                      </a:fillRef>
-                      <a:effectRef idx="0">
-                        <a:schemeClr val="accent1"/>
-                      </a:effectRef>
-                      <a:fontRef idx="minor">
-                        <a:schemeClr val="lt1"/>
-                      </a:fontRef>
-                    </p:style>
-                    <p:txBody>
-                      <a:bodyPr rtlCol="0" anchor="ctr"/>
-                      <a:lstStyle/>
-                      <a:p>
-                        <a:pPr algn="ctr"/>
-                        <a:endParaRPr lang="fr-FR"/>
-                      </a:p>
-                    </p:txBody>
-                  </p:sp>
-                  <p:sp>
-                    <p:nvSpPr>
-                      <p:cNvPr id="38" name="ZoneTexte 37"/>
-                      <p:cNvSpPr txBox="1"/>
-                      <p:nvPr/>
-                    </p:nvSpPr>
-                    <p:spPr>
-                      <a:xfrm>
-                        <a:off x="6736589" y="9725"/>
-                        <a:ext cx="111074" cy="369332"/>
-                      </a:xfrm>
-                      <a:prstGeom prst="rect">
-                        <a:avLst/>
-                      </a:prstGeom>
-                      <a:noFill/>
-                    </p:spPr>
-                    <p:txBody>
-                      <a:bodyPr wrap="square" rtlCol="0">
-                        <a:spAutoFit/>
-                      </a:bodyPr>
-                      <a:lstStyle/>
-                      <a:p>
-                        <a:r>
-                          <a:rPr lang="fr-FR" dirty="0" smtClean="0"/>
-                          <a:t>3</a:t>
-                        </a:r>
-                        <a:endParaRPr lang="fr-FR" dirty="0"/>
-                      </a:p>
-                    </p:txBody>
-                  </p:sp>
-                </p:grpSp>
-              </p:grpSp>
-            </p:grpSp>
-            <p:cxnSp>
-              <p:nvCxnSpPr>
-                <p:cNvPr id="13" name="Connecteur droit avec flèche 12"/>
-                <p:cNvCxnSpPr/>
-                <p:nvPr/>
-              </p:nvCxnSpPr>
-              <p:spPr>
-                <a:xfrm>
-                  <a:off x="4824761" y="3991497"/>
-                  <a:ext cx="535406" cy="0"/>
-                </a:xfrm>
-                <a:prstGeom prst="straightConnector1">
-                  <a:avLst/>
-                </a:prstGeom>
-                <a:ln>
-                  <a:tailEnd type="triangle"/>
-                </a:ln>
-              </p:spPr>
-              <p:style>
-                <a:lnRef idx="1">
-                  <a:schemeClr val="dk1"/>
-                </a:lnRef>
-                <a:fillRef idx="0">
-                  <a:schemeClr val="dk1"/>
-                </a:fillRef>
-                <a:effectRef idx="0">
-                  <a:schemeClr val="dk1"/>
-                </a:effectRef>
-                <a:fontRef idx="minor">
-                  <a:schemeClr val="tx1"/>
-                </a:fontRef>
-              </p:style>
-            </p:cxnSp>
             <p:sp>
               <p:nvSpPr>
-                <p:cNvPr id="14" name="Ellipse 13"/>
+                <p:cNvPr id="55" name="Rectangle 54"/>
                 <p:cNvSpPr/>
                 <p:nvPr/>
               </p:nvSpPr>
               <p:spPr>
                 <a:xfrm>
-                  <a:off x="5433798" y="3482983"/>
-                  <a:ext cx="252000" cy="252000"/>
+                  <a:off x="431597" y="3108961"/>
+                  <a:ext cx="3986784" cy="2450592"/>
                 </a:xfrm>
-                <a:prstGeom prst="ellipse">
+                <a:prstGeom prst="rect">
                   <a:avLst/>
                 </a:prstGeom>
-                <a:noFill/>
+                <a:solidFill>
+                  <a:schemeClr val="bg1"/>
+                </a:solidFill>
+                <a:ln>
+                  <a:solidFill>
+                    <a:schemeClr val="bg1"/>
+                  </a:solidFill>
+                </a:ln>
               </p:spPr>
               <p:style>
                 <a:lnRef idx="2">
@@ -7698,114 +6911,29 @@
                 </a:p>
               </p:txBody>
             </p:sp>
-            <p:sp>
-              <p:nvSpPr>
-                <p:cNvPr id="15" name="ZoneTexte 14"/>
-                <p:cNvSpPr txBox="1"/>
-                <p:nvPr/>
-              </p:nvSpPr>
-              <p:spPr>
-                <a:xfrm>
-                  <a:off x="5448724" y="3418499"/>
-                  <a:ext cx="111074" cy="369332"/>
-                </a:xfrm>
-                <a:prstGeom prst="rect">
-                  <a:avLst/>
-                </a:prstGeom>
-                <a:noFill/>
-              </p:spPr>
-              <p:txBody>
-                <a:bodyPr wrap="square" rtlCol="0">
-                  <a:spAutoFit/>
-                </a:bodyPr>
-                <a:lstStyle/>
-                <a:p>
-                  <a:r>
-                    <a:rPr lang="fr-FR" dirty="0"/>
-                    <a:t>4</a:t>
-                  </a:r>
-                </a:p>
-              </p:txBody>
-            </p:sp>
-            <p:sp>
-              <p:nvSpPr>
-                <p:cNvPr id="16" name="ZoneTexte 15"/>
-                <p:cNvSpPr txBox="1"/>
-                <p:nvPr/>
-              </p:nvSpPr>
-              <p:spPr>
-                <a:xfrm>
-                  <a:off x="5859846" y="3668332"/>
-                  <a:ext cx="2818865" cy="523220"/>
-                </a:xfrm>
-                <a:prstGeom prst="rect">
-                  <a:avLst/>
-                </a:prstGeom>
-                <a:noFill/>
-                <a:ln>
-                  <a:solidFill>
-                    <a:schemeClr val="tx1"/>
-                  </a:solidFill>
-                </a:ln>
-              </p:spPr>
-              <p:txBody>
-                <a:bodyPr wrap="square" rtlCol="0">
-                  <a:spAutoFit/>
-                </a:bodyPr>
-                <a:lstStyle/>
-                <a:p>
-                  <a:pPr algn="ctr"/>
-                  <a:r>
-                    <a:rPr lang="fr-FR" sz="1400" dirty="0" smtClean="0"/>
-                    <a:t>3D conservation planning to </a:t>
-                  </a:r>
-                  <a:r>
-                    <a:rPr lang="fr-FR" sz="1400" dirty="0" err="1" smtClean="0"/>
-                    <a:t>protect</a:t>
-                  </a:r>
-                  <a:r>
-                    <a:rPr lang="fr-FR" sz="1400" dirty="0" smtClean="0"/>
-                    <a:t> 30% of </a:t>
-                  </a:r>
-                  <a:r>
-                    <a:rPr lang="fr-FR" sz="1400" dirty="0" err="1" smtClean="0"/>
-                    <a:t>each</a:t>
-                  </a:r>
-                  <a:r>
-                    <a:rPr lang="fr-FR" sz="1400" dirty="0" smtClean="0"/>
-                    <a:t> </a:t>
-                  </a:r>
-                  <a:r>
-                    <a:rPr lang="fr-FR" sz="1400" dirty="0" err="1" smtClean="0"/>
-                    <a:t>metric</a:t>
-                  </a:r>
-                  <a:endParaRPr lang="fr-FR" sz="1400" dirty="0"/>
-                </a:p>
-              </p:txBody>
-            </p:sp>
             <p:pic>
               <p:nvPicPr>
-                <p:cNvPr id="17" name="Image 16"/>
+                <p:cNvPr id="56" name="Image 55"/>
                 <p:cNvPicPr>
                   <a:picLocks noChangeAspect="1"/>
                 </p:cNvPicPr>
                 <p:nvPr/>
               </p:nvPicPr>
               <p:blipFill rotWithShape="1">
-                <a:blip r:embed="rId6" cstate="print">
+                <a:blip r:embed="rId3" cstate="print">
                   <a:extLst>
                     <a:ext uri="{28A0092B-C50C-407E-A947-70E740481C1C}">
                       <a14:useLocalDpi xmlns:a14="http://schemas.microsoft.com/office/drawing/2010/main" val="0"/>
                     </a:ext>
                   </a:extLst>
                 </a:blip>
-                <a:srcRect l="2509" t="41255" r="2437" b="20805"/>
+                <a:srcRect l="5446" r="49678" b="62862"/>
                 <a:stretch/>
               </p:blipFill>
               <p:spPr>
                 <a:xfrm>
-                  <a:off x="5928880" y="4360206"/>
-                  <a:ext cx="2680796" cy="1687551"/>
+                  <a:off x="391267" y="3021032"/>
+                  <a:ext cx="4103463" cy="2546977"/>
                 </a:xfrm>
                 <a:prstGeom prst="rect">
                   <a:avLst/>
@@ -7813,114 +6941,91 @@
               </p:spPr>
             </p:pic>
           </p:grpSp>
-          <p:pic>
-            <p:nvPicPr>
-              <p:cNvPr id="6" name="Image 5"/>
-              <p:cNvPicPr>
-                <a:picLocks noChangeAspect="1"/>
-              </p:cNvPicPr>
-              <p:nvPr/>
-            </p:nvPicPr>
-            <p:blipFill>
-              <a:blip r:embed="rId7" cstate="print">
-                <a:extLst>
-                  <a:ext uri="{BEBA8EAE-BF5A-486C-A8C5-ECC9F3942E4B}">
-                    <a14:imgProps xmlns:a14="http://schemas.microsoft.com/office/drawing/2010/main">
-                      <a14:imgLayer r:embed="rId8">
-                        <a14:imgEffect>
-                          <a14:backgroundRemoval t="0" b="100000" l="763" r="100000"/>
-                        </a14:imgEffect>
-                      </a14:imgLayer>
-                    </a14:imgProps>
-                  </a:ext>
-                  <a:ext uri="{28A0092B-C50C-407E-A947-70E740481C1C}">
-                    <a14:useLocalDpi xmlns:a14="http://schemas.microsoft.com/office/drawing/2010/main" val="0"/>
-                  </a:ext>
-                </a:extLst>
-              </a:blip>
-              <a:stretch>
-                <a:fillRect/>
-              </a:stretch>
-            </p:blipFill>
-            <p:spPr>
-              <a:xfrm rot="19665724">
-                <a:off x="2314325" y="767352"/>
-                <a:ext cx="430379" cy="315392"/>
-              </a:xfrm>
-              <a:prstGeom prst="rect">
-                <a:avLst/>
-              </a:prstGeom>
-            </p:spPr>
-          </p:pic>
           <p:grpSp>
             <p:nvGrpSpPr>
-              <p:cNvPr id="7" name="Groupe 6"/>
+              <p:cNvPr id="49" name="Groupe 48"/>
               <p:cNvGrpSpPr/>
               <p:nvPr/>
             </p:nvGrpSpPr>
             <p:grpSpPr>
               <a:xfrm>
-                <a:off x="3060545" y="540783"/>
-                <a:ext cx="614346" cy="614346"/>
-                <a:chOff x="3154649" y="606659"/>
-                <a:chExt cx="614346" cy="614346"/>
+                <a:off x="4766608" y="4331935"/>
+                <a:ext cx="1609615" cy="999072"/>
+                <a:chOff x="391269" y="3021032"/>
+                <a:chExt cx="4103463" cy="2546980"/>
               </a:xfrm>
             </p:grpSpPr>
+            <p:sp>
+              <p:nvSpPr>
+                <p:cNvPr id="53" name="Rectangle 52"/>
+                <p:cNvSpPr/>
+                <p:nvPr/>
+              </p:nvSpPr>
+              <p:spPr>
+                <a:xfrm>
+                  <a:off x="431597" y="3108961"/>
+                  <a:ext cx="3986784" cy="2450592"/>
+                </a:xfrm>
+                <a:prstGeom prst="rect">
+                  <a:avLst/>
+                </a:prstGeom>
+                <a:solidFill>
+                  <a:schemeClr val="bg1"/>
+                </a:solidFill>
+                <a:ln>
+                  <a:solidFill>
+                    <a:schemeClr val="bg1"/>
+                  </a:solidFill>
+                </a:ln>
+              </p:spPr>
+              <p:style>
+                <a:lnRef idx="2">
+                  <a:schemeClr val="accent1">
+                    <a:shade val="50000"/>
+                  </a:schemeClr>
+                </a:lnRef>
+                <a:fillRef idx="1">
+                  <a:schemeClr val="accent1"/>
+                </a:fillRef>
+                <a:effectRef idx="0">
+                  <a:schemeClr val="accent1"/>
+                </a:effectRef>
+                <a:fontRef idx="minor">
+                  <a:schemeClr val="lt1"/>
+                </a:fontRef>
+              </p:style>
+              <p:txBody>
+                <a:bodyPr rtlCol="0" anchor="ctr"/>
+                <a:lstStyle/>
+                <a:p>
+                  <a:pPr algn="ctr"/>
+                  <a:endParaRPr lang="fr-FR"/>
+                </a:p>
+              </p:txBody>
+            </p:sp>
             <p:pic>
               <p:nvPicPr>
-                <p:cNvPr id="9" name="Image 8"/>
+                <p:cNvPr id="54" name="Image 53"/>
                 <p:cNvPicPr>
                   <a:picLocks noChangeAspect="1"/>
                 </p:cNvPicPr>
                 <p:nvPr/>
               </p:nvPicPr>
-              <p:blipFill>
-                <a:blip r:embed="rId9" cstate="print">
+              <p:blipFill rotWithShape="1">
+                <a:blip r:embed="rId3" cstate="print">
                   <a:extLst>
                     <a:ext uri="{28A0092B-C50C-407E-A947-70E740481C1C}">
                       <a14:useLocalDpi xmlns:a14="http://schemas.microsoft.com/office/drawing/2010/main" val="0"/>
                     </a:ext>
                   </a:extLst>
                 </a:blip>
-                <a:stretch>
-                  <a:fillRect/>
-                </a:stretch>
+                <a:srcRect l="5446" r="49678" b="62862"/>
+                <a:stretch/>
               </p:blipFill>
               <p:spPr>
                 <a:xfrm>
-                  <a:off x="3154649" y="606659"/>
-                  <a:ext cx="614346" cy="614346"/>
-                </a:xfrm>
-                <a:prstGeom prst="rect">
-                  <a:avLst/>
-                </a:prstGeom>
-              </p:spPr>
-            </p:pic>
-            <p:pic>
-              <p:nvPicPr>
-                <p:cNvPr id="10" name="Image 9"/>
-                <p:cNvPicPr>
-                  <a:picLocks noChangeAspect="1"/>
-                </p:cNvPicPr>
-                <p:nvPr/>
-              </p:nvPicPr>
-              <p:blipFill>
-                <a:blip r:embed="rId10" cstate="print">
-                  <a:biLevel thresh="50000"/>
-                  <a:extLst>
-                    <a:ext uri="{28A0092B-C50C-407E-A947-70E740481C1C}">
-                      <a14:useLocalDpi xmlns:a14="http://schemas.microsoft.com/office/drawing/2010/main" val="0"/>
-                    </a:ext>
-                  </a:extLst>
-                </a:blip>
-                <a:stretch>
-                  <a:fillRect/>
-                </a:stretch>
-              </p:blipFill>
-              <p:spPr>
-                <a:xfrm rot="10800000">
-                  <a:off x="3302801" y="937657"/>
-                  <a:ext cx="309397" cy="281242"/>
+                  <a:off x="391269" y="3021032"/>
+                  <a:ext cx="4103463" cy="2546980"/>
                 </a:xfrm>
                 <a:prstGeom prst="rect">
                   <a:avLst/>
@@ -7928,48 +7033,812 @@
               </p:spPr>
             </p:pic>
           </p:grpSp>
-          <p:pic>
-            <p:nvPicPr>
-              <p:cNvPr id="8" name="Image 7"/>
-              <p:cNvPicPr>
-                <a:picLocks noChangeAspect="1"/>
-              </p:cNvPicPr>
+          <p:grpSp>
+            <p:nvGrpSpPr>
+              <p:cNvPr id="50" name="Groupe 49"/>
+              <p:cNvGrpSpPr/>
               <p:nvPr/>
-            </p:nvPicPr>
-            <p:blipFill rotWithShape="1">
-              <a:blip r:embed="rId11" cstate="print">
-                <a:extLst>
-                  <a:ext uri="{BEBA8EAE-BF5A-486C-A8C5-ECC9F3942E4B}">
-                    <a14:imgProps xmlns:a14="http://schemas.microsoft.com/office/drawing/2010/main">
-                      <a14:imgLayer r:embed="rId12">
-                        <a14:imgEffect>
-                          <a14:backgroundRemoval t="8121" b="90000" l="10000" r="90000">
-                            <a14:foregroundMark x1="36121" y1="24000" x2="36121" y2="24000"/>
-                            <a14:foregroundMark x1="54667" y1="21091" x2="54667" y2="21091"/>
-                          </a14:backgroundRemoval>
-                        </a14:imgEffect>
-                      </a14:imgLayer>
-                    </a14:imgProps>
-                  </a:ext>
-                  <a:ext uri="{28A0092B-C50C-407E-A947-70E740481C1C}">
-                    <a14:useLocalDpi xmlns:a14="http://schemas.microsoft.com/office/drawing/2010/main" val="0"/>
-                  </a:ext>
-                </a:extLst>
-              </a:blip>
-              <a:srcRect b="48094"/>
-              <a:stretch/>
-            </p:blipFill>
+            </p:nvGrpSpPr>
+            <p:grpSpPr>
+              <a:xfrm>
+                <a:off x="4544827" y="4492342"/>
+                <a:ext cx="1721665" cy="1087375"/>
+                <a:chOff x="105610" y="3021047"/>
+                <a:chExt cx="4389117" cy="2772103"/>
+              </a:xfrm>
+            </p:grpSpPr>
+            <p:sp>
+              <p:nvSpPr>
+                <p:cNvPr id="51" name="Rectangle 50"/>
+                <p:cNvSpPr/>
+                <p:nvPr/>
+              </p:nvSpPr>
+              <p:spPr>
+                <a:xfrm>
+                  <a:off x="431597" y="3108961"/>
+                  <a:ext cx="3986784" cy="2450592"/>
+                </a:xfrm>
+                <a:prstGeom prst="rect">
+                  <a:avLst/>
+                </a:prstGeom>
+                <a:solidFill>
+                  <a:schemeClr val="bg1"/>
+                </a:solidFill>
+                <a:ln>
+                  <a:solidFill>
+                    <a:schemeClr val="bg1"/>
+                  </a:solidFill>
+                </a:ln>
+              </p:spPr>
+              <p:style>
+                <a:lnRef idx="2">
+                  <a:schemeClr val="accent1">
+                    <a:shade val="50000"/>
+                  </a:schemeClr>
+                </a:lnRef>
+                <a:fillRef idx="1">
+                  <a:schemeClr val="accent1"/>
+                </a:fillRef>
+                <a:effectRef idx="0">
+                  <a:schemeClr val="accent1"/>
+                </a:effectRef>
+                <a:fontRef idx="minor">
+                  <a:schemeClr val="lt1"/>
+                </a:fontRef>
+              </p:style>
+              <p:txBody>
+                <a:bodyPr rtlCol="0" anchor="ctr"/>
+                <a:lstStyle/>
+                <a:p>
+                  <a:pPr algn="ctr"/>
+                  <a:endParaRPr lang="fr-FR"/>
+                </a:p>
+              </p:txBody>
+            </p:sp>
+            <p:pic>
+              <p:nvPicPr>
+                <p:cNvPr id="52" name="Image 51"/>
+                <p:cNvPicPr>
+                  <a:picLocks noChangeAspect="1"/>
+                </p:cNvPicPr>
+                <p:nvPr/>
+              </p:nvPicPr>
+              <p:blipFill rotWithShape="1">
+                <a:blip r:embed="rId3" cstate="print">
+                  <a:extLst>
+                    <a:ext uri="{28A0092B-C50C-407E-A947-70E740481C1C}">
+                      <a14:useLocalDpi xmlns:a14="http://schemas.microsoft.com/office/drawing/2010/main" val="0"/>
+                    </a:ext>
+                  </a:extLst>
+                </a:blip>
+                <a:srcRect l="2321" r="49679" b="59579"/>
+                <a:stretch/>
+              </p:blipFill>
+              <p:spPr>
+                <a:xfrm>
+                  <a:off x="105610" y="3021047"/>
+                  <a:ext cx="4389117" cy="2772103"/>
+                </a:xfrm>
+                <a:prstGeom prst="rect">
+                  <a:avLst/>
+                </a:prstGeom>
+              </p:spPr>
+            </p:pic>
+          </p:grpSp>
+        </p:grpSp>
+        <p:grpSp>
+          <p:nvGrpSpPr>
+            <p:cNvPr id="35" name="Groupe 34"/>
+            <p:cNvGrpSpPr/>
+            <p:nvPr/>
+          </p:nvGrpSpPr>
+          <p:grpSpPr>
+            <a:xfrm>
+              <a:off x="2551323" y="4329010"/>
+              <a:ext cx="2422674" cy="1821760"/>
+              <a:chOff x="6925863" y="4371728"/>
+              <a:chExt cx="2048400" cy="1479601"/>
+            </a:xfrm>
+          </p:grpSpPr>
+          <p:grpSp>
+            <p:nvGrpSpPr>
+              <p:cNvPr id="39" name="Groupe 38"/>
+              <p:cNvGrpSpPr/>
+              <p:nvPr/>
+            </p:nvGrpSpPr>
+            <p:grpSpPr>
+              <a:xfrm>
+                <a:off x="7239037" y="4371728"/>
+                <a:ext cx="1735226" cy="1141841"/>
+                <a:chOff x="197482" y="3566795"/>
+                <a:chExt cx="2902718" cy="1912290"/>
+              </a:xfrm>
+            </p:grpSpPr>
+            <p:sp>
+              <p:nvSpPr>
+                <p:cNvPr id="46" name="Rectangle 45"/>
+                <p:cNvSpPr/>
+                <p:nvPr/>
+              </p:nvSpPr>
+              <p:spPr>
+                <a:xfrm>
+                  <a:off x="241402" y="3782836"/>
+                  <a:ext cx="2779776" cy="1696249"/>
+                </a:xfrm>
+                <a:prstGeom prst="rect">
+                  <a:avLst/>
+                </a:prstGeom>
+                <a:solidFill>
+                  <a:schemeClr val="bg1"/>
+                </a:solidFill>
+                <a:ln>
+                  <a:solidFill>
+                    <a:schemeClr val="bg1"/>
+                  </a:solidFill>
+                </a:ln>
+              </p:spPr>
+              <p:style>
+                <a:lnRef idx="2">
+                  <a:schemeClr val="accent1">
+                    <a:shade val="50000"/>
+                  </a:schemeClr>
+                </a:lnRef>
+                <a:fillRef idx="1">
+                  <a:schemeClr val="accent1"/>
+                </a:fillRef>
+                <a:effectRef idx="0">
+                  <a:schemeClr val="accent1"/>
+                </a:effectRef>
+                <a:fontRef idx="minor">
+                  <a:schemeClr val="lt1"/>
+                </a:fontRef>
+              </p:style>
+              <p:txBody>
+                <a:bodyPr rtlCol="0" anchor="ctr"/>
+                <a:lstStyle/>
+                <a:p>
+                  <a:pPr algn="ctr"/>
+                  <a:endParaRPr lang="fr-FR"/>
+                </a:p>
+              </p:txBody>
+            </p:sp>
+            <p:pic>
+              <p:nvPicPr>
+                <p:cNvPr id="47" name="Image 46"/>
+                <p:cNvPicPr>
+                  <a:picLocks noChangeAspect="1"/>
+                </p:cNvPicPr>
+                <p:nvPr/>
+              </p:nvPicPr>
+              <p:blipFill rotWithShape="1">
+                <a:blip r:embed="rId4" cstate="print">
+                  <a:extLst>
+                    <a:ext uri="{28A0092B-C50C-407E-A947-70E740481C1C}">
+                      <a14:useLocalDpi xmlns:a14="http://schemas.microsoft.com/office/drawing/2010/main" val="0"/>
+                    </a:ext>
+                  </a:extLst>
+                </a:blip>
+                <a:srcRect l="5440" t="49438" r="49678" b="12379"/>
+                <a:stretch/>
+              </p:blipFill>
+              <p:spPr>
+                <a:xfrm>
+                  <a:off x="197482" y="3566795"/>
+                  <a:ext cx="2902718" cy="1852138"/>
+                </a:xfrm>
+                <a:prstGeom prst="rect">
+                  <a:avLst/>
+                </a:prstGeom>
+              </p:spPr>
+            </p:pic>
+          </p:grpSp>
+          <p:grpSp>
+            <p:nvGrpSpPr>
+              <p:cNvPr id="40" name="Groupe 39"/>
+              <p:cNvGrpSpPr/>
+              <p:nvPr/>
+            </p:nvGrpSpPr>
+            <p:grpSpPr>
+              <a:xfrm>
+                <a:off x="7145968" y="4509790"/>
+                <a:ext cx="1734836" cy="1112438"/>
+                <a:chOff x="665332" y="4029429"/>
+                <a:chExt cx="1735226" cy="1105924"/>
+              </a:xfrm>
+            </p:grpSpPr>
+            <p:sp>
+              <p:nvSpPr>
+                <p:cNvPr id="44" name="Rectangle 43"/>
+                <p:cNvSpPr/>
+                <p:nvPr/>
+              </p:nvSpPr>
+              <p:spPr>
+                <a:xfrm>
+                  <a:off x="688323" y="4080558"/>
+                  <a:ext cx="1661732" cy="1012845"/>
+                </a:xfrm>
+                <a:prstGeom prst="rect">
+                  <a:avLst/>
+                </a:prstGeom>
+                <a:solidFill>
+                  <a:schemeClr val="bg1"/>
+                </a:solidFill>
+                <a:ln>
+                  <a:solidFill>
+                    <a:schemeClr val="bg1"/>
+                  </a:solidFill>
+                </a:ln>
+              </p:spPr>
+              <p:style>
+                <a:lnRef idx="2">
+                  <a:schemeClr val="accent1">
+                    <a:shade val="50000"/>
+                  </a:schemeClr>
+                </a:lnRef>
+                <a:fillRef idx="1">
+                  <a:schemeClr val="accent1"/>
+                </a:fillRef>
+                <a:effectRef idx="0">
+                  <a:schemeClr val="accent1"/>
+                </a:effectRef>
+                <a:fontRef idx="minor">
+                  <a:schemeClr val="lt1"/>
+                </a:fontRef>
+              </p:style>
+              <p:txBody>
+                <a:bodyPr rtlCol="0" anchor="ctr"/>
+                <a:lstStyle/>
+                <a:p>
+                  <a:pPr algn="ctr"/>
+                  <a:endParaRPr lang="fr-FR"/>
+                </a:p>
+              </p:txBody>
+            </p:sp>
+            <p:pic>
+              <p:nvPicPr>
+                <p:cNvPr id="45" name="Image 44"/>
+                <p:cNvPicPr>
+                  <a:picLocks noChangeAspect="1"/>
+                </p:cNvPicPr>
+                <p:nvPr/>
+              </p:nvPicPr>
+              <p:blipFill rotWithShape="1">
+                <a:blip r:embed="rId5" cstate="print">
+                  <a:extLst>
+                    <a:ext uri="{28A0092B-C50C-407E-A947-70E740481C1C}">
+                      <a14:useLocalDpi xmlns:a14="http://schemas.microsoft.com/office/drawing/2010/main" val="0"/>
+                    </a:ext>
+                  </a:extLst>
+                </a:blip>
+                <a:srcRect l="5440" t="49438" r="49678" b="12379"/>
+                <a:stretch/>
+              </p:blipFill>
+              <p:spPr>
+                <a:xfrm>
+                  <a:off x="665332" y="4029429"/>
+                  <a:ext cx="1735226" cy="1105924"/>
+                </a:xfrm>
+                <a:prstGeom prst="rect">
+                  <a:avLst/>
+                </a:prstGeom>
+              </p:spPr>
+            </p:pic>
+          </p:grpSp>
+          <p:grpSp>
+            <p:nvGrpSpPr>
+              <p:cNvPr id="41" name="Groupe 40"/>
+              <p:cNvGrpSpPr/>
+              <p:nvPr/>
+            </p:nvGrpSpPr>
+            <p:grpSpPr>
+              <a:xfrm>
+                <a:off x="6925863" y="4648852"/>
+                <a:ext cx="1861481" cy="1202477"/>
+                <a:chOff x="-9112" y="3662134"/>
+                <a:chExt cx="3113921" cy="2013836"/>
+              </a:xfrm>
+            </p:grpSpPr>
+            <p:sp>
+              <p:nvSpPr>
+                <p:cNvPr id="42" name="Rectangle 41"/>
+                <p:cNvSpPr/>
+                <p:nvPr/>
+              </p:nvSpPr>
+              <p:spPr>
+                <a:xfrm>
+                  <a:off x="241402" y="3782836"/>
+                  <a:ext cx="2779776" cy="1696249"/>
+                </a:xfrm>
+                <a:prstGeom prst="rect">
+                  <a:avLst/>
+                </a:prstGeom>
+                <a:solidFill>
+                  <a:schemeClr val="bg1"/>
+                </a:solidFill>
+                <a:ln>
+                  <a:solidFill>
+                    <a:schemeClr val="bg1"/>
+                  </a:solidFill>
+                </a:ln>
+              </p:spPr>
+              <p:style>
+                <a:lnRef idx="2">
+                  <a:schemeClr val="accent1">
+                    <a:shade val="50000"/>
+                  </a:schemeClr>
+                </a:lnRef>
+                <a:fillRef idx="1">
+                  <a:schemeClr val="accent1"/>
+                </a:fillRef>
+                <a:effectRef idx="0">
+                  <a:schemeClr val="accent1"/>
+                </a:effectRef>
+                <a:fontRef idx="minor">
+                  <a:schemeClr val="lt1"/>
+                </a:fontRef>
+              </p:style>
+              <p:txBody>
+                <a:bodyPr rtlCol="0" anchor="ctr"/>
+                <a:lstStyle/>
+                <a:p>
+                  <a:pPr algn="ctr"/>
+                  <a:endParaRPr lang="fr-FR"/>
+                </a:p>
+              </p:txBody>
+            </p:sp>
+            <p:pic>
+              <p:nvPicPr>
+                <p:cNvPr id="43" name="Image 42"/>
+                <p:cNvPicPr>
+                  <a:picLocks noChangeAspect="1"/>
+                </p:cNvPicPr>
+                <p:nvPr/>
+              </p:nvPicPr>
+              <p:blipFill rotWithShape="1">
+                <a:blip r:embed="rId4" cstate="print">
+                  <a:extLst>
+                    <a:ext uri="{28A0092B-C50C-407E-A947-70E740481C1C}">
+                      <a14:useLocalDpi xmlns:a14="http://schemas.microsoft.com/office/drawing/2010/main" val="0"/>
+                    </a:ext>
+                  </a:extLst>
+                </a:blip>
+                <a:srcRect l="2173" t="49438" r="49679" b="9045"/>
+                <a:stretch/>
+              </p:blipFill>
+              <p:spPr>
+                <a:xfrm>
+                  <a:off x="-9112" y="3662134"/>
+                  <a:ext cx="3113921" cy="2013836"/>
+                </a:xfrm>
+                <a:prstGeom prst="rect">
+                  <a:avLst/>
+                </a:prstGeom>
+              </p:spPr>
+            </p:pic>
+          </p:grpSp>
+        </p:grpSp>
+        <p:grpSp>
+          <p:nvGrpSpPr>
+            <p:cNvPr id="36" name="Groupe 35"/>
+            <p:cNvGrpSpPr/>
+            <p:nvPr/>
+          </p:nvGrpSpPr>
+          <p:grpSpPr>
+            <a:xfrm>
+              <a:off x="164529" y="3510991"/>
+              <a:ext cx="252000" cy="369332"/>
+              <a:chOff x="6721663" y="-202308"/>
+              <a:chExt cx="252000" cy="369332"/>
+            </a:xfrm>
+          </p:grpSpPr>
+          <p:sp>
+            <p:nvSpPr>
+              <p:cNvPr id="37" name="Ellipse 36"/>
+              <p:cNvSpPr/>
+              <p:nvPr/>
+            </p:nvSpPr>
             <p:spPr>
               <a:xfrm>
-                <a:off x="1310203" y="640227"/>
-                <a:ext cx="804193" cy="417423"/>
+                <a:off x="6721663" y="-137824"/>
+                <a:ext cx="252000" cy="252000"/>
+              </a:xfrm>
+              <a:prstGeom prst="ellipse">
+                <a:avLst/>
+              </a:prstGeom>
+              <a:noFill/>
+            </p:spPr>
+            <p:style>
+              <a:lnRef idx="2">
+                <a:schemeClr val="accent1">
+                  <a:shade val="50000"/>
+                </a:schemeClr>
+              </a:lnRef>
+              <a:fillRef idx="1">
+                <a:schemeClr val="accent1"/>
+              </a:fillRef>
+              <a:effectRef idx="0">
+                <a:schemeClr val="accent1"/>
+              </a:effectRef>
+              <a:fontRef idx="minor">
+                <a:schemeClr val="lt1"/>
+              </a:fontRef>
+            </p:style>
+            <p:txBody>
+              <a:bodyPr rtlCol="0" anchor="ctr"/>
+              <a:lstStyle/>
+              <a:p>
+                <a:pPr algn="ctr"/>
+                <a:endParaRPr lang="fr-FR"/>
+              </a:p>
+            </p:txBody>
+          </p:sp>
+          <p:sp>
+            <p:nvSpPr>
+              <p:cNvPr id="38" name="ZoneTexte 37"/>
+              <p:cNvSpPr txBox="1"/>
+              <p:nvPr/>
+            </p:nvSpPr>
+            <p:spPr>
+              <a:xfrm>
+                <a:off x="6736589" y="-202308"/>
+                <a:ext cx="111074" cy="369332"/>
               </a:xfrm>
               <a:prstGeom prst="rect">
                 <a:avLst/>
               </a:prstGeom>
+              <a:noFill/>
             </p:spPr>
-          </p:pic>
+            <p:txBody>
+              <a:bodyPr wrap="square" rtlCol="0">
+                <a:spAutoFit/>
+              </a:bodyPr>
+              <a:lstStyle/>
+              <a:p>
+                <a:r>
+                  <a:rPr lang="fr-FR" dirty="0"/>
+                  <a:t>3</a:t>
+                </a:r>
+              </a:p>
+            </p:txBody>
+          </p:sp>
         </p:grpSp>
+        <p:cxnSp>
+          <p:nvCxnSpPr>
+            <p:cNvPr id="13" name="Connecteur droit avec flèche 12"/>
+            <p:cNvCxnSpPr/>
+            <p:nvPr/>
+          </p:nvCxnSpPr>
+          <p:spPr>
+            <a:xfrm>
+              <a:off x="4863462" y="3655538"/>
+              <a:ext cx="535406" cy="0"/>
+            </a:xfrm>
+            <a:prstGeom prst="straightConnector1">
+              <a:avLst/>
+            </a:prstGeom>
+            <a:ln>
+              <a:tailEnd type="triangle"/>
+            </a:ln>
+          </p:spPr>
+          <p:style>
+            <a:lnRef idx="1">
+              <a:schemeClr val="dk1"/>
+            </a:lnRef>
+            <a:fillRef idx="0">
+              <a:schemeClr val="dk1"/>
+            </a:fillRef>
+            <a:effectRef idx="0">
+              <a:schemeClr val="dk1"/>
+            </a:effectRef>
+            <a:fontRef idx="minor">
+              <a:schemeClr val="tx1"/>
+            </a:fontRef>
+          </p:style>
+        </p:cxnSp>
+        <p:sp>
+          <p:nvSpPr>
+            <p:cNvPr id="14" name="Ellipse 13"/>
+            <p:cNvSpPr/>
+            <p:nvPr/>
+          </p:nvSpPr>
+          <p:spPr>
+            <a:xfrm>
+              <a:off x="5533898" y="3468925"/>
+              <a:ext cx="252000" cy="252000"/>
+            </a:xfrm>
+            <a:prstGeom prst="ellipse">
+              <a:avLst/>
+            </a:prstGeom>
+            <a:noFill/>
+          </p:spPr>
+          <p:style>
+            <a:lnRef idx="2">
+              <a:schemeClr val="accent1">
+                <a:shade val="50000"/>
+              </a:schemeClr>
+            </a:lnRef>
+            <a:fillRef idx="1">
+              <a:schemeClr val="accent1"/>
+            </a:fillRef>
+            <a:effectRef idx="0">
+              <a:schemeClr val="accent1"/>
+            </a:effectRef>
+            <a:fontRef idx="minor">
+              <a:schemeClr val="lt1"/>
+            </a:fontRef>
+          </p:style>
+          <p:txBody>
+            <a:bodyPr rtlCol="0" anchor="ctr"/>
+            <a:lstStyle/>
+            <a:p>
+              <a:pPr algn="ctr"/>
+              <a:endParaRPr lang="fr-FR" dirty="0"/>
+            </a:p>
+          </p:txBody>
+        </p:sp>
+        <p:sp>
+          <p:nvSpPr>
+            <p:cNvPr id="15" name="ZoneTexte 14"/>
+            <p:cNvSpPr txBox="1"/>
+            <p:nvPr/>
+          </p:nvSpPr>
+          <p:spPr>
+            <a:xfrm>
+              <a:off x="5562076" y="3410259"/>
+              <a:ext cx="111074" cy="369332"/>
+            </a:xfrm>
+            <a:prstGeom prst="rect">
+              <a:avLst/>
+            </a:prstGeom>
+            <a:noFill/>
+          </p:spPr>
+          <p:txBody>
+            <a:bodyPr wrap="square" rtlCol="0">
+              <a:spAutoFit/>
+            </a:bodyPr>
+            <a:lstStyle/>
+            <a:p>
+              <a:r>
+                <a:rPr lang="fr-FR" dirty="0"/>
+                <a:t>4</a:t>
+              </a:r>
+            </a:p>
+          </p:txBody>
+        </p:sp>
+        <p:sp>
+          <p:nvSpPr>
+            <p:cNvPr id="16" name="ZoneTexte 15"/>
+            <p:cNvSpPr txBox="1"/>
+            <p:nvPr/>
+          </p:nvSpPr>
+          <p:spPr>
+            <a:xfrm>
+              <a:off x="5883229" y="3361020"/>
+              <a:ext cx="2818865" cy="523220"/>
+            </a:xfrm>
+            <a:prstGeom prst="rect">
+              <a:avLst/>
+            </a:prstGeom>
+            <a:noFill/>
+            <a:ln>
+              <a:solidFill>
+                <a:schemeClr val="tx1"/>
+              </a:solidFill>
+            </a:ln>
+          </p:spPr>
+          <p:txBody>
+            <a:bodyPr wrap="square" rtlCol="0">
+              <a:spAutoFit/>
+            </a:bodyPr>
+            <a:lstStyle/>
+            <a:p>
+              <a:pPr algn="ctr"/>
+              <a:r>
+                <a:rPr lang="fr-FR" sz="1400" dirty="0"/>
+                <a:t>3D conservation planning </a:t>
+              </a:r>
+              <a:r>
+                <a:rPr lang="fr-FR" sz="1400" dirty="0" err="1"/>
+                <a:t>with</a:t>
+              </a:r>
+              <a:r>
+                <a:rPr lang="fr-FR" sz="1400" dirty="0"/>
+                <a:t> </a:t>
+              </a:r>
+              <a:r>
+                <a:rPr lang="fr-FR" sz="1400" dirty="0" err="1"/>
+                <a:t>various</a:t>
+              </a:r>
+              <a:r>
+                <a:rPr lang="fr-FR" sz="1400" dirty="0"/>
+                <a:t> </a:t>
+              </a:r>
+              <a:r>
+                <a:rPr lang="fr-FR" sz="1400" dirty="0" err="1"/>
+                <a:t>metric</a:t>
+              </a:r>
+              <a:r>
+                <a:rPr lang="fr-FR" sz="1400" dirty="0"/>
+                <a:t> </a:t>
+              </a:r>
+              <a:r>
+                <a:rPr lang="fr-FR" sz="1400" dirty="0" err="1"/>
+                <a:t>targets</a:t>
+              </a:r>
+              <a:endParaRPr lang="fr-FR" sz="1400" dirty="0"/>
+            </a:p>
+          </p:txBody>
+        </p:sp>
+        <p:pic>
+          <p:nvPicPr>
+            <p:cNvPr id="17" name="Image 16"/>
+            <p:cNvPicPr>
+              <a:picLocks noChangeAspect="1"/>
+            </p:cNvPicPr>
+            <p:nvPr/>
+          </p:nvPicPr>
+          <p:blipFill rotWithShape="1">
+            <a:blip r:embed="rId6" cstate="print">
+              <a:extLst>
+                <a:ext uri="{28A0092B-C50C-407E-A947-70E740481C1C}">
+                  <a14:useLocalDpi xmlns:a14="http://schemas.microsoft.com/office/drawing/2010/main" val="0"/>
+                </a:ext>
+              </a:extLst>
+            </a:blip>
+            <a:srcRect l="2509" t="41255" r="2437" b="20805"/>
+            <a:stretch/>
+          </p:blipFill>
+          <p:spPr>
+            <a:xfrm>
+              <a:off x="5883229" y="3951143"/>
+              <a:ext cx="2680796" cy="1687551"/>
+            </a:xfrm>
+            <a:prstGeom prst="rect">
+              <a:avLst/>
+            </a:prstGeom>
+          </p:spPr>
+        </p:pic>
+        <p:pic>
+          <p:nvPicPr>
+            <p:cNvPr id="6" name="Image 5"/>
+            <p:cNvPicPr>
+              <a:picLocks noChangeAspect="1"/>
+            </p:cNvPicPr>
+            <p:nvPr/>
+          </p:nvPicPr>
+          <p:blipFill>
+            <a:blip r:embed="rId7" cstate="print">
+              <a:extLst>
+                <a:ext uri="{BEBA8EAE-BF5A-486C-A8C5-ECC9F3942E4B}">
+                  <a14:imgProps xmlns:a14="http://schemas.microsoft.com/office/drawing/2010/main">
+                    <a14:imgLayer r:embed="rId8">
+                      <a14:imgEffect>
+                        <a14:backgroundRemoval t="0" b="100000" l="763" r="100000"/>
+                      </a14:imgEffect>
+                    </a14:imgLayer>
+                  </a14:imgProps>
+                </a:ext>
+                <a:ext uri="{28A0092B-C50C-407E-A947-70E740481C1C}">
+                  <a14:useLocalDpi xmlns:a14="http://schemas.microsoft.com/office/drawing/2010/main" val="0"/>
+                </a:ext>
+              </a:extLst>
+            </a:blip>
+            <a:stretch>
+              <a:fillRect/>
+            </a:stretch>
+          </p:blipFill>
+          <p:spPr>
+            <a:xfrm rot="19665724">
+              <a:off x="2362159" y="699372"/>
+              <a:ext cx="430379" cy="315392"/>
+            </a:xfrm>
+            <a:prstGeom prst="rect">
+              <a:avLst/>
+            </a:prstGeom>
+          </p:spPr>
+        </p:pic>
+        <p:pic>
+          <p:nvPicPr>
+            <p:cNvPr id="9" name="Image 8"/>
+            <p:cNvPicPr>
+              <a:picLocks noChangeAspect="1"/>
+            </p:cNvPicPr>
+            <p:nvPr/>
+          </p:nvPicPr>
+          <p:blipFill>
+            <a:blip r:embed="rId9" cstate="print">
+              <a:extLst>
+                <a:ext uri="{28A0092B-C50C-407E-A947-70E740481C1C}">
+                  <a14:useLocalDpi xmlns:a14="http://schemas.microsoft.com/office/drawing/2010/main" val="0"/>
+                </a:ext>
+              </a:extLst>
+            </a:blip>
+            <a:stretch>
+              <a:fillRect/>
+            </a:stretch>
+          </p:blipFill>
+          <p:spPr>
+            <a:xfrm>
+              <a:off x="3108379" y="472803"/>
+              <a:ext cx="614346" cy="614346"/>
+            </a:xfrm>
+            <a:prstGeom prst="rect">
+              <a:avLst/>
+            </a:prstGeom>
+          </p:spPr>
+        </p:pic>
+        <p:pic>
+          <p:nvPicPr>
+            <p:cNvPr id="10" name="Image 9"/>
+            <p:cNvPicPr>
+              <a:picLocks noChangeAspect="1"/>
+            </p:cNvPicPr>
+            <p:nvPr/>
+          </p:nvPicPr>
+          <p:blipFill>
+            <a:blip r:embed="rId10" cstate="print">
+              <a:biLevel thresh="50000"/>
+              <a:extLst>
+                <a:ext uri="{28A0092B-C50C-407E-A947-70E740481C1C}">
+                  <a14:useLocalDpi xmlns:a14="http://schemas.microsoft.com/office/drawing/2010/main" val="0"/>
+                </a:ext>
+              </a:extLst>
+            </a:blip>
+            <a:stretch>
+              <a:fillRect/>
+            </a:stretch>
+          </p:blipFill>
+          <p:spPr>
+            <a:xfrm rot="10800000">
+              <a:off x="3256531" y="803801"/>
+              <a:ext cx="309397" cy="281242"/>
+            </a:xfrm>
+            <a:prstGeom prst="rect">
+              <a:avLst/>
+            </a:prstGeom>
+          </p:spPr>
+        </p:pic>
+        <p:pic>
+          <p:nvPicPr>
+            <p:cNvPr id="8" name="Image 7"/>
+            <p:cNvPicPr>
+              <a:picLocks noChangeAspect="1"/>
+            </p:cNvPicPr>
+            <p:nvPr/>
+          </p:nvPicPr>
+          <p:blipFill rotWithShape="1">
+            <a:blip r:embed="rId11" cstate="print">
+              <a:extLst>
+                <a:ext uri="{BEBA8EAE-BF5A-486C-A8C5-ECC9F3942E4B}">
+                  <a14:imgProps xmlns:a14="http://schemas.microsoft.com/office/drawing/2010/main">
+                    <a14:imgLayer r:embed="rId12">
+                      <a14:imgEffect>
+                        <a14:backgroundRemoval t="8121" b="90000" l="10000" r="90000">
+                          <a14:foregroundMark x1="36121" y1="24000" x2="36121" y2="24000"/>
+                          <a14:foregroundMark x1="54667" y1="21091" x2="54667" y2="21091"/>
+                        </a14:backgroundRemoval>
+                      </a14:imgEffect>
+                    </a14:imgLayer>
+                  </a14:imgProps>
+                </a:ext>
+                <a:ext uri="{28A0092B-C50C-407E-A947-70E740481C1C}">
+                  <a14:useLocalDpi xmlns:a14="http://schemas.microsoft.com/office/drawing/2010/main" val="0"/>
+                </a:ext>
+              </a:extLst>
+            </a:blip>
+            <a:srcRect b="48094"/>
+            <a:stretch/>
+          </p:blipFill>
+          <p:spPr>
+            <a:xfrm>
+              <a:off x="1358037" y="572247"/>
+              <a:ext cx="804193" cy="417423"/>
+            </a:xfrm>
+            <a:prstGeom prst="rect">
+              <a:avLst/>
+            </a:prstGeom>
+          </p:spPr>
+        </p:pic>
         <p:sp>
           <p:nvSpPr>
             <p:cNvPr id="61" name="ZoneTexte 60"/>
@@ -7978,7 +7847,7 @@
           </p:nvSpPr>
           <p:spPr>
             <a:xfrm rot="3029229">
-              <a:off x="7457157" y="1863778"/>
+              <a:off x="7504991" y="1795798"/>
               <a:ext cx="1211355" cy="215444"/>
             </a:xfrm>
             <a:prstGeom prst="rect">
@@ -7993,35 +7862,35 @@
             <a:lstStyle/>
             <a:p>
               <a:r>
-                <a:rPr lang="fr-FR" sz="800" i="1" dirty="0" err="1" smtClean="0">
+                <a:rPr lang="fr-FR" sz="800" i="1" dirty="0" err="1">
                   <a:latin typeface="Arial" panose="020B0604020202020204" pitchFamily="34" charset="0"/>
                   <a:cs typeface="Arial" panose="020B0604020202020204" pitchFamily="34" charset="0"/>
                 </a:rPr>
                 <a:t>Loyaulty</a:t>
               </a:r>
               <a:r>
-                <a:rPr lang="fr-FR" sz="800" i="1" dirty="0" smtClean="0">
+                <a:rPr lang="fr-FR" sz="800" i="1" dirty="0">
                   <a:latin typeface="Arial" panose="020B0604020202020204" pitchFamily="34" charset="0"/>
                   <a:cs typeface="Arial" panose="020B0604020202020204" pitchFamily="34" charset="0"/>
                 </a:rPr>
                 <a:t> </a:t>
               </a:r>
               <a:r>
-                <a:rPr lang="fr-FR" sz="800" i="1" dirty="0" err="1" smtClean="0">
+                <a:rPr lang="fr-FR" sz="800" i="1" dirty="0" err="1">
                   <a:latin typeface="Arial" panose="020B0604020202020204" pitchFamily="34" charset="0"/>
                   <a:cs typeface="Arial" panose="020B0604020202020204" pitchFamily="34" charset="0"/>
                 </a:rPr>
                 <a:t>island</a:t>
               </a:r>
               <a:r>
-                <a:rPr lang="fr-FR" sz="800" i="1" dirty="0" smtClean="0">
+                <a:rPr lang="fr-FR" sz="800" i="1" dirty="0">
                   <a:latin typeface="Arial" panose="020B0604020202020204" pitchFamily="34" charset="0"/>
                   <a:cs typeface="Arial" panose="020B0604020202020204" pitchFamily="34" charset="0"/>
                 </a:rPr>
                 <a:t> </a:t>
               </a:r>
               <a:r>
-                <a:rPr lang="fr-FR" sz="800" i="1" dirty="0" err="1" smtClean="0">
+                <a:rPr lang="fr-FR" sz="800" i="1" dirty="0" err="1">
                   <a:latin typeface="Arial" panose="020B0604020202020204" pitchFamily="34" charset="0"/>
                   <a:cs typeface="Arial" panose="020B0604020202020204" pitchFamily="34" charset="0"/>
                 </a:rPr>
@@ -8042,7 +7911,7 @@
           </p:nvSpPr>
           <p:spPr>
             <a:xfrm rot="1938884">
-              <a:off x="5831096" y="1493941"/>
+              <a:off x="5878930" y="1425961"/>
               <a:ext cx="799154" cy="215444"/>
             </a:xfrm>
             <a:prstGeom prst="rect">
@@ -8057,14 +7926,14 @@
             <a:lstStyle/>
             <a:p>
               <a:r>
-                <a:rPr lang="fr-FR" sz="800" i="1" dirty="0" smtClean="0">
+                <a:rPr lang="fr-FR" sz="800" i="1" dirty="0">
                   <a:latin typeface="Arial" panose="020B0604020202020204" pitchFamily="34" charset="0"/>
                   <a:cs typeface="Arial" panose="020B0604020202020204" pitchFamily="34" charset="0"/>
                 </a:rPr>
                 <a:t>Fairway </a:t>
               </a:r>
               <a:r>
-                <a:rPr lang="fr-FR" sz="800" i="1" dirty="0" err="1" smtClean="0">
+                <a:rPr lang="fr-FR" sz="800" i="1" dirty="0" err="1">
                   <a:latin typeface="Arial" panose="020B0604020202020204" pitchFamily="34" charset="0"/>
                   <a:cs typeface="Arial" panose="020B0604020202020204" pitchFamily="34" charset="0"/>
                 </a:rPr>
@@ -8085,7 +7954,7 @@
           </p:nvSpPr>
           <p:spPr>
             <a:xfrm rot="4077008">
-              <a:off x="7044304" y="2343567"/>
+              <a:off x="7092138" y="2275587"/>
               <a:ext cx="799154" cy="215444"/>
             </a:xfrm>
             <a:prstGeom prst="rect">
@@ -8100,14 +7969,14 @@
             <a:lstStyle/>
             <a:p>
               <a:r>
-                <a:rPr lang="fr-FR" sz="800" i="1" dirty="0" smtClean="0">
+                <a:rPr lang="fr-FR" sz="800" i="1" dirty="0">
                   <a:latin typeface="Arial" panose="020B0604020202020204" pitchFamily="34" charset="0"/>
                   <a:cs typeface="Arial" panose="020B0604020202020204" pitchFamily="34" charset="0"/>
                 </a:rPr>
                 <a:t>Norfolk </a:t>
               </a:r>
               <a:r>
-                <a:rPr lang="fr-FR" sz="800" i="1" dirty="0" err="1" smtClean="0">
+                <a:rPr lang="fr-FR" sz="800" i="1" dirty="0" err="1">
                   <a:latin typeface="Arial" panose="020B0604020202020204" pitchFamily="34" charset="0"/>
                   <a:cs typeface="Arial" panose="020B0604020202020204" pitchFamily="34" charset="0"/>
                 </a:rPr>
@@ -8128,7 +7997,7 @@
           </p:nvSpPr>
           <p:spPr>
             <a:xfrm rot="4077008">
-              <a:off x="4797657" y="1971404"/>
+              <a:off x="4845491" y="1903424"/>
               <a:ext cx="990040" cy="215444"/>
             </a:xfrm>
             <a:prstGeom prst="rect">
@@ -8143,14 +8012,14 @@
             <a:lstStyle/>
             <a:p>
               <a:r>
-                <a:rPr lang="fr-FR" sz="800" i="1" dirty="0" smtClean="0">
+                <a:rPr lang="fr-FR" sz="800" i="1" dirty="0">
                   <a:latin typeface="Arial" panose="020B0604020202020204" pitchFamily="34" charset="0"/>
                   <a:cs typeface="Arial" panose="020B0604020202020204" pitchFamily="34" charset="0"/>
                 </a:rPr>
                 <a:t>Lord Howe </a:t>
               </a:r>
               <a:r>
-                <a:rPr lang="fr-FR" sz="800" i="1" dirty="0" err="1" smtClean="0">
+                <a:rPr lang="fr-FR" sz="800" i="1" dirty="0" err="1">
                   <a:latin typeface="Arial" panose="020B0604020202020204" pitchFamily="34" charset="0"/>
                   <a:cs typeface="Arial" panose="020B0604020202020204" pitchFamily="34" charset="0"/>
                 </a:rPr>
@@ -8160,6 +8029,102 @@
                 <a:latin typeface="Arial" panose="020B0604020202020204" pitchFamily="34" charset="0"/>
                 <a:cs typeface="Arial" panose="020B0604020202020204" pitchFamily="34" charset="0"/>
               </a:endParaRPr>
+            </a:p>
+          </p:txBody>
+        </p:sp>
+        <p:cxnSp>
+          <p:nvCxnSpPr>
+            <p:cNvPr id="3" name="Connecteur droit avec flèche 2">
+              <a:extLst>
+                <a:ext uri="{FF2B5EF4-FFF2-40B4-BE49-F238E27FC236}">
+                  <a16:creationId xmlns:a16="http://schemas.microsoft.com/office/drawing/2014/main" id="{B8BEAA84-D714-79ED-3B0B-BCF268C7A9D0}"/>
+                </a:ext>
+              </a:extLst>
+            </p:cNvPr>
+            <p:cNvCxnSpPr>
+              <a:cxnSpLocks/>
+            </p:cNvCxnSpPr>
+            <p:nvPr/>
+          </p:nvCxnSpPr>
+          <p:spPr>
+            <a:xfrm>
+              <a:off x="7319021" y="5654733"/>
+              <a:ext cx="0" cy="324000"/>
+            </a:xfrm>
+            <a:prstGeom prst="straightConnector1">
+              <a:avLst/>
+            </a:prstGeom>
+            <a:ln>
+              <a:tailEnd type="triangle"/>
+            </a:ln>
+          </p:spPr>
+          <p:style>
+            <a:lnRef idx="1">
+              <a:schemeClr val="dk1"/>
+            </a:lnRef>
+            <a:fillRef idx="0">
+              <a:schemeClr val="dk1"/>
+            </a:fillRef>
+            <a:effectRef idx="0">
+              <a:schemeClr val="dk1"/>
+            </a:effectRef>
+            <a:fontRef idx="minor">
+              <a:schemeClr val="tx1"/>
+            </a:fontRef>
+          </p:style>
+        </p:cxnSp>
+        <p:sp>
+          <p:nvSpPr>
+            <p:cNvPr id="69" name="ZoneTexte 68">
+              <a:extLst>
+                <a:ext uri="{FF2B5EF4-FFF2-40B4-BE49-F238E27FC236}">
+                  <a16:creationId xmlns:a16="http://schemas.microsoft.com/office/drawing/2014/main" id="{02C09E1A-BB0F-E55A-296A-D0CC0479F92A}"/>
+                </a:ext>
+              </a:extLst>
+            </p:cNvPr>
+            <p:cNvSpPr txBox="1"/>
+            <p:nvPr/>
+          </p:nvSpPr>
+          <p:spPr>
+            <a:xfrm>
+              <a:off x="5626191" y="6011605"/>
+              <a:ext cx="3228775" cy="307777"/>
+            </a:xfrm>
+            <a:prstGeom prst="rect">
+              <a:avLst/>
+            </a:prstGeom>
+            <a:noFill/>
+            <a:ln>
+              <a:solidFill>
+                <a:schemeClr val="tx1"/>
+              </a:solidFill>
+            </a:ln>
+          </p:spPr>
+          <p:txBody>
+            <a:bodyPr wrap="square" rtlCol="0">
+              <a:spAutoFit/>
+            </a:bodyPr>
+            <a:lstStyle>
+              <a:defPPr>
+                <a:defRPr lang="en-US"/>
+              </a:defPPr>
+              <a:lvl1pPr algn="ctr">
+                <a:defRPr sz="1400"/>
+              </a:lvl1pPr>
+            </a:lstStyle>
+            <a:p>
+              <a:r>
+                <a:rPr lang="fr-FR" b="1" dirty="0"/>
+                <a:t>Select solution </a:t>
+              </a:r>
+              <a:r>
+                <a:rPr lang="fr-FR" b="1" dirty="0" err="1"/>
+                <a:t>protecting</a:t>
+              </a:r>
+              <a:r>
+                <a:rPr lang="fr-FR" b="1" dirty="0"/>
+                <a:t> 30% of area</a:t>
+              </a:r>
             </a:p>
           </p:txBody>
         </p:sp>
@@ -8196,41 +8161,1644 @@
       </p:grpSpPr>
       <p:grpSp>
         <p:nvGrpSpPr>
-          <p:cNvPr id="8" name="Groupe 7"/>
+          <p:cNvPr id="12" name="Groupe 11">
+            <a:extLst>
+              <a:ext uri="{FF2B5EF4-FFF2-40B4-BE49-F238E27FC236}">
+                <a16:creationId xmlns:a16="http://schemas.microsoft.com/office/drawing/2014/main" id="{8AE26477-98B5-2481-81C2-51D2A7D53BEC}"/>
+              </a:ext>
+            </a:extLst>
+          </p:cNvPr>
           <p:cNvGrpSpPr/>
           <p:nvPr/>
         </p:nvGrpSpPr>
         <p:grpSpPr>
           <a:xfrm>
-            <a:off x="0" y="317688"/>
-            <a:ext cx="6203288" cy="6166547"/>
-            <a:chOff x="0" y="343814"/>
-            <a:chExt cx="6203288" cy="6166547"/>
+            <a:off x="0" y="-3566298"/>
+            <a:ext cx="7632704" cy="10050534"/>
+            <a:chOff x="0" y="-3566298"/>
+            <a:chExt cx="7632704" cy="10050534"/>
           </a:xfrm>
         </p:grpSpPr>
+        <p:grpSp>
+          <p:nvGrpSpPr>
+            <p:cNvPr id="3" name="Groupe 2">
+              <a:extLst>
+                <a:ext uri="{FF2B5EF4-FFF2-40B4-BE49-F238E27FC236}">
+                  <a16:creationId xmlns:a16="http://schemas.microsoft.com/office/drawing/2014/main" id="{A8D308FD-8385-35CF-5508-D266AABE2B10}"/>
+                </a:ext>
+              </a:extLst>
+            </p:cNvPr>
+            <p:cNvGrpSpPr/>
+            <p:nvPr/>
+          </p:nvGrpSpPr>
+          <p:grpSpPr>
+            <a:xfrm>
+              <a:off x="0" y="967409"/>
+              <a:ext cx="7474226" cy="5516827"/>
+              <a:chOff x="0" y="749719"/>
+              <a:chExt cx="6203288" cy="5734517"/>
+            </a:xfrm>
+          </p:grpSpPr>
+          <p:grpSp>
+            <p:nvGrpSpPr>
+              <p:cNvPr id="8" name="Groupe 7"/>
+              <p:cNvGrpSpPr/>
+              <p:nvPr/>
+            </p:nvGrpSpPr>
+            <p:grpSpPr>
+              <a:xfrm>
+                <a:off x="0" y="749719"/>
+                <a:ext cx="6203288" cy="5734517"/>
+                <a:chOff x="0" y="783422"/>
+                <a:chExt cx="6203288" cy="5726939"/>
+              </a:xfrm>
+            </p:grpSpPr>
+            <p:pic>
+              <p:nvPicPr>
+                <p:cNvPr id="4" name="Image 3"/>
+                <p:cNvPicPr>
+                  <a:picLocks noChangeAspect="1"/>
+                </p:cNvPicPr>
+                <p:nvPr/>
+              </p:nvPicPr>
+              <p:blipFill rotWithShape="1">
+                <a:blip r:embed="rId2">
+                  <a:extLst>
+                    <a:ext uri="{28A0092B-C50C-407E-A947-70E740481C1C}">
+                      <a14:useLocalDpi xmlns:a14="http://schemas.microsoft.com/office/drawing/2010/main" val="0"/>
+                    </a:ext>
+                  </a:extLst>
+                </a:blip>
+                <a:srcRect l="23252" t="23484"/>
+                <a:stretch/>
+              </p:blipFill>
+              <p:spPr>
+                <a:xfrm>
+                  <a:off x="1631289" y="1784908"/>
+                  <a:ext cx="4571999" cy="4725453"/>
+                </a:xfrm>
+                <a:prstGeom prst="rect">
+                  <a:avLst/>
+                </a:prstGeom>
+              </p:spPr>
+            </p:pic>
+            <p:sp>
+              <p:nvSpPr>
+                <p:cNvPr id="5" name="ZoneTexte 4"/>
+                <p:cNvSpPr txBox="1"/>
+                <p:nvPr/>
+              </p:nvSpPr>
+              <p:spPr>
+                <a:xfrm>
+                  <a:off x="0" y="2525792"/>
+                  <a:ext cx="1762963" cy="3559949"/>
+                </a:xfrm>
+                <a:prstGeom prst="rect">
+                  <a:avLst/>
+                </a:prstGeom>
+                <a:noFill/>
+              </p:spPr>
+              <p:txBody>
+                <a:bodyPr wrap="square" rtlCol="0">
+                  <a:spAutoFit/>
+                </a:bodyPr>
+                <a:lstStyle/>
+                <a:p>
+                  <a:pPr algn="r">
+                    <a:spcBef>
+                      <a:spcPts val="100"/>
+                    </a:spcBef>
+                  </a:pPr>
+                  <a:r>
+                    <a:rPr lang="fr-FR" sz="900" b="1" i="1" dirty="0" err="1">
+                      <a:solidFill>
+                        <a:schemeClr val="accent6">
+                          <a:lumMod val="75000"/>
+                        </a:schemeClr>
+                      </a:solidFill>
+                    </a:rPr>
+                    <a:t>Bodianus</a:t>
+                  </a:r>
+                  <a:r>
+                    <a:rPr lang="fr-FR" sz="900" b="1" i="1" dirty="0">
+                      <a:solidFill>
+                        <a:schemeClr val="accent6">
+                          <a:lumMod val="75000"/>
+                        </a:schemeClr>
+                      </a:solidFill>
+                    </a:rPr>
+                    <a:t> </a:t>
+                  </a:r>
+                  <a:r>
+                    <a:rPr lang="fr-FR" sz="900" b="1" i="1" dirty="0" err="1">
+                      <a:solidFill>
+                        <a:schemeClr val="accent6">
+                          <a:lumMod val="75000"/>
+                        </a:schemeClr>
+                      </a:solidFill>
+                    </a:rPr>
+                    <a:t>bimaculatus</a:t>
+                  </a:r>
+                  <a:endParaRPr lang="fr-FR" sz="900" b="1" i="1" dirty="0">
+                    <a:solidFill>
+                      <a:schemeClr val="accent6">
+                        <a:lumMod val="75000"/>
+                      </a:schemeClr>
+                    </a:solidFill>
+                  </a:endParaRPr>
+                </a:p>
+                <a:p>
+                  <a:pPr algn="r">
+                    <a:spcBef>
+                      <a:spcPts val="100"/>
+                    </a:spcBef>
+                  </a:pPr>
+                  <a:r>
+                    <a:rPr lang="fr-FR" sz="900" b="1" i="1" dirty="0" err="1">
+                      <a:solidFill>
+                        <a:schemeClr val="accent6">
+                          <a:lumMod val="75000"/>
+                        </a:schemeClr>
+                      </a:solidFill>
+                    </a:rPr>
+                    <a:t>Gymnosarda</a:t>
+                  </a:r>
+                  <a:r>
+                    <a:rPr lang="fr-FR" sz="900" b="1" i="1" dirty="0">
+                      <a:solidFill>
+                        <a:schemeClr val="accent6">
+                          <a:lumMod val="75000"/>
+                        </a:schemeClr>
+                      </a:solidFill>
+                    </a:rPr>
+                    <a:t> </a:t>
+                  </a:r>
+                  <a:r>
+                    <a:rPr lang="fr-FR" sz="900" b="1" i="1" dirty="0" err="1">
+                      <a:solidFill>
+                        <a:schemeClr val="accent6">
+                          <a:lumMod val="75000"/>
+                        </a:schemeClr>
+                      </a:solidFill>
+                    </a:rPr>
+                    <a:t>unicolor</a:t>
+                  </a:r>
+                  <a:endParaRPr lang="fr-FR" sz="900" b="1" i="1" dirty="0">
+                    <a:solidFill>
+                      <a:schemeClr val="accent6">
+                        <a:lumMod val="75000"/>
+                      </a:schemeClr>
+                    </a:solidFill>
+                  </a:endParaRPr>
+                </a:p>
+                <a:p>
+                  <a:pPr algn="r">
+                    <a:spcBef>
+                      <a:spcPts val="100"/>
+                    </a:spcBef>
+                  </a:pPr>
+                  <a:r>
+                    <a:rPr lang="fr-FR" sz="900" b="1" i="1" dirty="0">
+                      <a:solidFill>
+                        <a:schemeClr val="accent6">
+                          <a:lumMod val="75000"/>
+                        </a:schemeClr>
+                      </a:solidFill>
+                    </a:rPr>
+                    <a:t>Carcharhinus albimarginatus</a:t>
+                  </a:r>
+                </a:p>
+                <a:p>
+                  <a:pPr algn="r">
+                    <a:spcBef>
+                      <a:spcPts val="100"/>
+                    </a:spcBef>
+                  </a:pPr>
+                  <a:r>
+                    <a:rPr lang="fr-FR" sz="900" b="1" i="1" dirty="0" err="1">
+                      <a:solidFill>
+                        <a:schemeClr val="accent6">
+                          <a:lumMod val="75000"/>
+                        </a:schemeClr>
+                      </a:solidFill>
+                    </a:rPr>
+                    <a:t>Epinephelus</a:t>
+                  </a:r>
+                  <a:r>
+                    <a:rPr lang="fr-FR" sz="900" b="1" i="1" dirty="0">
+                      <a:solidFill>
+                        <a:schemeClr val="accent6">
+                          <a:lumMod val="75000"/>
+                        </a:schemeClr>
+                      </a:solidFill>
+                    </a:rPr>
+                    <a:t> </a:t>
+                  </a:r>
+                  <a:r>
+                    <a:rPr lang="fr-FR" sz="900" b="1" i="1" dirty="0" err="1">
+                      <a:solidFill>
+                        <a:schemeClr val="accent6">
+                          <a:lumMod val="75000"/>
+                        </a:schemeClr>
+                      </a:solidFill>
+                    </a:rPr>
+                    <a:t>morrhua</a:t>
+                  </a:r>
+                  <a:endParaRPr lang="fr-FR" sz="900" b="1" i="1" dirty="0">
+                    <a:solidFill>
+                      <a:schemeClr val="accent6">
+                        <a:lumMod val="75000"/>
+                      </a:schemeClr>
+                    </a:solidFill>
+                  </a:endParaRPr>
+                </a:p>
+                <a:p>
+                  <a:pPr algn="r">
+                    <a:spcBef>
+                      <a:spcPts val="100"/>
+                    </a:spcBef>
+                  </a:pPr>
+                  <a:r>
+                    <a:rPr lang="fr-FR" sz="900" b="1" i="1" dirty="0" err="1">
+                      <a:solidFill>
+                        <a:schemeClr val="accent6">
+                          <a:lumMod val="75000"/>
+                        </a:schemeClr>
+                      </a:solidFill>
+                    </a:rPr>
+                    <a:t>Epinephelus</a:t>
+                  </a:r>
+                  <a:r>
+                    <a:rPr lang="fr-FR" sz="900" b="1" i="1" dirty="0">
+                      <a:solidFill>
+                        <a:schemeClr val="accent6">
+                          <a:lumMod val="75000"/>
+                        </a:schemeClr>
+                      </a:solidFill>
+                    </a:rPr>
+                    <a:t> </a:t>
+                  </a:r>
+                  <a:r>
+                    <a:rPr lang="fr-FR" sz="900" b="1" i="1" dirty="0" err="1">
+                      <a:solidFill>
+                        <a:schemeClr val="accent6">
+                          <a:lumMod val="75000"/>
+                        </a:schemeClr>
+                      </a:solidFill>
+                    </a:rPr>
+                    <a:t>chlorostigma</a:t>
+                  </a:r>
+                  <a:endParaRPr lang="fr-FR" sz="900" b="1" i="1" dirty="0">
+                    <a:solidFill>
+                      <a:schemeClr val="accent6">
+                        <a:lumMod val="75000"/>
+                      </a:schemeClr>
+                    </a:solidFill>
+                  </a:endParaRPr>
+                </a:p>
+                <a:p>
+                  <a:pPr algn="r">
+                    <a:spcBef>
+                      <a:spcPts val="100"/>
+                    </a:spcBef>
+                  </a:pPr>
+                  <a:r>
+                    <a:rPr lang="fr-FR" sz="900" b="1" i="1" dirty="0">
+                      <a:solidFill>
+                        <a:schemeClr val="accent6">
+                          <a:lumMod val="75000"/>
+                        </a:schemeClr>
+                      </a:solidFill>
+                    </a:rPr>
+                    <a:t>Pristipomoides </a:t>
+                  </a:r>
+                  <a:r>
+                    <a:rPr lang="fr-FR" sz="900" b="1" i="1" dirty="0" err="1">
+                      <a:solidFill>
+                        <a:schemeClr val="accent6">
+                          <a:lumMod val="75000"/>
+                        </a:schemeClr>
+                      </a:solidFill>
+                    </a:rPr>
+                    <a:t>flavipinnis</a:t>
+                  </a:r>
+                  <a:endParaRPr lang="fr-FR" sz="900" b="1" i="1" dirty="0">
+                    <a:solidFill>
+                      <a:schemeClr val="accent6">
+                        <a:lumMod val="75000"/>
+                      </a:schemeClr>
+                    </a:solidFill>
+                  </a:endParaRPr>
+                </a:p>
+                <a:p>
+                  <a:pPr algn="r">
+                    <a:spcBef>
+                      <a:spcPts val="100"/>
+                    </a:spcBef>
+                  </a:pPr>
+                  <a:r>
+                    <a:rPr lang="fr-FR" sz="900" b="1" i="1" dirty="0" err="1">
+                      <a:solidFill>
+                        <a:schemeClr val="accent6">
+                          <a:lumMod val="75000"/>
+                        </a:schemeClr>
+                      </a:solidFill>
+                    </a:rPr>
+                    <a:t>Aphareus</a:t>
+                  </a:r>
+                  <a:r>
+                    <a:rPr lang="fr-FR" sz="900" b="1" i="1" dirty="0">
+                      <a:solidFill>
+                        <a:schemeClr val="accent6">
+                          <a:lumMod val="75000"/>
+                        </a:schemeClr>
+                      </a:solidFill>
+                    </a:rPr>
+                    <a:t> </a:t>
+                  </a:r>
+                  <a:r>
+                    <a:rPr lang="fr-FR" sz="900" b="1" i="1" dirty="0" err="1">
+                      <a:solidFill>
+                        <a:schemeClr val="accent6">
+                          <a:lumMod val="75000"/>
+                        </a:schemeClr>
+                      </a:solidFill>
+                    </a:rPr>
+                    <a:t>rutilans</a:t>
+                  </a:r>
+                  <a:endParaRPr lang="fr-FR" sz="900" b="1" i="1" dirty="0">
+                    <a:solidFill>
+                      <a:schemeClr val="accent6">
+                        <a:lumMod val="75000"/>
+                      </a:schemeClr>
+                    </a:solidFill>
+                  </a:endParaRPr>
+                </a:p>
+                <a:p>
+                  <a:pPr algn="r">
+                    <a:spcBef>
+                      <a:spcPts val="100"/>
+                    </a:spcBef>
+                  </a:pPr>
+                  <a:r>
+                    <a:rPr lang="fr-FR" sz="900" b="1" i="1" dirty="0" err="1">
+                      <a:solidFill>
+                        <a:schemeClr val="accent6">
+                          <a:lumMod val="75000"/>
+                        </a:schemeClr>
+                      </a:solidFill>
+                    </a:rPr>
+                    <a:t>Wattsia</a:t>
+                  </a:r>
+                  <a:r>
+                    <a:rPr lang="fr-FR" sz="900" b="1" i="1" dirty="0">
+                      <a:solidFill>
+                        <a:schemeClr val="accent6">
+                          <a:lumMod val="75000"/>
+                        </a:schemeClr>
+                      </a:solidFill>
+                    </a:rPr>
+                    <a:t> </a:t>
+                  </a:r>
+                  <a:r>
+                    <a:rPr lang="fr-FR" sz="900" b="1" i="1" dirty="0" err="1">
+                      <a:solidFill>
+                        <a:schemeClr val="accent6">
+                          <a:lumMod val="75000"/>
+                        </a:schemeClr>
+                      </a:solidFill>
+                    </a:rPr>
+                    <a:t>mossambica</a:t>
+                  </a:r>
+                  <a:endParaRPr lang="fr-FR" sz="900" b="1" i="1" dirty="0">
+                    <a:solidFill>
+                      <a:schemeClr val="accent6">
+                        <a:lumMod val="75000"/>
+                      </a:schemeClr>
+                    </a:solidFill>
+                  </a:endParaRPr>
+                </a:p>
+                <a:p>
+                  <a:pPr algn="r">
+                    <a:spcBef>
+                      <a:spcPts val="100"/>
+                    </a:spcBef>
+                  </a:pPr>
+                  <a:r>
+                    <a:rPr lang="fr-FR" sz="900" b="1" i="1" dirty="0">
+                      <a:solidFill>
+                        <a:schemeClr val="accent6">
+                          <a:lumMod val="75000"/>
+                        </a:schemeClr>
+                      </a:solidFill>
+                    </a:rPr>
+                    <a:t>Seriola rivoliana</a:t>
+                  </a:r>
+                </a:p>
+                <a:p>
+                  <a:pPr algn="r">
+                    <a:spcBef>
+                      <a:spcPts val="100"/>
+                    </a:spcBef>
+                  </a:pPr>
+                  <a:r>
+                    <a:rPr lang="fr-FR" sz="900" b="1" i="1" dirty="0">
+                      <a:solidFill>
+                        <a:schemeClr val="accent6">
+                          <a:lumMod val="75000"/>
+                        </a:schemeClr>
+                      </a:solidFill>
+                    </a:rPr>
+                    <a:t>Pristipomoides filamentosus</a:t>
+                  </a:r>
+                </a:p>
+                <a:p>
+                  <a:pPr algn="r">
+                    <a:spcBef>
+                      <a:spcPts val="100"/>
+                    </a:spcBef>
+                  </a:pPr>
+                  <a:r>
+                    <a:rPr lang="fr-FR" sz="900" b="1" i="1" dirty="0">
+                      <a:solidFill>
+                        <a:schemeClr val="accent5"/>
+                      </a:solidFill>
+                    </a:rPr>
+                    <a:t>Gymnocranius euanus</a:t>
+                  </a:r>
+                </a:p>
+                <a:p>
+                  <a:pPr algn="r">
+                    <a:spcBef>
+                      <a:spcPts val="100"/>
+                    </a:spcBef>
+                  </a:pPr>
+                  <a:r>
+                    <a:rPr lang="fr-FR" sz="900" b="1" i="1" dirty="0" err="1">
+                      <a:solidFill>
+                        <a:schemeClr val="accent5"/>
+                      </a:solidFill>
+                    </a:rPr>
+                    <a:t>Lethrinus</a:t>
+                  </a:r>
+                  <a:r>
+                    <a:rPr lang="fr-FR" sz="900" b="1" i="1" dirty="0">
+                      <a:solidFill>
+                        <a:schemeClr val="accent5"/>
+                      </a:solidFill>
+                    </a:rPr>
+                    <a:t> </a:t>
+                  </a:r>
+                  <a:r>
+                    <a:rPr lang="fr-FR" sz="900" b="1" i="1" dirty="0" err="1">
+                      <a:solidFill>
+                        <a:schemeClr val="accent5"/>
+                      </a:solidFill>
+                    </a:rPr>
+                    <a:t>miniatus</a:t>
+                  </a:r>
+                  <a:endParaRPr lang="fr-FR" sz="900" b="1" i="1" dirty="0">
+                    <a:solidFill>
+                      <a:schemeClr val="accent5"/>
+                    </a:solidFill>
+                  </a:endParaRPr>
+                </a:p>
+                <a:p>
+                  <a:pPr algn="r">
+                    <a:spcBef>
+                      <a:spcPts val="100"/>
+                    </a:spcBef>
+                  </a:pPr>
+                  <a:r>
+                    <a:rPr lang="fr-FR" sz="900" b="1" i="1" dirty="0" err="1">
+                      <a:solidFill>
+                        <a:schemeClr val="accent5"/>
+                      </a:solidFill>
+                    </a:rPr>
+                    <a:t>Aprion</a:t>
+                  </a:r>
+                  <a:r>
+                    <a:rPr lang="fr-FR" sz="900" b="1" i="1" dirty="0">
+                      <a:solidFill>
+                        <a:schemeClr val="accent5"/>
+                      </a:solidFill>
+                    </a:rPr>
+                    <a:t> </a:t>
+                  </a:r>
+                  <a:r>
+                    <a:rPr lang="fr-FR" sz="900" b="1" i="1" dirty="0" err="1">
+                      <a:solidFill>
+                        <a:schemeClr val="accent5"/>
+                      </a:solidFill>
+                    </a:rPr>
+                    <a:t>virescens</a:t>
+                  </a:r>
+                  <a:endParaRPr lang="fr-FR" sz="900" b="1" i="1" dirty="0">
+                    <a:solidFill>
+                      <a:schemeClr val="accent5"/>
+                    </a:solidFill>
+                  </a:endParaRPr>
+                </a:p>
+                <a:p>
+                  <a:pPr algn="r">
+                    <a:spcBef>
+                      <a:spcPts val="100"/>
+                    </a:spcBef>
+                  </a:pPr>
+                  <a:r>
+                    <a:rPr lang="fr-FR" sz="900" b="1" i="1" dirty="0" err="1">
+                      <a:solidFill>
+                        <a:schemeClr val="accent5"/>
+                      </a:solidFill>
+                    </a:rPr>
+                    <a:t>Carangoides</a:t>
+                  </a:r>
+                  <a:r>
+                    <a:rPr lang="fr-FR" sz="900" b="1" i="1" dirty="0">
+                      <a:solidFill>
+                        <a:schemeClr val="accent5"/>
+                      </a:solidFill>
+                    </a:rPr>
+                    <a:t> </a:t>
+                  </a:r>
+                  <a:r>
+                    <a:rPr lang="fr-FR" sz="900" b="1" i="1" dirty="0" err="1">
+                      <a:solidFill>
+                        <a:schemeClr val="accent5"/>
+                      </a:solidFill>
+                    </a:rPr>
+                    <a:t>orthogrammus</a:t>
+                  </a:r>
+                  <a:endParaRPr lang="fr-FR" sz="900" b="1" i="1" dirty="0">
+                    <a:solidFill>
+                      <a:schemeClr val="accent5"/>
+                    </a:solidFill>
+                  </a:endParaRPr>
+                </a:p>
+                <a:p>
+                  <a:pPr algn="r">
+                    <a:spcBef>
+                      <a:spcPts val="100"/>
+                    </a:spcBef>
+                  </a:pPr>
+                  <a:r>
+                    <a:rPr lang="fr-FR" sz="900" b="1" i="1" dirty="0" err="1">
+                      <a:solidFill>
+                        <a:schemeClr val="accent5"/>
+                      </a:solidFill>
+                    </a:rPr>
+                    <a:t>Pseudocaranx</a:t>
+                  </a:r>
+                  <a:r>
+                    <a:rPr lang="fr-FR" sz="900" b="1" i="1" dirty="0">
+                      <a:solidFill>
+                        <a:schemeClr val="accent5"/>
+                      </a:solidFill>
+                    </a:rPr>
+                    <a:t> </a:t>
+                  </a:r>
+                  <a:r>
+                    <a:rPr lang="fr-FR" sz="900" b="1" i="1" dirty="0" err="1">
+                      <a:solidFill>
+                        <a:schemeClr val="accent5"/>
+                      </a:solidFill>
+                    </a:rPr>
+                    <a:t>dentex</a:t>
+                  </a:r>
+                  <a:endParaRPr lang="fr-FR" sz="900" b="1" i="1" dirty="0">
+                    <a:solidFill>
+                      <a:schemeClr val="accent5"/>
+                    </a:solidFill>
+                  </a:endParaRPr>
+                </a:p>
+                <a:p>
+                  <a:pPr algn="r">
+                    <a:spcBef>
+                      <a:spcPts val="100"/>
+                    </a:spcBef>
+                  </a:pPr>
+                  <a:r>
+                    <a:rPr lang="fr-FR" sz="900" b="1" i="1" dirty="0">
+                      <a:solidFill>
+                        <a:schemeClr val="accent5"/>
+                      </a:solidFill>
+                    </a:rPr>
+                    <a:t>Carcharhinus </a:t>
+                  </a:r>
+                  <a:r>
+                    <a:rPr lang="fr-FR" sz="900" b="1" i="1" dirty="0" err="1">
+                      <a:solidFill>
+                        <a:schemeClr val="accent5"/>
+                      </a:solidFill>
+                    </a:rPr>
+                    <a:t>plumbeus</a:t>
+                  </a:r>
+                  <a:endParaRPr lang="fr-FR" sz="900" b="1" i="1" dirty="0">
+                    <a:solidFill>
+                      <a:schemeClr val="accent5"/>
+                    </a:solidFill>
+                  </a:endParaRPr>
+                </a:p>
+                <a:p>
+                  <a:pPr algn="r">
+                    <a:spcBef>
+                      <a:spcPts val="100"/>
+                    </a:spcBef>
+                  </a:pPr>
+                  <a:r>
+                    <a:rPr lang="fr-FR" sz="900" b="1" i="1" dirty="0" err="1">
+                      <a:solidFill>
+                        <a:schemeClr val="accent5"/>
+                      </a:solidFill>
+                    </a:rPr>
+                    <a:t>Lethrinus</a:t>
+                  </a:r>
+                  <a:r>
+                    <a:rPr lang="fr-FR" sz="900" b="1" i="1" dirty="0">
+                      <a:solidFill>
+                        <a:schemeClr val="accent5"/>
+                      </a:solidFill>
+                    </a:rPr>
+                    <a:t> </a:t>
+                  </a:r>
+                  <a:r>
+                    <a:rPr lang="fr-FR" sz="900" b="1" i="1" dirty="0" err="1">
+                      <a:solidFill>
+                        <a:schemeClr val="accent5"/>
+                      </a:solidFill>
+                    </a:rPr>
+                    <a:t>rubrioperculatus</a:t>
+                  </a:r>
+                  <a:endParaRPr lang="fr-FR" sz="900" b="1" i="1" dirty="0">
+                    <a:solidFill>
+                      <a:schemeClr val="accent5"/>
+                    </a:solidFill>
+                  </a:endParaRPr>
+                </a:p>
+                <a:p>
+                  <a:pPr algn="r">
+                    <a:spcBef>
+                      <a:spcPts val="100"/>
+                    </a:spcBef>
+                  </a:pPr>
+                  <a:r>
+                    <a:rPr lang="fr-FR" sz="900" b="1" i="1" dirty="0" err="1">
+                      <a:solidFill>
+                        <a:srgbClr val="C00000"/>
+                      </a:solidFill>
+                    </a:rPr>
+                    <a:t>Polymixia</a:t>
+                  </a:r>
+                  <a:r>
+                    <a:rPr lang="fr-FR" sz="900" b="1" i="1" dirty="0">
+                      <a:solidFill>
+                        <a:srgbClr val="C00000"/>
+                      </a:solidFill>
+                    </a:rPr>
+                    <a:t> </a:t>
+                  </a:r>
+                  <a:r>
+                    <a:rPr lang="fr-FR" sz="900" b="1" i="1" dirty="0" err="1">
+                      <a:solidFill>
+                        <a:srgbClr val="C00000"/>
+                      </a:solidFill>
+                    </a:rPr>
+                    <a:t>japonica</a:t>
+                  </a:r>
+                  <a:endParaRPr lang="fr-FR" sz="900" b="1" i="1" dirty="0">
+                    <a:solidFill>
+                      <a:srgbClr val="C00000"/>
+                    </a:solidFill>
+                  </a:endParaRPr>
+                </a:p>
+                <a:p>
+                  <a:pPr algn="r">
+                    <a:spcBef>
+                      <a:spcPts val="100"/>
+                    </a:spcBef>
+                  </a:pPr>
+                  <a:r>
+                    <a:rPr lang="fr-FR" sz="900" b="1" i="1" dirty="0" err="1">
+                      <a:solidFill>
+                        <a:srgbClr val="C00000"/>
+                      </a:solidFill>
+                    </a:rPr>
+                    <a:t>Squalus</a:t>
+                  </a:r>
+                  <a:r>
+                    <a:rPr lang="fr-FR" sz="900" b="1" i="1" dirty="0">
+                      <a:solidFill>
+                        <a:srgbClr val="C00000"/>
+                      </a:solidFill>
+                    </a:rPr>
+                    <a:t> </a:t>
+                  </a:r>
+                  <a:r>
+                    <a:rPr lang="fr-FR" sz="900" b="1" i="1" dirty="0" err="1">
+                      <a:solidFill>
+                        <a:srgbClr val="C00000"/>
+                      </a:solidFill>
+                    </a:rPr>
+                    <a:t>megalops</a:t>
+                  </a:r>
+                  <a:endParaRPr lang="fr-FR" sz="900" b="1" i="1" dirty="0">
+                    <a:solidFill>
+                      <a:srgbClr val="C00000"/>
+                    </a:solidFill>
+                  </a:endParaRPr>
+                </a:p>
+                <a:p>
+                  <a:pPr algn="r">
+                    <a:spcBef>
+                      <a:spcPts val="100"/>
+                    </a:spcBef>
+                  </a:pPr>
+                  <a:r>
+                    <a:rPr lang="fr-FR" sz="900" b="1" i="1" dirty="0">
+                      <a:solidFill>
+                        <a:srgbClr val="C00000"/>
+                      </a:solidFill>
+                    </a:rPr>
+                    <a:t>Pristipomoides </a:t>
+                  </a:r>
+                  <a:r>
+                    <a:rPr lang="fr-FR" sz="900" b="1" i="1" dirty="0" err="1">
+                      <a:solidFill>
+                        <a:srgbClr val="C00000"/>
+                      </a:solidFill>
+                    </a:rPr>
+                    <a:t>argyrogrammicus</a:t>
+                  </a:r>
+                  <a:endParaRPr lang="fr-FR" sz="900" b="1" i="1" dirty="0">
+                    <a:solidFill>
+                      <a:srgbClr val="C00000"/>
+                    </a:solidFill>
+                  </a:endParaRPr>
+                </a:p>
+                <a:p>
+                  <a:pPr algn="r">
+                    <a:spcBef>
+                      <a:spcPts val="100"/>
+                    </a:spcBef>
+                  </a:pPr>
+                  <a:r>
+                    <a:rPr lang="fr-FR" sz="900" b="1" i="1" dirty="0" err="1">
+                      <a:solidFill>
+                        <a:srgbClr val="C00000"/>
+                      </a:solidFill>
+                    </a:rPr>
+                    <a:t>Pentaceros</a:t>
+                  </a:r>
+                  <a:r>
+                    <a:rPr lang="fr-FR" sz="900" b="1" i="1" dirty="0">
+                      <a:solidFill>
+                        <a:srgbClr val="C00000"/>
+                      </a:solidFill>
+                    </a:rPr>
+                    <a:t> </a:t>
+                  </a:r>
+                  <a:r>
+                    <a:rPr lang="fr-FR" sz="900" b="1" i="1" dirty="0" err="1">
+                      <a:solidFill>
+                        <a:srgbClr val="C00000"/>
+                      </a:solidFill>
+                    </a:rPr>
+                    <a:t>richardsoni</a:t>
+                  </a:r>
+                  <a:endParaRPr lang="fr-FR" sz="900" b="1" i="1" dirty="0">
+                    <a:solidFill>
+                      <a:srgbClr val="C00000"/>
+                    </a:solidFill>
+                  </a:endParaRPr>
+                </a:p>
+                <a:p>
+                  <a:pPr algn="r">
+                    <a:spcBef>
+                      <a:spcPts val="100"/>
+                    </a:spcBef>
+                  </a:pPr>
+                  <a:r>
+                    <a:rPr lang="fr-FR" sz="900" b="1" i="1" dirty="0">
+                      <a:solidFill>
+                        <a:srgbClr val="C00000"/>
+                      </a:solidFill>
+                    </a:rPr>
+                    <a:t>Etelis </a:t>
+                  </a:r>
+                  <a:r>
+                    <a:rPr lang="fr-FR" sz="900" b="1" i="1" dirty="0" err="1">
+                      <a:solidFill>
+                        <a:srgbClr val="C00000"/>
+                      </a:solidFill>
+                    </a:rPr>
+                    <a:t>coruscans</a:t>
+                  </a:r>
+                  <a:endParaRPr lang="fr-FR" sz="900" b="1" i="1" dirty="0">
+                    <a:solidFill>
+                      <a:srgbClr val="C00000"/>
+                    </a:solidFill>
+                  </a:endParaRPr>
+                </a:p>
+                <a:p>
+                  <a:pPr algn="r">
+                    <a:spcBef>
+                      <a:spcPts val="100"/>
+                    </a:spcBef>
+                  </a:pPr>
+                  <a:r>
+                    <a:rPr lang="fr-FR" sz="900" b="1" i="1" dirty="0">
+                      <a:solidFill>
+                        <a:srgbClr val="C00000"/>
+                      </a:solidFill>
+                    </a:rPr>
+                    <a:t>Seriola </a:t>
+                  </a:r>
+                  <a:r>
+                    <a:rPr lang="fr-FR" sz="900" b="1" i="1" dirty="0" err="1">
+                      <a:solidFill>
+                        <a:srgbClr val="C00000"/>
+                      </a:solidFill>
+                    </a:rPr>
+                    <a:t>lalandi</a:t>
+                  </a:r>
+                  <a:endParaRPr lang="fr-FR" sz="900" b="1" i="1" dirty="0">
+                    <a:solidFill>
+                      <a:srgbClr val="C00000"/>
+                    </a:solidFill>
+                  </a:endParaRPr>
+                </a:p>
+              </p:txBody>
+            </p:sp>
+            <p:sp>
+              <p:nvSpPr>
+                <p:cNvPr id="6" name="ZoneTexte 5"/>
+                <p:cNvSpPr txBox="1"/>
+                <p:nvPr/>
+              </p:nvSpPr>
+              <p:spPr>
+                <a:xfrm rot="16200000">
+                  <a:off x="2436457" y="24803"/>
+                  <a:ext cx="1052690" cy="2569934"/>
+                </a:xfrm>
+                <a:prstGeom prst="rect">
+                  <a:avLst/>
+                </a:prstGeom>
+                <a:noFill/>
+              </p:spPr>
+              <p:txBody>
+                <a:bodyPr wrap="square" rtlCol="0">
+                  <a:spAutoFit/>
+                </a:bodyPr>
+                <a:lstStyle/>
+                <a:p>
+                  <a:r>
+                    <a:rPr lang="fr-FR" sz="800" b="1" i="1" dirty="0">
+                      <a:solidFill>
+                        <a:srgbClr val="C00000"/>
+                      </a:solidFill>
+                    </a:rPr>
+                    <a:t>S. </a:t>
+                  </a:r>
+                  <a:r>
+                    <a:rPr lang="fr-FR" sz="800" b="1" i="1" dirty="0" err="1">
+                      <a:solidFill>
+                        <a:srgbClr val="C00000"/>
+                      </a:solidFill>
+                    </a:rPr>
+                    <a:t>lalandi</a:t>
+                  </a:r>
+                  <a:endParaRPr lang="fr-FR" sz="800" b="1" i="1" dirty="0">
+                    <a:solidFill>
+                      <a:srgbClr val="C00000"/>
+                    </a:solidFill>
+                  </a:endParaRPr>
+                </a:p>
+                <a:p>
+                  <a:r>
+                    <a:rPr lang="fr-FR" sz="800" b="1" i="1" dirty="0">
+                      <a:solidFill>
+                        <a:srgbClr val="C00000"/>
+                      </a:solidFill>
+                    </a:rPr>
+                    <a:t>E. </a:t>
+                  </a:r>
+                  <a:r>
+                    <a:rPr lang="fr-FR" sz="800" b="1" i="1" dirty="0" err="1">
+                      <a:solidFill>
+                        <a:srgbClr val="C00000"/>
+                      </a:solidFill>
+                    </a:rPr>
+                    <a:t>coruscans</a:t>
+                  </a:r>
+                  <a:endParaRPr lang="fr-FR" sz="800" b="1" i="1" dirty="0">
+                    <a:solidFill>
+                      <a:srgbClr val="C00000"/>
+                    </a:solidFill>
+                  </a:endParaRPr>
+                </a:p>
+                <a:p>
+                  <a:r>
+                    <a:rPr lang="fr-FR" sz="800" b="1" i="1" dirty="0">
+                      <a:solidFill>
+                        <a:srgbClr val="C00000"/>
+                      </a:solidFill>
+                    </a:rPr>
+                    <a:t>P. </a:t>
+                  </a:r>
+                  <a:r>
+                    <a:rPr lang="fr-FR" sz="800" b="1" i="1" dirty="0" err="1">
+                      <a:solidFill>
+                        <a:srgbClr val="C00000"/>
+                      </a:solidFill>
+                    </a:rPr>
+                    <a:t>richardsoni</a:t>
+                  </a:r>
+                  <a:endParaRPr lang="fr-FR" sz="800" b="1" i="1" dirty="0">
+                    <a:solidFill>
+                      <a:srgbClr val="C00000"/>
+                    </a:solidFill>
+                  </a:endParaRPr>
+                </a:p>
+                <a:p>
+                  <a:r>
+                    <a:rPr lang="fr-FR" sz="800" b="1" i="1" dirty="0">
+                      <a:solidFill>
+                        <a:srgbClr val="C00000"/>
+                      </a:solidFill>
+                    </a:rPr>
+                    <a:t>P. </a:t>
+                  </a:r>
+                  <a:r>
+                    <a:rPr lang="fr-FR" sz="800" b="1" i="1" dirty="0" err="1">
+                      <a:solidFill>
+                        <a:srgbClr val="C00000"/>
+                      </a:solidFill>
+                    </a:rPr>
+                    <a:t>argyrogrammicus</a:t>
+                  </a:r>
+                  <a:endParaRPr lang="fr-FR" sz="800" b="1" i="1" dirty="0">
+                    <a:solidFill>
+                      <a:srgbClr val="C00000"/>
+                    </a:solidFill>
+                  </a:endParaRPr>
+                </a:p>
+                <a:p>
+                  <a:r>
+                    <a:rPr lang="fr-FR" sz="800" b="1" i="1" dirty="0">
+                      <a:solidFill>
+                        <a:srgbClr val="C00000"/>
+                      </a:solidFill>
+                    </a:rPr>
+                    <a:t>S. </a:t>
+                  </a:r>
+                  <a:r>
+                    <a:rPr lang="fr-FR" sz="800" b="1" i="1" dirty="0" err="1">
+                      <a:solidFill>
+                        <a:srgbClr val="C00000"/>
+                      </a:solidFill>
+                    </a:rPr>
+                    <a:t>megalops</a:t>
+                  </a:r>
+                  <a:endParaRPr lang="fr-FR" sz="800" b="1" i="1" dirty="0">
+                    <a:solidFill>
+                      <a:srgbClr val="C00000"/>
+                    </a:solidFill>
+                  </a:endParaRPr>
+                </a:p>
+                <a:p>
+                  <a:r>
+                    <a:rPr lang="fr-FR" sz="800" b="1" i="1" dirty="0">
+                      <a:solidFill>
+                        <a:srgbClr val="C00000"/>
+                      </a:solidFill>
+                    </a:rPr>
+                    <a:t>P. </a:t>
+                  </a:r>
+                  <a:r>
+                    <a:rPr lang="fr-FR" sz="800" b="1" i="1" dirty="0" err="1">
+                      <a:solidFill>
+                        <a:srgbClr val="C00000"/>
+                      </a:solidFill>
+                    </a:rPr>
+                    <a:t>japonica</a:t>
+                  </a:r>
+                  <a:endParaRPr lang="fr-FR" sz="800" b="1" i="1" dirty="0">
+                    <a:solidFill>
+                      <a:srgbClr val="C00000"/>
+                    </a:solidFill>
+                  </a:endParaRPr>
+                </a:p>
+                <a:p>
+                  <a:r>
+                    <a:rPr lang="fr-FR" sz="800" b="1" i="1" dirty="0">
+                      <a:solidFill>
+                        <a:schemeClr val="accent5"/>
+                      </a:solidFill>
+                    </a:rPr>
+                    <a:t>L. </a:t>
+                  </a:r>
+                  <a:r>
+                    <a:rPr lang="fr-FR" sz="800" b="1" i="1" dirty="0" err="1">
+                      <a:solidFill>
+                        <a:schemeClr val="accent5"/>
+                      </a:solidFill>
+                    </a:rPr>
+                    <a:t>rubrioperculatus</a:t>
+                  </a:r>
+                  <a:endParaRPr lang="fr-FR" sz="800" b="1" i="1" dirty="0">
+                    <a:solidFill>
+                      <a:schemeClr val="accent5"/>
+                    </a:solidFill>
+                  </a:endParaRPr>
+                </a:p>
+                <a:p>
+                  <a:r>
+                    <a:rPr lang="fr-FR" sz="800" b="1" i="1" dirty="0">
+                      <a:solidFill>
+                        <a:schemeClr val="accent5"/>
+                      </a:solidFill>
+                    </a:rPr>
+                    <a:t>C. </a:t>
+                  </a:r>
+                  <a:r>
+                    <a:rPr lang="fr-FR" sz="800" b="1" i="1" dirty="0" err="1">
+                      <a:solidFill>
+                        <a:schemeClr val="accent5"/>
+                      </a:solidFill>
+                    </a:rPr>
+                    <a:t>plumbeus</a:t>
+                  </a:r>
+                  <a:endParaRPr lang="fr-FR" sz="800" b="1" i="1" dirty="0">
+                    <a:solidFill>
+                      <a:schemeClr val="accent5"/>
+                    </a:solidFill>
+                  </a:endParaRPr>
+                </a:p>
+                <a:p>
+                  <a:r>
+                    <a:rPr lang="fr-FR" sz="800" b="1" i="1" dirty="0">
+                      <a:solidFill>
+                        <a:schemeClr val="accent5"/>
+                      </a:solidFill>
+                    </a:rPr>
+                    <a:t>P. dentex</a:t>
+                  </a:r>
+                </a:p>
+                <a:p>
+                  <a:r>
+                    <a:rPr lang="fr-FR" sz="800" b="1" i="1" dirty="0">
+                      <a:solidFill>
+                        <a:schemeClr val="accent5"/>
+                      </a:solidFill>
+                    </a:rPr>
+                    <a:t>C. </a:t>
+                  </a:r>
+                  <a:r>
+                    <a:rPr lang="fr-FR" sz="800" b="1" i="1" dirty="0" err="1">
+                      <a:solidFill>
+                        <a:schemeClr val="accent5"/>
+                      </a:solidFill>
+                    </a:rPr>
+                    <a:t>orthogrammus</a:t>
+                  </a:r>
+                  <a:endParaRPr lang="fr-FR" sz="800" b="1" i="1" dirty="0">
+                    <a:solidFill>
+                      <a:schemeClr val="accent5"/>
+                    </a:solidFill>
+                  </a:endParaRPr>
+                </a:p>
+                <a:p>
+                  <a:r>
+                    <a:rPr lang="fr-FR" sz="800" b="1" i="1" dirty="0">
+                      <a:solidFill>
+                        <a:schemeClr val="accent5"/>
+                      </a:solidFill>
+                    </a:rPr>
+                    <a:t>A. </a:t>
+                  </a:r>
+                  <a:r>
+                    <a:rPr lang="fr-FR" sz="800" b="1" i="1" dirty="0" err="1">
+                      <a:solidFill>
+                        <a:schemeClr val="accent5"/>
+                      </a:solidFill>
+                    </a:rPr>
+                    <a:t>virescens</a:t>
+                  </a:r>
+                  <a:endParaRPr lang="fr-FR" sz="800" b="1" i="1" dirty="0">
+                    <a:solidFill>
+                      <a:schemeClr val="accent5"/>
+                    </a:solidFill>
+                  </a:endParaRPr>
+                </a:p>
+                <a:p>
+                  <a:r>
+                    <a:rPr lang="fr-FR" sz="800" b="1" i="1" dirty="0">
+                      <a:solidFill>
+                        <a:schemeClr val="accent5"/>
+                      </a:solidFill>
+                    </a:rPr>
+                    <a:t>L. </a:t>
+                  </a:r>
+                  <a:r>
+                    <a:rPr lang="fr-FR" sz="800" b="1" i="1" dirty="0" err="1">
+                      <a:solidFill>
+                        <a:schemeClr val="accent5"/>
+                      </a:solidFill>
+                    </a:rPr>
+                    <a:t>miniatus</a:t>
+                  </a:r>
+                  <a:endParaRPr lang="fr-FR" sz="800" b="1" i="1" dirty="0">
+                    <a:solidFill>
+                      <a:schemeClr val="accent5"/>
+                    </a:solidFill>
+                  </a:endParaRPr>
+                </a:p>
+                <a:p>
+                  <a:r>
+                    <a:rPr lang="fr-FR" sz="800" b="1" i="1" dirty="0">
+                      <a:solidFill>
+                        <a:schemeClr val="accent5"/>
+                      </a:solidFill>
+                    </a:rPr>
+                    <a:t>G. euanus</a:t>
+                  </a:r>
+                </a:p>
+                <a:p>
+                  <a:r>
+                    <a:rPr lang="fr-FR" sz="800" b="1" i="1" dirty="0">
+                      <a:solidFill>
+                        <a:schemeClr val="accent6">
+                          <a:lumMod val="75000"/>
+                        </a:schemeClr>
+                      </a:solidFill>
+                    </a:rPr>
+                    <a:t>P. filamentosus</a:t>
+                  </a:r>
+                </a:p>
+                <a:p>
+                  <a:r>
+                    <a:rPr lang="fr-FR" sz="800" b="1" i="1" dirty="0">
+                      <a:solidFill>
+                        <a:schemeClr val="accent6">
+                          <a:lumMod val="75000"/>
+                        </a:schemeClr>
+                      </a:solidFill>
+                    </a:rPr>
+                    <a:t>S. rivoliana</a:t>
+                  </a:r>
+                </a:p>
+                <a:p>
+                  <a:r>
+                    <a:rPr lang="fr-FR" sz="800" b="1" i="1" dirty="0">
+                      <a:solidFill>
+                        <a:schemeClr val="accent6">
+                          <a:lumMod val="75000"/>
+                        </a:schemeClr>
+                      </a:solidFill>
+                    </a:rPr>
+                    <a:t>W. </a:t>
+                  </a:r>
+                  <a:r>
+                    <a:rPr lang="fr-FR" sz="800" b="1" i="1" dirty="0" err="1">
+                      <a:solidFill>
+                        <a:schemeClr val="accent6">
+                          <a:lumMod val="75000"/>
+                        </a:schemeClr>
+                      </a:solidFill>
+                    </a:rPr>
+                    <a:t>mossambica</a:t>
+                  </a:r>
+                  <a:endParaRPr lang="fr-FR" sz="800" b="1" i="1" dirty="0">
+                    <a:solidFill>
+                      <a:schemeClr val="accent6">
+                        <a:lumMod val="75000"/>
+                      </a:schemeClr>
+                    </a:solidFill>
+                  </a:endParaRPr>
+                </a:p>
+                <a:p>
+                  <a:r>
+                    <a:rPr lang="fr-FR" sz="800" b="1" i="1" dirty="0">
+                      <a:solidFill>
+                        <a:schemeClr val="accent6">
+                          <a:lumMod val="75000"/>
+                        </a:schemeClr>
+                      </a:solidFill>
+                    </a:rPr>
+                    <a:t>A. </a:t>
+                  </a:r>
+                  <a:r>
+                    <a:rPr lang="fr-FR" sz="800" b="1" i="1" dirty="0" err="1">
+                      <a:solidFill>
+                        <a:schemeClr val="accent6">
+                          <a:lumMod val="75000"/>
+                        </a:schemeClr>
+                      </a:solidFill>
+                    </a:rPr>
+                    <a:t>rutilans</a:t>
+                  </a:r>
+                  <a:endParaRPr lang="fr-FR" sz="800" b="1" i="1" dirty="0">
+                    <a:solidFill>
+                      <a:schemeClr val="accent6">
+                        <a:lumMod val="75000"/>
+                      </a:schemeClr>
+                    </a:solidFill>
+                  </a:endParaRPr>
+                </a:p>
+                <a:p>
+                  <a:r>
+                    <a:rPr lang="fr-FR" sz="800" b="1" i="1" dirty="0">
+                      <a:solidFill>
+                        <a:schemeClr val="accent6">
+                          <a:lumMod val="75000"/>
+                        </a:schemeClr>
+                      </a:solidFill>
+                    </a:rPr>
+                    <a:t>P. </a:t>
+                  </a:r>
+                  <a:r>
+                    <a:rPr lang="fr-FR" sz="800" b="1" i="1" dirty="0" err="1">
+                      <a:solidFill>
+                        <a:schemeClr val="accent6">
+                          <a:lumMod val="75000"/>
+                        </a:schemeClr>
+                      </a:solidFill>
+                    </a:rPr>
+                    <a:t>flavipinnis</a:t>
+                  </a:r>
+                  <a:endParaRPr lang="fr-FR" sz="800" b="1" i="1" dirty="0">
+                    <a:solidFill>
+                      <a:schemeClr val="accent6">
+                        <a:lumMod val="75000"/>
+                      </a:schemeClr>
+                    </a:solidFill>
+                  </a:endParaRPr>
+                </a:p>
+                <a:p>
+                  <a:r>
+                    <a:rPr lang="fr-FR" sz="800" b="1" i="1" dirty="0">
+                      <a:solidFill>
+                        <a:schemeClr val="accent6">
+                          <a:lumMod val="75000"/>
+                        </a:schemeClr>
+                      </a:solidFill>
+                    </a:rPr>
+                    <a:t>E. </a:t>
+                  </a:r>
+                  <a:r>
+                    <a:rPr lang="fr-FR" sz="800" b="1" i="1" dirty="0" err="1">
+                      <a:solidFill>
+                        <a:schemeClr val="accent6">
+                          <a:lumMod val="75000"/>
+                        </a:schemeClr>
+                      </a:solidFill>
+                    </a:rPr>
+                    <a:t>chlorostigma</a:t>
+                  </a:r>
+                  <a:endParaRPr lang="fr-FR" sz="800" b="1" i="1" dirty="0">
+                    <a:solidFill>
+                      <a:schemeClr val="accent6">
+                        <a:lumMod val="75000"/>
+                      </a:schemeClr>
+                    </a:solidFill>
+                  </a:endParaRPr>
+                </a:p>
+                <a:p>
+                  <a:r>
+                    <a:rPr lang="fr-FR" sz="800" b="1" i="1" dirty="0">
+                      <a:solidFill>
+                        <a:schemeClr val="accent6">
+                          <a:lumMod val="75000"/>
+                        </a:schemeClr>
+                      </a:solidFill>
+                    </a:rPr>
+                    <a:t>E. </a:t>
+                  </a:r>
+                  <a:r>
+                    <a:rPr lang="fr-FR" sz="800" b="1" i="1" dirty="0" err="1">
+                      <a:solidFill>
+                        <a:schemeClr val="accent6">
+                          <a:lumMod val="75000"/>
+                        </a:schemeClr>
+                      </a:solidFill>
+                    </a:rPr>
+                    <a:t>morrhua</a:t>
+                  </a:r>
+                  <a:endParaRPr lang="fr-FR" sz="800" b="1" i="1" dirty="0">
+                    <a:solidFill>
+                      <a:schemeClr val="accent6">
+                        <a:lumMod val="75000"/>
+                      </a:schemeClr>
+                    </a:solidFill>
+                  </a:endParaRPr>
+                </a:p>
+                <a:p>
+                  <a:r>
+                    <a:rPr lang="fr-FR" sz="800" b="1" i="1" dirty="0">
+                      <a:solidFill>
+                        <a:schemeClr val="accent6">
+                          <a:lumMod val="75000"/>
+                        </a:schemeClr>
+                      </a:solidFill>
+                    </a:rPr>
+                    <a:t>C. albimarginatus</a:t>
+                  </a:r>
+                </a:p>
+                <a:p>
+                  <a:r>
+                    <a:rPr lang="fr-FR" sz="800" b="1" i="1" dirty="0">
+                      <a:solidFill>
+                        <a:schemeClr val="accent6">
+                          <a:lumMod val="75000"/>
+                        </a:schemeClr>
+                      </a:solidFill>
+                    </a:rPr>
+                    <a:t>G. </a:t>
+                  </a:r>
+                  <a:r>
+                    <a:rPr lang="fr-FR" sz="800" b="1" i="1" dirty="0" err="1">
+                      <a:solidFill>
+                        <a:schemeClr val="accent6">
+                          <a:lumMod val="75000"/>
+                        </a:schemeClr>
+                      </a:solidFill>
+                    </a:rPr>
+                    <a:t>unicolor</a:t>
+                  </a:r>
+                  <a:endParaRPr lang="fr-FR" sz="800" b="1" i="1" dirty="0">
+                    <a:solidFill>
+                      <a:schemeClr val="accent6">
+                        <a:lumMod val="75000"/>
+                      </a:schemeClr>
+                    </a:solidFill>
+                  </a:endParaRPr>
+                </a:p>
+                <a:p>
+                  <a:r>
+                    <a:rPr lang="fr-FR" sz="800" b="1" i="1" dirty="0">
+                      <a:solidFill>
+                        <a:schemeClr val="accent6">
+                          <a:lumMod val="75000"/>
+                        </a:schemeClr>
+                      </a:solidFill>
+                    </a:rPr>
+                    <a:t>B. </a:t>
+                  </a:r>
+                  <a:r>
+                    <a:rPr lang="fr-FR" sz="800" b="1" i="1" dirty="0" err="1">
+                      <a:solidFill>
+                        <a:schemeClr val="accent6">
+                          <a:lumMod val="75000"/>
+                        </a:schemeClr>
+                      </a:solidFill>
+                    </a:rPr>
+                    <a:t>bimaculatus</a:t>
+                  </a:r>
+                  <a:endParaRPr lang="fr-FR" sz="800" b="1" i="1" dirty="0">
+                    <a:solidFill>
+                      <a:schemeClr val="accent6">
+                        <a:lumMod val="75000"/>
+                      </a:schemeClr>
+                    </a:solidFill>
+                  </a:endParaRPr>
+                </a:p>
+              </p:txBody>
+            </p:sp>
+            <p:sp>
+              <p:nvSpPr>
+                <p:cNvPr id="7" name="ZoneTexte 6"/>
+                <p:cNvSpPr txBox="1"/>
+                <p:nvPr/>
+              </p:nvSpPr>
+              <p:spPr>
+                <a:xfrm rot="16200000">
+                  <a:off x="4675910" y="351864"/>
+                  <a:ext cx="1052693" cy="1915810"/>
+                </a:xfrm>
+                <a:prstGeom prst="rect">
+                  <a:avLst/>
+                </a:prstGeom>
+                <a:noFill/>
+              </p:spPr>
+              <p:txBody>
+                <a:bodyPr wrap="square" rtlCol="0">
+                  <a:spAutoFit/>
+                </a:bodyPr>
+                <a:lstStyle/>
+                <a:p>
+                  <a:r>
+                    <a:rPr lang="fr-FR" sz="900" b="1" dirty="0" err="1"/>
+                    <a:t>Salinity</a:t>
+                  </a:r>
+                  <a:endParaRPr lang="fr-FR" sz="900" b="1" dirty="0"/>
+                </a:p>
+                <a:p>
+                  <a:r>
+                    <a:rPr lang="fr-FR" sz="900" b="1" dirty="0" err="1"/>
+                    <a:t>Seamount</a:t>
+                  </a:r>
+                  <a:endParaRPr lang="fr-FR" sz="900" b="1" dirty="0"/>
+                </a:p>
+                <a:p>
+                  <a:r>
+                    <a:rPr lang="fr-FR" sz="900" b="1" dirty="0" err="1"/>
+                    <a:t>Mean</a:t>
+                  </a:r>
+                  <a:r>
+                    <a:rPr lang="fr-FR" sz="900" b="1" dirty="0"/>
+                    <a:t> SST</a:t>
+                  </a:r>
+                </a:p>
+                <a:p>
+                  <a:r>
+                    <a:rPr lang="fr-FR" sz="900" b="1" dirty="0"/>
+                    <a:t>Salinity²</a:t>
+                  </a:r>
+                </a:p>
+                <a:p>
+                  <a:r>
+                    <a:rPr lang="fr-FR" sz="900" b="1" dirty="0"/>
+                    <a:t>Distance Land</a:t>
+                  </a:r>
+                </a:p>
+                <a:p>
+                  <a:r>
+                    <a:rPr lang="fr-FR" sz="900" b="1" dirty="0" err="1"/>
+                    <a:t>Deep</a:t>
+                  </a:r>
+                  <a:r>
+                    <a:rPr lang="fr-FR" sz="900" b="1" dirty="0"/>
+                    <a:t> </a:t>
+                  </a:r>
+                  <a:r>
+                    <a:rPr lang="fr-FR" sz="900" b="1" dirty="0" err="1"/>
+                    <a:t>Slope</a:t>
+                  </a:r>
+                  <a:endParaRPr lang="fr-FR" sz="900" b="1" dirty="0"/>
+                </a:p>
+                <a:p>
+                  <a:r>
+                    <a:rPr lang="fr-FR" sz="900" b="1" dirty="0" err="1"/>
+                    <a:t>Bottom</a:t>
+                  </a:r>
+                  <a:r>
+                    <a:rPr lang="fr-FR" sz="900" b="1" dirty="0"/>
+                    <a:t> </a:t>
+                  </a:r>
+                  <a:r>
+                    <a:rPr lang="fr-FR" sz="900" b="1" dirty="0" err="1"/>
+                    <a:t>Depth</a:t>
+                  </a:r>
+                  <a:endParaRPr lang="fr-FR" sz="900" b="1" dirty="0"/>
+                </a:p>
+                <a:p>
+                  <a:r>
+                    <a:rPr lang="fr-FR" sz="900" b="1" dirty="0" err="1"/>
+                    <a:t>Summit</a:t>
+                  </a:r>
+                  <a:r>
+                    <a:rPr lang="fr-FR" sz="900" b="1" dirty="0"/>
+                    <a:t> Rugosity</a:t>
+                  </a:r>
+                </a:p>
+                <a:p>
+                  <a:r>
+                    <a:rPr lang="fr-FR" sz="900" b="1" dirty="0" err="1"/>
+                    <a:t>Travel</a:t>
+                  </a:r>
+                  <a:r>
+                    <a:rPr lang="fr-FR" sz="900" b="1" dirty="0"/>
+                    <a:t> Time</a:t>
+                  </a:r>
+                </a:p>
+                <a:p>
+                  <a:r>
+                    <a:rPr lang="fr-FR" sz="900" b="1" dirty="0" err="1"/>
+                    <a:t>Mean</a:t>
+                  </a:r>
+                  <a:r>
+                    <a:rPr lang="fr-FR" sz="900" b="1" dirty="0"/>
+                    <a:t> SST</a:t>
+                  </a:r>
+                  <a:r>
+                    <a:rPr lang="fr-FR" sz="900" b="1" baseline="30000" dirty="0"/>
+                    <a:t>3</a:t>
+                  </a:r>
+                </a:p>
+                <a:p>
+                  <a:r>
+                    <a:rPr lang="fr-FR" sz="900" b="1" dirty="0" err="1"/>
+                    <a:t>Eastward</a:t>
+                  </a:r>
+                  <a:r>
+                    <a:rPr lang="fr-FR" sz="900" b="1" dirty="0"/>
+                    <a:t> Velocity</a:t>
+                  </a:r>
+                  <a:r>
+                    <a:rPr lang="fr-FR" sz="900" b="1" baseline="30000" dirty="0"/>
+                    <a:t>3</a:t>
+                  </a:r>
+                </a:p>
+                <a:p>
+                  <a:r>
+                    <a:rPr lang="fr-FR" sz="900" b="1" dirty="0"/>
+                    <a:t>Distance Land²</a:t>
+                  </a:r>
+                </a:p>
+                <a:p>
+                  <a:r>
+                    <a:rPr lang="fr-FR" sz="900" b="1" dirty="0" err="1"/>
+                    <a:t>Bottom</a:t>
+                  </a:r>
+                  <a:r>
+                    <a:rPr lang="fr-FR" sz="900" b="1" dirty="0"/>
+                    <a:t> Depth²</a:t>
+                  </a:r>
+                </a:p>
+                <a:p>
+                  <a:r>
+                    <a:rPr lang="fr-FR" sz="900" b="1" dirty="0" err="1"/>
+                    <a:t>Eastward</a:t>
+                  </a:r>
+                  <a:r>
+                    <a:rPr lang="fr-FR" sz="900" b="1" dirty="0"/>
+                    <a:t> </a:t>
+                  </a:r>
+                  <a:r>
+                    <a:rPr lang="fr-FR" sz="900" b="1" dirty="0" err="1"/>
+                    <a:t>Velocity</a:t>
+                  </a:r>
+                  <a:endParaRPr lang="fr-FR" sz="900" b="1" dirty="0"/>
+                </a:p>
+              </p:txBody>
+            </p:sp>
+          </p:grpSp>
+          <p:sp>
+            <p:nvSpPr>
+              <p:cNvPr id="2" name="ZoneTexte 1">
+                <a:extLst>
+                  <a:ext uri="{FF2B5EF4-FFF2-40B4-BE49-F238E27FC236}">
+                    <a16:creationId xmlns:a16="http://schemas.microsoft.com/office/drawing/2014/main" id="{74024D8E-B14D-AEBD-B902-BC4189146E53}"/>
+                  </a:ext>
+                </a:extLst>
+              </p:cNvPr>
+              <p:cNvSpPr txBox="1"/>
+              <p:nvPr/>
+            </p:nvSpPr>
+            <p:spPr>
+              <a:xfrm>
+                <a:off x="439950" y="1235240"/>
+                <a:ext cx="318052" cy="369332"/>
+              </a:xfrm>
+              <a:prstGeom prst="rect">
+                <a:avLst/>
+              </a:prstGeom>
+              <a:noFill/>
+            </p:spPr>
+            <p:txBody>
+              <a:bodyPr wrap="square" rtlCol="0">
+                <a:spAutoFit/>
+              </a:bodyPr>
+              <a:lstStyle/>
+              <a:p>
+                <a:r>
+                  <a:rPr lang="fr-FR" b="1" dirty="0"/>
+                  <a:t>B</a:t>
+                </a:r>
+              </a:p>
+            </p:txBody>
+          </p:sp>
+        </p:grpSp>
         <p:pic>
           <p:nvPicPr>
-            <p:cNvPr id="4" name="Image 3"/>
+            <p:cNvPr id="10" name="Image 9">
+              <a:extLst>
+                <a:ext uri="{FF2B5EF4-FFF2-40B4-BE49-F238E27FC236}">
+                  <a16:creationId xmlns:a16="http://schemas.microsoft.com/office/drawing/2014/main" id="{EF8DFB7C-7FB0-1C87-E997-85FCD95EFD2C}"/>
+                </a:ext>
+              </a:extLst>
+            </p:cNvPr>
             <p:cNvPicPr>
               <a:picLocks noChangeAspect="1"/>
             </p:cNvPicPr>
             <p:nvPr/>
           </p:nvPicPr>
-          <p:blipFill rotWithShape="1">
-            <a:blip r:embed="rId2">
+          <p:blipFill>
+            <a:blip r:embed="rId3" cstate="print">
               <a:extLst>
                 <a:ext uri="{28A0092B-C50C-407E-A947-70E740481C1C}">
                   <a14:useLocalDpi xmlns:a14="http://schemas.microsoft.com/office/drawing/2010/main" val="0"/>
                 </a:ext>
               </a:extLst>
             </a:blip>
-            <a:srcRect l="23252" t="23484"/>
-            <a:stretch/>
+            <a:stretch>
+              <a:fillRect/>
+            </a:stretch>
           </p:blipFill>
           <p:spPr>
             <a:xfrm>
-              <a:off x="1631289" y="1784908"/>
-              <a:ext cx="4571999" cy="4725453"/>
+              <a:off x="104616" y="-3566298"/>
+              <a:ext cx="7528088" cy="4514080"/>
             </a:xfrm>
             <a:prstGeom prst="rect">
               <a:avLst/>
@@ -8239,14 +9807,20 @@
         </p:pic>
         <p:sp>
           <p:nvSpPr>
-            <p:cNvPr id="5" name="ZoneTexte 4"/>
+            <p:cNvPr id="11" name="ZoneTexte 10">
+              <a:extLst>
+                <a:ext uri="{FF2B5EF4-FFF2-40B4-BE49-F238E27FC236}">
+                  <a16:creationId xmlns:a16="http://schemas.microsoft.com/office/drawing/2014/main" id="{B3BE61C8-8DF8-2849-D7DA-6EC8B9229D01}"/>
+                </a:ext>
+              </a:extLst>
+            </p:cNvPr>
             <p:cNvSpPr txBox="1"/>
             <p:nvPr/>
           </p:nvSpPr>
           <p:spPr>
             <a:xfrm>
-              <a:off x="0" y="2574951"/>
-              <a:ext cx="1762963" cy="3559949"/>
+              <a:off x="483156" y="-3432313"/>
+              <a:ext cx="238539" cy="369332"/>
             </a:xfrm>
             <a:prstGeom prst="rect">
               <a:avLst/>
@@ -8259,1613 +9833,10 @@
             </a:bodyPr>
             <a:lstStyle/>
             <a:p>
-              <a:pPr algn="r">
-                <a:spcBef>
-                  <a:spcPts val="100"/>
-                </a:spcBef>
-              </a:pPr>
-              <a:r>
-                <a:rPr lang="fr-FR" sz="900" b="1" i="1" dirty="0" err="1" smtClean="0">
-                  <a:solidFill>
-                    <a:schemeClr val="accent6">
-                      <a:lumMod val="75000"/>
-                    </a:schemeClr>
-                  </a:solidFill>
-                </a:rPr>
-                <a:t>Bodianus</a:t>
-              </a:r>
-              <a:r>
-                <a:rPr lang="fr-FR" sz="900" b="1" i="1" dirty="0" smtClean="0">
-                  <a:solidFill>
-                    <a:schemeClr val="accent6">
-                      <a:lumMod val="75000"/>
-                    </a:schemeClr>
-                  </a:solidFill>
-                </a:rPr>
-                <a:t> </a:t>
-              </a:r>
-              <a:r>
-                <a:rPr lang="fr-FR" sz="900" b="1" i="1" dirty="0" err="1" smtClean="0">
-                  <a:solidFill>
-                    <a:schemeClr val="accent6">
-                      <a:lumMod val="75000"/>
-                    </a:schemeClr>
-                  </a:solidFill>
-                </a:rPr>
-                <a:t>bimaculatus</a:t>
-              </a:r>
-              <a:endParaRPr lang="fr-FR" sz="900" b="1" i="1" dirty="0" smtClean="0">
-                <a:solidFill>
-                  <a:schemeClr val="accent6">
-                    <a:lumMod val="75000"/>
-                  </a:schemeClr>
-                </a:solidFill>
-              </a:endParaRPr>
-            </a:p>
-            <a:p>
-              <a:pPr algn="r">
-                <a:spcBef>
-                  <a:spcPts val="100"/>
-                </a:spcBef>
-              </a:pPr>
-              <a:r>
-                <a:rPr lang="fr-FR" sz="900" b="1" i="1" dirty="0" err="1" smtClean="0">
-                  <a:solidFill>
-                    <a:schemeClr val="accent6">
-                      <a:lumMod val="75000"/>
-                    </a:schemeClr>
-                  </a:solidFill>
-                </a:rPr>
-                <a:t>Gymnosarda</a:t>
-              </a:r>
-              <a:r>
-                <a:rPr lang="fr-FR" sz="900" b="1" i="1" dirty="0" smtClean="0">
-                  <a:solidFill>
-                    <a:schemeClr val="accent6">
-                      <a:lumMod val="75000"/>
-                    </a:schemeClr>
-                  </a:solidFill>
-                </a:rPr>
-                <a:t> </a:t>
-              </a:r>
-              <a:r>
-                <a:rPr lang="fr-FR" sz="900" b="1" i="1" dirty="0" err="1" smtClean="0">
-                  <a:solidFill>
-                    <a:schemeClr val="accent6">
-                      <a:lumMod val="75000"/>
-                    </a:schemeClr>
-                  </a:solidFill>
-                </a:rPr>
-                <a:t>unicolor</a:t>
-              </a:r>
-              <a:endParaRPr lang="fr-FR" sz="900" b="1" i="1" dirty="0" smtClean="0">
-                <a:solidFill>
-                  <a:schemeClr val="accent6">
-                    <a:lumMod val="75000"/>
-                  </a:schemeClr>
-                </a:solidFill>
-              </a:endParaRPr>
-            </a:p>
-            <a:p>
-              <a:pPr algn="r">
-                <a:spcBef>
-                  <a:spcPts val="100"/>
-                </a:spcBef>
-              </a:pPr>
-              <a:r>
-                <a:rPr lang="fr-FR" sz="900" b="1" i="1" dirty="0" smtClean="0">
-                  <a:solidFill>
-                    <a:schemeClr val="accent6">
-                      <a:lumMod val="75000"/>
-                    </a:schemeClr>
-                  </a:solidFill>
-                </a:rPr>
-                <a:t>Carcharhinus albimarginatus</a:t>
-              </a:r>
-            </a:p>
-            <a:p>
-              <a:pPr algn="r">
-                <a:spcBef>
-                  <a:spcPts val="100"/>
-                </a:spcBef>
-              </a:pPr>
-              <a:r>
-                <a:rPr lang="fr-FR" sz="900" b="1" i="1" dirty="0" err="1" smtClean="0">
-                  <a:solidFill>
-                    <a:schemeClr val="accent6">
-                      <a:lumMod val="75000"/>
-                    </a:schemeClr>
-                  </a:solidFill>
-                </a:rPr>
-                <a:t>Epinephelus</a:t>
-              </a:r>
-              <a:r>
-                <a:rPr lang="fr-FR" sz="900" b="1" i="1" dirty="0" smtClean="0">
-                  <a:solidFill>
-                    <a:schemeClr val="accent6">
-                      <a:lumMod val="75000"/>
-                    </a:schemeClr>
-                  </a:solidFill>
-                </a:rPr>
-                <a:t> </a:t>
-              </a:r>
-              <a:r>
-                <a:rPr lang="fr-FR" sz="900" b="1" i="1" dirty="0" err="1" smtClean="0">
-                  <a:solidFill>
-                    <a:schemeClr val="accent6">
-                      <a:lumMod val="75000"/>
-                    </a:schemeClr>
-                  </a:solidFill>
-                </a:rPr>
-                <a:t>morrhua</a:t>
-              </a:r>
-              <a:endParaRPr lang="fr-FR" sz="900" b="1" i="1" dirty="0" smtClean="0">
-                <a:solidFill>
-                  <a:schemeClr val="accent6">
-                    <a:lumMod val="75000"/>
-                  </a:schemeClr>
-                </a:solidFill>
-              </a:endParaRPr>
-            </a:p>
-            <a:p>
-              <a:pPr algn="r">
-                <a:spcBef>
-                  <a:spcPts val="100"/>
-                </a:spcBef>
-              </a:pPr>
-              <a:r>
-                <a:rPr lang="fr-FR" sz="900" b="1" i="1" dirty="0" err="1" smtClean="0">
-                  <a:solidFill>
-                    <a:schemeClr val="accent6">
-                      <a:lumMod val="75000"/>
-                    </a:schemeClr>
-                  </a:solidFill>
-                </a:rPr>
-                <a:t>Epinephelus</a:t>
-              </a:r>
-              <a:r>
-                <a:rPr lang="fr-FR" sz="900" b="1" i="1" dirty="0" smtClean="0">
-                  <a:solidFill>
-                    <a:schemeClr val="accent6">
-                      <a:lumMod val="75000"/>
-                    </a:schemeClr>
-                  </a:solidFill>
-                </a:rPr>
-                <a:t> </a:t>
-              </a:r>
-              <a:r>
-                <a:rPr lang="fr-FR" sz="900" b="1" i="1" dirty="0" err="1" smtClean="0">
-                  <a:solidFill>
-                    <a:schemeClr val="accent6">
-                      <a:lumMod val="75000"/>
-                    </a:schemeClr>
-                  </a:solidFill>
-                </a:rPr>
-                <a:t>chlorostigma</a:t>
-              </a:r>
-              <a:endParaRPr lang="fr-FR" sz="900" b="1" i="1" dirty="0" smtClean="0">
-                <a:solidFill>
-                  <a:schemeClr val="accent6">
-                    <a:lumMod val="75000"/>
-                  </a:schemeClr>
-                </a:solidFill>
-              </a:endParaRPr>
-            </a:p>
-            <a:p>
-              <a:pPr algn="r">
-                <a:spcBef>
-                  <a:spcPts val="100"/>
-                </a:spcBef>
-              </a:pPr>
-              <a:r>
-                <a:rPr lang="fr-FR" sz="900" b="1" i="1" dirty="0" smtClean="0">
-                  <a:solidFill>
-                    <a:schemeClr val="accent6">
-                      <a:lumMod val="75000"/>
-                    </a:schemeClr>
-                  </a:solidFill>
-                </a:rPr>
-                <a:t>Pristipomoides </a:t>
-              </a:r>
-              <a:r>
-                <a:rPr lang="fr-FR" sz="900" b="1" i="1" dirty="0" err="1" smtClean="0">
-                  <a:solidFill>
-                    <a:schemeClr val="accent6">
-                      <a:lumMod val="75000"/>
-                    </a:schemeClr>
-                  </a:solidFill>
-                </a:rPr>
-                <a:t>flavipinnis</a:t>
-              </a:r>
-              <a:endParaRPr lang="fr-FR" sz="900" b="1" i="1" dirty="0" smtClean="0">
-                <a:solidFill>
-                  <a:schemeClr val="accent6">
-                    <a:lumMod val="75000"/>
-                  </a:schemeClr>
-                </a:solidFill>
-              </a:endParaRPr>
-            </a:p>
-            <a:p>
-              <a:pPr algn="r">
-                <a:spcBef>
-                  <a:spcPts val="100"/>
-                </a:spcBef>
-              </a:pPr>
-              <a:r>
-                <a:rPr lang="fr-FR" sz="900" b="1" i="1" dirty="0" err="1" smtClean="0">
-                  <a:solidFill>
-                    <a:schemeClr val="accent6">
-                      <a:lumMod val="75000"/>
-                    </a:schemeClr>
-                  </a:solidFill>
-                </a:rPr>
-                <a:t>Aphareus</a:t>
-              </a:r>
-              <a:r>
-                <a:rPr lang="fr-FR" sz="900" b="1" i="1" dirty="0" smtClean="0">
-                  <a:solidFill>
-                    <a:schemeClr val="accent6">
-                      <a:lumMod val="75000"/>
-                    </a:schemeClr>
-                  </a:solidFill>
-                </a:rPr>
-                <a:t> </a:t>
-              </a:r>
-              <a:r>
-                <a:rPr lang="fr-FR" sz="900" b="1" i="1" dirty="0" err="1" smtClean="0">
-                  <a:solidFill>
-                    <a:schemeClr val="accent6">
-                      <a:lumMod val="75000"/>
-                    </a:schemeClr>
-                  </a:solidFill>
-                </a:rPr>
-                <a:t>rutilans</a:t>
-              </a:r>
-              <a:endParaRPr lang="fr-FR" sz="900" b="1" i="1" dirty="0" smtClean="0">
-                <a:solidFill>
-                  <a:schemeClr val="accent6">
-                    <a:lumMod val="75000"/>
-                  </a:schemeClr>
-                </a:solidFill>
-              </a:endParaRPr>
-            </a:p>
-            <a:p>
-              <a:pPr algn="r">
-                <a:spcBef>
-                  <a:spcPts val="100"/>
-                </a:spcBef>
-              </a:pPr>
-              <a:r>
-                <a:rPr lang="fr-FR" sz="900" b="1" i="1" dirty="0" err="1" smtClean="0">
-                  <a:solidFill>
-                    <a:schemeClr val="accent6">
-                      <a:lumMod val="75000"/>
-                    </a:schemeClr>
-                  </a:solidFill>
-                </a:rPr>
-                <a:t>Wattsia</a:t>
-              </a:r>
-              <a:r>
-                <a:rPr lang="fr-FR" sz="900" b="1" i="1" dirty="0" smtClean="0">
-                  <a:solidFill>
-                    <a:schemeClr val="accent6">
-                      <a:lumMod val="75000"/>
-                    </a:schemeClr>
-                  </a:solidFill>
-                </a:rPr>
-                <a:t> </a:t>
-              </a:r>
-              <a:r>
-                <a:rPr lang="fr-FR" sz="900" b="1" i="1" dirty="0" err="1" smtClean="0">
-                  <a:solidFill>
-                    <a:schemeClr val="accent6">
-                      <a:lumMod val="75000"/>
-                    </a:schemeClr>
-                  </a:solidFill>
-                </a:rPr>
-                <a:t>mossambica</a:t>
-              </a:r>
-              <a:endParaRPr lang="fr-FR" sz="900" b="1" i="1" dirty="0" smtClean="0">
-                <a:solidFill>
-                  <a:schemeClr val="accent6">
-                    <a:lumMod val="75000"/>
-                  </a:schemeClr>
-                </a:solidFill>
-              </a:endParaRPr>
-            </a:p>
-            <a:p>
-              <a:pPr algn="r">
-                <a:spcBef>
-                  <a:spcPts val="100"/>
-                </a:spcBef>
-              </a:pPr>
-              <a:r>
-                <a:rPr lang="fr-FR" sz="900" b="1" i="1" dirty="0" smtClean="0">
-                  <a:solidFill>
-                    <a:schemeClr val="accent6">
-                      <a:lumMod val="75000"/>
-                    </a:schemeClr>
-                  </a:solidFill>
-                </a:rPr>
-                <a:t>Seriola rivoliana</a:t>
-              </a:r>
-            </a:p>
-            <a:p>
-              <a:pPr algn="r">
-                <a:spcBef>
-                  <a:spcPts val="100"/>
-                </a:spcBef>
-              </a:pPr>
-              <a:r>
-                <a:rPr lang="fr-FR" sz="900" b="1" i="1" dirty="0" smtClean="0">
-                  <a:solidFill>
-                    <a:schemeClr val="accent6">
-                      <a:lumMod val="75000"/>
-                    </a:schemeClr>
-                  </a:solidFill>
-                </a:rPr>
-                <a:t>Pristipomoides filamentosus</a:t>
-              </a:r>
-            </a:p>
-            <a:p>
-              <a:pPr algn="r">
-                <a:spcBef>
-                  <a:spcPts val="100"/>
-                </a:spcBef>
-              </a:pPr>
-              <a:r>
-                <a:rPr lang="fr-FR" sz="900" b="1" i="1" dirty="0" smtClean="0">
-                  <a:solidFill>
-                    <a:schemeClr val="accent5"/>
-                  </a:solidFill>
-                </a:rPr>
-                <a:t>Gymnocranius euanus</a:t>
-              </a:r>
-            </a:p>
-            <a:p>
-              <a:pPr algn="r">
-                <a:spcBef>
-                  <a:spcPts val="100"/>
-                </a:spcBef>
-              </a:pPr>
-              <a:r>
-                <a:rPr lang="fr-FR" sz="900" b="1" i="1" dirty="0" err="1" smtClean="0">
-                  <a:solidFill>
-                    <a:schemeClr val="accent5"/>
-                  </a:solidFill>
-                </a:rPr>
-                <a:t>Lethrinus</a:t>
-              </a:r>
-              <a:r>
-                <a:rPr lang="fr-FR" sz="900" b="1" i="1" dirty="0" smtClean="0">
-                  <a:solidFill>
-                    <a:schemeClr val="accent5"/>
-                  </a:solidFill>
-                </a:rPr>
-                <a:t> </a:t>
-              </a:r>
-              <a:r>
-                <a:rPr lang="fr-FR" sz="900" b="1" i="1" dirty="0" err="1" smtClean="0">
-                  <a:solidFill>
-                    <a:schemeClr val="accent5"/>
-                  </a:solidFill>
-                </a:rPr>
-                <a:t>miniatus</a:t>
-              </a:r>
-              <a:endParaRPr lang="fr-FR" sz="900" b="1" i="1" dirty="0" smtClean="0">
-                <a:solidFill>
-                  <a:schemeClr val="accent5"/>
-                </a:solidFill>
-              </a:endParaRPr>
-            </a:p>
-            <a:p>
-              <a:pPr algn="r">
-                <a:spcBef>
-                  <a:spcPts val="100"/>
-                </a:spcBef>
-              </a:pPr>
-              <a:r>
-                <a:rPr lang="fr-FR" sz="900" b="1" i="1" dirty="0" err="1" smtClean="0">
-                  <a:solidFill>
-                    <a:schemeClr val="accent5"/>
-                  </a:solidFill>
-                </a:rPr>
-                <a:t>Aprion</a:t>
-              </a:r>
-              <a:r>
-                <a:rPr lang="fr-FR" sz="900" b="1" i="1" dirty="0" smtClean="0">
-                  <a:solidFill>
-                    <a:schemeClr val="accent5"/>
-                  </a:solidFill>
-                </a:rPr>
-                <a:t> </a:t>
-              </a:r>
-              <a:r>
-                <a:rPr lang="fr-FR" sz="900" b="1" i="1" dirty="0" err="1" smtClean="0">
-                  <a:solidFill>
-                    <a:schemeClr val="accent5"/>
-                  </a:solidFill>
-                </a:rPr>
-                <a:t>virescens</a:t>
-              </a:r>
-              <a:endParaRPr lang="fr-FR" sz="900" b="1" i="1" dirty="0" smtClean="0">
-                <a:solidFill>
-                  <a:schemeClr val="accent5"/>
-                </a:solidFill>
-              </a:endParaRPr>
-            </a:p>
-            <a:p>
-              <a:pPr algn="r">
-                <a:spcBef>
-                  <a:spcPts val="100"/>
-                </a:spcBef>
-              </a:pPr>
-              <a:r>
-                <a:rPr lang="fr-FR" sz="900" b="1" i="1" dirty="0" err="1" smtClean="0">
-                  <a:solidFill>
-                    <a:schemeClr val="accent5"/>
-                  </a:solidFill>
-                </a:rPr>
-                <a:t>Carangoides</a:t>
-              </a:r>
-              <a:r>
-                <a:rPr lang="fr-FR" sz="900" b="1" i="1" dirty="0" smtClean="0">
-                  <a:solidFill>
-                    <a:schemeClr val="accent5"/>
-                  </a:solidFill>
-                </a:rPr>
-                <a:t> </a:t>
-              </a:r>
-              <a:r>
-                <a:rPr lang="fr-FR" sz="900" b="1" i="1" dirty="0" err="1" smtClean="0">
-                  <a:solidFill>
-                    <a:schemeClr val="accent5"/>
-                  </a:solidFill>
-                </a:rPr>
-                <a:t>orthogrammus</a:t>
-              </a:r>
-              <a:endParaRPr lang="fr-FR" sz="900" b="1" i="1" dirty="0" smtClean="0">
-                <a:solidFill>
-                  <a:schemeClr val="accent5"/>
-                </a:solidFill>
-              </a:endParaRPr>
-            </a:p>
-            <a:p>
-              <a:pPr algn="r">
-                <a:spcBef>
-                  <a:spcPts val="100"/>
-                </a:spcBef>
-              </a:pPr>
-              <a:r>
-                <a:rPr lang="fr-FR" sz="900" b="1" i="1" dirty="0" err="1" smtClean="0">
-                  <a:solidFill>
-                    <a:schemeClr val="accent5"/>
-                  </a:solidFill>
-                </a:rPr>
-                <a:t>Pseudocaranx</a:t>
-              </a:r>
-              <a:r>
-                <a:rPr lang="fr-FR" sz="900" b="1" i="1" dirty="0" smtClean="0">
-                  <a:solidFill>
-                    <a:schemeClr val="accent5"/>
-                  </a:solidFill>
-                </a:rPr>
-                <a:t> </a:t>
-              </a:r>
-              <a:r>
-                <a:rPr lang="fr-FR" sz="900" b="1" i="1" dirty="0" err="1" smtClean="0">
-                  <a:solidFill>
-                    <a:schemeClr val="accent5"/>
-                  </a:solidFill>
-                </a:rPr>
-                <a:t>dentex</a:t>
-              </a:r>
-              <a:endParaRPr lang="fr-FR" sz="900" b="1" i="1" dirty="0" smtClean="0">
-                <a:solidFill>
-                  <a:schemeClr val="accent5"/>
-                </a:solidFill>
-              </a:endParaRPr>
-            </a:p>
-            <a:p>
-              <a:pPr algn="r">
-                <a:spcBef>
-                  <a:spcPts val="100"/>
-                </a:spcBef>
-              </a:pPr>
-              <a:r>
-                <a:rPr lang="fr-FR" sz="900" b="1" i="1" dirty="0" smtClean="0">
-                  <a:solidFill>
-                    <a:schemeClr val="accent5"/>
-                  </a:solidFill>
-                </a:rPr>
-                <a:t>Carcharhinus </a:t>
-              </a:r>
-              <a:r>
-                <a:rPr lang="fr-FR" sz="900" b="1" i="1" dirty="0" err="1" smtClean="0">
-                  <a:solidFill>
-                    <a:schemeClr val="accent5"/>
-                  </a:solidFill>
-                </a:rPr>
-                <a:t>plumbeus</a:t>
-              </a:r>
-              <a:endParaRPr lang="fr-FR" sz="900" b="1" i="1" dirty="0" smtClean="0">
-                <a:solidFill>
-                  <a:schemeClr val="accent5"/>
-                </a:solidFill>
-              </a:endParaRPr>
-            </a:p>
-            <a:p>
-              <a:pPr algn="r">
-                <a:spcBef>
-                  <a:spcPts val="100"/>
-                </a:spcBef>
-              </a:pPr>
-              <a:r>
-                <a:rPr lang="fr-FR" sz="900" b="1" i="1" dirty="0" err="1" smtClean="0">
-                  <a:solidFill>
-                    <a:schemeClr val="accent5"/>
-                  </a:solidFill>
-                </a:rPr>
-                <a:t>Lethrinus</a:t>
-              </a:r>
-              <a:r>
-                <a:rPr lang="fr-FR" sz="900" b="1" i="1" dirty="0" smtClean="0">
-                  <a:solidFill>
-                    <a:schemeClr val="accent5"/>
-                  </a:solidFill>
-                </a:rPr>
-                <a:t> </a:t>
-              </a:r>
-              <a:r>
-                <a:rPr lang="fr-FR" sz="900" b="1" i="1" dirty="0" err="1" smtClean="0">
-                  <a:solidFill>
-                    <a:schemeClr val="accent5"/>
-                  </a:solidFill>
-                </a:rPr>
-                <a:t>rubrioperculatus</a:t>
-              </a:r>
-              <a:endParaRPr lang="fr-FR" sz="900" b="1" i="1" dirty="0" smtClean="0">
-                <a:solidFill>
-                  <a:schemeClr val="accent5"/>
-                </a:solidFill>
-              </a:endParaRPr>
-            </a:p>
-            <a:p>
-              <a:pPr algn="r">
-                <a:spcBef>
-                  <a:spcPts val="100"/>
-                </a:spcBef>
-              </a:pPr>
-              <a:r>
-                <a:rPr lang="fr-FR" sz="900" b="1" i="1" dirty="0" err="1" smtClean="0">
-                  <a:solidFill>
-                    <a:srgbClr val="C00000"/>
-                  </a:solidFill>
-                </a:rPr>
-                <a:t>Polymixia</a:t>
-              </a:r>
-              <a:r>
-                <a:rPr lang="fr-FR" sz="900" b="1" i="1" dirty="0" smtClean="0">
-                  <a:solidFill>
-                    <a:srgbClr val="C00000"/>
-                  </a:solidFill>
-                </a:rPr>
-                <a:t> </a:t>
-              </a:r>
-              <a:r>
-                <a:rPr lang="fr-FR" sz="900" b="1" i="1" dirty="0" err="1" smtClean="0">
-                  <a:solidFill>
-                    <a:srgbClr val="C00000"/>
-                  </a:solidFill>
-                </a:rPr>
-                <a:t>japonica</a:t>
-              </a:r>
-              <a:endParaRPr lang="fr-FR" sz="900" b="1" i="1" dirty="0" smtClean="0">
-                <a:solidFill>
-                  <a:srgbClr val="C00000"/>
-                </a:solidFill>
-              </a:endParaRPr>
-            </a:p>
-            <a:p>
-              <a:pPr algn="r">
-                <a:spcBef>
-                  <a:spcPts val="100"/>
-                </a:spcBef>
-              </a:pPr>
-              <a:r>
-                <a:rPr lang="fr-FR" sz="900" b="1" i="1" dirty="0" err="1" smtClean="0">
-                  <a:solidFill>
-                    <a:srgbClr val="C00000"/>
-                  </a:solidFill>
-                </a:rPr>
-                <a:t>Squalus</a:t>
-              </a:r>
-              <a:r>
-                <a:rPr lang="fr-FR" sz="900" b="1" i="1" dirty="0" smtClean="0">
-                  <a:solidFill>
-                    <a:srgbClr val="C00000"/>
-                  </a:solidFill>
-                </a:rPr>
-                <a:t> </a:t>
-              </a:r>
-              <a:r>
-                <a:rPr lang="fr-FR" sz="900" b="1" i="1" dirty="0" err="1" smtClean="0">
-                  <a:solidFill>
-                    <a:srgbClr val="C00000"/>
-                  </a:solidFill>
-                </a:rPr>
-                <a:t>megalops</a:t>
-              </a:r>
-              <a:endParaRPr lang="fr-FR" sz="900" b="1" i="1" dirty="0" smtClean="0">
-                <a:solidFill>
-                  <a:srgbClr val="C00000"/>
-                </a:solidFill>
-              </a:endParaRPr>
-            </a:p>
-            <a:p>
-              <a:pPr algn="r">
-                <a:spcBef>
-                  <a:spcPts val="100"/>
-                </a:spcBef>
-              </a:pPr>
-              <a:r>
-                <a:rPr lang="fr-FR" sz="900" b="1" i="1" dirty="0" smtClean="0">
-                  <a:solidFill>
-                    <a:srgbClr val="C00000"/>
-                  </a:solidFill>
-                </a:rPr>
-                <a:t>Pristipomoides </a:t>
-              </a:r>
-              <a:r>
-                <a:rPr lang="fr-FR" sz="900" b="1" i="1" dirty="0" err="1" smtClean="0">
-                  <a:solidFill>
-                    <a:srgbClr val="C00000"/>
-                  </a:solidFill>
-                </a:rPr>
-                <a:t>argyrogrammicus</a:t>
-              </a:r>
-              <a:endParaRPr lang="fr-FR" sz="900" b="1" i="1" dirty="0" smtClean="0">
-                <a:solidFill>
-                  <a:srgbClr val="C00000"/>
-                </a:solidFill>
-              </a:endParaRPr>
-            </a:p>
-            <a:p>
-              <a:pPr algn="r">
-                <a:spcBef>
-                  <a:spcPts val="100"/>
-                </a:spcBef>
-              </a:pPr>
-              <a:r>
-                <a:rPr lang="fr-FR" sz="900" b="1" i="1" dirty="0" err="1" smtClean="0">
-                  <a:solidFill>
-                    <a:srgbClr val="C00000"/>
-                  </a:solidFill>
-                </a:rPr>
-                <a:t>Pentaceros</a:t>
-              </a:r>
-              <a:r>
-                <a:rPr lang="fr-FR" sz="900" b="1" i="1" dirty="0" smtClean="0">
-                  <a:solidFill>
-                    <a:srgbClr val="C00000"/>
-                  </a:solidFill>
-                </a:rPr>
-                <a:t> </a:t>
-              </a:r>
-              <a:r>
-                <a:rPr lang="fr-FR" sz="900" b="1" i="1" dirty="0" err="1" smtClean="0">
-                  <a:solidFill>
-                    <a:srgbClr val="C00000"/>
-                  </a:solidFill>
-                </a:rPr>
-                <a:t>richardsoni</a:t>
-              </a:r>
-              <a:endParaRPr lang="fr-FR" sz="900" b="1" i="1" dirty="0" smtClean="0">
-                <a:solidFill>
-                  <a:srgbClr val="C00000"/>
-                </a:solidFill>
-              </a:endParaRPr>
-            </a:p>
-            <a:p>
-              <a:pPr algn="r">
-                <a:spcBef>
-                  <a:spcPts val="100"/>
-                </a:spcBef>
-              </a:pPr>
-              <a:r>
-                <a:rPr lang="fr-FR" sz="900" b="1" i="1" dirty="0" smtClean="0">
-                  <a:solidFill>
-                    <a:srgbClr val="C00000"/>
-                  </a:solidFill>
-                </a:rPr>
-                <a:t>Etelis </a:t>
-              </a:r>
-              <a:r>
-                <a:rPr lang="fr-FR" sz="900" b="1" i="1" dirty="0" err="1" smtClean="0">
-                  <a:solidFill>
-                    <a:srgbClr val="C00000"/>
-                  </a:solidFill>
-                </a:rPr>
-                <a:t>coruscans</a:t>
-              </a:r>
-              <a:endParaRPr lang="fr-FR" sz="900" b="1" i="1" dirty="0" smtClean="0">
-                <a:solidFill>
-                  <a:srgbClr val="C00000"/>
-                </a:solidFill>
-              </a:endParaRPr>
-            </a:p>
-            <a:p>
-              <a:pPr algn="r">
-                <a:spcBef>
-                  <a:spcPts val="100"/>
-                </a:spcBef>
-              </a:pPr>
-              <a:r>
-                <a:rPr lang="fr-FR" sz="900" b="1" i="1" dirty="0" smtClean="0">
-                  <a:solidFill>
-                    <a:srgbClr val="C00000"/>
-                  </a:solidFill>
-                </a:rPr>
-                <a:t>Seriola </a:t>
-              </a:r>
-              <a:r>
-                <a:rPr lang="fr-FR" sz="900" b="1" i="1" dirty="0" err="1" smtClean="0">
-                  <a:solidFill>
-                    <a:srgbClr val="C00000"/>
-                  </a:solidFill>
-                </a:rPr>
-                <a:t>lalandi</a:t>
-              </a:r>
-              <a:endParaRPr lang="fr-FR" sz="900" b="1" i="1" dirty="0">
-                <a:solidFill>
-                  <a:srgbClr val="C00000"/>
-                </a:solidFill>
-              </a:endParaRPr>
-            </a:p>
-          </p:txBody>
-        </p:sp>
-        <p:sp>
-          <p:nvSpPr>
-            <p:cNvPr id="6" name="ZoneTexte 5"/>
-            <p:cNvSpPr txBox="1"/>
-            <p:nvPr/>
-          </p:nvSpPr>
-          <p:spPr>
-            <a:xfrm rot="16200000">
-              <a:off x="2170106" y="-195002"/>
-              <a:ext cx="1492301" cy="2569934"/>
-            </a:xfrm>
-            <a:prstGeom prst="rect">
-              <a:avLst/>
-            </a:prstGeom>
-            <a:noFill/>
-          </p:spPr>
-          <p:txBody>
-            <a:bodyPr wrap="square" rtlCol="0">
-              <a:spAutoFit/>
-            </a:bodyPr>
-            <a:lstStyle/>
-            <a:p>
-              <a:r>
-                <a:rPr lang="fr-FR" sz="700" b="1" i="1" dirty="0">
-                  <a:solidFill>
-                    <a:srgbClr val="C00000"/>
-                  </a:solidFill>
-                </a:rPr>
-                <a:t>Seriola </a:t>
-              </a:r>
-              <a:r>
-                <a:rPr lang="fr-FR" sz="700" b="1" i="1" dirty="0" err="1">
-                  <a:solidFill>
-                    <a:srgbClr val="C00000"/>
-                  </a:solidFill>
-                </a:rPr>
-                <a:t>lalandi</a:t>
-              </a:r>
-              <a:endParaRPr lang="fr-FR" sz="700" b="1" i="1" dirty="0">
-                <a:solidFill>
-                  <a:srgbClr val="C00000"/>
-                </a:solidFill>
-              </a:endParaRPr>
-            </a:p>
-            <a:p>
-              <a:r>
-                <a:rPr lang="fr-FR" sz="700" b="1" i="1" dirty="0">
-                  <a:solidFill>
-                    <a:srgbClr val="C00000"/>
-                  </a:solidFill>
-                </a:rPr>
-                <a:t>Etelis </a:t>
-              </a:r>
-              <a:r>
-                <a:rPr lang="fr-FR" sz="700" b="1" i="1" dirty="0" err="1">
-                  <a:solidFill>
-                    <a:srgbClr val="C00000"/>
-                  </a:solidFill>
-                </a:rPr>
-                <a:t>coruscans</a:t>
-              </a:r>
-              <a:endParaRPr lang="fr-FR" sz="700" b="1" i="1" dirty="0">
-                <a:solidFill>
-                  <a:srgbClr val="C00000"/>
-                </a:solidFill>
-              </a:endParaRPr>
-            </a:p>
-            <a:p>
-              <a:r>
-                <a:rPr lang="fr-FR" sz="700" b="1" i="1" dirty="0" err="1">
-                  <a:solidFill>
-                    <a:srgbClr val="C00000"/>
-                  </a:solidFill>
-                </a:rPr>
-                <a:t>Pentaceros</a:t>
-              </a:r>
-              <a:r>
-                <a:rPr lang="fr-FR" sz="700" b="1" i="1" dirty="0">
-                  <a:solidFill>
-                    <a:srgbClr val="C00000"/>
-                  </a:solidFill>
-                </a:rPr>
-                <a:t> </a:t>
-              </a:r>
-              <a:r>
-                <a:rPr lang="fr-FR" sz="700" b="1" i="1" dirty="0" err="1">
-                  <a:solidFill>
-                    <a:srgbClr val="C00000"/>
-                  </a:solidFill>
-                </a:rPr>
-                <a:t>richardsoni</a:t>
-              </a:r>
-              <a:endParaRPr lang="fr-FR" sz="700" b="1" i="1" dirty="0">
-                <a:solidFill>
-                  <a:srgbClr val="C00000"/>
-                </a:solidFill>
-              </a:endParaRPr>
-            </a:p>
-            <a:p>
-              <a:r>
-                <a:rPr lang="fr-FR" sz="700" b="1" i="1" dirty="0">
-                  <a:solidFill>
-                    <a:srgbClr val="C00000"/>
-                  </a:solidFill>
-                </a:rPr>
-                <a:t>Pristipomoides </a:t>
-              </a:r>
-              <a:r>
-                <a:rPr lang="fr-FR" sz="700" b="1" i="1" dirty="0" err="1">
-                  <a:solidFill>
-                    <a:srgbClr val="C00000"/>
-                  </a:solidFill>
-                </a:rPr>
-                <a:t>argyrogrammicus</a:t>
-              </a:r>
-              <a:endParaRPr lang="fr-FR" sz="700" b="1" i="1" dirty="0">
-                <a:solidFill>
-                  <a:srgbClr val="C00000"/>
-                </a:solidFill>
-              </a:endParaRPr>
-            </a:p>
-            <a:p>
-              <a:r>
-                <a:rPr lang="fr-FR" sz="700" b="1" i="1" dirty="0" err="1">
-                  <a:solidFill>
-                    <a:srgbClr val="C00000"/>
-                  </a:solidFill>
-                </a:rPr>
-                <a:t>Squalus</a:t>
-              </a:r>
-              <a:r>
-                <a:rPr lang="fr-FR" sz="700" b="1" i="1" dirty="0">
-                  <a:solidFill>
-                    <a:srgbClr val="C00000"/>
-                  </a:solidFill>
-                </a:rPr>
-                <a:t> </a:t>
-              </a:r>
-              <a:r>
-                <a:rPr lang="fr-FR" sz="700" b="1" i="1" dirty="0" err="1">
-                  <a:solidFill>
-                    <a:srgbClr val="C00000"/>
-                  </a:solidFill>
-                </a:rPr>
-                <a:t>megalops</a:t>
-              </a:r>
-              <a:endParaRPr lang="fr-FR" sz="700" b="1" i="1" dirty="0">
-                <a:solidFill>
-                  <a:srgbClr val="C00000"/>
-                </a:solidFill>
-              </a:endParaRPr>
-            </a:p>
-            <a:p>
-              <a:r>
-                <a:rPr lang="fr-FR" sz="700" b="1" i="1" dirty="0" err="1">
-                  <a:solidFill>
-                    <a:srgbClr val="C00000"/>
-                  </a:solidFill>
-                </a:rPr>
-                <a:t>Polymixia</a:t>
-              </a:r>
-              <a:r>
-                <a:rPr lang="fr-FR" sz="700" b="1" i="1" dirty="0">
-                  <a:solidFill>
-                    <a:srgbClr val="C00000"/>
-                  </a:solidFill>
-                </a:rPr>
-                <a:t> </a:t>
-              </a:r>
-              <a:r>
-                <a:rPr lang="fr-FR" sz="700" b="1" i="1" dirty="0" err="1">
-                  <a:solidFill>
-                    <a:srgbClr val="C00000"/>
-                  </a:solidFill>
-                </a:rPr>
-                <a:t>japonica</a:t>
-              </a:r>
-              <a:endParaRPr lang="fr-FR" sz="700" b="1" i="1" dirty="0">
-                <a:solidFill>
-                  <a:srgbClr val="C00000"/>
-                </a:solidFill>
-              </a:endParaRPr>
-            </a:p>
-            <a:p>
-              <a:r>
-                <a:rPr lang="fr-FR" sz="700" b="1" i="1" dirty="0" err="1">
-                  <a:solidFill>
-                    <a:schemeClr val="accent5"/>
-                  </a:solidFill>
-                </a:rPr>
-                <a:t>Lethrinus</a:t>
-              </a:r>
-              <a:r>
-                <a:rPr lang="fr-FR" sz="700" b="1" i="1" dirty="0">
-                  <a:solidFill>
-                    <a:schemeClr val="accent5"/>
-                  </a:solidFill>
-                </a:rPr>
-                <a:t> </a:t>
-              </a:r>
-              <a:r>
-                <a:rPr lang="fr-FR" sz="700" b="1" i="1" dirty="0" err="1">
-                  <a:solidFill>
-                    <a:schemeClr val="accent5"/>
-                  </a:solidFill>
-                </a:rPr>
-                <a:t>rubrioperculatus</a:t>
-              </a:r>
-              <a:endParaRPr lang="fr-FR" sz="700" b="1" i="1" dirty="0">
-                <a:solidFill>
-                  <a:schemeClr val="accent5"/>
-                </a:solidFill>
-              </a:endParaRPr>
-            </a:p>
-            <a:p>
-              <a:r>
-                <a:rPr lang="fr-FR" sz="700" b="1" i="1" dirty="0">
-                  <a:solidFill>
-                    <a:schemeClr val="accent5"/>
-                  </a:solidFill>
-                </a:rPr>
-                <a:t>Carcharhinus </a:t>
-              </a:r>
-              <a:r>
-                <a:rPr lang="fr-FR" sz="700" b="1" i="1" dirty="0" err="1">
-                  <a:solidFill>
-                    <a:schemeClr val="accent5"/>
-                  </a:solidFill>
-                </a:rPr>
-                <a:t>plumbeus</a:t>
-              </a:r>
-              <a:endParaRPr lang="fr-FR" sz="700" b="1" i="1" dirty="0">
-                <a:solidFill>
-                  <a:schemeClr val="accent5"/>
-                </a:solidFill>
-              </a:endParaRPr>
-            </a:p>
-            <a:p>
-              <a:r>
-                <a:rPr lang="fr-FR" sz="700" b="1" i="1" dirty="0" err="1">
-                  <a:solidFill>
-                    <a:schemeClr val="accent5"/>
-                  </a:solidFill>
-                </a:rPr>
-                <a:t>Pseudocaranx</a:t>
-              </a:r>
-              <a:r>
-                <a:rPr lang="fr-FR" sz="700" b="1" i="1" dirty="0">
-                  <a:solidFill>
-                    <a:schemeClr val="accent5"/>
-                  </a:solidFill>
-                </a:rPr>
-                <a:t> </a:t>
-              </a:r>
-              <a:r>
-                <a:rPr lang="fr-FR" sz="700" b="1" i="1" dirty="0" err="1">
-                  <a:solidFill>
-                    <a:schemeClr val="accent5"/>
-                  </a:solidFill>
-                </a:rPr>
-                <a:t>dentex</a:t>
-              </a:r>
-              <a:endParaRPr lang="fr-FR" sz="700" b="1" i="1" dirty="0">
-                <a:solidFill>
-                  <a:schemeClr val="accent5"/>
-                </a:solidFill>
-              </a:endParaRPr>
-            </a:p>
-            <a:p>
-              <a:r>
-                <a:rPr lang="fr-FR" sz="700" b="1" i="1" dirty="0" err="1">
-                  <a:solidFill>
-                    <a:schemeClr val="accent5"/>
-                  </a:solidFill>
-                </a:rPr>
-                <a:t>Carangoides</a:t>
-              </a:r>
-              <a:r>
-                <a:rPr lang="fr-FR" sz="700" b="1" i="1" dirty="0">
-                  <a:solidFill>
-                    <a:schemeClr val="accent5"/>
-                  </a:solidFill>
-                </a:rPr>
-                <a:t> </a:t>
-              </a:r>
-              <a:r>
-                <a:rPr lang="fr-FR" sz="700" b="1" i="1" dirty="0" err="1">
-                  <a:solidFill>
-                    <a:schemeClr val="accent5"/>
-                  </a:solidFill>
-                </a:rPr>
-                <a:t>orthogrammus</a:t>
-              </a:r>
-              <a:endParaRPr lang="fr-FR" sz="700" b="1" i="1" dirty="0">
-                <a:solidFill>
-                  <a:schemeClr val="accent5"/>
-                </a:solidFill>
-              </a:endParaRPr>
-            </a:p>
-            <a:p>
-              <a:r>
-                <a:rPr lang="fr-FR" sz="700" b="1" i="1" dirty="0" err="1">
-                  <a:solidFill>
-                    <a:schemeClr val="accent5"/>
-                  </a:solidFill>
-                </a:rPr>
-                <a:t>Aprion</a:t>
-              </a:r>
-              <a:r>
-                <a:rPr lang="fr-FR" sz="700" b="1" i="1" dirty="0">
-                  <a:solidFill>
-                    <a:schemeClr val="accent5"/>
-                  </a:solidFill>
-                </a:rPr>
-                <a:t> </a:t>
-              </a:r>
-              <a:r>
-                <a:rPr lang="fr-FR" sz="700" b="1" i="1" dirty="0" err="1">
-                  <a:solidFill>
-                    <a:schemeClr val="accent5"/>
-                  </a:solidFill>
-                </a:rPr>
-                <a:t>virescens</a:t>
-              </a:r>
-              <a:endParaRPr lang="fr-FR" sz="700" b="1" i="1" dirty="0">
-                <a:solidFill>
-                  <a:schemeClr val="accent5"/>
-                </a:solidFill>
-              </a:endParaRPr>
-            </a:p>
-            <a:p>
-              <a:r>
-                <a:rPr lang="fr-FR" sz="700" b="1" i="1" dirty="0" err="1">
-                  <a:solidFill>
-                    <a:schemeClr val="accent5"/>
-                  </a:solidFill>
-                </a:rPr>
-                <a:t>Lethrinus</a:t>
-              </a:r>
-              <a:r>
-                <a:rPr lang="fr-FR" sz="700" b="1" i="1" dirty="0">
-                  <a:solidFill>
-                    <a:schemeClr val="accent5"/>
-                  </a:solidFill>
-                </a:rPr>
-                <a:t> </a:t>
-              </a:r>
-              <a:r>
-                <a:rPr lang="fr-FR" sz="700" b="1" i="1" dirty="0" err="1">
-                  <a:solidFill>
-                    <a:schemeClr val="accent5"/>
-                  </a:solidFill>
-                </a:rPr>
-                <a:t>miniatus</a:t>
-              </a:r>
-              <a:endParaRPr lang="fr-FR" sz="700" b="1" i="1" dirty="0">
-                <a:solidFill>
-                  <a:schemeClr val="accent5"/>
-                </a:solidFill>
-              </a:endParaRPr>
-            </a:p>
-            <a:p>
-              <a:r>
-                <a:rPr lang="fr-FR" sz="700" b="1" i="1" dirty="0">
-                  <a:solidFill>
-                    <a:schemeClr val="accent5"/>
-                  </a:solidFill>
-                </a:rPr>
-                <a:t>Gymnocranius euanus</a:t>
-              </a:r>
-            </a:p>
-            <a:p>
-              <a:r>
-                <a:rPr lang="fr-FR" sz="700" b="1" i="1" dirty="0">
-                  <a:solidFill>
-                    <a:schemeClr val="accent6">
-                      <a:lumMod val="75000"/>
-                    </a:schemeClr>
-                  </a:solidFill>
-                </a:rPr>
-                <a:t>Pristipomoides filamentosus</a:t>
-              </a:r>
-            </a:p>
-            <a:p>
-              <a:r>
-                <a:rPr lang="fr-FR" sz="700" b="1" i="1" dirty="0">
-                  <a:solidFill>
-                    <a:schemeClr val="accent6">
-                      <a:lumMod val="75000"/>
-                    </a:schemeClr>
-                  </a:solidFill>
-                </a:rPr>
-                <a:t>Seriola rivoliana</a:t>
-              </a:r>
-            </a:p>
-            <a:p>
-              <a:r>
-                <a:rPr lang="fr-FR" sz="700" b="1" i="1" dirty="0" err="1">
-                  <a:solidFill>
-                    <a:schemeClr val="accent6">
-                      <a:lumMod val="75000"/>
-                    </a:schemeClr>
-                  </a:solidFill>
-                </a:rPr>
-                <a:t>Wattsia</a:t>
-              </a:r>
-              <a:r>
-                <a:rPr lang="fr-FR" sz="700" b="1" i="1" dirty="0">
-                  <a:solidFill>
-                    <a:schemeClr val="accent6">
-                      <a:lumMod val="75000"/>
-                    </a:schemeClr>
-                  </a:solidFill>
-                </a:rPr>
-                <a:t> </a:t>
-              </a:r>
-              <a:r>
-                <a:rPr lang="fr-FR" sz="700" b="1" i="1" dirty="0" err="1">
-                  <a:solidFill>
-                    <a:schemeClr val="accent6">
-                      <a:lumMod val="75000"/>
-                    </a:schemeClr>
-                  </a:solidFill>
-                </a:rPr>
-                <a:t>mossambica</a:t>
-              </a:r>
-              <a:endParaRPr lang="fr-FR" sz="700" b="1" i="1" dirty="0">
-                <a:solidFill>
-                  <a:schemeClr val="accent6">
-                    <a:lumMod val="75000"/>
-                  </a:schemeClr>
-                </a:solidFill>
-              </a:endParaRPr>
-            </a:p>
-            <a:p>
-              <a:r>
-                <a:rPr lang="fr-FR" sz="700" b="1" i="1" dirty="0" err="1">
-                  <a:solidFill>
-                    <a:schemeClr val="accent6">
-                      <a:lumMod val="75000"/>
-                    </a:schemeClr>
-                  </a:solidFill>
-                </a:rPr>
-                <a:t>Aphareus</a:t>
-              </a:r>
-              <a:r>
-                <a:rPr lang="fr-FR" sz="700" b="1" i="1" dirty="0">
-                  <a:solidFill>
-                    <a:schemeClr val="accent6">
-                      <a:lumMod val="75000"/>
-                    </a:schemeClr>
-                  </a:solidFill>
-                </a:rPr>
-                <a:t> </a:t>
-              </a:r>
-              <a:r>
-                <a:rPr lang="fr-FR" sz="700" b="1" i="1" dirty="0" err="1">
-                  <a:solidFill>
-                    <a:schemeClr val="accent6">
-                      <a:lumMod val="75000"/>
-                    </a:schemeClr>
-                  </a:solidFill>
-                </a:rPr>
-                <a:t>rutilans</a:t>
-              </a:r>
-              <a:endParaRPr lang="fr-FR" sz="700" b="1" i="1" dirty="0">
-                <a:solidFill>
-                  <a:schemeClr val="accent6">
-                    <a:lumMod val="75000"/>
-                  </a:schemeClr>
-                </a:solidFill>
-              </a:endParaRPr>
-            </a:p>
-            <a:p>
-              <a:r>
-                <a:rPr lang="fr-FR" sz="700" b="1" i="1" dirty="0">
-                  <a:solidFill>
-                    <a:schemeClr val="accent6">
-                      <a:lumMod val="75000"/>
-                    </a:schemeClr>
-                  </a:solidFill>
-                </a:rPr>
-                <a:t>Pristipomoides </a:t>
-              </a:r>
-              <a:r>
-                <a:rPr lang="fr-FR" sz="700" b="1" i="1" dirty="0" err="1">
-                  <a:solidFill>
-                    <a:schemeClr val="accent6">
-                      <a:lumMod val="75000"/>
-                    </a:schemeClr>
-                  </a:solidFill>
-                </a:rPr>
-                <a:t>flavipinnis</a:t>
-              </a:r>
-              <a:endParaRPr lang="fr-FR" sz="700" b="1" i="1" dirty="0">
-                <a:solidFill>
-                  <a:schemeClr val="accent6">
-                    <a:lumMod val="75000"/>
-                  </a:schemeClr>
-                </a:solidFill>
-              </a:endParaRPr>
-            </a:p>
-            <a:p>
-              <a:r>
-                <a:rPr lang="fr-FR" sz="700" b="1" i="1" dirty="0" err="1">
-                  <a:solidFill>
-                    <a:schemeClr val="accent6">
-                      <a:lumMod val="75000"/>
-                    </a:schemeClr>
-                  </a:solidFill>
-                </a:rPr>
-                <a:t>Epinephelus</a:t>
-              </a:r>
-              <a:r>
-                <a:rPr lang="fr-FR" sz="700" b="1" i="1" dirty="0">
-                  <a:solidFill>
-                    <a:schemeClr val="accent6">
-                      <a:lumMod val="75000"/>
-                    </a:schemeClr>
-                  </a:solidFill>
-                </a:rPr>
-                <a:t> </a:t>
-              </a:r>
-              <a:r>
-                <a:rPr lang="fr-FR" sz="700" b="1" i="1" dirty="0" err="1">
-                  <a:solidFill>
-                    <a:schemeClr val="accent6">
-                      <a:lumMod val="75000"/>
-                    </a:schemeClr>
-                  </a:solidFill>
-                </a:rPr>
-                <a:t>chlorostigma</a:t>
-              </a:r>
-              <a:endParaRPr lang="fr-FR" sz="700" b="1" i="1" dirty="0">
-                <a:solidFill>
-                  <a:schemeClr val="accent6">
-                    <a:lumMod val="75000"/>
-                  </a:schemeClr>
-                </a:solidFill>
-              </a:endParaRPr>
-            </a:p>
-            <a:p>
-              <a:r>
-                <a:rPr lang="fr-FR" sz="700" b="1" i="1" dirty="0" err="1">
-                  <a:solidFill>
-                    <a:schemeClr val="accent6">
-                      <a:lumMod val="75000"/>
-                    </a:schemeClr>
-                  </a:solidFill>
-                </a:rPr>
-                <a:t>Epinephelus</a:t>
-              </a:r>
-              <a:r>
-                <a:rPr lang="fr-FR" sz="700" b="1" i="1" dirty="0">
-                  <a:solidFill>
-                    <a:schemeClr val="accent6">
-                      <a:lumMod val="75000"/>
-                    </a:schemeClr>
-                  </a:solidFill>
-                </a:rPr>
-                <a:t> </a:t>
-              </a:r>
-              <a:r>
-                <a:rPr lang="fr-FR" sz="700" b="1" i="1" dirty="0" err="1">
-                  <a:solidFill>
-                    <a:schemeClr val="accent6">
-                      <a:lumMod val="75000"/>
-                    </a:schemeClr>
-                  </a:solidFill>
-                </a:rPr>
-                <a:t>morrhua</a:t>
-              </a:r>
-              <a:endParaRPr lang="fr-FR" sz="700" b="1" i="1" dirty="0">
-                <a:solidFill>
-                  <a:schemeClr val="accent6">
-                    <a:lumMod val="75000"/>
-                  </a:schemeClr>
-                </a:solidFill>
-              </a:endParaRPr>
-            </a:p>
-            <a:p>
-              <a:r>
-                <a:rPr lang="fr-FR" sz="700" b="1" i="1" dirty="0">
-                  <a:solidFill>
-                    <a:schemeClr val="accent6">
-                      <a:lumMod val="75000"/>
-                    </a:schemeClr>
-                  </a:solidFill>
-                </a:rPr>
-                <a:t>Carcharhinus albimarginatus</a:t>
-              </a:r>
-            </a:p>
-            <a:p>
-              <a:r>
-                <a:rPr lang="fr-FR" sz="700" b="1" i="1" dirty="0" err="1">
-                  <a:solidFill>
-                    <a:schemeClr val="accent6">
-                      <a:lumMod val="75000"/>
-                    </a:schemeClr>
-                  </a:solidFill>
-                </a:rPr>
-                <a:t>Gymnosarda</a:t>
-              </a:r>
-              <a:r>
-                <a:rPr lang="fr-FR" sz="700" b="1" i="1" dirty="0">
-                  <a:solidFill>
-                    <a:schemeClr val="accent6">
-                      <a:lumMod val="75000"/>
-                    </a:schemeClr>
-                  </a:solidFill>
-                </a:rPr>
-                <a:t> </a:t>
-              </a:r>
-              <a:r>
-                <a:rPr lang="fr-FR" sz="700" b="1" i="1" dirty="0" err="1">
-                  <a:solidFill>
-                    <a:schemeClr val="accent6">
-                      <a:lumMod val="75000"/>
-                    </a:schemeClr>
-                  </a:solidFill>
-                </a:rPr>
-                <a:t>unicolor</a:t>
-              </a:r>
-              <a:endParaRPr lang="fr-FR" sz="700" b="1" i="1" dirty="0">
-                <a:solidFill>
-                  <a:schemeClr val="accent6">
-                    <a:lumMod val="75000"/>
-                  </a:schemeClr>
-                </a:solidFill>
-              </a:endParaRPr>
-            </a:p>
-            <a:p>
-              <a:r>
-                <a:rPr lang="fr-FR" sz="700" b="1" i="1" dirty="0" err="1" smtClean="0">
-                  <a:solidFill>
-                    <a:schemeClr val="accent6">
-                      <a:lumMod val="75000"/>
-                    </a:schemeClr>
-                  </a:solidFill>
-                </a:rPr>
-                <a:t>Bodianus</a:t>
-              </a:r>
-              <a:r>
-                <a:rPr lang="fr-FR" sz="700" b="1" i="1" dirty="0" smtClean="0">
-                  <a:solidFill>
-                    <a:schemeClr val="accent6">
-                      <a:lumMod val="75000"/>
-                    </a:schemeClr>
-                  </a:solidFill>
-                </a:rPr>
-                <a:t> </a:t>
-              </a:r>
-              <a:r>
-                <a:rPr lang="fr-FR" sz="700" b="1" i="1" dirty="0" err="1" smtClean="0">
-                  <a:solidFill>
-                    <a:schemeClr val="accent6">
-                      <a:lumMod val="75000"/>
-                    </a:schemeClr>
-                  </a:solidFill>
-                </a:rPr>
-                <a:t>bimaculatus</a:t>
-              </a:r>
-              <a:endParaRPr lang="fr-FR" sz="700" b="1" i="1" dirty="0" smtClean="0">
-                <a:solidFill>
-                  <a:schemeClr val="accent6">
-                    <a:lumMod val="75000"/>
-                  </a:schemeClr>
-                </a:solidFill>
-              </a:endParaRPr>
-            </a:p>
-          </p:txBody>
-        </p:sp>
-        <p:sp>
-          <p:nvSpPr>
-            <p:cNvPr id="7" name="ZoneTexte 6"/>
-            <p:cNvSpPr txBox="1"/>
-            <p:nvPr/>
-          </p:nvSpPr>
-          <p:spPr>
-            <a:xfrm rot="16200000">
-              <a:off x="4572857" y="298775"/>
-              <a:ext cx="1258799" cy="1815882"/>
-            </a:xfrm>
-            <a:prstGeom prst="rect">
-              <a:avLst/>
-            </a:prstGeom>
-            <a:noFill/>
-          </p:spPr>
-          <p:txBody>
-            <a:bodyPr wrap="square" rtlCol="0">
-              <a:spAutoFit/>
-            </a:bodyPr>
-            <a:lstStyle/>
-            <a:p>
-              <a:r>
-                <a:rPr lang="fr-FR" sz="800" b="1" dirty="0" err="1" smtClean="0"/>
-                <a:t>Salinity</a:t>
-              </a:r>
-              <a:endParaRPr lang="fr-FR" sz="800" b="1" dirty="0" smtClean="0"/>
-            </a:p>
-            <a:p>
-              <a:r>
-                <a:rPr lang="fr-FR" sz="800" b="1" dirty="0" err="1" smtClean="0"/>
-                <a:t>Seamount</a:t>
-              </a:r>
-              <a:endParaRPr lang="fr-FR" sz="800" b="1" dirty="0" smtClean="0"/>
-            </a:p>
-            <a:p>
-              <a:r>
-                <a:rPr lang="fr-FR" sz="800" b="1" dirty="0" err="1" smtClean="0"/>
-                <a:t>Mean</a:t>
-              </a:r>
-              <a:r>
-                <a:rPr lang="fr-FR" sz="800" b="1" dirty="0" smtClean="0"/>
-                <a:t> SST</a:t>
-              </a:r>
-            </a:p>
-            <a:p>
-              <a:r>
-                <a:rPr lang="fr-FR" sz="800" b="1" dirty="0" smtClean="0"/>
-                <a:t>Salinity²</a:t>
-              </a:r>
-            </a:p>
-            <a:p>
-              <a:r>
-                <a:rPr lang="fr-FR" sz="800" b="1" dirty="0" smtClean="0"/>
-                <a:t>Distance Land</a:t>
-              </a:r>
-            </a:p>
-            <a:p>
-              <a:r>
-                <a:rPr lang="fr-FR" sz="800" b="1" dirty="0" err="1" smtClean="0"/>
-                <a:t>Deep</a:t>
-              </a:r>
-              <a:r>
-                <a:rPr lang="fr-FR" sz="800" b="1" dirty="0" smtClean="0"/>
-                <a:t> </a:t>
-              </a:r>
-              <a:r>
-                <a:rPr lang="fr-FR" sz="800" b="1" dirty="0" err="1" smtClean="0"/>
-                <a:t>Slope</a:t>
-              </a:r>
-              <a:endParaRPr lang="fr-FR" sz="800" b="1" dirty="0" smtClean="0"/>
-            </a:p>
-            <a:p>
-              <a:r>
-                <a:rPr lang="fr-FR" sz="800" b="1" dirty="0" err="1" smtClean="0"/>
-                <a:t>Bottom</a:t>
-              </a:r>
-              <a:r>
-                <a:rPr lang="fr-FR" sz="800" b="1" dirty="0" smtClean="0"/>
-                <a:t> </a:t>
-              </a:r>
-              <a:r>
-                <a:rPr lang="fr-FR" sz="800" b="1" dirty="0" err="1" smtClean="0"/>
-                <a:t>Depth</a:t>
-              </a:r>
-              <a:endParaRPr lang="fr-FR" sz="800" b="1" dirty="0" smtClean="0"/>
-            </a:p>
-            <a:p>
-              <a:r>
-                <a:rPr lang="fr-FR" sz="800" b="1" dirty="0" err="1" smtClean="0"/>
-                <a:t>Summit</a:t>
-              </a:r>
-              <a:r>
-                <a:rPr lang="fr-FR" sz="800" b="1" dirty="0" smtClean="0"/>
-                <a:t> Rugosity</a:t>
-              </a:r>
-            </a:p>
-            <a:p>
-              <a:r>
-                <a:rPr lang="fr-FR" sz="800" b="1" dirty="0" err="1" smtClean="0"/>
-                <a:t>Travel</a:t>
-              </a:r>
-              <a:r>
-                <a:rPr lang="fr-FR" sz="800" b="1" dirty="0" smtClean="0"/>
-                <a:t> Time</a:t>
-              </a:r>
-            </a:p>
-            <a:p>
-              <a:r>
-                <a:rPr lang="fr-FR" sz="800" b="1" dirty="0" err="1" smtClean="0"/>
-                <a:t>Mean</a:t>
-              </a:r>
-              <a:r>
-                <a:rPr lang="fr-FR" sz="800" b="1" dirty="0" smtClean="0"/>
-                <a:t> SST</a:t>
-              </a:r>
-              <a:r>
-                <a:rPr lang="fr-FR" sz="800" b="1" baseline="30000" dirty="0" smtClean="0"/>
-                <a:t>3</a:t>
-              </a:r>
-            </a:p>
-            <a:p>
-              <a:r>
-                <a:rPr lang="fr-FR" sz="800" b="1" dirty="0" err="1"/>
-                <a:t>Eastward</a:t>
-              </a:r>
-              <a:r>
-                <a:rPr lang="fr-FR" sz="800" b="1" dirty="0"/>
-                <a:t> </a:t>
-              </a:r>
-              <a:r>
-                <a:rPr lang="fr-FR" sz="800" b="1" dirty="0" smtClean="0"/>
-                <a:t>Velocity</a:t>
-              </a:r>
-              <a:r>
-                <a:rPr lang="fr-FR" sz="800" b="1" baseline="30000" dirty="0" smtClean="0"/>
-                <a:t>3</a:t>
-              </a:r>
-              <a:endParaRPr lang="fr-FR" sz="800" b="1" baseline="30000" dirty="0"/>
-            </a:p>
-            <a:p>
-              <a:r>
-                <a:rPr lang="fr-FR" sz="800" b="1" dirty="0" smtClean="0"/>
-                <a:t>Distance Land²</a:t>
-              </a:r>
-            </a:p>
-            <a:p>
-              <a:r>
-                <a:rPr lang="fr-FR" sz="800" b="1" dirty="0" err="1" smtClean="0"/>
-                <a:t>Bottom</a:t>
-              </a:r>
-              <a:r>
-                <a:rPr lang="fr-FR" sz="800" b="1" dirty="0" smtClean="0"/>
-                <a:t> Depth²</a:t>
-              </a:r>
-            </a:p>
-            <a:p>
-              <a:r>
-                <a:rPr lang="fr-FR" sz="800" b="1" dirty="0" err="1" smtClean="0"/>
-                <a:t>Eastward</a:t>
-              </a:r>
-              <a:r>
-                <a:rPr lang="fr-FR" sz="800" b="1" dirty="0" smtClean="0"/>
-                <a:t> </a:t>
-              </a:r>
-              <a:r>
-                <a:rPr lang="fr-FR" sz="800" b="1" dirty="0" err="1" smtClean="0"/>
-                <a:t>Velocity</a:t>
-              </a:r>
-              <a:endParaRPr lang="fr-FR" sz="800" b="1" dirty="0"/>
+              <a:r>
+                <a:rPr lang="fr-FR" b="1" dirty="0"/>
+                <a:t>A</a:t>
+              </a:r>
             </a:p>
           </p:txBody>
         </p:sp>

--- a/06_Figures/Figures.pptx
+++ b/06_Figures/Figures.pptx
@@ -10,6 +10,8 @@
     <p:sldId id="259" r:id="rId4"/>
     <p:sldId id="260" r:id="rId5"/>
     <p:sldId id="261" r:id="rId6"/>
+    <p:sldId id="262" r:id="rId7"/>
+    <p:sldId id="263" r:id="rId8"/>
   </p:sldIdLst>
   <p:sldSz cx="9144000" cy="6858000" type="screen4x3"/>
   <p:notesSz cx="6858000" cy="9144000"/>
@@ -247,7 +249,7 @@
           <a:p>
             <a:fld id="{3FF39126-F987-48DB-9EEF-9CD00B9E823D}" type="datetimeFigureOut">
               <a:rPr lang="fr-FR" smtClean="0"/>
-              <a:t>11/08/2023</a:t>
+              <a:t>06/03/2024</a:t>
             </a:fld>
             <a:endParaRPr lang="fr-FR"/>
           </a:p>
@@ -417,7 +419,7 @@
           <a:p>
             <a:fld id="{3FF39126-F987-48DB-9EEF-9CD00B9E823D}" type="datetimeFigureOut">
               <a:rPr lang="fr-FR" smtClean="0"/>
-              <a:t>11/08/2023</a:t>
+              <a:t>06/03/2024</a:t>
             </a:fld>
             <a:endParaRPr lang="fr-FR"/>
           </a:p>
@@ -597,7 +599,7 @@
           <a:p>
             <a:fld id="{3FF39126-F987-48DB-9EEF-9CD00B9E823D}" type="datetimeFigureOut">
               <a:rPr lang="fr-FR" smtClean="0"/>
-              <a:t>11/08/2023</a:t>
+              <a:t>06/03/2024</a:t>
             </a:fld>
             <a:endParaRPr lang="fr-FR"/>
           </a:p>
@@ -767,7 +769,7 @@
           <a:p>
             <a:fld id="{3FF39126-F987-48DB-9EEF-9CD00B9E823D}" type="datetimeFigureOut">
               <a:rPr lang="fr-FR" smtClean="0"/>
-              <a:t>11/08/2023</a:t>
+              <a:t>06/03/2024</a:t>
             </a:fld>
             <a:endParaRPr lang="fr-FR"/>
           </a:p>
@@ -1011,7 +1013,7 @@
           <a:p>
             <a:fld id="{3FF39126-F987-48DB-9EEF-9CD00B9E823D}" type="datetimeFigureOut">
               <a:rPr lang="fr-FR" smtClean="0"/>
-              <a:t>11/08/2023</a:t>
+              <a:t>06/03/2024</a:t>
             </a:fld>
             <a:endParaRPr lang="fr-FR"/>
           </a:p>
@@ -1243,7 +1245,7 @@
           <a:p>
             <a:fld id="{3FF39126-F987-48DB-9EEF-9CD00B9E823D}" type="datetimeFigureOut">
               <a:rPr lang="fr-FR" smtClean="0"/>
-              <a:t>11/08/2023</a:t>
+              <a:t>06/03/2024</a:t>
             </a:fld>
             <a:endParaRPr lang="fr-FR"/>
           </a:p>
@@ -1610,7 +1612,7 @@
           <a:p>
             <a:fld id="{3FF39126-F987-48DB-9EEF-9CD00B9E823D}" type="datetimeFigureOut">
               <a:rPr lang="fr-FR" smtClean="0"/>
-              <a:t>11/08/2023</a:t>
+              <a:t>06/03/2024</a:t>
             </a:fld>
             <a:endParaRPr lang="fr-FR"/>
           </a:p>
@@ -1728,7 +1730,7 @@
           <a:p>
             <a:fld id="{3FF39126-F987-48DB-9EEF-9CD00B9E823D}" type="datetimeFigureOut">
               <a:rPr lang="fr-FR" smtClean="0"/>
-              <a:t>11/08/2023</a:t>
+              <a:t>06/03/2024</a:t>
             </a:fld>
             <a:endParaRPr lang="fr-FR"/>
           </a:p>
@@ -1823,7 +1825,7 @@
           <a:p>
             <a:fld id="{3FF39126-F987-48DB-9EEF-9CD00B9E823D}" type="datetimeFigureOut">
               <a:rPr lang="fr-FR" smtClean="0"/>
-              <a:t>11/08/2023</a:t>
+              <a:t>06/03/2024</a:t>
             </a:fld>
             <a:endParaRPr lang="fr-FR"/>
           </a:p>
@@ -2100,7 +2102,7 @@
           <a:p>
             <a:fld id="{3FF39126-F987-48DB-9EEF-9CD00B9E823D}" type="datetimeFigureOut">
               <a:rPr lang="fr-FR" smtClean="0"/>
-              <a:t>11/08/2023</a:t>
+              <a:t>06/03/2024</a:t>
             </a:fld>
             <a:endParaRPr lang="fr-FR"/>
           </a:p>
@@ -2357,7 +2359,7 @@
           <a:p>
             <a:fld id="{3FF39126-F987-48DB-9EEF-9CD00B9E823D}" type="datetimeFigureOut">
               <a:rPr lang="fr-FR" smtClean="0"/>
-              <a:t>11/08/2023</a:t>
+              <a:t>06/03/2024</a:t>
             </a:fld>
             <a:endParaRPr lang="fr-FR"/>
           </a:p>
@@ -2570,7 +2572,7 @@
           <a:p>
             <a:fld id="{3FF39126-F987-48DB-9EEF-9CD00B9E823D}" type="datetimeFigureOut">
               <a:rPr lang="fr-FR" smtClean="0"/>
-              <a:t>11/08/2023</a:t>
+              <a:t>06/03/2024</a:t>
             </a:fld>
             <a:endParaRPr lang="fr-FR"/>
           </a:p>
@@ -4367,14 +4369,13 @@
                       </a:ext>
                     </a:extLst>
                   </a:blip>
-                  <a:stretch>
-                    <a:fillRect/>
-                  </a:stretch>
+                  <a:srcRect/>
+                  <a:stretch/>
                 </p:blipFill>
                 <p:spPr>
                   <a:xfrm>
                     <a:off x="329184" y="223114"/>
-                    <a:ext cx="5062118" cy="6327648"/>
+                    <a:ext cx="5062118" cy="6327647"/>
                   </a:xfrm>
                   <a:prstGeom prst="rect">
                     <a:avLst/>
@@ -4458,9 +4459,8 @@
                     </a:ext>
                   </a:extLst>
                 </a:blip>
-                <a:stretch>
-                  <a:fillRect/>
-                </a:stretch>
+                <a:srcRect/>
+                <a:stretch/>
               </p:blipFill>
               <p:spPr>
                 <a:xfrm>
@@ -4519,14 +4519,13 @@
                   </a:ext>
                 </a:extLst>
               </a:blip>
-              <a:stretch>
-                <a:fillRect/>
-              </a:stretch>
+              <a:srcRect/>
+              <a:stretch/>
             </p:blipFill>
             <p:spPr>
               <a:xfrm>
-                <a:off x="5499440" y="5402669"/>
-                <a:ext cx="2294591" cy="834396"/>
+                <a:off x="5499441" y="5402669"/>
+                <a:ext cx="2294589" cy="834396"/>
               </a:xfrm>
               <a:prstGeom prst="rect">
                 <a:avLst/>
@@ -9854,6 +9853,2044 @@
 </p:sld>
 </file>
 
+<file path=ppt/slides/slide6.xml><?xml version="1.0" encoding="utf-8"?>
+<p:sld xmlns:a="http://schemas.openxmlformats.org/drawingml/2006/main" xmlns:r="http://schemas.openxmlformats.org/officeDocument/2006/relationships" xmlns:p="http://schemas.openxmlformats.org/presentationml/2006/main">
+  <p:cSld>
+    <p:spTree>
+      <p:nvGrpSpPr>
+        <p:cNvPr id="1" name=""/>
+        <p:cNvGrpSpPr/>
+        <p:nvPr/>
+      </p:nvGrpSpPr>
+      <p:grpSpPr>
+        <a:xfrm>
+          <a:off x="0" y="0"/>
+          <a:ext cx="0" cy="0"/>
+          <a:chOff x="0" y="0"/>
+          <a:chExt cx="0" cy="0"/>
+        </a:xfrm>
+      </p:grpSpPr>
+      <p:grpSp>
+        <p:nvGrpSpPr>
+          <p:cNvPr id="17" name="Groupe 16">
+            <a:extLst>
+              <a:ext uri="{FF2B5EF4-FFF2-40B4-BE49-F238E27FC236}">
+                <a16:creationId xmlns:a16="http://schemas.microsoft.com/office/drawing/2014/main" id="{39A209E2-5E25-8F8B-9FD7-823872AF3123}"/>
+              </a:ext>
+            </a:extLst>
+          </p:cNvPr>
+          <p:cNvGrpSpPr/>
+          <p:nvPr/>
+        </p:nvGrpSpPr>
+        <p:grpSpPr>
+          <a:xfrm>
+            <a:off x="381000" y="1656638"/>
+            <a:ext cx="5462587" cy="5145881"/>
+            <a:chOff x="381000" y="1656638"/>
+            <a:chExt cx="5462587" cy="5145881"/>
+          </a:xfrm>
+        </p:grpSpPr>
+        <p:graphicFrame>
+          <p:nvGraphicFramePr>
+            <p:cNvPr id="4" name="Objet 3">
+              <a:extLst>
+                <a:ext uri="{FF2B5EF4-FFF2-40B4-BE49-F238E27FC236}">
+                  <a16:creationId xmlns:a16="http://schemas.microsoft.com/office/drawing/2014/main" id="{CB71DE20-DF05-F35F-6584-A228A5C2621E}"/>
+                </a:ext>
+              </a:extLst>
+            </p:cNvPr>
+            <p:cNvGraphicFramePr>
+              <a:graphicFrameLocks noChangeAspect="1"/>
+            </p:cNvGraphicFramePr>
+            <p:nvPr>
+              <p:extLst>
+                <p:ext uri="{D42A27DB-BD31-4B8C-83A1-F6EECF244321}">
+                  <p14:modId xmlns:p14="http://schemas.microsoft.com/office/powerpoint/2010/main" val="3449368516"/>
+                </p:ext>
+              </p:extLst>
+            </p:nvPr>
+          </p:nvGraphicFramePr>
+          <p:xfrm>
+            <a:off x="1042987" y="1862137"/>
+            <a:ext cx="4800600" cy="4800600"/>
+          </p:xfrm>
+          <a:graphic>
+            <a:graphicData uri="http://schemas.openxmlformats.org/presentationml/2006/ole">
+              <mc:AlternateContent xmlns:mc="http://schemas.openxmlformats.org/markup-compatibility/2006">
+                <mc:Choice xmlns:v="urn:schemas-microsoft-com:vml" Requires="v">
+                  <p:oleObj name="Acrobat Document" r:id="rId2" imgW="4800230" imgH="4800285" progId="AcroExch.Document.DC">
+                    <p:embed/>
+                  </p:oleObj>
+                </mc:Choice>
+                <mc:Fallback>
+                  <p:oleObj name="Acrobat Document" r:id="rId2" imgW="4800230" imgH="4800285" progId="AcroExch.Document.DC">
+                    <p:embed/>
+                    <p:pic>
+                      <p:nvPicPr>
+                        <p:cNvPr id="0" name=""/>
+                        <p:cNvPicPr/>
+                        <p:nvPr/>
+                      </p:nvPicPr>
+                      <p:blipFill>
+                        <a:blip r:embed="rId3"/>
+                        <a:stretch>
+                          <a:fillRect/>
+                        </a:stretch>
+                      </p:blipFill>
+                      <p:spPr>
+                        <a:xfrm>
+                          <a:off x="1042987" y="1862137"/>
+                          <a:ext cx="4800600" cy="4800600"/>
+                        </a:xfrm>
+                        <a:prstGeom prst="rect">
+                          <a:avLst/>
+                        </a:prstGeom>
+                      </p:spPr>
+                    </p:pic>
+                  </p:oleObj>
+                </mc:Fallback>
+              </mc:AlternateContent>
+            </a:graphicData>
+          </a:graphic>
+        </p:graphicFrame>
+        <p:sp>
+          <p:nvSpPr>
+            <p:cNvPr id="5" name="ZoneTexte 4">
+              <a:extLst>
+                <a:ext uri="{FF2B5EF4-FFF2-40B4-BE49-F238E27FC236}">
+                  <a16:creationId xmlns:a16="http://schemas.microsoft.com/office/drawing/2014/main" id="{C1C712CD-85E2-9083-1DE0-4C02C9C16D16}"/>
+                </a:ext>
+              </a:extLst>
+            </p:cNvPr>
+            <p:cNvSpPr txBox="1"/>
+            <p:nvPr/>
+          </p:nvSpPr>
+          <p:spPr>
+            <a:xfrm rot="16200000">
+              <a:off x="3714753" y="1233357"/>
+              <a:ext cx="1200151" cy="2308324"/>
+            </a:xfrm>
+            <a:prstGeom prst="rect">
+              <a:avLst/>
+            </a:prstGeom>
+            <a:solidFill>
+              <a:schemeClr val="bg1"/>
+            </a:solidFill>
+          </p:spPr>
+          <p:txBody>
+            <a:bodyPr wrap="square" rtlCol="0">
+              <a:spAutoFit/>
+            </a:bodyPr>
+            <a:lstStyle/>
+            <a:p>
+              <a:r>
+                <a:rPr lang="fr-FR" sz="800" b="1" dirty="0"/>
+                <a:t>Distance to </a:t>
+              </a:r>
+              <a:r>
+                <a:rPr lang="fr-FR" sz="800" b="1" dirty="0" err="1"/>
+                <a:t>Reef</a:t>
+              </a:r>
+              <a:endParaRPr lang="fr-FR" sz="800" b="1" dirty="0"/>
+            </a:p>
+            <a:p>
+              <a:r>
+                <a:rPr lang="fr-FR" sz="800" b="1" dirty="0" err="1"/>
+                <a:t>Summit</a:t>
+              </a:r>
+              <a:r>
+                <a:rPr lang="fr-FR" sz="800" b="1" dirty="0"/>
+                <a:t> Rugosity²</a:t>
+              </a:r>
+            </a:p>
+            <a:p>
+              <a:r>
+                <a:rPr lang="fr-FR" sz="800" b="1" dirty="0"/>
+                <a:t>Habitat: Deep </a:t>
+              </a:r>
+              <a:r>
+                <a:rPr lang="fr-FR" sz="800" b="1" dirty="0" err="1"/>
+                <a:t>slope</a:t>
+              </a:r>
+              <a:endParaRPr lang="fr-FR" sz="800" b="1" dirty="0"/>
+            </a:p>
+            <a:p>
+              <a:r>
+                <a:rPr lang="fr-FR" sz="800" b="1" dirty="0" err="1"/>
+                <a:t>Mean</a:t>
+              </a:r>
+              <a:r>
+                <a:rPr lang="fr-FR" sz="800" b="1" dirty="0"/>
+                <a:t> SST²</a:t>
+              </a:r>
+            </a:p>
+            <a:p>
+              <a:r>
+                <a:rPr lang="fr-FR" sz="800" b="1" dirty="0" err="1"/>
+                <a:t>Suspended</a:t>
+              </a:r>
+              <a:r>
+                <a:rPr lang="fr-FR" sz="800" b="1" dirty="0"/>
+                <a:t> </a:t>
+              </a:r>
+              <a:r>
+                <a:rPr lang="fr-FR" sz="800" b="1" dirty="0" err="1"/>
+                <a:t>Particulate</a:t>
+              </a:r>
+              <a:r>
+                <a:rPr lang="fr-FR" sz="800" b="1" dirty="0"/>
+                <a:t> </a:t>
+              </a:r>
+              <a:r>
+                <a:rPr lang="fr-FR" sz="800" b="1" dirty="0" err="1"/>
+                <a:t>Matter</a:t>
+              </a:r>
+              <a:endParaRPr lang="fr-FR" sz="800" b="1" dirty="0"/>
+            </a:p>
+            <a:p>
+              <a:r>
+                <a:rPr lang="fr-FR" sz="800" b="1" dirty="0"/>
+                <a:t>Bottom </a:t>
+              </a:r>
+              <a:r>
+                <a:rPr lang="fr-FR" sz="800" b="1" dirty="0" err="1"/>
+                <a:t>depth</a:t>
+              </a:r>
+              <a:endParaRPr lang="fr-FR" sz="800" b="1" dirty="0"/>
+            </a:p>
+            <a:p>
+              <a:r>
+                <a:rPr lang="fr-FR" sz="800" b="1" dirty="0" err="1"/>
+                <a:t>Salinity</a:t>
+              </a:r>
+              <a:endParaRPr lang="fr-FR" sz="800" b="1" dirty="0"/>
+            </a:p>
+            <a:p>
+              <a:r>
+                <a:rPr lang="fr-FR" sz="800" b="1" dirty="0"/>
+                <a:t>Bottom depth²</a:t>
+              </a:r>
+            </a:p>
+            <a:p>
+              <a:r>
+                <a:rPr lang="fr-FR" sz="800" b="1" dirty="0" err="1"/>
+                <a:t>Northern</a:t>
+              </a:r>
+              <a:r>
+                <a:rPr lang="fr-FR" sz="800" b="1" dirty="0"/>
+                <a:t> </a:t>
+              </a:r>
+              <a:r>
+                <a:rPr lang="fr-FR" sz="800" b="1" dirty="0" err="1"/>
+                <a:t>velocity</a:t>
+              </a:r>
+              <a:endParaRPr lang="fr-FR" sz="800" b="1" dirty="0"/>
+            </a:p>
+            <a:p>
+              <a:r>
+                <a:rPr lang="fr-FR" sz="800" b="1" dirty="0" err="1"/>
+                <a:t>Travel</a:t>
+              </a:r>
+              <a:r>
+                <a:rPr lang="fr-FR" sz="800" b="1" dirty="0"/>
+                <a:t> Time</a:t>
+              </a:r>
+            </a:p>
+            <a:p>
+              <a:r>
+                <a:rPr lang="fr-FR" sz="800" b="1" dirty="0" err="1"/>
+                <a:t>Suspended</a:t>
+              </a:r>
+              <a:r>
+                <a:rPr lang="fr-FR" sz="800" b="1" dirty="0"/>
+                <a:t> </a:t>
+              </a:r>
+              <a:r>
+                <a:rPr lang="fr-FR" sz="800" b="1" dirty="0" err="1"/>
+                <a:t>Particulate</a:t>
+              </a:r>
+              <a:r>
+                <a:rPr lang="fr-FR" sz="800" b="1" dirty="0"/>
+                <a:t> Matter²</a:t>
+              </a:r>
+            </a:p>
+            <a:p>
+              <a:r>
+                <a:rPr lang="fr-FR" sz="800" b="1" dirty="0" err="1"/>
+                <a:t>Northern</a:t>
+              </a:r>
+              <a:r>
+                <a:rPr lang="fr-FR" sz="800" b="1" dirty="0"/>
+                <a:t> velocity^3</a:t>
+              </a:r>
+            </a:p>
+            <a:p>
+              <a:r>
+                <a:rPr lang="fr-FR" sz="800" b="1" dirty="0" err="1"/>
+                <a:t>Summit</a:t>
+              </a:r>
+              <a:r>
+                <a:rPr lang="fr-FR" sz="800" b="1" dirty="0"/>
+                <a:t> </a:t>
+              </a:r>
+              <a:r>
+                <a:rPr lang="fr-FR" sz="800" b="1" dirty="0" err="1"/>
+                <a:t>Rugosity</a:t>
+              </a:r>
+              <a:endParaRPr lang="fr-FR" sz="800" b="1" dirty="0"/>
+            </a:p>
+            <a:p>
+              <a:r>
+                <a:rPr lang="fr-FR" sz="800" b="1" dirty="0" err="1"/>
+                <a:t>Salinity</a:t>
+              </a:r>
+              <a:endParaRPr lang="fr-FR" sz="800" b="1" dirty="0"/>
+            </a:p>
+            <a:p>
+              <a:r>
+                <a:rPr lang="fr-FR" sz="800" b="1" dirty="0"/>
+                <a:t>SST </a:t>
+              </a:r>
+              <a:r>
+                <a:rPr lang="fr-FR" sz="800" b="1" dirty="0" err="1"/>
+                <a:t>mean</a:t>
+              </a:r>
+              <a:endParaRPr lang="fr-FR" sz="800" b="1" dirty="0"/>
+            </a:p>
+            <a:p>
+              <a:r>
+                <a:rPr lang="fr-FR" sz="800" b="1" dirty="0"/>
+                <a:t>Habitat: </a:t>
+              </a:r>
+              <a:r>
+                <a:rPr lang="fr-FR" sz="800" b="1" dirty="0" err="1"/>
+                <a:t>Seamount</a:t>
+              </a:r>
+              <a:endParaRPr lang="fr-FR" sz="800" b="1" dirty="0"/>
+            </a:p>
+          </p:txBody>
+        </p:sp>
+        <p:sp>
+          <p:nvSpPr>
+            <p:cNvPr id="6" name="ZoneTexte 5">
+              <a:extLst>
+                <a:ext uri="{FF2B5EF4-FFF2-40B4-BE49-F238E27FC236}">
+                  <a16:creationId xmlns:a16="http://schemas.microsoft.com/office/drawing/2014/main" id="{16657B80-4BB4-6290-3A77-E07C041D823F}"/>
+                </a:ext>
+              </a:extLst>
+            </p:cNvPr>
+            <p:cNvSpPr txBox="1"/>
+            <p:nvPr/>
+          </p:nvSpPr>
+          <p:spPr>
+            <a:xfrm>
+              <a:off x="3721897" y="1656638"/>
+              <a:ext cx="1185862" cy="261610"/>
+            </a:xfrm>
+            <a:prstGeom prst="rect">
+              <a:avLst/>
+            </a:prstGeom>
+            <a:noFill/>
+          </p:spPr>
+          <p:txBody>
+            <a:bodyPr wrap="square" rtlCol="0">
+              <a:spAutoFit/>
+            </a:bodyPr>
+            <a:lstStyle/>
+            <a:p>
+              <a:r>
+                <a:rPr lang="fr-FR" sz="1100" b="1" dirty="0" err="1"/>
+                <a:t>Predictors</a:t>
+              </a:r>
+              <a:endParaRPr lang="fr-FR" sz="1100" b="1" dirty="0"/>
+            </a:p>
+          </p:txBody>
+        </p:sp>
+        <p:sp>
+          <p:nvSpPr>
+            <p:cNvPr id="7" name="ZoneTexte 6">
+              <a:extLst>
+                <a:ext uri="{FF2B5EF4-FFF2-40B4-BE49-F238E27FC236}">
+                  <a16:creationId xmlns:a16="http://schemas.microsoft.com/office/drawing/2014/main" id="{0D68FFDC-F401-5999-1607-57584F33F12C}"/>
+                </a:ext>
+              </a:extLst>
+            </p:cNvPr>
+            <p:cNvSpPr txBox="1"/>
+            <p:nvPr/>
+          </p:nvSpPr>
+          <p:spPr>
+            <a:xfrm>
+              <a:off x="381000" y="3644900"/>
+              <a:ext cx="1683146" cy="2563843"/>
+            </a:xfrm>
+            <a:prstGeom prst="rect">
+              <a:avLst/>
+            </a:prstGeom>
+            <a:solidFill>
+              <a:schemeClr val="bg1"/>
+            </a:solidFill>
+          </p:spPr>
+          <p:txBody>
+            <a:bodyPr wrap="square" rtlCol="0">
+              <a:spAutoFit/>
+            </a:bodyPr>
+            <a:lstStyle/>
+            <a:p>
+              <a:pPr algn="r">
+                <a:lnSpc>
+                  <a:spcPct val="150000"/>
+                </a:lnSpc>
+              </a:pPr>
+              <a:r>
+                <a:rPr lang="fr-FR" sz="900" b="1" i="0" u="none" strike="noStrike" dirty="0" err="1">
+                  <a:solidFill>
+                    <a:srgbClr val="E27494"/>
+                  </a:solidFill>
+                  <a:effectLst/>
+                  <a:latin typeface="Calibri" panose="020F0502020204030204" pitchFamily="34" charset="0"/>
+                </a:rPr>
+                <a:t>Diogenichthys</a:t>
+              </a:r>
+              <a:endParaRPr lang="fr-FR" sz="900" b="1" i="0" u="none" strike="noStrike" dirty="0">
+                <a:solidFill>
+                  <a:srgbClr val="E27494"/>
+                </a:solidFill>
+                <a:effectLst/>
+                <a:latin typeface="Calibri" panose="020F0502020204030204" pitchFamily="34" charset="0"/>
+              </a:endParaRPr>
+            </a:p>
+            <a:p>
+              <a:pPr algn="r">
+                <a:lnSpc>
+                  <a:spcPct val="150000"/>
+                </a:lnSpc>
+              </a:pPr>
+              <a:r>
+                <a:rPr lang="fr-FR" sz="900" b="1" i="0" u="none" strike="noStrike" dirty="0" err="1">
+                  <a:solidFill>
+                    <a:srgbClr val="B0558D"/>
+                  </a:solidFill>
+                  <a:effectLst/>
+                  <a:latin typeface="Calibri" panose="020F0502020204030204" pitchFamily="34" charset="0"/>
+                </a:rPr>
+                <a:t>Percomorphaceae</a:t>
+              </a:r>
+              <a:endParaRPr lang="fr-FR" sz="900" b="1" dirty="0">
+                <a:solidFill>
+                  <a:srgbClr val="B0558D"/>
+                </a:solidFill>
+                <a:effectLst/>
+              </a:endParaRPr>
+            </a:p>
+            <a:p>
+              <a:pPr algn="r">
+                <a:lnSpc>
+                  <a:spcPct val="150000"/>
+                </a:lnSpc>
+              </a:pPr>
+              <a:r>
+                <a:rPr lang="fr-FR" sz="900" b="1" i="0" u="none" strike="noStrike" dirty="0" err="1">
+                  <a:solidFill>
+                    <a:srgbClr val="D68CB1"/>
+                  </a:solidFill>
+                  <a:effectLst/>
+                  <a:latin typeface="Calibri" panose="020F0502020204030204" pitchFamily="34" charset="0"/>
+                </a:rPr>
+                <a:t>Parupeneus</a:t>
+              </a:r>
+              <a:endParaRPr lang="fr-FR" sz="900" b="1" dirty="0">
+                <a:solidFill>
+                  <a:srgbClr val="D68CB1"/>
+                </a:solidFill>
+                <a:effectLst/>
+              </a:endParaRPr>
+            </a:p>
+            <a:p>
+              <a:pPr algn="r">
+                <a:lnSpc>
+                  <a:spcPct val="150000"/>
+                </a:lnSpc>
+              </a:pPr>
+              <a:r>
+                <a:rPr lang="fr-FR" sz="900" b="1" i="0" u="none" strike="noStrike" dirty="0" err="1">
+                  <a:solidFill>
+                    <a:srgbClr val="AD5936"/>
+                  </a:solidFill>
+                  <a:effectLst/>
+                  <a:latin typeface="Calibri" panose="020F0502020204030204" pitchFamily="34" charset="0"/>
+                </a:rPr>
+                <a:t>Eupercaria</a:t>
+              </a:r>
+              <a:endParaRPr lang="fr-FR" sz="900" b="1" dirty="0">
+                <a:solidFill>
+                  <a:srgbClr val="AD5936"/>
+                </a:solidFill>
+                <a:effectLst/>
+              </a:endParaRPr>
+            </a:p>
+            <a:p>
+              <a:pPr algn="r">
+                <a:lnSpc>
+                  <a:spcPct val="150000"/>
+                </a:lnSpc>
+              </a:pPr>
+              <a:r>
+                <a:rPr lang="fr-FR" sz="900" b="1" i="0" u="none" strike="noStrike" dirty="0" err="1">
+                  <a:solidFill>
+                    <a:srgbClr val="999999"/>
+                  </a:solidFill>
+                  <a:effectLst/>
+                  <a:latin typeface="Calibri" panose="020F0502020204030204" pitchFamily="34" charset="0"/>
+                </a:rPr>
+                <a:t>Scomberomorus</a:t>
+              </a:r>
+              <a:endParaRPr lang="fr-FR" sz="900" b="1" dirty="0">
+                <a:solidFill>
+                  <a:srgbClr val="999999"/>
+                </a:solidFill>
+                <a:effectLst/>
+              </a:endParaRPr>
+            </a:p>
+            <a:p>
+              <a:pPr algn="r">
+                <a:lnSpc>
+                  <a:spcPct val="150000"/>
+                </a:lnSpc>
+              </a:pPr>
+              <a:r>
+                <a:rPr lang="fr-FR" sz="900" b="1" dirty="0" err="1">
+                  <a:solidFill>
+                    <a:srgbClr val="E4191B"/>
+                  </a:solidFill>
+                  <a:latin typeface="Calibri" panose="020F0502020204030204" pitchFamily="34" charset="0"/>
+                </a:rPr>
+                <a:t>Myctophiformes</a:t>
+              </a:r>
+              <a:endParaRPr lang="fr-FR" sz="900" b="1" dirty="0">
+                <a:solidFill>
+                  <a:srgbClr val="E4191B"/>
+                </a:solidFill>
+                <a:latin typeface="Calibri" panose="020F0502020204030204" pitchFamily="34" charset="0"/>
+              </a:endParaRPr>
+            </a:p>
+            <a:p>
+              <a:pPr algn="r">
+                <a:lnSpc>
+                  <a:spcPct val="150000"/>
+                </a:lnSpc>
+              </a:pPr>
+              <a:r>
+                <a:rPr lang="fr-FR" sz="900" b="1" i="0" u="none" strike="noStrike" dirty="0" err="1">
+                  <a:solidFill>
+                    <a:srgbClr val="4FAA55"/>
+                  </a:solidFill>
+                  <a:effectLst/>
+                  <a:latin typeface="Calibri" panose="020F0502020204030204" pitchFamily="34" charset="0"/>
+                </a:rPr>
+                <a:t>Percomorphaceae</a:t>
+              </a:r>
+              <a:endParaRPr lang="fr-FR" sz="900" b="1" dirty="0">
+                <a:solidFill>
+                  <a:srgbClr val="4FAA55"/>
+                </a:solidFill>
+                <a:effectLst/>
+              </a:endParaRPr>
+            </a:p>
+            <a:p>
+              <a:pPr algn="r">
+                <a:lnSpc>
+                  <a:spcPct val="150000"/>
+                </a:lnSpc>
+              </a:pPr>
+              <a:r>
+                <a:rPr lang="fr-FR" sz="900" b="1" i="0" u="none" strike="noStrike" dirty="0" err="1">
+                  <a:solidFill>
+                    <a:srgbClr val="5692A2"/>
+                  </a:solidFill>
+                  <a:effectLst/>
+                  <a:latin typeface="Calibri" panose="020F0502020204030204" pitchFamily="34" charset="0"/>
+                </a:rPr>
+                <a:t>Clupeocephala</a:t>
+              </a:r>
+              <a:endParaRPr lang="fr-FR" sz="900" b="1" i="0" u="none" strike="noStrike" dirty="0">
+                <a:solidFill>
+                  <a:srgbClr val="5692A2"/>
+                </a:solidFill>
+                <a:effectLst/>
+                <a:latin typeface="Calibri" panose="020F0502020204030204" pitchFamily="34" charset="0"/>
+              </a:endParaRPr>
+            </a:p>
+            <a:p>
+              <a:pPr algn="r">
+                <a:lnSpc>
+                  <a:spcPct val="150000"/>
+                </a:lnSpc>
+              </a:pPr>
+              <a:r>
+                <a:rPr lang="fr-FR" sz="900" b="1" i="0" u="none" strike="noStrike" dirty="0">
+                  <a:solidFill>
+                    <a:srgbClr val="D56C1B"/>
+                  </a:solidFill>
+                  <a:effectLst/>
+                  <a:latin typeface="Calibri" panose="020F0502020204030204" pitchFamily="34" charset="0"/>
+                </a:rPr>
+                <a:t>Beryx</a:t>
+              </a:r>
+              <a:endParaRPr lang="fr-FR" sz="900" b="1" dirty="0">
+                <a:solidFill>
+                  <a:srgbClr val="D56C1B"/>
+                </a:solidFill>
+                <a:latin typeface="Calibri" panose="020F0502020204030204" pitchFamily="34" charset="0"/>
+              </a:endParaRPr>
+            </a:p>
+            <a:p>
+              <a:pPr algn="r">
+                <a:lnSpc>
+                  <a:spcPct val="150000"/>
+                </a:lnSpc>
+              </a:pPr>
+              <a:r>
+                <a:rPr lang="fr-FR" sz="900" b="1" i="0" u="none" strike="noStrike" dirty="0" err="1">
+                  <a:solidFill>
+                    <a:srgbClr val="847F7E"/>
+                  </a:solidFill>
+                  <a:effectLst/>
+                  <a:latin typeface="Calibri" panose="020F0502020204030204" pitchFamily="34" charset="0"/>
+                </a:rPr>
+                <a:t>Diaphus</a:t>
+              </a:r>
+              <a:endParaRPr lang="fr-FR" sz="900" b="1" i="0" u="none" strike="noStrike" dirty="0">
+                <a:solidFill>
+                  <a:srgbClr val="847F7E"/>
+                </a:solidFill>
+                <a:effectLst/>
+                <a:latin typeface="Calibri" panose="020F0502020204030204" pitchFamily="34" charset="0"/>
+              </a:endParaRPr>
+            </a:p>
+            <a:p>
+              <a:pPr algn="r">
+                <a:lnSpc>
+                  <a:spcPct val="150000"/>
+                </a:lnSpc>
+              </a:pPr>
+              <a:r>
+                <a:rPr lang="fr-FR" sz="900" b="1" i="0" u="none" strike="noStrike" dirty="0" err="1">
+                  <a:solidFill>
+                    <a:srgbClr val="EF7536"/>
+                  </a:solidFill>
+                  <a:effectLst/>
+                  <a:latin typeface="Calibri" panose="020F0502020204030204" pitchFamily="34" charset="0"/>
+                </a:rPr>
+                <a:t>Naso</a:t>
+              </a:r>
+              <a:endParaRPr lang="fr-FR" sz="900" b="1" i="0" u="none" strike="noStrike" dirty="0">
+                <a:solidFill>
+                  <a:srgbClr val="EF7536"/>
+                </a:solidFill>
+                <a:effectLst/>
+                <a:latin typeface="Calibri" panose="020F0502020204030204" pitchFamily="34" charset="0"/>
+              </a:endParaRPr>
+            </a:p>
+            <a:p>
+              <a:pPr algn="r">
+                <a:lnSpc>
+                  <a:spcPct val="150000"/>
+                </a:lnSpc>
+              </a:pPr>
+              <a:r>
+                <a:rPr lang="fr-FR" sz="900" b="1" dirty="0" err="1">
+                  <a:solidFill>
+                    <a:srgbClr val="9B687F"/>
+                  </a:solidFill>
+                  <a:latin typeface="Calibri" panose="020F0502020204030204" pitchFamily="34" charset="0"/>
+                </a:rPr>
+                <a:t>Myctophidae</a:t>
+              </a:r>
+              <a:endParaRPr lang="fr-FR" sz="900" b="1" dirty="0">
+                <a:solidFill>
+                  <a:srgbClr val="9B687F"/>
+                </a:solidFill>
+                <a:latin typeface="Calibri" panose="020F0502020204030204" pitchFamily="34" charset="0"/>
+              </a:endParaRPr>
+            </a:p>
+          </p:txBody>
+        </p:sp>
+        <p:sp>
+          <p:nvSpPr>
+            <p:cNvPr id="11" name="ZoneTexte 10">
+              <a:extLst>
+                <a:ext uri="{FF2B5EF4-FFF2-40B4-BE49-F238E27FC236}">
+                  <a16:creationId xmlns:a16="http://schemas.microsoft.com/office/drawing/2014/main" id="{BE6D6F68-66D8-ABCE-1E47-C8DACED66F75}"/>
+                </a:ext>
+              </a:extLst>
+            </p:cNvPr>
+            <p:cNvSpPr txBox="1"/>
+            <p:nvPr/>
+          </p:nvSpPr>
+          <p:spPr>
+            <a:xfrm rot="16200000">
+              <a:off x="2035145" y="1812322"/>
+              <a:ext cx="1100698" cy="1200329"/>
+            </a:xfrm>
+            <a:prstGeom prst="rect">
+              <a:avLst/>
+            </a:prstGeom>
+            <a:solidFill>
+              <a:schemeClr val="bg1"/>
+            </a:solidFill>
+          </p:spPr>
+          <p:txBody>
+            <a:bodyPr wrap="square" rtlCol="0">
+              <a:spAutoFit/>
+            </a:bodyPr>
+            <a:lstStyle/>
+            <a:p>
+              <a:r>
+                <a:rPr lang="fr-FR" sz="600" b="1" dirty="0" err="1">
+                  <a:solidFill>
+                    <a:srgbClr val="9B687F"/>
+                  </a:solidFill>
+                  <a:latin typeface="Calibri" panose="020F0502020204030204" pitchFamily="34" charset="0"/>
+                </a:rPr>
+                <a:t>Myctophidae</a:t>
+              </a:r>
+              <a:endParaRPr lang="fr-FR" sz="600" b="1" dirty="0">
+                <a:solidFill>
+                  <a:srgbClr val="9B687F"/>
+                </a:solidFill>
+                <a:latin typeface="Calibri" panose="020F0502020204030204" pitchFamily="34" charset="0"/>
+              </a:endParaRPr>
+            </a:p>
+            <a:p>
+              <a:r>
+                <a:rPr lang="fr-FR" sz="600" b="1" i="0" u="none" strike="noStrike" dirty="0" err="1">
+                  <a:solidFill>
+                    <a:srgbClr val="EF7536"/>
+                  </a:solidFill>
+                  <a:effectLst/>
+                  <a:latin typeface="Calibri" panose="020F0502020204030204" pitchFamily="34" charset="0"/>
+                </a:rPr>
+                <a:t>Naso</a:t>
+              </a:r>
+              <a:endParaRPr lang="fr-FR" sz="600" b="1" i="0" u="none" strike="noStrike" dirty="0">
+                <a:solidFill>
+                  <a:srgbClr val="EF7536"/>
+                </a:solidFill>
+                <a:effectLst/>
+                <a:latin typeface="Calibri" panose="020F0502020204030204" pitchFamily="34" charset="0"/>
+              </a:endParaRPr>
+            </a:p>
+            <a:p>
+              <a:r>
+                <a:rPr lang="fr-FR" sz="600" b="1" i="0" u="none" strike="noStrike" dirty="0" err="1">
+                  <a:solidFill>
+                    <a:srgbClr val="847F7E"/>
+                  </a:solidFill>
+                  <a:effectLst/>
+                  <a:latin typeface="Calibri" panose="020F0502020204030204" pitchFamily="34" charset="0"/>
+                </a:rPr>
+                <a:t>Diaphus</a:t>
+              </a:r>
+              <a:endParaRPr lang="fr-FR" sz="600" b="1" i="0" u="none" strike="noStrike" dirty="0">
+                <a:solidFill>
+                  <a:srgbClr val="847F7E"/>
+                </a:solidFill>
+                <a:effectLst/>
+                <a:latin typeface="Calibri" panose="020F0502020204030204" pitchFamily="34" charset="0"/>
+              </a:endParaRPr>
+            </a:p>
+            <a:p>
+              <a:r>
+                <a:rPr lang="fr-FR" sz="600" b="1" i="0" u="none" strike="noStrike" dirty="0">
+                  <a:solidFill>
+                    <a:srgbClr val="D56C1B"/>
+                  </a:solidFill>
+                  <a:effectLst/>
+                  <a:latin typeface="Calibri" panose="020F0502020204030204" pitchFamily="34" charset="0"/>
+                </a:rPr>
+                <a:t>Beryx</a:t>
+              </a:r>
+            </a:p>
+            <a:p>
+              <a:r>
+                <a:rPr lang="fr-FR" sz="600" b="1" i="0" u="none" strike="noStrike" dirty="0" err="1">
+                  <a:solidFill>
+                    <a:srgbClr val="5692A2"/>
+                  </a:solidFill>
+                  <a:effectLst/>
+                  <a:latin typeface="Calibri" panose="020F0502020204030204" pitchFamily="34" charset="0"/>
+                </a:rPr>
+                <a:t>Clupeocephala</a:t>
+              </a:r>
+              <a:endParaRPr lang="fr-FR" sz="600" b="1" i="0" u="none" strike="noStrike" dirty="0">
+                <a:solidFill>
+                  <a:srgbClr val="5692A2"/>
+                </a:solidFill>
+                <a:effectLst/>
+                <a:latin typeface="Calibri" panose="020F0502020204030204" pitchFamily="34" charset="0"/>
+              </a:endParaRPr>
+            </a:p>
+            <a:p>
+              <a:r>
+                <a:rPr lang="fr-FR" sz="600" b="1" i="0" u="none" strike="noStrike" dirty="0" err="1">
+                  <a:solidFill>
+                    <a:srgbClr val="4FAA55"/>
+                  </a:solidFill>
+                  <a:effectLst/>
+                  <a:latin typeface="Calibri" panose="020F0502020204030204" pitchFamily="34" charset="0"/>
+                </a:rPr>
+                <a:t>Percomorphaceae</a:t>
+              </a:r>
+              <a:endParaRPr lang="fr-FR" sz="600" b="1" i="0" u="none" strike="noStrike" dirty="0">
+                <a:solidFill>
+                  <a:srgbClr val="4FAA55"/>
+                </a:solidFill>
+                <a:effectLst/>
+                <a:latin typeface="Calibri" panose="020F0502020204030204" pitchFamily="34" charset="0"/>
+              </a:endParaRPr>
+            </a:p>
+            <a:p>
+              <a:r>
+                <a:rPr lang="fr-FR" sz="600" b="1" dirty="0" err="1">
+                  <a:solidFill>
+                    <a:srgbClr val="E4191B"/>
+                  </a:solidFill>
+                  <a:latin typeface="Calibri" panose="020F0502020204030204" pitchFamily="34" charset="0"/>
+                </a:rPr>
+                <a:t>Myctophiformes</a:t>
+              </a:r>
+              <a:endParaRPr lang="fr-FR" sz="600" b="1" dirty="0">
+                <a:solidFill>
+                  <a:srgbClr val="E4191B"/>
+                </a:solidFill>
+                <a:latin typeface="Calibri" panose="020F0502020204030204" pitchFamily="34" charset="0"/>
+              </a:endParaRPr>
+            </a:p>
+            <a:p>
+              <a:r>
+                <a:rPr lang="fr-FR" sz="600" b="1" i="0" u="none" strike="noStrike" dirty="0" err="1">
+                  <a:solidFill>
+                    <a:srgbClr val="999999"/>
+                  </a:solidFill>
+                  <a:effectLst/>
+                  <a:latin typeface="Calibri" panose="020F0502020204030204" pitchFamily="34" charset="0"/>
+                </a:rPr>
+                <a:t>Scomberomorus</a:t>
+              </a:r>
+              <a:endParaRPr lang="fr-FR" sz="600" b="1" i="0" u="none" strike="noStrike" dirty="0">
+                <a:solidFill>
+                  <a:srgbClr val="999999"/>
+                </a:solidFill>
+                <a:effectLst/>
+                <a:latin typeface="Calibri" panose="020F0502020204030204" pitchFamily="34" charset="0"/>
+              </a:endParaRPr>
+            </a:p>
+            <a:p>
+              <a:r>
+                <a:rPr lang="fr-FR" sz="600" b="1" i="0" u="none" strike="noStrike" dirty="0" err="1">
+                  <a:solidFill>
+                    <a:srgbClr val="AD5936"/>
+                  </a:solidFill>
+                  <a:effectLst/>
+                  <a:latin typeface="Calibri" panose="020F0502020204030204" pitchFamily="34" charset="0"/>
+                </a:rPr>
+                <a:t>Eupercaria</a:t>
+              </a:r>
+              <a:endParaRPr lang="fr-FR" sz="600" b="1" i="0" u="none" strike="noStrike" dirty="0">
+                <a:solidFill>
+                  <a:srgbClr val="AD5936"/>
+                </a:solidFill>
+                <a:effectLst/>
+                <a:latin typeface="Calibri" panose="020F0502020204030204" pitchFamily="34" charset="0"/>
+              </a:endParaRPr>
+            </a:p>
+            <a:p>
+              <a:r>
+                <a:rPr lang="fr-FR" sz="600" b="1" i="0" u="none" strike="noStrike" dirty="0" err="1">
+                  <a:solidFill>
+                    <a:srgbClr val="D68CB1"/>
+                  </a:solidFill>
+                  <a:effectLst/>
+                  <a:latin typeface="Calibri" panose="020F0502020204030204" pitchFamily="34" charset="0"/>
+                </a:rPr>
+                <a:t>Parupeneus</a:t>
+              </a:r>
+              <a:endParaRPr lang="fr-FR" sz="600" b="1" i="0" u="none" strike="noStrike" dirty="0">
+                <a:solidFill>
+                  <a:srgbClr val="D68CB1"/>
+                </a:solidFill>
+                <a:effectLst/>
+                <a:latin typeface="Calibri" panose="020F0502020204030204" pitchFamily="34" charset="0"/>
+              </a:endParaRPr>
+            </a:p>
+            <a:p>
+              <a:r>
+                <a:rPr lang="fr-FR" sz="600" b="1" i="0" u="none" strike="noStrike" dirty="0" err="1">
+                  <a:solidFill>
+                    <a:srgbClr val="B0558D"/>
+                  </a:solidFill>
+                  <a:effectLst/>
+                  <a:latin typeface="Calibri" panose="020F0502020204030204" pitchFamily="34" charset="0"/>
+                </a:rPr>
+                <a:t>Percomorphaceae</a:t>
+              </a:r>
+              <a:endParaRPr lang="fr-FR" sz="600" b="1" dirty="0">
+                <a:solidFill>
+                  <a:srgbClr val="9B687F"/>
+                </a:solidFill>
+                <a:latin typeface="Calibri" panose="020F0502020204030204" pitchFamily="34" charset="0"/>
+              </a:endParaRPr>
+            </a:p>
+            <a:p>
+              <a:r>
+                <a:rPr lang="fr-FR" sz="600" b="1" i="0" u="none" strike="noStrike" dirty="0" err="1">
+                  <a:solidFill>
+                    <a:srgbClr val="E27494"/>
+                  </a:solidFill>
+                  <a:effectLst/>
+                  <a:latin typeface="Calibri" panose="020F0502020204030204" pitchFamily="34" charset="0"/>
+                </a:rPr>
+                <a:t>Diogenichthys</a:t>
+              </a:r>
+              <a:endParaRPr lang="fr-FR" sz="600" b="1" i="0" u="none" strike="noStrike" dirty="0">
+                <a:solidFill>
+                  <a:srgbClr val="E27494"/>
+                </a:solidFill>
+                <a:effectLst/>
+                <a:latin typeface="Calibri" panose="020F0502020204030204" pitchFamily="34" charset="0"/>
+              </a:endParaRPr>
+            </a:p>
+          </p:txBody>
+        </p:sp>
+        <p:sp>
+          <p:nvSpPr>
+            <p:cNvPr id="12" name="ZoneTexte 11">
+              <a:extLst>
+                <a:ext uri="{FF2B5EF4-FFF2-40B4-BE49-F238E27FC236}">
+                  <a16:creationId xmlns:a16="http://schemas.microsoft.com/office/drawing/2014/main" id="{1548C281-CE29-6B38-0178-F3CC23982C6C}"/>
+                </a:ext>
+              </a:extLst>
+            </p:cNvPr>
+            <p:cNvSpPr txBox="1"/>
+            <p:nvPr/>
+          </p:nvSpPr>
+          <p:spPr>
+            <a:xfrm>
+              <a:off x="2257425" y="1688552"/>
+              <a:ext cx="1185862" cy="261610"/>
+            </a:xfrm>
+            <a:prstGeom prst="rect">
+              <a:avLst/>
+            </a:prstGeom>
+            <a:noFill/>
+          </p:spPr>
+          <p:txBody>
+            <a:bodyPr wrap="square" rtlCol="0">
+              <a:spAutoFit/>
+            </a:bodyPr>
+            <a:lstStyle/>
+            <a:p>
+              <a:r>
+                <a:rPr lang="fr-FR" sz="1100" b="1" dirty="0"/>
+                <a:t>MOTU</a:t>
+              </a:r>
+            </a:p>
+          </p:txBody>
+        </p:sp>
+        <p:sp>
+          <p:nvSpPr>
+            <p:cNvPr id="13" name="ZoneTexte 12">
+              <a:extLst>
+                <a:ext uri="{FF2B5EF4-FFF2-40B4-BE49-F238E27FC236}">
+                  <a16:creationId xmlns:a16="http://schemas.microsoft.com/office/drawing/2014/main" id="{E016C689-2EE5-04BE-ED6C-DE5B8A067781}"/>
+                </a:ext>
+              </a:extLst>
+            </p:cNvPr>
+            <p:cNvSpPr txBox="1"/>
+            <p:nvPr/>
+          </p:nvSpPr>
+          <p:spPr>
+            <a:xfrm rot="16200000">
+              <a:off x="214756" y="4338373"/>
+              <a:ext cx="1185862" cy="261610"/>
+            </a:xfrm>
+            <a:prstGeom prst="rect">
+              <a:avLst/>
+            </a:prstGeom>
+            <a:noFill/>
+          </p:spPr>
+          <p:txBody>
+            <a:bodyPr wrap="square" rtlCol="0">
+              <a:spAutoFit/>
+            </a:bodyPr>
+            <a:lstStyle/>
+            <a:p>
+              <a:r>
+                <a:rPr lang="en-US" sz="1100" b="1" dirty="0"/>
+                <a:t>M</a:t>
+              </a:r>
+              <a:r>
+                <a:rPr lang="fr-FR" sz="1100" b="1" dirty="0"/>
+                <a:t>OTU</a:t>
+              </a:r>
+            </a:p>
+          </p:txBody>
+        </p:sp>
+        <p:sp>
+          <p:nvSpPr>
+            <p:cNvPr id="14" name="ZoneTexte 13">
+              <a:extLst>
+                <a:ext uri="{FF2B5EF4-FFF2-40B4-BE49-F238E27FC236}">
+                  <a16:creationId xmlns:a16="http://schemas.microsoft.com/office/drawing/2014/main" id="{AD913D2B-24B0-32E8-CD0F-D7C163C2F296}"/>
+                </a:ext>
+              </a:extLst>
+            </p:cNvPr>
+            <p:cNvSpPr txBox="1"/>
+            <p:nvPr/>
+          </p:nvSpPr>
+          <p:spPr>
+            <a:xfrm>
+              <a:off x="2172579" y="6540909"/>
+              <a:ext cx="905628" cy="261610"/>
+            </a:xfrm>
+            <a:prstGeom prst="rect">
+              <a:avLst/>
+            </a:prstGeom>
+            <a:noFill/>
+          </p:spPr>
+          <p:txBody>
+            <a:bodyPr wrap="square" rtlCol="0">
+              <a:spAutoFit/>
+            </a:bodyPr>
+            <a:lstStyle/>
+            <a:p>
+              <a:r>
+                <a:rPr lang="fr-FR" sz="1100" dirty="0" err="1"/>
+                <a:t>Correlation</a:t>
+              </a:r>
+              <a:endParaRPr lang="fr-FR" sz="1100" dirty="0"/>
+            </a:p>
+          </p:txBody>
+        </p:sp>
+        <p:sp>
+          <p:nvSpPr>
+            <p:cNvPr id="15" name="ZoneTexte 14">
+              <a:extLst>
+                <a:ext uri="{FF2B5EF4-FFF2-40B4-BE49-F238E27FC236}">
+                  <a16:creationId xmlns:a16="http://schemas.microsoft.com/office/drawing/2014/main" id="{1F919605-83A1-E85F-13F4-4B671C92A6E9}"/>
+                </a:ext>
+              </a:extLst>
+            </p:cNvPr>
+            <p:cNvSpPr txBox="1"/>
+            <p:nvPr/>
+          </p:nvSpPr>
+          <p:spPr>
+            <a:xfrm>
+              <a:off x="3862014" y="6531932"/>
+              <a:ext cx="905628" cy="261610"/>
+            </a:xfrm>
+            <a:prstGeom prst="rect">
+              <a:avLst/>
+            </a:prstGeom>
+            <a:noFill/>
+          </p:spPr>
+          <p:txBody>
+            <a:bodyPr wrap="square" rtlCol="0">
+              <a:spAutoFit/>
+            </a:bodyPr>
+            <a:lstStyle/>
+            <a:p>
+              <a:r>
+                <a:rPr lang="fr-FR" sz="1100" dirty="0" err="1"/>
+                <a:t>Correlation</a:t>
+              </a:r>
+              <a:endParaRPr lang="fr-FR" sz="1100" dirty="0"/>
+            </a:p>
+          </p:txBody>
+        </p:sp>
+      </p:grpSp>
+    </p:spTree>
+    <p:extLst>
+      <p:ext uri="{BB962C8B-B14F-4D97-AF65-F5344CB8AC3E}">
+        <p14:creationId xmlns:p14="http://schemas.microsoft.com/office/powerpoint/2010/main" val="679133162"/>
+      </p:ext>
+    </p:extLst>
+  </p:cSld>
+  <p:clrMapOvr>
+    <a:masterClrMapping/>
+  </p:clrMapOvr>
+</p:sld>
+</file>
+
+<file path=ppt/slides/slide7.xml><?xml version="1.0" encoding="utf-8"?>
+<p:sld xmlns:a="http://schemas.openxmlformats.org/drawingml/2006/main" xmlns:r="http://schemas.openxmlformats.org/officeDocument/2006/relationships" xmlns:p="http://schemas.openxmlformats.org/presentationml/2006/main">
+  <p:cSld>
+    <p:spTree>
+      <p:nvGrpSpPr>
+        <p:cNvPr id="1" name=""/>
+        <p:cNvGrpSpPr/>
+        <p:nvPr/>
+      </p:nvGrpSpPr>
+      <p:grpSpPr>
+        <a:xfrm>
+          <a:off x="0" y="0"/>
+          <a:ext cx="0" cy="0"/>
+          <a:chOff x="0" y="0"/>
+          <a:chExt cx="0" cy="0"/>
+        </a:xfrm>
+      </p:grpSpPr>
+      <p:grpSp>
+        <p:nvGrpSpPr>
+          <p:cNvPr id="19" name="Groupe 18">
+            <a:extLst>
+              <a:ext uri="{FF2B5EF4-FFF2-40B4-BE49-F238E27FC236}">
+                <a16:creationId xmlns:a16="http://schemas.microsoft.com/office/drawing/2014/main" id="{14A92FC0-97BE-C853-DDCA-21937E16E50A}"/>
+              </a:ext>
+            </a:extLst>
+          </p:cNvPr>
+          <p:cNvGrpSpPr/>
+          <p:nvPr/>
+        </p:nvGrpSpPr>
+        <p:grpSpPr>
+          <a:xfrm>
+            <a:off x="285750" y="211200"/>
+            <a:ext cx="6051549" cy="6072511"/>
+            <a:chOff x="285750" y="211200"/>
+            <a:chExt cx="6051549" cy="6072511"/>
+          </a:xfrm>
+        </p:grpSpPr>
+        <p:graphicFrame>
+          <p:nvGraphicFramePr>
+            <p:cNvPr id="4" name="Objet 3">
+              <a:extLst>
+                <a:ext uri="{FF2B5EF4-FFF2-40B4-BE49-F238E27FC236}">
+                  <a16:creationId xmlns:a16="http://schemas.microsoft.com/office/drawing/2014/main" id="{BAE06375-20D5-EE99-BA4E-2238B5920080}"/>
+                </a:ext>
+              </a:extLst>
+            </p:cNvPr>
+            <p:cNvGraphicFramePr>
+              <a:graphicFrameLocks noChangeAspect="1"/>
+            </p:cNvGraphicFramePr>
+            <p:nvPr>
+              <p:extLst>
+                <p:ext uri="{D42A27DB-BD31-4B8C-83A1-F6EECF244321}">
+                  <p14:modId xmlns:p14="http://schemas.microsoft.com/office/powerpoint/2010/main" val="3091217948"/>
+                </p:ext>
+              </p:extLst>
+            </p:nvPr>
+          </p:nvGraphicFramePr>
+          <p:xfrm>
+            <a:off x="904874" y="712787"/>
+            <a:ext cx="5432425" cy="5432425"/>
+          </p:xfrm>
+          <a:graphic>
+            <a:graphicData uri="http://schemas.openxmlformats.org/presentationml/2006/ole">
+              <mc:AlternateContent xmlns:mc="http://schemas.openxmlformats.org/markup-compatibility/2006">
+                <mc:Choice xmlns:v="urn:schemas-microsoft-com:vml" Requires="v">
+                  <p:oleObj name="Acrobat Document" r:id="rId2" imgW="4800230" imgH="4800285" progId="AcroExch.Document.DC">
+                    <p:embed/>
+                  </p:oleObj>
+                </mc:Choice>
+                <mc:Fallback>
+                  <p:oleObj name="Acrobat Document" r:id="rId2" imgW="4800230" imgH="4800285" progId="AcroExch.Document.DC">
+                    <p:embed/>
+                    <p:pic>
+                      <p:nvPicPr>
+                        <p:cNvPr id="0" name=""/>
+                        <p:cNvPicPr/>
+                        <p:nvPr/>
+                      </p:nvPicPr>
+                      <p:blipFill>
+                        <a:blip r:embed="rId3"/>
+                        <a:stretch>
+                          <a:fillRect/>
+                        </a:stretch>
+                      </p:blipFill>
+                      <p:spPr>
+                        <a:xfrm>
+                          <a:off x="904874" y="712787"/>
+                          <a:ext cx="5432425" cy="5432425"/>
+                        </a:xfrm>
+                        <a:prstGeom prst="rect">
+                          <a:avLst/>
+                        </a:prstGeom>
+                      </p:spPr>
+                    </p:pic>
+                  </p:oleObj>
+                </mc:Fallback>
+              </mc:AlternateContent>
+            </a:graphicData>
+          </a:graphic>
+        </p:graphicFrame>
+        <p:sp>
+          <p:nvSpPr>
+            <p:cNvPr id="11" name="ZoneTexte 10">
+              <a:extLst>
+                <a:ext uri="{FF2B5EF4-FFF2-40B4-BE49-F238E27FC236}">
+                  <a16:creationId xmlns:a16="http://schemas.microsoft.com/office/drawing/2014/main" id="{BA3EFD3F-3F12-2D70-C8B4-18E50D52BE89}"/>
+                </a:ext>
+              </a:extLst>
+            </p:cNvPr>
+            <p:cNvSpPr txBox="1"/>
+            <p:nvPr/>
+          </p:nvSpPr>
+          <p:spPr>
+            <a:xfrm>
+              <a:off x="285750" y="2718513"/>
+              <a:ext cx="1816100" cy="2833724"/>
+            </a:xfrm>
+            <a:prstGeom prst="rect">
+              <a:avLst/>
+            </a:prstGeom>
+            <a:solidFill>
+              <a:schemeClr val="bg1"/>
+            </a:solidFill>
+          </p:spPr>
+          <p:txBody>
+            <a:bodyPr wrap="square" rtlCol="0">
+              <a:spAutoFit/>
+            </a:bodyPr>
+            <a:lstStyle/>
+            <a:p>
+              <a:pPr algn="r">
+                <a:lnSpc>
+                  <a:spcPct val="150000"/>
+                </a:lnSpc>
+              </a:pPr>
+              <a:r>
+                <a:rPr lang="fr-FR" sz="1200" b="1" i="0" u="none" strike="noStrike" dirty="0">
+                  <a:solidFill>
+                    <a:srgbClr val="CB763D"/>
+                  </a:solidFill>
+                  <a:effectLst/>
+                  <a:latin typeface="Calibri" panose="020F0502020204030204" pitchFamily="34" charset="0"/>
+                </a:rPr>
+                <a:t>Sardina </a:t>
+              </a:r>
+              <a:r>
+                <a:rPr lang="fr-FR" sz="1200" b="1" i="0" u="none" strike="noStrike" dirty="0" err="1">
+                  <a:solidFill>
+                    <a:srgbClr val="CB763D"/>
+                  </a:solidFill>
+                  <a:effectLst/>
+                  <a:latin typeface="Calibri" panose="020F0502020204030204" pitchFamily="34" charset="0"/>
+                </a:rPr>
+                <a:t>pilchardus</a:t>
+              </a:r>
+              <a:endParaRPr lang="fr-FR" sz="1200" b="1" i="0" u="none" strike="noStrike" dirty="0">
+                <a:solidFill>
+                  <a:srgbClr val="CB763D"/>
+                </a:solidFill>
+                <a:effectLst/>
+                <a:latin typeface="Calibri" panose="020F0502020204030204" pitchFamily="34" charset="0"/>
+              </a:endParaRPr>
+            </a:p>
+            <a:p>
+              <a:pPr algn="r">
+                <a:lnSpc>
+                  <a:spcPct val="150000"/>
+                </a:lnSpc>
+              </a:pPr>
+              <a:r>
+                <a:rPr lang="fr-FR" sz="1200" b="1" i="0" u="none" strike="noStrike" dirty="0" err="1">
+                  <a:solidFill>
+                    <a:srgbClr val="A75295"/>
+                  </a:solidFill>
+                  <a:effectLst/>
+                  <a:latin typeface="Calibri" panose="020F0502020204030204" pitchFamily="34" charset="0"/>
+                </a:rPr>
+                <a:t>Thunnus</a:t>
+              </a:r>
+              <a:endParaRPr lang="fr-FR" sz="1200" b="1" i="0" u="none" strike="noStrike" dirty="0">
+                <a:solidFill>
+                  <a:srgbClr val="A75295"/>
+                </a:solidFill>
+                <a:effectLst/>
+                <a:latin typeface="Calibri" panose="020F0502020204030204" pitchFamily="34" charset="0"/>
+              </a:endParaRPr>
+            </a:p>
+            <a:p>
+              <a:pPr algn="r">
+                <a:lnSpc>
+                  <a:spcPct val="150000"/>
+                </a:lnSpc>
+              </a:pPr>
+              <a:r>
+                <a:rPr lang="fr-FR" sz="1200" b="1" i="0" u="none" strike="noStrike" dirty="0" err="1">
+                  <a:solidFill>
+                    <a:srgbClr val="75926B"/>
+                  </a:solidFill>
+                  <a:effectLst/>
+                  <a:latin typeface="Calibri" panose="020F0502020204030204" pitchFamily="34" charset="0"/>
+                </a:rPr>
+                <a:t>Percomorphaceae</a:t>
+              </a:r>
+              <a:endParaRPr lang="fr-FR" sz="1200" b="1" dirty="0">
+                <a:solidFill>
+                  <a:srgbClr val="75926B"/>
+                </a:solidFill>
+                <a:effectLst/>
+              </a:endParaRPr>
+            </a:p>
+            <a:p>
+              <a:pPr algn="r">
+                <a:lnSpc>
+                  <a:spcPct val="150000"/>
+                </a:lnSpc>
+              </a:pPr>
+              <a:r>
+                <a:rPr lang="fr-FR" sz="1200" b="1" i="0" u="none" strike="noStrike" dirty="0" err="1">
+                  <a:solidFill>
+                    <a:srgbClr val="52987E"/>
+                  </a:solidFill>
+                  <a:effectLst/>
+                  <a:latin typeface="Calibri" panose="020F0502020204030204" pitchFamily="34" charset="0"/>
+                </a:rPr>
+                <a:t>Lethrinus</a:t>
+              </a:r>
+              <a:endParaRPr lang="fr-FR" sz="1200" b="1" i="0" u="none" strike="noStrike" dirty="0">
+                <a:solidFill>
+                  <a:srgbClr val="52987E"/>
+                </a:solidFill>
+                <a:effectLst/>
+                <a:latin typeface="Calibri" panose="020F0502020204030204" pitchFamily="34" charset="0"/>
+              </a:endParaRPr>
+            </a:p>
+            <a:p>
+              <a:pPr algn="r">
+                <a:lnSpc>
+                  <a:spcPct val="150000"/>
+                </a:lnSpc>
+              </a:pPr>
+              <a:r>
+                <a:rPr lang="fr-FR" sz="1200" b="1" i="0" u="none" strike="noStrike" dirty="0" err="1">
+                  <a:solidFill>
+                    <a:srgbClr val="E4191B"/>
+                  </a:solidFill>
+                  <a:effectLst/>
+                  <a:latin typeface="Calibri" panose="020F0502020204030204" pitchFamily="34" charset="0"/>
+                </a:rPr>
+                <a:t>Myctophidae</a:t>
+              </a:r>
+              <a:endParaRPr lang="fr-FR" sz="1200" b="1" dirty="0">
+                <a:solidFill>
+                  <a:srgbClr val="E4191B"/>
+                </a:solidFill>
+                <a:latin typeface="Calibri" panose="020F0502020204030204" pitchFamily="34" charset="0"/>
+              </a:endParaRPr>
+            </a:p>
+            <a:p>
+              <a:pPr algn="r">
+                <a:lnSpc>
+                  <a:spcPct val="150000"/>
+                </a:lnSpc>
+              </a:pPr>
+              <a:r>
+                <a:rPr lang="fr-FR" sz="1200" b="1" i="0" u="none" strike="noStrike" dirty="0" err="1">
+                  <a:solidFill>
+                    <a:srgbClr val="E388B6"/>
+                  </a:solidFill>
+                  <a:effectLst/>
+                  <a:latin typeface="Calibri" panose="020F0502020204030204" pitchFamily="34" charset="0"/>
+                </a:rPr>
+                <a:t>Tylosurus</a:t>
+              </a:r>
+              <a:endParaRPr lang="fr-FR" sz="1200" b="1" i="0" u="none" strike="noStrike" dirty="0">
+                <a:solidFill>
+                  <a:srgbClr val="E388B6"/>
+                </a:solidFill>
+                <a:effectLst/>
+                <a:latin typeface="Calibri" panose="020F0502020204030204" pitchFamily="34" charset="0"/>
+              </a:endParaRPr>
+            </a:p>
+            <a:p>
+              <a:pPr algn="r">
+                <a:lnSpc>
+                  <a:spcPct val="150000"/>
+                </a:lnSpc>
+              </a:pPr>
+              <a:r>
+                <a:rPr lang="fr-FR" sz="1200" b="1" i="0" u="none" strike="noStrike" dirty="0" err="1">
+                  <a:solidFill>
+                    <a:srgbClr val="F57828"/>
+                  </a:solidFill>
+                  <a:effectLst/>
+                  <a:latin typeface="Calibri" panose="020F0502020204030204" pitchFamily="34" charset="0"/>
+                </a:rPr>
+                <a:t>Lutjanus</a:t>
+              </a:r>
+              <a:endParaRPr lang="fr-FR" sz="1200" b="1" i="0" u="none" strike="noStrike" dirty="0">
+                <a:solidFill>
+                  <a:srgbClr val="F57828"/>
+                </a:solidFill>
+                <a:effectLst/>
+                <a:latin typeface="Calibri" panose="020F0502020204030204" pitchFamily="34" charset="0"/>
+              </a:endParaRPr>
+            </a:p>
+            <a:p>
+              <a:pPr algn="r">
+                <a:lnSpc>
+                  <a:spcPct val="150000"/>
+                </a:lnSpc>
+              </a:pPr>
+              <a:r>
+                <a:rPr lang="fr-FR" sz="1200" b="1" i="0" u="none" strike="noStrike" dirty="0" err="1">
+                  <a:solidFill>
+                    <a:srgbClr val="999999"/>
+                  </a:solidFill>
+                  <a:effectLst/>
+                  <a:latin typeface="Calibri" panose="020F0502020204030204" pitchFamily="34" charset="0"/>
+                </a:rPr>
+                <a:t>Scomberomorus</a:t>
+              </a:r>
+              <a:endParaRPr lang="fr-FR" sz="1200" b="1" dirty="0">
+                <a:solidFill>
+                  <a:srgbClr val="999999"/>
+                </a:solidFill>
+                <a:latin typeface="Calibri" panose="020F0502020204030204" pitchFamily="34" charset="0"/>
+              </a:endParaRPr>
+            </a:p>
+            <a:p>
+              <a:pPr algn="r">
+                <a:lnSpc>
+                  <a:spcPct val="150000"/>
+                </a:lnSpc>
+              </a:pPr>
+              <a:r>
+                <a:rPr lang="fr-FR" sz="1200" b="1" i="0" u="none" strike="noStrike" dirty="0" err="1">
+                  <a:solidFill>
+                    <a:srgbClr val="CB686A"/>
+                  </a:solidFill>
+                  <a:effectLst/>
+                  <a:latin typeface="Calibri" panose="020F0502020204030204" pitchFamily="34" charset="0"/>
+                </a:rPr>
+                <a:t>Percomorphaceae</a:t>
+              </a:r>
+              <a:endParaRPr lang="fr-FR" sz="1200" b="1" i="0" u="none" strike="noStrike" dirty="0">
+                <a:solidFill>
+                  <a:srgbClr val="CB686A"/>
+                </a:solidFill>
+                <a:effectLst/>
+                <a:latin typeface="Calibri" panose="020F0502020204030204" pitchFamily="34" charset="0"/>
+              </a:endParaRPr>
+            </a:p>
+            <a:p>
+              <a:pPr algn="r">
+                <a:lnSpc>
+                  <a:spcPct val="150000"/>
+                </a:lnSpc>
+              </a:pPr>
+              <a:r>
+                <a:rPr lang="fr-FR" sz="1200" b="1" i="0" u="none" strike="noStrike" dirty="0" err="1">
+                  <a:solidFill>
+                    <a:srgbClr val="817194"/>
+                  </a:solidFill>
+                  <a:effectLst/>
+                  <a:latin typeface="Calibri" panose="020F0502020204030204" pitchFamily="34" charset="0"/>
+                </a:rPr>
+                <a:t>Diaphus</a:t>
+              </a:r>
+              <a:endParaRPr lang="fr-FR" sz="1200" b="1" dirty="0">
+                <a:solidFill>
+                  <a:srgbClr val="817194"/>
+                </a:solidFill>
+              </a:endParaRPr>
+            </a:p>
+          </p:txBody>
+        </p:sp>
+        <p:sp>
+          <p:nvSpPr>
+            <p:cNvPr id="12" name="ZoneTexte 11">
+              <a:extLst>
+                <a:ext uri="{FF2B5EF4-FFF2-40B4-BE49-F238E27FC236}">
+                  <a16:creationId xmlns:a16="http://schemas.microsoft.com/office/drawing/2014/main" id="{9605D980-E428-A8BA-4162-101C64CA24F8}"/>
+                </a:ext>
+              </a:extLst>
+            </p:cNvPr>
+            <p:cNvSpPr txBox="1"/>
+            <p:nvPr/>
+          </p:nvSpPr>
+          <p:spPr>
+            <a:xfrm rot="16200000">
+              <a:off x="1801062" y="720987"/>
+              <a:ext cx="1412751" cy="1169551"/>
+            </a:xfrm>
+            <a:prstGeom prst="rect">
+              <a:avLst/>
+            </a:prstGeom>
+            <a:solidFill>
+              <a:schemeClr val="bg1"/>
+            </a:solidFill>
+          </p:spPr>
+          <p:txBody>
+            <a:bodyPr wrap="square" rtlCol="0">
+              <a:spAutoFit/>
+            </a:bodyPr>
+            <a:lstStyle/>
+            <a:p>
+              <a:r>
+                <a:rPr lang="fr-FR" sz="700" i="0" u="none" strike="noStrike" dirty="0" err="1">
+                  <a:solidFill>
+                    <a:srgbClr val="817194"/>
+                  </a:solidFill>
+                  <a:effectLst/>
+                  <a:latin typeface="Calibri" panose="020F0502020204030204" pitchFamily="34" charset="0"/>
+                </a:rPr>
+                <a:t>Diaphus</a:t>
+              </a:r>
+              <a:endParaRPr lang="fr-FR" sz="700" dirty="0">
+                <a:solidFill>
+                  <a:srgbClr val="817194"/>
+                </a:solidFill>
+              </a:endParaRPr>
+            </a:p>
+            <a:p>
+              <a:r>
+                <a:rPr lang="fr-FR" sz="700" i="0" u="none" strike="noStrike" dirty="0" err="1">
+                  <a:solidFill>
+                    <a:srgbClr val="CB686A"/>
+                  </a:solidFill>
+                  <a:effectLst/>
+                  <a:latin typeface="Calibri" panose="020F0502020204030204" pitchFamily="34" charset="0"/>
+                </a:rPr>
+                <a:t>Percomorphaceae</a:t>
+              </a:r>
+              <a:endParaRPr lang="fr-FR" sz="700" i="0" u="none" strike="noStrike" dirty="0">
+                <a:solidFill>
+                  <a:srgbClr val="CB686A"/>
+                </a:solidFill>
+                <a:effectLst/>
+                <a:latin typeface="Calibri" panose="020F0502020204030204" pitchFamily="34" charset="0"/>
+              </a:endParaRPr>
+            </a:p>
+            <a:p>
+              <a:r>
+                <a:rPr lang="fr-FR" sz="700" i="0" u="none" strike="noStrike" dirty="0" err="1">
+                  <a:solidFill>
+                    <a:srgbClr val="999999"/>
+                  </a:solidFill>
+                  <a:effectLst/>
+                  <a:latin typeface="Calibri" panose="020F0502020204030204" pitchFamily="34" charset="0"/>
+                </a:rPr>
+                <a:t>Scomberomorus</a:t>
+              </a:r>
+              <a:endParaRPr lang="fr-FR" sz="700" dirty="0">
+                <a:solidFill>
+                  <a:srgbClr val="999999"/>
+                </a:solidFill>
+                <a:latin typeface="Calibri" panose="020F0502020204030204" pitchFamily="34" charset="0"/>
+              </a:endParaRPr>
+            </a:p>
+            <a:p>
+              <a:r>
+                <a:rPr lang="fr-FR" sz="700" i="0" u="none" strike="noStrike" dirty="0" err="1">
+                  <a:solidFill>
+                    <a:srgbClr val="F57828"/>
+                  </a:solidFill>
+                  <a:effectLst/>
+                  <a:latin typeface="Calibri" panose="020F0502020204030204" pitchFamily="34" charset="0"/>
+                </a:rPr>
+                <a:t>Lutjanus</a:t>
+              </a:r>
+              <a:endParaRPr lang="fr-FR" sz="700" i="0" u="none" strike="noStrike" dirty="0">
+                <a:solidFill>
+                  <a:srgbClr val="F57828"/>
+                </a:solidFill>
+                <a:effectLst/>
+                <a:latin typeface="Calibri" panose="020F0502020204030204" pitchFamily="34" charset="0"/>
+              </a:endParaRPr>
+            </a:p>
+            <a:p>
+              <a:r>
+                <a:rPr lang="fr-FR" sz="700" i="0" u="none" strike="noStrike" dirty="0" err="1">
+                  <a:solidFill>
+                    <a:srgbClr val="E388B6"/>
+                  </a:solidFill>
+                  <a:effectLst/>
+                  <a:latin typeface="Calibri" panose="020F0502020204030204" pitchFamily="34" charset="0"/>
+                </a:rPr>
+                <a:t>Tylosurus</a:t>
+              </a:r>
+              <a:endParaRPr lang="fr-FR" sz="700" i="0" u="none" strike="noStrike" dirty="0">
+                <a:solidFill>
+                  <a:srgbClr val="E388B6"/>
+                </a:solidFill>
+                <a:effectLst/>
+                <a:latin typeface="Calibri" panose="020F0502020204030204" pitchFamily="34" charset="0"/>
+              </a:endParaRPr>
+            </a:p>
+            <a:p>
+              <a:r>
+                <a:rPr lang="fr-FR" sz="700" i="0" u="none" strike="noStrike" dirty="0" err="1">
+                  <a:solidFill>
+                    <a:srgbClr val="E4191B"/>
+                  </a:solidFill>
+                  <a:effectLst/>
+                  <a:latin typeface="Calibri" panose="020F0502020204030204" pitchFamily="34" charset="0"/>
+                </a:rPr>
+                <a:t>Myctophidae</a:t>
+              </a:r>
+              <a:endParaRPr lang="fr-FR" sz="700" i="0" u="none" strike="noStrike" dirty="0">
+                <a:solidFill>
+                  <a:srgbClr val="E4191B"/>
+                </a:solidFill>
+                <a:effectLst/>
+                <a:latin typeface="Calibri" panose="020F0502020204030204" pitchFamily="34" charset="0"/>
+              </a:endParaRPr>
+            </a:p>
+            <a:p>
+              <a:r>
+                <a:rPr lang="fr-FR" sz="700" i="0" u="none" strike="noStrike" dirty="0" err="1">
+                  <a:solidFill>
+                    <a:srgbClr val="52987E"/>
+                  </a:solidFill>
+                  <a:effectLst/>
+                  <a:latin typeface="Calibri" panose="020F0502020204030204" pitchFamily="34" charset="0"/>
+                </a:rPr>
+                <a:t>Lethrinus</a:t>
+              </a:r>
+              <a:endParaRPr lang="fr-FR" sz="700" dirty="0">
+                <a:solidFill>
+                  <a:srgbClr val="E4191B"/>
+                </a:solidFill>
+                <a:latin typeface="Calibri" panose="020F0502020204030204" pitchFamily="34" charset="0"/>
+              </a:endParaRPr>
+            </a:p>
+            <a:p>
+              <a:r>
+                <a:rPr lang="fr-FR" sz="700" i="0" u="none" strike="noStrike" dirty="0" err="1">
+                  <a:solidFill>
+                    <a:srgbClr val="75926B"/>
+                  </a:solidFill>
+                  <a:effectLst/>
+                  <a:latin typeface="Calibri" panose="020F0502020204030204" pitchFamily="34" charset="0"/>
+                </a:rPr>
+                <a:t>Percomorphaceae</a:t>
+              </a:r>
+              <a:endParaRPr lang="fr-FR" sz="700" i="0" u="none" strike="noStrike" dirty="0">
+                <a:solidFill>
+                  <a:srgbClr val="75926B"/>
+                </a:solidFill>
+                <a:effectLst/>
+                <a:latin typeface="Calibri" panose="020F0502020204030204" pitchFamily="34" charset="0"/>
+              </a:endParaRPr>
+            </a:p>
+            <a:p>
+              <a:r>
+                <a:rPr lang="fr-FR" sz="700" i="0" u="none" strike="noStrike" dirty="0" err="1">
+                  <a:solidFill>
+                    <a:srgbClr val="A75295"/>
+                  </a:solidFill>
+                  <a:effectLst/>
+                  <a:latin typeface="Calibri" panose="020F0502020204030204" pitchFamily="34" charset="0"/>
+                </a:rPr>
+                <a:t>Thunnus</a:t>
+              </a:r>
+              <a:endParaRPr lang="fr-FR" sz="700" i="0" u="none" strike="noStrike" dirty="0">
+                <a:solidFill>
+                  <a:srgbClr val="CB763D"/>
+                </a:solidFill>
+                <a:effectLst/>
+                <a:latin typeface="Calibri" panose="020F0502020204030204" pitchFamily="34" charset="0"/>
+              </a:endParaRPr>
+            </a:p>
+            <a:p>
+              <a:r>
+                <a:rPr lang="fr-FR" sz="700" i="0" u="none" strike="noStrike" dirty="0">
+                  <a:solidFill>
+                    <a:srgbClr val="CB763D"/>
+                  </a:solidFill>
+                  <a:effectLst/>
+                  <a:latin typeface="Calibri" panose="020F0502020204030204" pitchFamily="34" charset="0"/>
+                </a:rPr>
+                <a:t>Sardina </a:t>
+              </a:r>
+              <a:r>
+                <a:rPr lang="fr-FR" sz="700" i="0" u="none" strike="noStrike" dirty="0" err="1">
+                  <a:solidFill>
+                    <a:srgbClr val="CB763D"/>
+                  </a:solidFill>
+                  <a:effectLst/>
+                  <a:latin typeface="Calibri" panose="020F0502020204030204" pitchFamily="34" charset="0"/>
+                </a:rPr>
+                <a:t>pilchardus</a:t>
+              </a:r>
+              <a:endParaRPr lang="fr-FR" sz="700" i="0" u="none" strike="noStrike" dirty="0">
+                <a:solidFill>
+                  <a:srgbClr val="CB763D"/>
+                </a:solidFill>
+                <a:effectLst/>
+                <a:latin typeface="Calibri" panose="020F0502020204030204" pitchFamily="34" charset="0"/>
+              </a:endParaRPr>
+            </a:p>
+          </p:txBody>
+        </p:sp>
+        <p:sp>
+          <p:nvSpPr>
+            <p:cNvPr id="13" name="ZoneTexte 12">
+              <a:extLst>
+                <a:ext uri="{FF2B5EF4-FFF2-40B4-BE49-F238E27FC236}">
+                  <a16:creationId xmlns:a16="http://schemas.microsoft.com/office/drawing/2014/main" id="{13F009EB-5BCA-ED45-FD27-1D8728437C65}"/>
+                </a:ext>
+              </a:extLst>
+            </p:cNvPr>
+            <p:cNvSpPr txBox="1"/>
+            <p:nvPr/>
+          </p:nvSpPr>
+          <p:spPr>
+            <a:xfrm>
+              <a:off x="2046696" y="302909"/>
+              <a:ext cx="1057275" cy="307777"/>
+            </a:xfrm>
+            <a:prstGeom prst="rect">
+              <a:avLst/>
+            </a:prstGeom>
+            <a:noFill/>
+          </p:spPr>
+          <p:txBody>
+            <a:bodyPr wrap="square" rtlCol="0">
+              <a:spAutoFit/>
+            </a:bodyPr>
+            <a:lstStyle/>
+            <a:p>
+              <a:r>
+                <a:rPr lang="en-US" sz="1400" b="1" dirty="0"/>
+                <a:t>MOTU</a:t>
+              </a:r>
+              <a:endParaRPr lang="fr-FR" sz="1400" b="1" dirty="0"/>
+            </a:p>
+          </p:txBody>
+        </p:sp>
+        <p:sp>
+          <p:nvSpPr>
+            <p:cNvPr id="14" name="ZoneTexte 13">
+              <a:extLst>
+                <a:ext uri="{FF2B5EF4-FFF2-40B4-BE49-F238E27FC236}">
+                  <a16:creationId xmlns:a16="http://schemas.microsoft.com/office/drawing/2014/main" id="{77F77AF7-493D-03C8-2F00-701FC5C1A37A}"/>
+                </a:ext>
+              </a:extLst>
+            </p:cNvPr>
+            <p:cNvSpPr txBox="1"/>
+            <p:nvPr/>
+          </p:nvSpPr>
+          <p:spPr>
+            <a:xfrm rot="16200000">
+              <a:off x="66675" y="3803748"/>
+              <a:ext cx="1057275" cy="307777"/>
+            </a:xfrm>
+            <a:prstGeom prst="rect">
+              <a:avLst/>
+            </a:prstGeom>
+            <a:noFill/>
+          </p:spPr>
+          <p:txBody>
+            <a:bodyPr wrap="square" rtlCol="0">
+              <a:spAutoFit/>
+            </a:bodyPr>
+            <a:lstStyle/>
+            <a:p>
+              <a:r>
+                <a:rPr lang="en-US" sz="1400" b="1" dirty="0"/>
+                <a:t>MOTU</a:t>
+              </a:r>
+              <a:endParaRPr lang="fr-FR" sz="1400" b="1" dirty="0"/>
+            </a:p>
+          </p:txBody>
+        </p:sp>
+        <p:sp>
+          <p:nvSpPr>
+            <p:cNvPr id="15" name="ZoneTexte 14">
+              <a:extLst>
+                <a:ext uri="{FF2B5EF4-FFF2-40B4-BE49-F238E27FC236}">
+                  <a16:creationId xmlns:a16="http://schemas.microsoft.com/office/drawing/2014/main" id="{4F93F25A-0F71-E874-C521-07C2928AC7BE}"/>
+                </a:ext>
+              </a:extLst>
+            </p:cNvPr>
+            <p:cNvSpPr txBox="1"/>
+            <p:nvPr/>
+          </p:nvSpPr>
+          <p:spPr>
+            <a:xfrm rot="16200000">
+              <a:off x="3639579" y="-336166"/>
+              <a:ext cx="1767590" cy="2862322"/>
+            </a:xfrm>
+            <a:prstGeom prst="rect">
+              <a:avLst/>
+            </a:prstGeom>
+            <a:solidFill>
+              <a:schemeClr val="bg1"/>
+            </a:solidFill>
+          </p:spPr>
+          <p:txBody>
+            <a:bodyPr wrap="square" rtlCol="0">
+              <a:spAutoFit/>
+            </a:bodyPr>
+            <a:lstStyle/>
+            <a:p>
+              <a:r>
+                <a:rPr lang="en-US" sz="1000" dirty="0"/>
+                <a:t>Salinity</a:t>
+              </a:r>
+            </a:p>
+            <a:p>
+              <a:r>
+                <a:rPr lang="en-US" sz="1000" dirty="0"/>
+                <a:t>SST mean</a:t>
+              </a:r>
+            </a:p>
+            <a:p>
+              <a:r>
+                <a:rPr lang="fr-FR" sz="1000" dirty="0"/>
+                <a:t>Distance to </a:t>
+              </a:r>
+              <a:r>
+                <a:rPr lang="fr-FR" sz="1000" dirty="0" err="1"/>
+                <a:t>Reef</a:t>
+              </a:r>
+              <a:endParaRPr lang="fr-FR" sz="1000" dirty="0"/>
+            </a:p>
+            <a:p>
+              <a:r>
+                <a:rPr lang="fr-FR" sz="1000" dirty="0"/>
+                <a:t>Salinity²</a:t>
+              </a:r>
+              <a:endParaRPr lang="en-US" sz="1000" dirty="0"/>
+            </a:p>
+            <a:p>
+              <a:r>
+                <a:rPr lang="en-US" sz="1000" dirty="0"/>
+                <a:t>Habitat: Seamount</a:t>
+              </a:r>
+            </a:p>
+            <a:p>
+              <a:r>
+                <a:rPr lang="en-US" sz="1000" dirty="0"/>
+                <a:t>Summit Area</a:t>
+              </a:r>
+            </a:p>
+            <a:p>
+              <a:r>
+                <a:rPr lang="en-US" sz="1000" dirty="0"/>
+                <a:t>Northward velocity</a:t>
+              </a:r>
+            </a:p>
+            <a:p>
+              <a:r>
+                <a:rPr lang="en-US" sz="1000" dirty="0"/>
+                <a:t>Summit rugosity</a:t>
+              </a:r>
+            </a:p>
+            <a:p>
+              <a:r>
+                <a:rPr lang="en-US" sz="1000" dirty="0"/>
+                <a:t>Travel time</a:t>
+              </a:r>
+            </a:p>
+            <a:p>
+              <a:r>
+                <a:rPr lang="en-US" sz="1000" dirty="0"/>
+                <a:t>Habitat: Deep slope</a:t>
+              </a:r>
+            </a:p>
+            <a:p>
+              <a:r>
+                <a:rPr lang="en-US" sz="1000" dirty="0"/>
+                <a:t>Summit rugosity</a:t>
+              </a:r>
+              <a:r>
+                <a:rPr lang="fr-FR" sz="1000" dirty="0"/>
+                <a:t>²</a:t>
+              </a:r>
+            </a:p>
+            <a:p>
+              <a:r>
+                <a:rPr lang="fr-FR" sz="1000" dirty="0" err="1"/>
+                <a:t>Eastward</a:t>
+              </a:r>
+              <a:r>
+                <a:rPr lang="fr-FR" sz="1000" dirty="0"/>
+                <a:t> </a:t>
+              </a:r>
+              <a:r>
+                <a:rPr lang="fr-FR" sz="1000" dirty="0" err="1"/>
+                <a:t>velocity</a:t>
+              </a:r>
+              <a:endParaRPr lang="fr-FR" sz="1000" dirty="0"/>
+            </a:p>
+            <a:p>
+              <a:r>
+                <a:rPr lang="fr-FR" sz="1000" dirty="0" err="1"/>
+                <a:t>Seafloor</a:t>
+              </a:r>
+              <a:r>
+                <a:rPr lang="fr-FR" sz="1000" dirty="0"/>
+                <a:t> temperature²</a:t>
+              </a:r>
+            </a:p>
+            <a:p>
+              <a:r>
+                <a:rPr lang="fr-FR" sz="1000" dirty="0"/>
+                <a:t>Sampling </a:t>
+              </a:r>
+              <a:r>
+                <a:rPr lang="fr-FR" sz="1000" dirty="0" err="1"/>
+                <a:t>depth</a:t>
+              </a:r>
+              <a:endParaRPr lang="fr-FR" sz="1000" dirty="0"/>
+            </a:p>
+            <a:p>
+              <a:r>
+                <a:rPr lang="en-US" sz="1000" dirty="0"/>
+                <a:t>Northward velocity</a:t>
+              </a:r>
+              <a:r>
+                <a:rPr lang="fr-FR" sz="1000" dirty="0"/>
+                <a:t>²</a:t>
+              </a:r>
+            </a:p>
+            <a:p>
+              <a:r>
+                <a:rPr lang="en-US" sz="1000" dirty="0"/>
+                <a:t>Bottom depth</a:t>
+              </a:r>
+            </a:p>
+            <a:p>
+              <a:r>
+                <a:rPr lang="en-US" sz="1000" dirty="0"/>
+                <a:t>Suspended particulate matter</a:t>
+              </a:r>
+            </a:p>
+            <a:p>
+              <a:r>
+                <a:rPr lang="en-US" sz="1000" dirty="0"/>
+                <a:t>Seafloor temperature</a:t>
+              </a:r>
+              <a:endParaRPr lang="fr-FR" sz="1000" dirty="0"/>
+            </a:p>
+          </p:txBody>
+        </p:sp>
+        <p:sp>
+          <p:nvSpPr>
+            <p:cNvPr id="16" name="ZoneTexte 15">
+              <a:extLst>
+                <a:ext uri="{FF2B5EF4-FFF2-40B4-BE49-F238E27FC236}">
+                  <a16:creationId xmlns:a16="http://schemas.microsoft.com/office/drawing/2014/main" id="{76C7C46D-57E0-8339-85A5-4D2F325D6971}"/>
+                </a:ext>
+              </a:extLst>
+            </p:cNvPr>
+            <p:cNvSpPr txBox="1"/>
+            <p:nvPr/>
+          </p:nvSpPr>
+          <p:spPr>
+            <a:xfrm>
+              <a:off x="4082576" y="302910"/>
+              <a:ext cx="1057275" cy="307777"/>
+            </a:xfrm>
+            <a:prstGeom prst="rect">
+              <a:avLst/>
+            </a:prstGeom>
+            <a:noFill/>
+          </p:spPr>
+          <p:txBody>
+            <a:bodyPr wrap="square" rtlCol="0">
+              <a:spAutoFit/>
+            </a:bodyPr>
+            <a:lstStyle/>
+            <a:p>
+              <a:r>
+                <a:rPr lang="en-US" sz="1400" b="1" dirty="0"/>
+                <a:t>Predictors</a:t>
+              </a:r>
+              <a:endParaRPr lang="fr-FR" sz="1400" b="1" dirty="0"/>
+            </a:p>
+          </p:txBody>
+        </p:sp>
+        <p:sp>
+          <p:nvSpPr>
+            <p:cNvPr id="17" name="ZoneTexte 16">
+              <a:extLst>
+                <a:ext uri="{FF2B5EF4-FFF2-40B4-BE49-F238E27FC236}">
+                  <a16:creationId xmlns:a16="http://schemas.microsoft.com/office/drawing/2014/main" id="{43D0BC09-CF7C-E15A-2E8F-BB30D8669596}"/>
+                </a:ext>
+              </a:extLst>
+            </p:cNvPr>
+            <p:cNvSpPr txBox="1"/>
+            <p:nvPr/>
+          </p:nvSpPr>
+          <p:spPr>
+            <a:xfrm>
+              <a:off x="2131886" y="6006712"/>
+              <a:ext cx="1057275" cy="276999"/>
+            </a:xfrm>
+            <a:prstGeom prst="rect">
+              <a:avLst/>
+            </a:prstGeom>
+            <a:noFill/>
+          </p:spPr>
+          <p:txBody>
+            <a:bodyPr wrap="square" rtlCol="0">
+              <a:spAutoFit/>
+            </a:bodyPr>
+            <a:lstStyle/>
+            <a:p>
+              <a:r>
+                <a:rPr lang="en-US" sz="1200" dirty="0"/>
+                <a:t>Correlation</a:t>
+              </a:r>
+              <a:endParaRPr lang="fr-FR" sz="1200" dirty="0"/>
+            </a:p>
+          </p:txBody>
+        </p:sp>
+        <p:sp>
+          <p:nvSpPr>
+            <p:cNvPr id="18" name="ZoneTexte 17">
+              <a:extLst>
+                <a:ext uri="{FF2B5EF4-FFF2-40B4-BE49-F238E27FC236}">
+                  <a16:creationId xmlns:a16="http://schemas.microsoft.com/office/drawing/2014/main" id="{4B71533E-B196-FC2C-20A9-557E44A91169}"/>
+                </a:ext>
+              </a:extLst>
+            </p:cNvPr>
+            <p:cNvSpPr txBox="1"/>
+            <p:nvPr/>
+          </p:nvSpPr>
+          <p:spPr>
+            <a:xfrm>
+              <a:off x="4082576" y="6006712"/>
+              <a:ext cx="1057275" cy="276999"/>
+            </a:xfrm>
+            <a:prstGeom prst="rect">
+              <a:avLst/>
+            </a:prstGeom>
+            <a:noFill/>
+          </p:spPr>
+          <p:txBody>
+            <a:bodyPr wrap="square" rtlCol="0">
+              <a:spAutoFit/>
+            </a:bodyPr>
+            <a:lstStyle/>
+            <a:p>
+              <a:r>
+                <a:rPr lang="en-US" sz="1200" dirty="0"/>
+                <a:t>Correlation</a:t>
+              </a:r>
+              <a:endParaRPr lang="fr-FR" sz="1200" dirty="0"/>
+            </a:p>
+          </p:txBody>
+        </p:sp>
+      </p:grpSp>
+    </p:spTree>
+    <p:extLst>
+      <p:ext uri="{BB962C8B-B14F-4D97-AF65-F5344CB8AC3E}">
+        <p14:creationId xmlns:p14="http://schemas.microsoft.com/office/powerpoint/2010/main" val="2333385570"/>
+      </p:ext>
+    </p:extLst>
+  </p:cSld>
+  <p:clrMapOvr>
+    <a:masterClrMapping/>
+  </p:clrMapOvr>
+</p:sld>
+</file>
+
 <file path=ppt/theme/theme1.xml><?xml version="1.0" encoding="utf-8"?>
 <a:theme xmlns:a="http://schemas.openxmlformats.org/drawingml/2006/main" name="Thème Office">
   <a:themeElements>

--- a/06_Figures/Figures.pptx
+++ b/06_Figures/Figures.pptx
@@ -249,7 +249,7 @@
           <a:p>
             <a:fld id="{3FF39126-F987-48DB-9EEF-9CD00B9E823D}" type="datetimeFigureOut">
               <a:rPr lang="fr-FR" smtClean="0"/>
-              <a:t>06/03/2024</a:t>
+              <a:t>24/07/2024</a:t>
             </a:fld>
             <a:endParaRPr lang="fr-FR"/>
           </a:p>
@@ -419,7 +419,7 @@
           <a:p>
             <a:fld id="{3FF39126-F987-48DB-9EEF-9CD00B9E823D}" type="datetimeFigureOut">
               <a:rPr lang="fr-FR" smtClean="0"/>
-              <a:t>06/03/2024</a:t>
+              <a:t>24/07/2024</a:t>
             </a:fld>
             <a:endParaRPr lang="fr-FR"/>
           </a:p>
@@ -599,7 +599,7 @@
           <a:p>
             <a:fld id="{3FF39126-F987-48DB-9EEF-9CD00B9E823D}" type="datetimeFigureOut">
               <a:rPr lang="fr-FR" smtClean="0"/>
-              <a:t>06/03/2024</a:t>
+              <a:t>24/07/2024</a:t>
             </a:fld>
             <a:endParaRPr lang="fr-FR"/>
           </a:p>
@@ -769,7 +769,7 @@
           <a:p>
             <a:fld id="{3FF39126-F987-48DB-9EEF-9CD00B9E823D}" type="datetimeFigureOut">
               <a:rPr lang="fr-FR" smtClean="0"/>
-              <a:t>06/03/2024</a:t>
+              <a:t>24/07/2024</a:t>
             </a:fld>
             <a:endParaRPr lang="fr-FR"/>
           </a:p>
@@ -1013,7 +1013,7 @@
           <a:p>
             <a:fld id="{3FF39126-F987-48DB-9EEF-9CD00B9E823D}" type="datetimeFigureOut">
               <a:rPr lang="fr-FR" smtClean="0"/>
-              <a:t>06/03/2024</a:t>
+              <a:t>24/07/2024</a:t>
             </a:fld>
             <a:endParaRPr lang="fr-FR"/>
           </a:p>
@@ -1245,7 +1245,7 @@
           <a:p>
             <a:fld id="{3FF39126-F987-48DB-9EEF-9CD00B9E823D}" type="datetimeFigureOut">
               <a:rPr lang="fr-FR" smtClean="0"/>
-              <a:t>06/03/2024</a:t>
+              <a:t>24/07/2024</a:t>
             </a:fld>
             <a:endParaRPr lang="fr-FR"/>
           </a:p>
@@ -1612,7 +1612,7 @@
           <a:p>
             <a:fld id="{3FF39126-F987-48DB-9EEF-9CD00B9E823D}" type="datetimeFigureOut">
               <a:rPr lang="fr-FR" smtClean="0"/>
-              <a:t>06/03/2024</a:t>
+              <a:t>24/07/2024</a:t>
             </a:fld>
             <a:endParaRPr lang="fr-FR"/>
           </a:p>
@@ -1730,7 +1730,7 @@
           <a:p>
             <a:fld id="{3FF39126-F987-48DB-9EEF-9CD00B9E823D}" type="datetimeFigureOut">
               <a:rPr lang="fr-FR" smtClean="0"/>
-              <a:t>06/03/2024</a:t>
+              <a:t>24/07/2024</a:t>
             </a:fld>
             <a:endParaRPr lang="fr-FR"/>
           </a:p>
@@ -1825,7 +1825,7 @@
           <a:p>
             <a:fld id="{3FF39126-F987-48DB-9EEF-9CD00B9E823D}" type="datetimeFigureOut">
               <a:rPr lang="fr-FR" smtClean="0"/>
-              <a:t>06/03/2024</a:t>
+              <a:t>24/07/2024</a:t>
             </a:fld>
             <a:endParaRPr lang="fr-FR"/>
           </a:p>
@@ -2102,7 +2102,7 @@
           <a:p>
             <a:fld id="{3FF39126-F987-48DB-9EEF-9CD00B9E823D}" type="datetimeFigureOut">
               <a:rPr lang="fr-FR" smtClean="0"/>
-              <a:t>06/03/2024</a:t>
+              <a:t>24/07/2024</a:t>
             </a:fld>
             <a:endParaRPr lang="fr-FR"/>
           </a:p>
@@ -2359,7 +2359,7 @@
           <a:p>
             <a:fld id="{3FF39126-F987-48DB-9EEF-9CD00B9E823D}" type="datetimeFigureOut">
               <a:rPr lang="fr-FR" smtClean="0"/>
-              <a:t>06/03/2024</a:t>
+              <a:t>24/07/2024</a:t>
             </a:fld>
             <a:endParaRPr lang="fr-FR"/>
           </a:p>
@@ -2572,7 +2572,7 @@
           <a:p>
             <a:fld id="{3FF39126-F987-48DB-9EEF-9CD00B9E823D}" type="datetimeFigureOut">
               <a:rPr lang="fr-FR" smtClean="0"/>
-              <a:t>06/03/2024</a:t>
+              <a:t>24/07/2024</a:t>
             </a:fld>
             <a:endParaRPr lang="fr-FR"/>
           </a:p>
@@ -4348,9 +4348,9 @@
               <p:grpSpPr>
                 <a:xfrm>
                   <a:off x="329184" y="223114"/>
-                  <a:ext cx="5062118" cy="7983841"/>
+                  <a:ext cx="5062117" cy="7983841"/>
                   <a:chOff x="329184" y="223114"/>
-                  <a:chExt cx="5062118" cy="7983841"/>
+                  <a:chExt cx="5062117" cy="7983841"/>
                 </a:xfrm>
               </p:grpSpPr>
               <p:pic>
@@ -4375,7 +4375,7 @@
                 <p:spPr>
                   <a:xfrm>
                     <a:off x="329184" y="223114"/>
-                    <a:ext cx="5062118" cy="6327647"/>
+                    <a:ext cx="5062117" cy="6327647"/>
                   </a:xfrm>
                   <a:prstGeom prst="rect">
                     <a:avLst/>
@@ -6433,12 +6433,8 @@
             <a:lstStyle/>
             <a:p>
               <a:r>
-                <a:rPr lang="fr-FR" sz="1400" dirty="0" err="1"/>
-                <a:t>Modelling</a:t>
-              </a:r>
-              <a:r>
                 <a:rPr lang="fr-FR" sz="1400" dirty="0"/>
-                <a:t> </a:t>
+                <a:t>Modeling </a:t>
               </a:r>
               <a:r>
                 <a:rPr lang="fr-FR" sz="1400" dirty="0" err="1"/>
@@ -6487,12 +6483,8 @@
             <a:lstStyle/>
             <a:p>
               <a:r>
-                <a:rPr lang="fr-FR" sz="1400" dirty="0" err="1"/>
-                <a:t>Modelling</a:t>
-              </a:r>
-              <a:r>
                 <a:rPr lang="fr-FR" sz="1400" dirty="0"/>
-                <a:t> </a:t>
+                <a:t>Modeling </a:t>
               </a:r>
               <a:r>
                 <a:rPr lang="fr-FR" sz="1400" dirty="0" err="1"/>
@@ -9747,7 +9739,7 @@
             <p:spPr>
               <a:xfrm>
                 <a:off x="439950" y="1235240"/>
-                <a:ext cx="318052" cy="369332"/>
+                <a:ext cx="318052" cy="383906"/>
               </a:xfrm>
               <a:prstGeom prst="rect">
                 <a:avLst/>
@@ -9762,7 +9754,7 @@
               <a:p>
                 <a:r>
                   <a:rPr lang="fr-FR" b="1" dirty="0"/>
-                  <a:t>B</a:t>
+                  <a:t>b</a:t>
                 </a:r>
               </a:p>
             </p:txBody>
@@ -9834,7 +9826,7 @@
             <a:p>
               <a:r>
                 <a:rPr lang="fr-FR" b="1" dirty="0"/>
-                <a:t>A</a:t>
+                <a:t>a</a:t>
               </a:r>
             </a:p>
           </p:txBody>
